--- a/lectures/00.relations/Отношения между классами.pptx
+++ b/lectures/00.relations/Отношения между классами.pptx
@@ -8,28 +8,28 @@
     <p:notesMasterId r:id="rId24"/>
   </p:notesMasterIdLst>
   <p:sldIdLst>
-    <p:sldId id="256" r:id="rId2"/>
-    <p:sldId id="353" r:id="rId3"/>
-    <p:sldId id="355" r:id="rId4"/>
-    <p:sldId id="359" r:id="rId5"/>
-    <p:sldId id="358" r:id="rId6"/>
-    <p:sldId id="360" r:id="rId7"/>
-    <p:sldId id="361" r:id="rId8"/>
-    <p:sldId id="362" r:id="rId9"/>
-    <p:sldId id="364" r:id="rId10"/>
-    <p:sldId id="365" r:id="rId11"/>
-    <p:sldId id="367" r:id="rId12"/>
-    <p:sldId id="368" r:id="rId13"/>
-    <p:sldId id="371" r:id="rId14"/>
-    <p:sldId id="372" r:id="rId15"/>
-    <p:sldId id="374" r:id="rId16"/>
-    <p:sldId id="356" r:id="rId17"/>
-    <p:sldId id="373" r:id="rId18"/>
-    <p:sldId id="375" r:id="rId19"/>
-    <p:sldId id="400" r:id="rId20"/>
-    <p:sldId id="376" r:id="rId21"/>
-    <p:sldId id="257" r:id="rId22"/>
-    <p:sldId id="402" r:id="rId23"/>
+    <p:sldId id="426" r:id="rId2"/>
+    <p:sldId id="403" r:id="rId3"/>
+    <p:sldId id="404" r:id="rId4"/>
+    <p:sldId id="354" r:id="rId5"/>
+    <p:sldId id="405" r:id="rId6"/>
+    <p:sldId id="357" r:id="rId7"/>
+    <p:sldId id="406" r:id="rId8"/>
+    <p:sldId id="408" r:id="rId9"/>
+    <p:sldId id="411" r:id="rId10"/>
+    <p:sldId id="379" r:id="rId11"/>
+    <p:sldId id="412" r:id="rId12"/>
+    <p:sldId id="366" r:id="rId13"/>
+    <p:sldId id="414" r:id="rId14"/>
+    <p:sldId id="369" r:id="rId15"/>
+    <p:sldId id="370" r:id="rId16"/>
+    <p:sldId id="419" r:id="rId17"/>
+    <p:sldId id="420" r:id="rId18"/>
+    <p:sldId id="421" r:id="rId19"/>
+    <p:sldId id="422" r:id="rId20"/>
+    <p:sldId id="423" r:id="rId21"/>
+    <p:sldId id="424" r:id="rId22"/>
+    <p:sldId id="425" r:id="rId23"/>
   </p:sldIdLst>
   <p:sldSz cx="12192000" cy="6858000"/>
   <p:notesSz cx="6858000" cy="9144000"/>
@@ -128,6 +128,41 @@
       </a:defRPr>
     </a:lvl9pPr>
   </p:defaultTextStyle>
+  <p:extLst>
+    <p:ext uri="{521415D9-36F7-43E2-AB2F-B90AF26B5E84}">
+      <p14:sectionLst xmlns:p14="http://schemas.microsoft.com/office/powerpoint/2010/main">
+        <p14:section name="Default Section" id="{C0DE4342-374D-4506-BDDE-7A69154730CF}">
+          <p14:sldIdLst>
+            <p14:sldId id="426"/>
+            <p14:sldId id="403"/>
+            <p14:sldId id="404"/>
+            <p14:sldId id="354"/>
+            <p14:sldId id="405"/>
+            <p14:sldId id="357"/>
+            <p14:sldId id="406"/>
+            <p14:sldId id="408"/>
+            <p14:sldId id="411"/>
+            <p14:sldId id="379"/>
+            <p14:sldId id="412"/>
+            <p14:sldId id="366"/>
+            <p14:sldId id="414"/>
+            <p14:sldId id="369"/>
+            <p14:sldId id="370"/>
+            <p14:sldId id="419"/>
+            <p14:sldId id="420"/>
+            <p14:sldId id="421"/>
+            <p14:sldId id="422"/>
+            <p14:sldId id="423"/>
+            <p14:sldId id="424"/>
+            <p14:sldId id="425"/>
+          </p14:sldIdLst>
+        </p14:section>
+      </p14:sectionLst>
+    </p:ext>
+    <p:ext uri="{EFAFB233-063F-42B5-8137-9DF3F51BA10A}">
+      <p15:sldGuideLst xmlns:p15="http://schemas.microsoft.com/office/powerpoint/2012/main"/>
+    </p:ext>
+  </p:extLst>
 </p:presentation>
 </file>
 
@@ -213,7 +248,7 @@
           <a:p>
             <a:fld id="{759A8C27-CF52-4E7F-AAE7-4D864EAACE7B}" type="datetimeFigureOut">
               <a:rPr lang="ru-RU" smtClean="0"/>
-              <a:t>08.09.2023</a:t>
+              <a:t>06.09.2024</a:t>
             </a:fld>
             <a:endParaRPr lang="ru-RU"/>
           </a:p>
@@ -508,7 +543,12 @@
             <p:ph type="sldImg"/>
           </p:nvPr>
         </p:nvSpPr>
-        <p:spPr/>
+        <p:spPr>
+          <a:xfrm>
+            <a:off x="381000" y="685800"/>
+            <a:ext cx="6096000" cy="3429000"/>
+          </a:xfrm>
+        </p:spPr>
       </p:sp>
       <p:sp>
         <p:nvSpPr>
@@ -666,7 +706,12 @@
             <p:ph type="sldImg"/>
           </p:nvPr>
         </p:nvSpPr>
-        <p:spPr/>
+        <p:spPr>
+          <a:xfrm>
+            <a:off x="381000" y="685800"/>
+            <a:ext cx="6096000" cy="3429000"/>
+          </a:xfrm>
+        </p:spPr>
       </p:sp>
       <p:sp>
         <p:nvSpPr>
@@ -793,7 +838,12 @@
             <p:ph type="sldImg"/>
           </p:nvPr>
         </p:nvSpPr>
-        <p:spPr/>
+        <p:spPr>
+          <a:xfrm>
+            <a:off x="381000" y="685800"/>
+            <a:ext cx="6096000" cy="3429000"/>
+          </a:xfrm>
+        </p:spPr>
       </p:sp>
       <p:sp>
         <p:nvSpPr>
@@ -812,50 +862,11 @@
           <a:p>
             <a:r>
               <a:rPr lang="ru-RU" dirty="0"/>
-              <a:t>На схемах зависимость изображается пунктирной стрелкой, идущей от Клиента к Поставщику. Чтобы конкретизировать, какой вид зависимости используется, на стрелке дополнительно может указываться одно из следующих слов:</a:t>
-            </a:r>
-          </a:p>
-          <a:p>
-            <a:pPr>
-              <a:buFont typeface="Arial" panose="020B0604020202020204" pitchFamily="34" charset="0"/>
-              <a:buChar char="•"/>
-            </a:pPr>
-            <a:r>
-              <a:rPr lang="ru-RU" dirty="0" err="1"/>
-              <a:t>create</a:t>
-            </a:r>
-            <a:r>
-              <a:rPr lang="ru-RU" dirty="0"/>
-              <a:t>. Метод Клиента создаёт экземпляр Поставщика и использует его, не передавая наружу.</a:t>
-            </a:r>
-          </a:p>
-          <a:p>
-            <a:pPr>
-              <a:buFont typeface="Arial" panose="020B0604020202020204" pitchFamily="34" charset="0"/>
-              <a:buChar char="•"/>
-            </a:pPr>
-            <a:r>
-              <a:rPr lang="ru-RU" dirty="0" err="1"/>
-              <a:t>return</a:t>
-            </a:r>
-            <a:r>
-              <a:rPr lang="ru-RU" dirty="0"/>
-              <a:t>. Клиент возвращает экземпляр Поставщика. При этом клиент может создавать Поставщика самостоятельно или делегировать создание другому объекту. </a:t>
-            </a:r>
-            <a:endParaRPr lang="en-US" dirty="0"/>
-          </a:p>
-          <a:p>
-            <a:pPr>
-              <a:buFont typeface="Arial" panose="020B0604020202020204" pitchFamily="34" charset="0"/>
-              <a:buChar char="•"/>
-            </a:pPr>
-            <a:r>
-              <a:rPr lang="ru-RU" dirty="0" err="1"/>
-              <a:t>use</a:t>
-            </a:r>
-            <a:r>
-              <a:rPr lang="ru-RU" dirty="0"/>
-              <a:t>. Клиент использует зависимость, переданную ему через параметр метода. Для этого он вызывает методы переданных ему параметров или передаёт их дальше в качестве параметров.</a:t>
+              <a:t>Ещё один пример — загрузка и сохранение объектов в потоки ввода и вывода</a:t>
+            </a:r>
+            <a:r>
+              <a:rPr lang="en-US" dirty="0"/>
+              <a:t>.</a:t>
             </a:r>
           </a:p>
           <a:p>
@@ -878,19 +889,19 @@
             </a:pPr>
             <a:r>
               <a:rPr lang="ru-RU" dirty="0"/>
-              <a:t>Класс Прямоугольник использует переданный ему Холст (</a:t>
+              <a:t>Класс </a:t>
             </a:r>
             <a:r>
               <a:rPr lang="ru-RU" dirty="0" err="1"/>
-              <a:t>Canvas</a:t>
+              <a:t>Document</a:t>
             </a:r>
             <a:r>
               <a:rPr lang="ru-RU" dirty="0"/>
-              <a:t>), чтобы нарисовать на нём своё изображение, вызывая методы </a:t>
+              <a:t> зависит от классов </a:t>
             </a:r>
             <a:r>
               <a:rPr lang="ru-RU" dirty="0" err="1"/>
-              <a:t>MoveTo</a:t>
+              <a:t>ostream</a:t>
             </a:r>
             <a:r>
               <a:rPr lang="ru-RU" dirty="0"/>
@@ -898,20 +909,47 @@
             </a:r>
             <a:r>
               <a:rPr lang="ru-RU" dirty="0" err="1"/>
-              <a:t>LineTo</a:t>
+              <a:t>istream</a:t>
             </a:r>
             <a:r>
               <a:rPr lang="ru-RU" dirty="0"/>
-              <a:t>. Так можно многократно с разными параметрами вызывать метод </a:t>
+              <a:t> только во время вызова методов </a:t>
             </a:r>
             <a:r>
               <a:rPr lang="ru-RU" dirty="0" err="1"/>
-              <a:t>Draw</a:t>
+              <a:t>SaveToStream</a:t>
             </a:r>
             <a:r>
               <a:rPr lang="ru-RU" dirty="0"/>
-              <a:t> у одного и того же прямоугольника, получая изображение прямоугольника на разных холстах.</a:t>
-            </a:r>
+              <a:t> и </a:t>
+            </a:r>
+            <a:r>
+              <a:rPr lang="ru-RU" dirty="0" err="1"/>
+              <a:t>LoadFromStream</a:t>
+            </a:r>
+            <a:r>
+              <a:rPr lang="ru-RU" dirty="0"/>
+              <a:t>. Это значит, что на протяжении жизни Документа его можно сохранять в разные потоки вывода или загружать из разных потоков ввода. Точь-в-точь как для печати одного и того же документа вы используете разные листы бумаги. Обратной зависимости </a:t>
+            </a:r>
+            <a:r>
+              <a:rPr lang="ru-RU" dirty="0" err="1"/>
+              <a:t>ostream</a:t>
+            </a:r>
+            <a:r>
+              <a:rPr lang="ru-RU" dirty="0"/>
+              <a:t> и </a:t>
+            </a:r>
+            <a:r>
+              <a:rPr lang="ru-RU" dirty="0" err="1"/>
+              <a:t>istream</a:t>
+            </a:r>
+            <a:r>
+              <a:rPr lang="ru-RU" dirty="0"/>
+              <a:t> от документа нет.</a:t>
+            </a:r>
+          </a:p>
+          <a:p>
+            <a:endParaRPr lang="ru-RU" dirty="0"/>
           </a:p>
         </p:txBody>
       </p:sp>
@@ -942,7 +980,7 @@
     </p:spTree>
     <p:extLst>
       <p:ext uri="{BB962C8B-B14F-4D97-AF65-F5344CB8AC3E}">
-        <p14:creationId xmlns:p14="http://schemas.microsoft.com/office/powerpoint/2010/main" val="2564408467"/>
+        <p14:creationId xmlns:p14="http://schemas.microsoft.com/office/powerpoint/2010/main" val="2014209181"/>
       </p:ext>
     </p:extLst>
   </p:cSld>
@@ -979,7 +1017,12 @@
             <p:ph type="sldImg"/>
           </p:nvPr>
         </p:nvSpPr>
-        <p:spPr/>
+        <p:spPr>
+          <a:xfrm>
+            <a:off x="381000" y="685800"/>
+            <a:ext cx="6096000" cy="3429000"/>
+          </a:xfrm>
+        </p:spPr>
       </p:sp>
       <p:sp>
         <p:nvSpPr>
@@ -998,7 +1041,105 @@
           <a:p>
             <a:r>
               <a:rPr lang="ru-RU" dirty="0"/>
-              <a:t>Зависимость — наиболее слабая связь между классами среди рассмотренных отношений. Эта слабость даёт наибольшую гибкость — каждый вызов метода Клиента может иметь дело с новым Поставщиком. За эту гибкость приходится платить — зависимость транзитивна. Она распространяется на всех пользователей Клиента — они должны уметь создать Поставщика перед тем как передать его Клиенту в качестве параметра и знать, что делать с Поставщиком, которого им вернул Клиент. При композиции и агрегации зависимость не распространяется, так как Целое скрывает свои Части в приватной области.</a:t>
+              <a:t>На схемах зависимость изображается пунктирной стрелкой, идущей от Клиента к Поставщику. Чтобы конкретизировать, какой вид зависимости используется, на стрелке дополнительно может указываться одно из следующих слов:</a:t>
+            </a:r>
+          </a:p>
+          <a:p>
+            <a:pPr>
+              <a:buFont typeface="Arial" panose="020B0604020202020204" pitchFamily="34" charset="0"/>
+              <a:buChar char="•"/>
+            </a:pPr>
+            <a:r>
+              <a:rPr lang="ru-RU" dirty="0" err="1"/>
+              <a:t>create</a:t>
+            </a:r>
+            <a:r>
+              <a:rPr lang="ru-RU" dirty="0"/>
+              <a:t>. Метод Клиента создаёт экземпляр Поставщика и использует его, не передавая наружу.</a:t>
+            </a:r>
+          </a:p>
+          <a:p>
+            <a:pPr>
+              <a:buFont typeface="Arial" panose="020B0604020202020204" pitchFamily="34" charset="0"/>
+              <a:buChar char="•"/>
+            </a:pPr>
+            <a:r>
+              <a:rPr lang="ru-RU" dirty="0" err="1"/>
+              <a:t>return</a:t>
+            </a:r>
+            <a:r>
+              <a:rPr lang="ru-RU" dirty="0"/>
+              <a:t>. Клиент возвращает экземпляр Поставщика. При этом клиент может создавать Поставщика самостоятельно или делегировать создание другому объекту. </a:t>
+            </a:r>
+            <a:endParaRPr lang="en-US" dirty="0"/>
+          </a:p>
+          <a:p>
+            <a:pPr>
+              <a:buFont typeface="Arial" panose="020B0604020202020204" pitchFamily="34" charset="0"/>
+              <a:buChar char="•"/>
+            </a:pPr>
+            <a:r>
+              <a:rPr lang="ru-RU" dirty="0" err="1"/>
+              <a:t>use</a:t>
+            </a:r>
+            <a:r>
+              <a:rPr lang="ru-RU" dirty="0"/>
+              <a:t>. Клиент использует зависимость, переданную ему через параметр метода. Для этого он вызывает методы переданных ему параметров или передаёт их дальше в качестве параметров.</a:t>
+            </a:r>
+          </a:p>
+          <a:p>
+            <a:pPr marL="0" marR="0" lvl="0" indent="0" algn="l" defTabSz="914400" rtl="0" eaLnBrk="1" fontAlgn="auto" latinLnBrk="0" hangingPunct="1">
+              <a:lnSpc>
+                <a:spcPct val="100000"/>
+              </a:lnSpc>
+              <a:spcBef>
+                <a:spcPts val="0"/>
+              </a:spcBef>
+              <a:spcAft>
+                <a:spcPts val="0"/>
+              </a:spcAft>
+              <a:buClrTx/>
+              <a:buSzTx/>
+              <a:buFontTx/>
+              <a:buNone/>
+              <a:tabLst/>
+              <a:defRPr/>
+            </a:pPr>
+            <a:r>
+              <a:rPr lang="ru-RU" dirty="0"/>
+              <a:t>Класс Прямоугольник использует переданный ему Холст (</a:t>
+            </a:r>
+            <a:r>
+              <a:rPr lang="ru-RU" dirty="0" err="1"/>
+              <a:t>Canvas</a:t>
+            </a:r>
+            <a:r>
+              <a:rPr lang="ru-RU" dirty="0"/>
+              <a:t>), чтобы нарисовать на нём своё изображение, вызывая методы </a:t>
+            </a:r>
+            <a:r>
+              <a:rPr lang="ru-RU" dirty="0" err="1"/>
+              <a:t>MoveTo</a:t>
+            </a:r>
+            <a:r>
+              <a:rPr lang="ru-RU" dirty="0"/>
+              <a:t> и </a:t>
+            </a:r>
+            <a:r>
+              <a:rPr lang="ru-RU" dirty="0" err="1"/>
+              <a:t>LineTo</a:t>
+            </a:r>
+            <a:r>
+              <a:rPr lang="ru-RU" dirty="0"/>
+              <a:t>. Так можно многократно с разными параметрами вызывать метод </a:t>
+            </a:r>
+            <a:r>
+              <a:rPr lang="ru-RU" dirty="0" err="1"/>
+              <a:t>Draw</a:t>
+            </a:r>
+            <a:r>
+              <a:rPr lang="ru-RU" dirty="0"/>
+              <a:t> у одного и того же прямоугольника, получая изображение прямоугольника на разных холстах.</a:t>
             </a:r>
           </a:p>
         </p:txBody>
@@ -1030,7 +1171,7 @@
     </p:spTree>
     <p:extLst>
       <p:ext uri="{BB962C8B-B14F-4D97-AF65-F5344CB8AC3E}">
-        <p14:creationId xmlns:p14="http://schemas.microsoft.com/office/powerpoint/2010/main" val="2644860739"/>
+        <p14:creationId xmlns:p14="http://schemas.microsoft.com/office/powerpoint/2010/main" val="2564408467"/>
       </p:ext>
     </p:extLst>
   </p:cSld>
@@ -1067,7 +1208,12 @@
             <p:ph type="sldImg"/>
           </p:nvPr>
         </p:nvSpPr>
-        <p:spPr/>
+        <p:spPr>
+          <a:xfrm>
+            <a:off x="381000" y="685800"/>
+            <a:ext cx="6096000" cy="3429000"/>
+          </a:xfrm>
+        </p:spPr>
       </p:sp>
       <p:sp>
         <p:nvSpPr>
@@ -1086,8 +1232,69 @@
           <a:p>
             <a:r>
               <a:rPr lang="ru-RU" dirty="0"/>
-              <a:t>В C++ и многих других языках программирования для выражения отношения «является» используется наследование. Механизм наследования создаёт новый класс не с нуля, а на основе уже существующего класса. Новый класс сохраняет данные и поведение родительского класса. За счёт этого обеспечивается повторное использование кода. </a:t>
-            </a:r>
+              <a:t>Зависимость — наиболее слабая связь между классами среди рассмотренных отношений. Эта слабость даёт наибольшую гибкость — каждый вызов метода Клиента может иметь дело с новым Поставщиком. За эту гибкость приходится платить — зависимость транзитивна. Она распространяется на всех пользователей Клиента — они должны уметь создать Поставщика перед тем как передать его Клиенту в качестве параметра и знать, что делать с Поставщиком, которого им вернул Клиент. При композиции и агрегации зависимость не распространяется, так как Целое скрывает свои Части в приватной области.</a:t>
+            </a:r>
+          </a:p>
+          <a:p>
+            <a:r>
+              <a:rPr lang="ru-RU" dirty="0"/>
+              <a:t>На схеме показан класс </a:t>
+            </a:r>
+            <a:r>
+              <a:rPr lang="en-US" dirty="0"/>
+              <a:t>Foo</a:t>
+            </a:r>
+            <a:r>
+              <a:rPr lang="ru-RU" dirty="0"/>
+              <a:t>, один из методов которого возвращает экземпляры </a:t>
+            </a:r>
+            <a:r>
+              <a:rPr lang="en-US" dirty="0"/>
+              <a:t>Bar</a:t>
+            </a:r>
+            <a:r>
+              <a:rPr lang="ru-RU" dirty="0"/>
+              <a:t>. Метод класса </a:t>
+            </a:r>
+            <a:r>
+              <a:rPr lang="en-US" dirty="0"/>
+              <a:t>Bar</a:t>
+            </a:r>
+            <a:r>
+              <a:rPr lang="ru-RU" dirty="0"/>
+              <a:t>, в свою очередь принимает экземпляры класса </a:t>
+            </a:r>
+            <a:r>
+              <a:rPr lang="en-US" dirty="0"/>
+              <a:t>Baz.</a:t>
+            </a:r>
+          </a:p>
+          <a:p>
+            <a:r>
+              <a:rPr lang="ru-RU" dirty="0"/>
+              <a:t>Поэтому на клиентов класса </a:t>
+            </a:r>
+            <a:r>
+              <a:rPr lang="en-US" dirty="0"/>
+              <a:t>Foo </a:t>
+            </a:r>
+            <a:r>
+              <a:rPr lang="ru-RU" dirty="0"/>
+              <a:t>распространяется знание не только о классе </a:t>
+            </a:r>
+            <a:r>
+              <a:rPr lang="en-US" dirty="0"/>
+              <a:t>Bar</a:t>
+            </a:r>
+            <a:r>
+              <a:rPr lang="ru-RU" dirty="0"/>
+              <a:t>, но и о классе </a:t>
+            </a:r>
+            <a:r>
+              <a:rPr lang="en-US" dirty="0"/>
+              <a:t>Baz</a:t>
+            </a:r>
+            <a:endParaRPr lang="ru-RU" dirty="0"/>
           </a:p>
         </p:txBody>
       </p:sp>
@@ -1109,7 +1316,7 @@
             <a:fld id="{7AD27560-579B-482E-BED7-036450DE1808}" type="slidenum">
               <a:rPr lang="ru-RU" smtClean="0"/>
               <a:pPr/>
-              <a:t>16</a:t>
+              <a:t>15</a:t>
             </a:fld>
             <a:endParaRPr lang="ru-RU"/>
           </a:p>
@@ -1118,7 +1325,7 @@
     </p:spTree>
     <p:extLst>
       <p:ext uri="{BB962C8B-B14F-4D97-AF65-F5344CB8AC3E}">
-        <p14:creationId xmlns:p14="http://schemas.microsoft.com/office/powerpoint/2010/main" val="2282672383"/>
+        <p14:creationId xmlns:p14="http://schemas.microsoft.com/office/powerpoint/2010/main" val="2644860739"/>
       </p:ext>
     </p:extLst>
   </p:cSld>
@@ -1172,46 +1379,10 @@
           <a:bodyPr/>
           <a:lstStyle/>
           <a:p>
-            <a:pPr marL="0" marR="0" lvl="0" indent="0" algn="l" defTabSz="914400" rtl="0" eaLnBrk="1" fontAlgn="auto" latinLnBrk="0" hangingPunct="1">
-              <a:lnSpc>
-                <a:spcPct val="100000"/>
-              </a:lnSpc>
-              <a:spcBef>
-                <a:spcPts val="0"/>
-              </a:spcBef>
-              <a:spcAft>
-                <a:spcPts val="0"/>
-              </a:spcAft>
-              <a:buClrTx/>
-              <a:buSzTx/>
-              <a:buFontTx/>
-              <a:buNone/>
-              <a:tabLst/>
-              <a:defRPr/>
-            </a:pPr>
             <a:r>
               <a:rPr lang="ru-RU" dirty="0"/>
-              <a:t>Графически наследование обозначается в виде стрелки с треугольным наконечником, направленной от наследника к базовому классу. Иногда встречается форма записи, при которой соединительная линия содержит надпись {{"</a:t>
-            </a:r>
-            <a:r>
-              <a:rPr lang="ru-RU" dirty="0" err="1"/>
-              <a:t>Extends</a:t>
-            </a:r>
-            <a:r>
-              <a:rPr lang="ru-RU" dirty="0"/>
-              <a:t>"}}[</a:t>
-            </a:r>
-            <a:r>
-              <a:rPr lang="ru-RU" dirty="0" err="1"/>
-              <a:t>be_translate_cpp_extends</a:t>
-            </a:r>
-            <a:r>
-              <a:rPr lang="ru-RU" dirty="0"/>
-              <a:t>]. На следующем рисунке показаны различные иерархии наследования.</a:t>
-            </a:r>
-          </a:p>
-          <a:p>
-            <a:endParaRPr lang="ru-RU" dirty="0"/>
+              <a:t>В C++ и многих других языках программирования для выражения отношения «является» используется наследование. Механизм наследования создаёт новый класс не с нуля, а на основе уже существующего класса. Новый класс сохраняет данные и поведение родительского класса. За счёт этого обеспечивается повторное использование кода. </a:t>
+            </a:r>
           </a:p>
         </p:txBody>
       </p:sp>
@@ -1242,7 +1413,7 @@
     </p:spTree>
     <p:extLst>
       <p:ext uri="{BB962C8B-B14F-4D97-AF65-F5344CB8AC3E}">
-        <p14:creationId xmlns:p14="http://schemas.microsoft.com/office/powerpoint/2010/main" val="555908741"/>
+        <p14:creationId xmlns:p14="http://schemas.microsoft.com/office/powerpoint/2010/main" val="2947781269"/>
       </p:ext>
     </p:extLst>
   </p:cSld>
@@ -1296,24 +1467,46 @@
           <a:bodyPr/>
           <a:lstStyle/>
           <a:p>
+            <a:pPr marL="0" marR="0" lvl="0" indent="0" algn="l" defTabSz="914400" rtl="0" eaLnBrk="1" fontAlgn="auto" latinLnBrk="0" hangingPunct="1">
+              <a:lnSpc>
+                <a:spcPct val="100000"/>
+              </a:lnSpc>
+              <a:spcBef>
+                <a:spcPts val="0"/>
+              </a:spcBef>
+              <a:spcAft>
+                <a:spcPts val="0"/>
+              </a:spcAft>
+              <a:buClrTx/>
+              <a:buSzTx/>
+              <a:buFontTx/>
+              <a:buNone/>
+              <a:tabLst/>
+              <a:defRPr/>
+            </a:pPr>
             <a:r>
               <a:rPr lang="ru-RU" dirty="0"/>
-              <a:t>На диаграмме классов интерфейсы отображаются подобно классам, с уточняющей пометкой </a:t>
-            </a:r>
-            <a:r>
-              <a:rPr lang="ru-RU" dirty="0">
-                <a:solidFill>
-                  <a:srgbClr val="EB5757"/>
-                </a:solidFill>
-                <a:effectLst/>
-                <a:latin typeface="SFMono-Regular"/>
-              </a:rPr>
-              <a:t>&lt;&lt;Interface&gt;&gt;</a:t>
+              <a:t>Графически наследование обозначается в виде стрелки с треугольным наконечником, направленной от наследника к базовому классу. Иногда встречается форма записи, при которой соединительная линия содержит надпись {{"</a:t>
+            </a:r>
+            <a:r>
+              <a:rPr lang="ru-RU" dirty="0" err="1"/>
+              <a:t>Extends</a:t>
             </a:r>
             <a:r>
               <a:rPr lang="ru-RU" dirty="0"/>
-              <a:t>.</a:t>
-            </a:r>
+              <a:t>"}}[</a:t>
+            </a:r>
+            <a:r>
+              <a:rPr lang="ru-RU" dirty="0" err="1"/>
+              <a:t>be_translate_cpp_extends</a:t>
+            </a:r>
+            <a:r>
+              <a:rPr lang="ru-RU" dirty="0"/>
+              <a:t>]. На следующем рисунке показаны различные иерархии наследования.</a:t>
+            </a:r>
+          </a:p>
+          <a:p>
+            <a:endParaRPr lang="ru-RU" dirty="0"/>
           </a:p>
         </p:txBody>
       </p:sp>
@@ -1335,7 +1528,7 @@
             <a:fld id="{7AD27560-579B-482E-BED7-036450DE1808}" type="slidenum">
               <a:rPr lang="ru-RU" smtClean="0"/>
               <a:pPr/>
-              <a:t>19</a:t>
+              <a:t>18</a:t>
             </a:fld>
             <a:endParaRPr lang="ru-RU"/>
           </a:p>
@@ -1344,7 +1537,7 @@
     </p:spTree>
     <p:extLst>
       <p:ext uri="{BB962C8B-B14F-4D97-AF65-F5344CB8AC3E}">
-        <p14:creationId xmlns:p14="http://schemas.microsoft.com/office/powerpoint/2010/main" val="737704393"/>
+        <p14:creationId xmlns:p14="http://schemas.microsoft.com/office/powerpoint/2010/main" val="1775720825"/>
       </p:ext>
     </p:extLst>
   </p:cSld>
@@ -1398,24 +1591,24 @@
           <a:bodyPr/>
           <a:lstStyle/>
           <a:p>
-            <a:pPr marL="0" marR="0" lvl="0" indent="0" algn="l" defTabSz="914400" rtl="0" eaLnBrk="1" fontAlgn="auto" latinLnBrk="0" hangingPunct="1">
-              <a:lnSpc>
-                <a:spcPct val="100000"/>
-              </a:lnSpc>
-              <a:spcBef>
-                <a:spcPts val="0"/>
-              </a:spcBef>
-              <a:spcAft>
-                <a:spcPts val="0"/>
-              </a:spcAft>
-              <a:buClrTx/>
-              <a:buSzTx/>
-              <a:buFontTx/>
-              <a:buNone/>
-              <a:tabLst/>
-              <a:defRPr/>
-            </a:pPr>
-            <a:endParaRPr lang="ru-RU" dirty="0"/>
+            <a:r>
+              <a:rPr lang="ru-RU" dirty="0"/>
+              <a:t>На диаграмме классов интерфейсы отображаются подобно классам, с уточняющей пометкой </a:t>
+            </a:r>
+            <a:r>
+              <a:rPr lang="ru-RU" dirty="0">
+                <a:solidFill>
+                  <a:srgbClr val="EB5757"/>
+                </a:solidFill>
+                <a:effectLst/>
+                <a:latin typeface="SFMono-Regular"/>
+              </a:rPr>
+              <a:t>&lt;&lt;Interface&gt;&gt;</a:t>
+            </a:r>
+            <a:r>
+              <a:rPr lang="ru-RU" dirty="0"/>
+              <a:t>.</a:t>
+            </a:r>
           </a:p>
         </p:txBody>
       </p:sp>
@@ -1437,7 +1630,7 @@
             <a:fld id="{7AD27560-579B-482E-BED7-036450DE1808}" type="slidenum">
               <a:rPr lang="ru-RU" smtClean="0"/>
               <a:pPr/>
-              <a:t>22</a:t>
+              <a:t>20</a:t>
             </a:fld>
             <a:endParaRPr lang="ru-RU"/>
           </a:p>
@@ -1446,7 +1639,7 @@
     </p:spTree>
     <p:extLst>
       <p:ext uri="{BB962C8B-B14F-4D97-AF65-F5344CB8AC3E}">
-        <p14:creationId xmlns:p14="http://schemas.microsoft.com/office/powerpoint/2010/main" val="459775745"/>
+        <p14:creationId xmlns:p14="http://schemas.microsoft.com/office/powerpoint/2010/main" val="3782252634"/>
       </p:ext>
     </p:extLst>
   </p:cSld>
@@ -1483,7 +1676,12 @@
             <p:ph type="sldImg"/>
           </p:nvPr>
         </p:nvSpPr>
-        <p:spPr/>
+        <p:spPr>
+          <a:xfrm>
+            <a:off x="381000" y="685800"/>
+            <a:ext cx="6096000" cy="3429000"/>
+          </a:xfrm>
+        </p:spPr>
       </p:sp>
       <p:sp>
         <p:nvSpPr>
@@ -1591,7 +1789,12 @@
             <p:ph type="sldImg"/>
           </p:nvPr>
         </p:nvSpPr>
-        <p:spPr/>
+        <p:spPr>
+          <a:xfrm>
+            <a:off x="381000" y="685800"/>
+            <a:ext cx="6096000" cy="3429000"/>
+          </a:xfrm>
+        </p:spPr>
       </p:sp>
       <p:sp>
         <p:nvSpPr>
@@ -1610,38 +1813,57 @@
           <a:p>
             <a:r>
               <a:rPr lang="ru-RU" dirty="0"/>
-              <a:t>На диаграмме классов композиция обозначается соединительной линией с закрашенным ромбом, исходящим от составного объекта. Со стороны включаемого объекта наконечника может и не быть.</a:t>
-            </a:r>
-          </a:p>
-          <a:p>
+              <a:t>Особенности:</a:t>
+            </a:r>
+          </a:p>
+          <a:p>
+            <a:pPr>
+              <a:buFont typeface="Arial" panose="020B0604020202020204" pitchFamily="34" charset="0"/>
+              <a:buChar char="•"/>
+            </a:pPr>
             <a:r>
               <a:rPr lang="ru-RU" dirty="0"/>
-              <a:t>Ограничений на количество включений простого объекта в состав более сложного нет. В приведённом примере </a:t>
-            </a:r>
-            <a:r>
-              <a:rPr lang="ru-RU" dirty="0" err="1"/>
-              <a:t>Circle</a:t>
-            </a:r>
+              <a:t>Один объект является Частью другого, составного объекта.</a:t>
+            </a:r>
+          </a:p>
+          <a:p>
+            <a:pPr>
+              <a:buFont typeface="Arial" panose="020B0604020202020204" pitchFamily="34" charset="0"/>
+              <a:buChar char="•"/>
+            </a:pPr>
             <a:r>
               <a:rPr lang="ru-RU" dirty="0"/>
-              <a:t> содержит один экземпляр </a:t>
-            </a:r>
-            <a:r>
-              <a:rPr lang="ru-RU" dirty="0" err="1"/>
-              <a:t>Point</a:t>
-            </a:r>
+              <a:t>Часть в один момент времени может принадлежать только одному составному объекту.</a:t>
+            </a:r>
+          </a:p>
+          <a:p>
+            <a:pPr>
+              <a:buFont typeface="Arial" panose="020B0604020202020204" pitchFamily="34" charset="0"/>
+              <a:buChar char="•"/>
+            </a:pPr>
             <a:r>
               <a:rPr lang="ru-RU" dirty="0"/>
-              <a:t>, а </a:t>
-            </a:r>
-            <a:r>
-              <a:rPr lang="ru-RU" dirty="0" err="1"/>
-              <a:t>Triangle</a:t>
-            </a:r>
+              <a:t>Составной объект управляет своими частями. В частности, когда объект удаляется, его части должны быть также удалены.</a:t>
+            </a:r>
+          </a:p>
+          <a:p>
+            <a:pPr>
+              <a:buFont typeface="Arial" panose="020B0604020202020204" pitchFamily="34" charset="0"/>
+              <a:buChar char="•"/>
+            </a:pPr>
             <a:r>
               <a:rPr lang="ru-RU" dirty="0"/>
-              <a:t> — три. Чтобы подчеркнуть множественный характер связи, на конце стрелочки может указываться количество экземпляров.</a:t>
-            </a:r>
+              <a:t>Часть не знает о существовании объекта, который ею владеет.</a:t>
+            </a:r>
+          </a:p>
+          <a:p>
+            <a:r>
+              <a:rPr lang="ru-RU" dirty="0"/>
+              <a:t>В C++ мы обычно используем композицию, когда объявляем структуру или класс.</a:t>
+            </a:r>
+          </a:p>
+          <a:p>
+            <a:endParaRPr lang="ru-RU" dirty="0"/>
           </a:p>
         </p:txBody>
       </p:sp>
@@ -1663,7 +1885,7 @@
             <a:fld id="{7AD27560-579B-482E-BED7-036450DE1808}" type="slidenum">
               <a:rPr lang="ru-RU" smtClean="0"/>
               <a:pPr/>
-              <a:t>5</a:t>
+              <a:t>4</a:t>
             </a:fld>
             <a:endParaRPr lang="ru-RU"/>
           </a:p>
@@ -1672,7 +1894,7 @@
     </p:spTree>
     <p:extLst>
       <p:ext uri="{BB962C8B-B14F-4D97-AF65-F5344CB8AC3E}">
-        <p14:creationId xmlns:p14="http://schemas.microsoft.com/office/powerpoint/2010/main" val="914357788"/>
+        <p14:creationId xmlns:p14="http://schemas.microsoft.com/office/powerpoint/2010/main" val="1361405534"/>
       </p:ext>
     </p:extLst>
   </p:cSld>
@@ -1709,7 +1931,12 @@
             <p:ph type="sldImg"/>
           </p:nvPr>
         </p:nvSpPr>
-        <p:spPr/>
+        <p:spPr>
+          <a:xfrm>
+            <a:off x="381000" y="685800"/>
+            <a:ext cx="6096000" cy="3429000"/>
+          </a:xfrm>
+        </p:spPr>
       </p:sp>
       <p:sp>
         <p:nvSpPr>
@@ -1728,137 +1955,37 @@
           <a:p>
             <a:r>
               <a:rPr lang="ru-RU" dirty="0"/>
-              <a:t>Составной класс, как правило, прячет свои члены-данные от доступа извне и управляет ими. Это позволяет сохранить состояние объекта согласованным. На следующей диаграмме представлен класс </a:t>
-            </a:r>
-            <a:r>
-              <a:rPr lang="ru-RU" dirty="0" err="1">
-                <a:solidFill>
-                  <a:srgbClr val="EB5757"/>
-                </a:solidFill>
-                <a:effectLst/>
-                <a:latin typeface="SFMono-Regular"/>
-              </a:rPr>
-              <a:t>AlarmClock</a:t>
-            </a:r>
+              <a:t>Примеры композиции:</a:t>
+            </a:r>
+          </a:p>
+          <a:p>
+            <a:pPr>
+              <a:buFont typeface="Arial" panose="020B0604020202020204" pitchFamily="34" charset="0"/>
+              <a:buChar char="•"/>
+            </a:pPr>
             <a:r>
               <a:rPr lang="ru-RU" dirty="0"/>
-              <a:t>, который состоит из часов (</a:t>
-            </a:r>
-            <a:r>
-              <a:rPr lang="ru-RU" dirty="0" err="1"/>
-              <a:t>Clock</a:t>
-            </a:r>
+              <a:t>Точка на плоскости состоит из двух чисел, хранящих её координаты.</a:t>
+            </a:r>
+          </a:p>
+          <a:p>
+            <a:pPr>
+              <a:buFont typeface="Arial" panose="020B0604020202020204" pitchFamily="34" charset="0"/>
+              <a:buChar char="•"/>
+            </a:pPr>
             <a:r>
               <a:rPr lang="ru-RU" dirty="0"/>
-              <a:t>), звукового устройства (</a:t>
-            </a:r>
-            <a:r>
-              <a:rPr lang="ru-RU" dirty="0" err="1"/>
-              <a:t>Beeper</a:t>
-            </a:r>
+              <a:t>Окружность состоит из точки, задающей координаты центра, и числа, задающего радиус.</a:t>
+            </a:r>
+          </a:p>
+          <a:p>
+            <a:pPr>
+              <a:buFont typeface="Arial" panose="020B0604020202020204" pitchFamily="34" charset="0"/>
+              <a:buChar char="•"/>
+            </a:pPr>
             <a:r>
               <a:rPr lang="ru-RU" dirty="0"/>
-              <a:t>) и времени включения звукового сигнала. Пользователи Будильника не имеют доступа к содержащимся в нём полям </a:t>
-            </a:r>
-            <a:r>
-              <a:rPr lang="ru-RU" dirty="0" err="1">
-                <a:solidFill>
-                  <a:srgbClr val="EB5757"/>
-                </a:solidFill>
-                <a:effectLst/>
-                <a:latin typeface="SFMono-Regular"/>
-              </a:rPr>
-              <a:t>clock</a:t>
-            </a:r>
-            <a:r>
-              <a:rPr lang="ru-RU" dirty="0">
-                <a:solidFill>
-                  <a:srgbClr val="EB5757"/>
-                </a:solidFill>
-                <a:effectLst/>
-                <a:latin typeface="SFMono-Regular"/>
-              </a:rPr>
-              <a:t>_</a:t>
-            </a:r>
-            <a:r>
-              <a:rPr lang="ru-RU" dirty="0"/>
-              <a:t> и </a:t>
-            </a:r>
-            <a:r>
-              <a:rPr lang="ru-RU" dirty="0" err="1">
-                <a:solidFill>
-                  <a:srgbClr val="EB5757"/>
-                </a:solidFill>
-                <a:effectLst/>
-                <a:latin typeface="SFMono-Regular"/>
-              </a:rPr>
-              <a:t>beeper</a:t>
-            </a:r>
-            <a:r>
-              <a:rPr lang="ru-RU" dirty="0">
-                <a:solidFill>
-                  <a:srgbClr val="EB5757"/>
-                </a:solidFill>
-                <a:effectLst/>
-                <a:latin typeface="SFMono-Regular"/>
-              </a:rPr>
-              <a:t>_</a:t>
-            </a:r>
-            <a:r>
-              <a:rPr lang="ru-RU" dirty="0"/>
-              <a:t>. Благодаря этому сигнал пробуждения прозвучит в тот момент, когда текущее время, предоставляемое часами, станет равно значению поля </a:t>
-            </a:r>
-            <a:r>
-              <a:rPr lang="ru-RU" dirty="0" err="1">
-                <a:solidFill>
-                  <a:srgbClr val="EB5757"/>
-                </a:solidFill>
-                <a:effectLst/>
-                <a:latin typeface="SFMono-Regular"/>
-              </a:rPr>
-              <a:t>alarm_time</a:t>
-            </a:r>
-            <a:r>
-              <a:rPr lang="ru-RU" dirty="0">
-                <a:solidFill>
-                  <a:srgbClr val="EB5757"/>
-                </a:solidFill>
-                <a:effectLst/>
-                <a:latin typeface="SFMono-Regular"/>
-              </a:rPr>
-              <a:t>_</a:t>
-            </a:r>
-            <a:r>
-              <a:rPr lang="ru-RU" dirty="0"/>
-              <a:t>.</a:t>
-            </a:r>
-          </a:p>
-          <a:p>
-            <a:r>
-              <a:rPr lang="ru-RU" dirty="0"/>
-              <a:t>То, что класс </a:t>
-            </a:r>
-            <a:r>
-              <a:rPr lang="ru-RU" dirty="0" err="1"/>
-              <a:t>Beeper</a:t>
-            </a:r>
-            <a:r>
-              <a:rPr lang="ru-RU" dirty="0"/>
-              <a:t> не знает об объектах, в которых он содержится, даёт возможность использовать </a:t>
-            </a:r>
-            <a:r>
-              <a:rPr lang="ru-RU" dirty="0" err="1"/>
-              <a:t>Beeper</a:t>
-            </a:r>
-            <a:r>
-              <a:rPr lang="ru-RU" dirty="0"/>
-              <a:t> не только в будильнике, но и, например, в игрушечной полицейской машине. Только в этом случае звуковой сигнал будет включён не по достижении определённого времени, а сразу при включении игрушки.</a:t>
-            </a:r>
-          </a:p>
-          <a:p>
-            <a:r>
-              <a:rPr lang="ru-RU" dirty="0"/>
-              <a:t>При разрушении составного объекта удаляются и входящие в его состав объекты. Например, при удалении папки должны быть удалены все содержащиеся в ней файлы.</a:t>
+              <a:t>Класс рациональных чисел состоит из двух целых чисел — числителя и знаменателя.</a:t>
             </a:r>
           </a:p>
           <a:p>
@@ -1884,7 +2011,7 @@
             <a:fld id="{7AD27560-579B-482E-BED7-036450DE1808}" type="slidenum">
               <a:rPr lang="ru-RU" smtClean="0"/>
               <a:pPr/>
-              <a:t>6</a:t>
+              <a:t>5</a:t>
             </a:fld>
             <a:endParaRPr lang="ru-RU"/>
           </a:p>
@@ -1893,7 +2020,7 @@
     </p:spTree>
     <p:extLst>
       <p:ext uri="{BB962C8B-B14F-4D97-AF65-F5344CB8AC3E}">
-        <p14:creationId xmlns:p14="http://schemas.microsoft.com/office/powerpoint/2010/main" val="3688023569"/>
+        <p14:creationId xmlns:p14="http://schemas.microsoft.com/office/powerpoint/2010/main" val="3668715743"/>
       </p:ext>
     </p:extLst>
   </p:cSld>
@@ -1930,7 +2057,12 @@
             <p:ph type="sldImg"/>
           </p:nvPr>
         </p:nvSpPr>
-        <p:spPr/>
+        <p:spPr>
+          <a:xfrm>
+            <a:off x="381000" y="685800"/>
+            <a:ext cx="6096000" cy="3429000"/>
+          </a:xfrm>
+        </p:spPr>
       </p:sp>
       <p:sp>
         <p:nvSpPr>
@@ -1948,16 +2080,9 @@
           <a:lstStyle/>
           <a:p>
             <a:r>
-              <a:rPr lang="ru-RU" b="0" i="0" dirty="0">
-                <a:solidFill>
-                  <a:srgbClr val="37352F"/>
-                </a:solidFill>
-                <a:effectLst/>
-                <a:latin typeface="-apple-system"/>
-              </a:rPr>
-              <a:t>Агрегация — тоже пример отношений часть-целое, и реализуется она, подобно композиции, с использованием структур или классов. Различия между композицией и агрегацией в основном семантические.</a:t>
-            </a:r>
-            <a:endParaRPr lang="ru-RU" dirty="0"/>
+              <a:rPr lang="ru-RU" dirty="0"/>
+              <a:t>Композиция позволяет с лёгкостью создавать сложные объекты из более простых. Однажды разработав и протестировав класс, мы можем многократно использовать его как надёжный «кирпичик» в составе более крупных компонентов нашей программы. Классы стандартной библиотеки C++ являются хорошим примером таких «кирпичиков». </a:t>
+            </a:r>
           </a:p>
         </p:txBody>
       </p:sp>
@@ -1979,7 +2104,7 @@
             <a:fld id="{7AD27560-579B-482E-BED7-036450DE1808}" type="slidenum">
               <a:rPr lang="ru-RU" smtClean="0"/>
               <a:pPr/>
-              <a:t>7</a:t>
+              <a:t>6</a:t>
             </a:fld>
             <a:endParaRPr lang="ru-RU"/>
           </a:p>
@@ -1988,7 +2113,7 @@
     </p:spTree>
     <p:extLst>
       <p:ext uri="{BB962C8B-B14F-4D97-AF65-F5344CB8AC3E}">
-        <p14:creationId xmlns:p14="http://schemas.microsoft.com/office/powerpoint/2010/main" val="471827487"/>
+        <p14:creationId xmlns:p14="http://schemas.microsoft.com/office/powerpoint/2010/main" val="27535934"/>
       </p:ext>
     </p:extLst>
   </p:cSld>
@@ -2025,103 +2150,62 @@
             <p:ph type="sldImg"/>
           </p:nvPr>
         </p:nvSpPr>
+        <p:spPr>
+          <a:xfrm>
+            <a:off x="381000" y="685800"/>
+            <a:ext cx="6096000" cy="3429000"/>
+          </a:xfrm>
+        </p:spPr>
+      </p:sp>
+      <p:sp>
+        <p:nvSpPr>
+          <p:cNvPr id="3" name="Заметки 2"/>
+          <p:cNvSpPr>
+            <a:spLocks noGrp="1"/>
+          </p:cNvSpPr>
+          <p:nvPr>
+            <p:ph type="body" idx="1"/>
+          </p:nvPr>
+        </p:nvSpPr>
         <p:spPr/>
-      </p:sp>
-      <p:sp>
-        <p:nvSpPr>
-          <p:cNvPr id="3" name="Заметки 2"/>
-          <p:cNvSpPr>
-            <a:spLocks noGrp="1"/>
-          </p:cNvSpPr>
-          <p:nvPr>
-            <p:ph type="body" idx="1"/>
-          </p:nvPr>
-        </p:nvSpPr>
-        <p:spPr/>
-        <p:txBody>
-          <a:bodyPr>
-            <a:normAutofit fontScale="92500" lnSpcReduction="20000"/>
-          </a:bodyPr>
+        <p:txBody>
+          <a:bodyPr/>
           <a:lstStyle/>
           <a:p>
             <a:r>
               <a:rPr lang="ru-RU" dirty="0"/>
-              <a:t>Агрегация — тоже пример отношений часть-целое, и реализуется она, подобно композиции, с использованием структур или классов. Различия между композицией и агрегацией в основном семантические.</a:t>
+              <a:t>На диаграмме классов композиция обозначается соединительной линией с закрашенным ромбом, исходящим от составного объекта. Со стороны включаемого объекта наконечника может и не быть.</a:t>
             </a:r>
           </a:p>
           <a:p>
             <a:r>
               <a:rPr lang="ru-RU" dirty="0"/>
-              <a:t>Особенности агрегации:</a:t>
-            </a:r>
-          </a:p>
-          <a:p>
-            <a:pPr>
-              <a:buFont typeface="Arial" panose="020B0604020202020204" pitchFamily="34" charset="0"/>
-              <a:buChar char="•"/>
-            </a:pPr>
+              <a:t>Ограничений на количество включений простого объекта в состав более сложного нет. В приведённом примере </a:t>
+            </a:r>
+            <a:r>
+              <a:rPr lang="ru-RU" dirty="0" err="1"/>
+              <a:t>Circle</a:t>
+            </a:r>
             <a:r>
               <a:rPr lang="ru-RU" dirty="0"/>
-              <a:t>Часть является частью Целого.</a:t>
-            </a:r>
-          </a:p>
-          <a:p>
-            <a:pPr>
-              <a:buFont typeface="Arial" panose="020B0604020202020204" pitchFamily="34" charset="0"/>
-              <a:buChar char="•"/>
-            </a:pPr>
+              <a:t> содержит один экземпляр </a:t>
+            </a:r>
+            <a:r>
+              <a:rPr lang="ru-RU" dirty="0" err="1"/>
+              <a:t>Point</a:t>
+            </a:r>
             <a:r>
               <a:rPr lang="ru-RU" dirty="0"/>
-              <a:t>Часть в один и тот же момент времени может принадлежать более чем одному Целому.</a:t>
-            </a:r>
-          </a:p>
-          <a:p>
-            <a:pPr>
-              <a:buFont typeface="Arial" panose="020B0604020202020204" pitchFamily="34" charset="0"/>
-              <a:buChar char="•"/>
-            </a:pPr>
+              <a:t>, а </a:t>
+            </a:r>
+            <a:r>
+              <a:rPr lang="ru-RU" dirty="0" err="1"/>
+              <a:t>Triangle</a:t>
+            </a:r>
             <a:r>
               <a:rPr lang="ru-RU" dirty="0"/>
-              <a:t>Целое не управляет своими частями. При удалении Целого Часть продолжает существовать.</a:t>
-            </a:r>
-          </a:p>
-          <a:p>
-            <a:pPr>
-              <a:buFont typeface="Arial" panose="020B0604020202020204" pitchFamily="34" charset="0"/>
-              <a:buChar char="•"/>
-            </a:pPr>
-            <a:r>
-              <a:rPr lang="ru-RU" dirty="0"/>
-              <a:t>Часть не знает о существовании Целого.</a:t>
-            </a:r>
-          </a:p>
-          <a:p>
-            <a:pPr>
-              <a:buFont typeface="Arial" panose="020B0604020202020204" pitchFamily="34" charset="0"/>
-              <a:buChar char="•"/>
-            </a:pPr>
-            <a:r>
-              <a:rPr lang="ru-RU" dirty="0"/>
-              <a:t>Транзитивность — связи между агрегируемыми объектами не имеют циклов, то есть ни один из объектов не является прямой или косвенной частью самого себя.</a:t>
-            </a:r>
-          </a:p>
-          <a:p>
-            <a:endParaRPr lang="ru-RU" dirty="0"/>
-          </a:p>
-          <a:p>
-            <a:r>
-              <a:rPr lang="ru-RU" dirty="0"/>
-              <a:t>При композиции мы добавляем части к целому, используя обычные переменные-члены. А когда класс использует динамическое выделение памяти, применяем указатели. При этом часть не может существовать без целого. В качестве примера композиции классов, использующих динамическое выделение памяти, можно привести классы Осьминог и Односвязный список. При разрушении Осьминога происходит удаление его Щупалец, а при разрушении односвязного списка удаляются его узлы.</a:t>
-            </a:r>
-          </a:p>
-          <a:p>
-            <a:r>
-              <a:rPr lang="ru-RU" dirty="0"/>
-              <a:t>При агрегации мы также используем переменные-члены класса, только в этом случае они будут ссылками или указателями на объекты, созданные и существующие за пределами класса. Адреса объектов передаются классу-агрегату снаружи через параметры конструктора либо через параметры методов. При этом Часть может существовать отдельно от Целого.</a:t>
-            </a:r>
-          </a:p>
-          <a:p>
-            <a:endParaRPr lang="ru-RU" dirty="0"/>
+              <a:t> — три. Чтобы подчеркнуть множественный характер связи, на конце стрелочки может указываться количество экземпляров.</a:t>
+            </a:r>
           </a:p>
         </p:txBody>
       </p:sp>
@@ -2143,7 +2227,7 @@
             <a:fld id="{7AD27560-579B-482E-BED7-036450DE1808}" type="slidenum">
               <a:rPr lang="ru-RU" smtClean="0"/>
               <a:pPr/>
-              <a:t>8</a:t>
+              <a:t>7</a:t>
             </a:fld>
             <a:endParaRPr lang="ru-RU"/>
           </a:p>
@@ -2152,7 +2236,7 @@
     </p:spTree>
     <p:extLst>
       <p:ext uri="{BB962C8B-B14F-4D97-AF65-F5344CB8AC3E}">
-        <p14:creationId xmlns:p14="http://schemas.microsoft.com/office/powerpoint/2010/main" val="2730809305"/>
+        <p14:creationId xmlns:p14="http://schemas.microsoft.com/office/powerpoint/2010/main" val="914357788"/>
       </p:ext>
     </p:extLst>
   </p:cSld>
@@ -2189,7 +2273,12 @@
             <p:ph type="sldImg"/>
           </p:nvPr>
         </p:nvSpPr>
-        <p:spPr/>
+        <p:spPr>
+          <a:xfrm>
+            <a:off x="381000" y="685800"/>
+            <a:ext cx="6096000" cy="3429000"/>
+          </a:xfrm>
+        </p:spPr>
       </p:sp>
       <p:sp>
         <p:nvSpPr>
@@ -2207,34 +2296,15 @@
           <a:lstStyle/>
           <a:p>
             <a:r>
-              <a:rPr lang="ru-RU" dirty="0"/>
-              <a:t>На схемах агрегация обозначается как композиция с той лишь разницей, что ромбик, расположенный на стороне объекта-агрегата, не закрашивается.</a:t>
-            </a:r>
-          </a:p>
-          <a:p>
-            <a:pPr marL="0" marR="0" lvl="0" indent="0" algn="l" defTabSz="914400" rtl="0" eaLnBrk="1" fontAlgn="auto" latinLnBrk="0" hangingPunct="1">
-              <a:lnSpc>
-                <a:spcPct val="100000"/>
-              </a:lnSpc>
-              <a:spcBef>
-                <a:spcPts val="0"/>
-              </a:spcBef>
-              <a:spcAft>
-                <a:spcPts val="0"/>
-              </a:spcAft>
-              <a:buClrTx/>
-              <a:buSzTx/>
-              <a:buFontTx/>
-              <a:buNone/>
-              <a:tabLst/>
-              <a:defRPr/>
-            </a:pPr>
-            <a:r>
-              <a:rPr lang="ru-RU" dirty="0"/>
-              <a:t>Ещё один пример агрегации — отношение между Автобусом и Человеком. Автобус перевозит людей, но они не его составная часть. После разрушения автобуса с человеком ничего не происходит.</a:t>
-            </a:r>
-          </a:p>
-          <a:p>
+              <a:rPr lang="ru-RU" b="0" i="0" dirty="0">
+                <a:solidFill>
+                  <a:srgbClr val="37352F"/>
+                </a:solidFill>
+                <a:effectLst/>
+                <a:latin typeface="-apple-system"/>
+              </a:rPr>
+              <a:t>Агрегация — тоже пример отношений часть-целое, и реализуется она, подобно композиции, с использованием структур или классов. Различия между композицией и агрегацией в основном семантические.</a:t>
+            </a:r>
             <a:endParaRPr lang="ru-RU" dirty="0"/>
           </a:p>
         </p:txBody>
@@ -2257,7 +2327,7 @@
             <a:fld id="{7AD27560-579B-482E-BED7-036450DE1808}" type="slidenum">
               <a:rPr lang="ru-RU" smtClean="0"/>
               <a:pPr/>
-              <a:t>9</a:t>
+              <a:t>8</a:t>
             </a:fld>
             <a:endParaRPr lang="ru-RU"/>
           </a:p>
@@ -2266,7 +2336,7 @@
     </p:spTree>
     <p:extLst>
       <p:ext uri="{BB962C8B-B14F-4D97-AF65-F5344CB8AC3E}">
-        <p14:creationId xmlns:p14="http://schemas.microsoft.com/office/powerpoint/2010/main" val="3075235189"/>
+        <p14:creationId xmlns:p14="http://schemas.microsoft.com/office/powerpoint/2010/main" val="471827487"/>
       </p:ext>
     </p:extLst>
   </p:cSld>
@@ -2303,7 +2373,12 @@
             <p:ph type="sldImg"/>
           </p:nvPr>
         </p:nvSpPr>
-        <p:spPr/>
+        <p:spPr>
+          <a:xfrm>
+            <a:off x="381000" y="685800"/>
+            <a:ext cx="6096000" cy="3429000"/>
+          </a:xfrm>
+        </p:spPr>
       </p:sp>
       <p:sp>
         <p:nvSpPr>
@@ -2365,7 +2440,7 @@
             <a:fld id="{7AD27560-579B-482E-BED7-036450DE1808}" type="slidenum">
               <a:rPr lang="ru-RU" smtClean="0"/>
               <a:pPr/>
-              <a:t>10</a:t>
+              <a:t>9</a:t>
             </a:fld>
             <a:endParaRPr lang="ru-RU"/>
           </a:p>
@@ -2411,7 +2486,12 @@
             <p:ph type="sldImg"/>
           </p:nvPr>
         </p:nvSpPr>
-        <p:spPr/>
+        <p:spPr>
+          <a:xfrm>
+            <a:off x="381000" y="685800"/>
+            <a:ext cx="6096000" cy="3429000"/>
+          </a:xfrm>
+        </p:spPr>
       </p:sp>
       <p:sp>
         <p:nvSpPr>
@@ -2630,7 +2710,7 @@
           <a:p>
             <a:fld id="{F9142338-19C0-4D5B-87F4-D84E00F7CA9F}" type="datetime1">
               <a:rPr lang="ru-RU" smtClean="0"/>
-              <a:t>08.09.2023</a:t>
+              <a:t>06.09.2024</a:t>
             </a:fld>
             <a:endParaRPr lang="ru-RU"/>
           </a:p>
@@ -2830,7 +2910,7 @@
           <a:p>
             <a:fld id="{63435379-0901-4231-AD59-C11B54E6DE39}" type="datetime1">
               <a:rPr lang="ru-RU" smtClean="0"/>
-              <a:t>08.09.2023</a:t>
+              <a:t>06.09.2024</a:t>
             </a:fld>
             <a:endParaRPr lang="ru-RU"/>
           </a:p>
@@ -3040,7 +3120,7 @@
           <a:p>
             <a:fld id="{D09D2BD2-2B61-4104-B801-D48DD70A0351}" type="datetime1">
               <a:rPr lang="ru-RU" smtClean="0"/>
-              <a:t>08.09.2023</a:t>
+              <a:t>06.09.2024</a:t>
             </a:fld>
             <a:endParaRPr lang="ru-RU"/>
           </a:p>
@@ -3240,7 +3320,7 @@
           <a:p>
             <a:fld id="{31046E7A-C0A0-4585-9511-0CC32E1FD9E5}" type="datetime1">
               <a:rPr lang="ru-RU" smtClean="0"/>
-              <a:t>08.09.2023</a:t>
+              <a:t>06.09.2024</a:t>
             </a:fld>
             <a:endParaRPr lang="ru-RU"/>
           </a:p>
@@ -3516,7 +3596,7 @@
           <a:p>
             <a:fld id="{432FA3D6-0ACE-4A6A-A614-8F082567C748}" type="datetime1">
               <a:rPr lang="ru-RU" smtClean="0"/>
-              <a:t>08.09.2023</a:t>
+              <a:t>06.09.2024</a:t>
             </a:fld>
             <a:endParaRPr lang="ru-RU"/>
           </a:p>
@@ -3784,7 +3864,7 @@
           <a:p>
             <a:fld id="{7E27D5AA-C59A-488C-BD40-52249BD73BF2}" type="datetime1">
               <a:rPr lang="ru-RU" smtClean="0"/>
-              <a:t>08.09.2023</a:t>
+              <a:t>06.09.2024</a:t>
             </a:fld>
             <a:endParaRPr lang="ru-RU"/>
           </a:p>
@@ -4199,7 +4279,7 @@
           <a:p>
             <a:fld id="{7C34CB10-256C-4862-8195-7B259579A1DE}" type="datetime1">
               <a:rPr lang="ru-RU" smtClean="0"/>
-              <a:t>08.09.2023</a:t>
+              <a:t>06.09.2024</a:t>
             </a:fld>
             <a:endParaRPr lang="ru-RU"/>
           </a:p>
@@ -4341,7 +4421,7 @@
           <a:p>
             <a:fld id="{FCBE238F-8367-4111-8E77-9E3737855EA3}" type="datetime1">
               <a:rPr lang="ru-RU" smtClean="0"/>
-              <a:t>08.09.2023</a:t>
+              <a:t>06.09.2024</a:t>
             </a:fld>
             <a:endParaRPr lang="ru-RU"/>
           </a:p>
@@ -4454,7 +4534,7 @@
           <a:p>
             <a:fld id="{27777840-E45D-4DAA-BE43-94276BE639C0}" type="datetime1">
               <a:rPr lang="ru-RU" smtClean="0"/>
-              <a:t>08.09.2023</a:t>
+              <a:t>06.09.2024</a:t>
             </a:fld>
             <a:endParaRPr lang="ru-RU"/>
           </a:p>
@@ -4767,7 +4847,7 @@
           <a:p>
             <a:fld id="{01E081C3-C275-49D1-AD29-5B152B9D32A6}" type="datetime1">
               <a:rPr lang="ru-RU" smtClean="0"/>
-              <a:t>08.09.2023</a:t>
+              <a:t>06.09.2024</a:t>
             </a:fld>
             <a:endParaRPr lang="ru-RU"/>
           </a:p>
@@ -5056,7 +5136,7 @@
           <a:p>
             <a:fld id="{453BEC0E-0129-4BAE-BDC5-B0A9F963C45C}" type="datetime1">
               <a:rPr lang="ru-RU" smtClean="0"/>
-              <a:t>08.09.2023</a:t>
+              <a:t>06.09.2024</a:t>
             </a:fld>
             <a:endParaRPr lang="ru-RU"/>
           </a:p>
@@ -5299,7 +5379,7 @@
           <a:p>
             <a:fld id="{0B0E3125-C00F-4E0E-AE42-19C93EAE59FD}" type="datetime1">
               <a:rPr lang="ru-RU" smtClean="0"/>
-              <a:t>08.09.2023</a:t>
+              <a:t>06.09.2024</a:t>
             </a:fld>
             <a:endParaRPr lang="ru-RU"/>
           </a:p>
@@ -5717,15 +5797,39 @@
           <a:chExt cx="0" cy="0"/>
         </a:xfrm>
       </p:grpSpPr>
-      <p:sp>
-        <p:nvSpPr>
-          <p:cNvPr id="2" name="Title 1">
+      <p:pic>
+        <p:nvPicPr>
+          <p:cNvPr id="5" name="Picture 4">
             <a:extLst>
               <a:ext uri="{FF2B5EF4-FFF2-40B4-BE49-F238E27FC236}">
-                <a16:creationId xmlns:a16="http://schemas.microsoft.com/office/drawing/2014/main" id="{F087B2D3-F805-4F1D-BC50-F56A49C9B5AD}"/>
+                <a16:creationId xmlns:a16="http://schemas.microsoft.com/office/drawing/2014/main" id="{754E85F0-DCD6-42D1-0560-0E0070092A4A}"/>
               </a:ext>
             </a:extLst>
           </p:cNvPr>
+          <p:cNvPicPr>
+            <a:picLocks noChangeAspect="1"/>
+          </p:cNvPicPr>
+          <p:nvPr/>
+        </p:nvPicPr>
+        <p:blipFill>
+          <a:blip r:embed="rId2"/>
+          <a:stretch>
+            <a:fillRect/>
+          </a:stretch>
+        </p:blipFill>
+        <p:spPr>
+          <a:xfrm>
+            <a:off x="0" y="0"/>
+            <a:ext cx="12191999" cy="6858000"/>
+          </a:xfrm>
+          <a:prstGeom prst="rect">
+            <a:avLst/>
+          </a:prstGeom>
+        </p:spPr>
+      </p:pic>
+      <p:sp>
+        <p:nvSpPr>
+          <p:cNvPr id="2" name="Заголовок 1"/>
           <p:cNvSpPr>
             <a:spLocks noGrp="1"/>
           </p:cNvSpPr>
@@ -5733,13 +5837,32 @@
             <p:ph type="ctrTitle"/>
           </p:nvPr>
         </p:nvSpPr>
-        <p:spPr/>
-        <p:txBody>
-          <a:bodyPr/>
+        <p:spPr>
+          <a:xfrm>
+            <a:off x="1524000" y="1122362"/>
+            <a:ext cx="9144000" cy="4135437"/>
+          </a:xfrm>
+        </p:spPr>
+        <p:txBody>
+          <a:bodyPr>
+            <a:noAutofit/>
+          </a:bodyPr>
           <a:lstStyle/>
           <a:p>
             <a:r>
-              <a:rPr lang="ru-RU" dirty="0"/>
+              <a:rPr lang="ru-RU" sz="8800" dirty="0">
+                <a:solidFill>
+                  <a:schemeClr val="bg1"/>
+                </a:solidFill>
+                <a:effectLst>
+                  <a:outerShdw blurRad="38100" dist="38100" dir="2700000" algn="tl">
+                    <a:srgbClr val="000000">
+                      <a:alpha val="43137"/>
+                    </a:srgbClr>
+                  </a:outerShdw>
+                </a:effectLst>
+                <a:latin typeface="Impact" panose="020B0806030902050204" pitchFamily="34" charset="0"/>
+              </a:rPr>
               <a:t>Отношения между классами</a:t>
             </a:r>
           </a:p>
@@ -5747,10 +5870,10 @@
       </p:sp>
       <p:sp>
         <p:nvSpPr>
-          <p:cNvPr id="3" name="Subtitle 2">
+          <p:cNvPr id="7" name="Subtitle 6">
             <a:extLst>
               <a:ext uri="{FF2B5EF4-FFF2-40B4-BE49-F238E27FC236}">
-                <a16:creationId xmlns:a16="http://schemas.microsoft.com/office/drawing/2014/main" id="{FEBFF897-3A20-49A0-92B8-6CC3F2636AA0}"/>
+                <a16:creationId xmlns:a16="http://schemas.microsoft.com/office/drawing/2014/main" id="{7AC0D265-F069-D38F-DBA3-5F7F2D801E44}"/>
               </a:ext>
             </a:extLst>
           </p:cNvPr>
@@ -5766,43 +5889,14 @@
           <a:bodyPr/>
           <a:lstStyle/>
           <a:p>
-            <a:endParaRPr lang="ru-RU"/>
-          </a:p>
-        </p:txBody>
-      </p:sp>
-      <p:sp>
-        <p:nvSpPr>
-          <p:cNvPr id="4" name="Slide Number Placeholder 3">
-            <a:extLst>
-              <a:ext uri="{FF2B5EF4-FFF2-40B4-BE49-F238E27FC236}">
-                <a16:creationId xmlns:a16="http://schemas.microsoft.com/office/drawing/2014/main" id="{0A419063-6DCE-4FEF-8498-234268EFED6B}"/>
-              </a:ext>
-            </a:extLst>
-          </p:cNvPr>
-          <p:cNvSpPr>
-            <a:spLocks noGrp="1"/>
-          </p:cNvSpPr>
-          <p:nvPr>
-            <p:ph type="sldNum" sz="quarter" idx="12"/>
-          </p:nvPr>
-        </p:nvSpPr>
-        <p:spPr/>
-        <p:txBody>
-          <a:bodyPr/>
-          <a:lstStyle/>
-          <a:p>
-            <a:fld id="{B28E8911-E3D6-4AD9-AA24-3D7604D2F44D}" type="slidenum">
-              <a:rPr lang="ru-RU" smtClean="0"/>
-              <a:t>1</a:t>
-            </a:fld>
-            <a:endParaRPr lang="ru-RU"/>
+            <a:endParaRPr lang="en-US" dirty="0"/>
           </a:p>
         </p:txBody>
       </p:sp>
     </p:spTree>
     <p:extLst>
       <p:ext uri="{BB962C8B-B14F-4D97-AF65-F5344CB8AC3E}">
-        <p14:creationId xmlns:p14="http://schemas.microsoft.com/office/powerpoint/2010/main" val="427297460"/>
+        <p14:creationId xmlns:p14="http://schemas.microsoft.com/office/powerpoint/2010/main" val="4239331289"/>
       </p:ext>
     </p:extLst>
   </p:cSld>
@@ -5834,7 +5928,7 @@
           <p:cNvPr id="2" name="Заголовок 1">
             <a:extLst>
               <a:ext uri="{FF2B5EF4-FFF2-40B4-BE49-F238E27FC236}">
-                <a16:creationId xmlns:a16="http://schemas.microsoft.com/office/drawing/2014/main" id="{D73E1AC1-1020-4294-A077-007A71C780F3}"/>
+                <a16:creationId xmlns:a16="http://schemas.microsoft.com/office/drawing/2014/main" id="{2132D142-1727-46E9-802D-5C11B0B03F3A}"/>
               </a:ext>
             </a:extLst>
           </p:cNvPr>
@@ -5859,73 +5953,55 @@
       </p:sp>
       <p:pic>
         <p:nvPicPr>
-          <p:cNvPr id="5" name="Рисунок 4">
+          <p:cNvPr id="1026" name="Picture 2">
             <a:extLst>
               <a:ext uri="{FF2B5EF4-FFF2-40B4-BE49-F238E27FC236}">
-                <a16:creationId xmlns:a16="http://schemas.microsoft.com/office/drawing/2014/main" id="{CA871CF4-AACF-395E-5682-5A4F4F5F35D0}"/>
+                <a16:creationId xmlns:a16="http://schemas.microsoft.com/office/drawing/2014/main" id="{D717AC3E-2C14-4F44-866D-6B0A5CE0B4D1}"/>
               </a:ext>
             </a:extLst>
           </p:cNvPr>
           <p:cNvPicPr>
-            <a:picLocks noChangeAspect="1"/>
+            <a:picLocks noChangeAspect="1" noChangeArrowheads="1"/>
           </p:cNvPicPr>
           <p:nvPr/>
         </p:nvPicPr>
         <p:blipFill>
-          <a:blip r:embed="rId3">
+          <a:blip r:embed="rId2">
             <a:extLst>
               <a:ext uri="{28A0092B-C50C-407E-A947-70E740481C1C}">
                 <a14:useLocalDpi xmlns:a14="http://schemas.microsoft.com/office/drawing/2010/main" val="0"/>
               </a:ext>
             </a:extLst>
           </a:blip>
+          <a:srcRect/>
           <a:stretch>
             <a:fillRect/>
           </a:stretch>
         </p:blipFill>
-        <p:spPr>
+        <p:spPr bwMode="auto">
           <a:xfrm>
-            <a:off x="2938264" y="2492896"/>
-            <a:ext cx="6470104" cy="3702850"/>
+            <a:off x="1775520" y="2420888"/>
+            <a:ext cx="9098262" cy="4280446"/>
           </a:xfrm>
           <a:prstGeom prst="rect">
             <a:avLst/>
           </a:prstGeom>
+          <a:noFill/>
+          <a:extLst>
+            <a:ext uri="{909E8E84-426E-40DD-AFC4-6F175D3DCCD1}">
+              <a14:hiddenFill xmlns:a14="http://schemas.microsoft.com/office/drawing/2010/main">
+                <a:solidFill>
+                  <a:srgbClr val="FFFFFF"/>
+                </a:solidFill>
+              </a14:hiddenFill>
+            </a:ext>
+          </a:extLst>
         </p:spPr>
       </p:pic>
-      <p:sp>
-        <p:nvSpPr>
-          <p:cNvPr id="3" name="Slide Number Placeholder 2">
-            <a:extLst>
-              <a:ext uri="{FF2B5EF4-FFF2-40B4-BE49-F238E27FC236}">
-                <a16:creationId xmlns:a16="http://schemas.microsoft.com/office/drawing/2014/main" id="{489F510A-2F65-4CB2-B135-89173E0270BD}"/>
-              </a:ext>
-            </a:extLst>
-          </p:cNvPr>
-          <p:cNvSpPr>
-            <a:spLocks noGrp="1"/>
-          </p:cNvSpPr>
-          <p:nvPr>
-            <p:ph type="sldNum" sz="quarter" idx="12"/>
-          </p:nvPr>
-        </p:nvSpPr>
-        <p:spPr/>
-        <p:txBody>
-          <a:bodyPr/>
-          <a:lstStyle/>
-          <a:p>
-            <a:fld id="{B28E8911-E3D6-4AD9-AA24-3D7604D2F44D}" type="slidenum">
-              <a:rPr lang="ru-RU" smtClean="0"/>
-              <a:t>10</a:t>
-            </a:fld>
-            <a:endParaRPr lang="ru-RU"/>
-          </a:p>
-        </p:txBody>
-      </p:sp>
     </p:spTree>
     <p:extLst>
       <p:ext uri="{BB962C8B-B14F-4D97-AF65-F5344CB8AC3E}">
-        <p14:creationId xmlns:p14="http://schemas.microsoft.com/office/powerpoint/2010/main" val="3742619390"/>
+        <p14:creationId xmlns:p14="http://schemas.microsoft.com/office/powerpoint/2010/main" val="1537544543"/>
       </p:ext>
     </p:extLst>
   </p:cSld>
@@ -6010,39 +6086,10 @@
           </a:p>
         </p:txBody>
       </p:sp>
-      <p:sp>
-        <p:nvSpPr>
-          <p:cNvPr id="4" name="Slide Number Placeholder 3">
-            <a:extLst>
-              <a:ext uri="{FF2B5EF4-FFF2-40B4-BE49-F238E27FC236}">
-                <a16:creationId xmlns:a16="http://schemas.microsoft.com/office/drawing/2014/main" id="{8A19FF30-19CE-4ED8-A834-12A8E43B03B8}"/>
-              </a:ext>
-            </a:extLst>
-          </p:cNvPr>
-          <p:cNvSpPr>
-            <a:spLocks noGrp="1"/>
-          </p:cNvSpPr>
-          <p:nvPr>
-            <p:ph type="sldNum" sz="quarter" idx="12"/>
-          </p:nvPr>
-        </p:nvSpPr>
-        <p:spPr/>
-        <p:txBody>
-          <a:bodyPr/>
-          <a:lstStyle/>
-          <a:p>
-            <a:fld id="{B28E8911-E3D6-4AD9-AA24-3D7604D2F44D}" type="slidenum">
-              <a:rPr lang="ru-RU" smtClean="0"/>
-              <a:t>11</a:t>
-            </a:fld>
-            <a:endParaRPr lang="ru-RU"/>
-          </a:p>
-        </p:txBody>
-      </p:sp>
     </p:spTree>
     <p:extLst>
       <p:ext uri="{BB962C8B-B14F-4D97-AF65-F5344CB8AC3E}">
-        <p14:creationId xmlns:p14="http://schemas.microsoft.com/office/powerpoint/2010/main" val="229154709"/>
+        <p14:creationId xmlns:p14="http://schemas.microsoft.com/office/powerpoint/2010/main" val="3571331919"/>
       </p:ext>
     </p:extLst>
   </p:cSld>
@@ -6126,16 +6173,25 @@
           <a:p>
             <a:r>
               <a:rPr lang="ru-RU" dirty="0"/>
+              <a:t>Возникает в следующих случаях:</a:t>
+            </a:r>
+          </a:p>
+          <a:p>
+            <a:pPr lvl="1"/>
+            <a:r>
+              <a:rPr lang="ru-RU" dirty="0"/>
               <a:t>Поставщик создаётся внутри метода Клиента</a:t>
             </a:r>
           </a:p>
           <a:p>
+            <a:pPr lvl="1"/>
             <a:r>
               <a:rPr lang="ru-RU" dirty="0"/>
               <a:t>Поставщик передаётся в метод Клиента</a:t>
             </a:r>
           </a:p>
           <a:p>
+            <a:pPr lvl="1"/>
             <a:r>
               <a:rPr lang="ru-RU" dirty="0"/>
               <a:t>Метод Клиента возвращает Поставщика</a:t>
@@ -6144,50 +6200,21 @@
           <a:p>
             <a:r>
               <a:rPr lang="ru-RU" dirty="0"/>
-              <a:t>Поставщик ничего не знает про клиента</a:t>
+              <a:t>Поставщик ничего не знает про Клиента</a:t>
             </a:r>
           </a:p>
           <a:p>
             <a:r>
               <a:rPr lang="ru-RU" dirty="0"/>
-              <a:t>Зависимость существует на протяжении вызова метода Клиента</a:t>
-            </a:r>
-          </a:p>
-        </p:txBody>
-      </p:sp>
-      <p:sp>
-        <p:nvSpPr>
-          <p:cNvPr id="2" name="Slide Number Placeholder 1">
-            <a:extLst>
-              <a:ext uri="{FF2B5EF4-FFF2-40B4-BE49-F238E27FC236}">
-                <a16:creationId xmlns:a16="http://schemas.microsoft.com/office/drawing/2014/main" id="{F2C53FD6-F915-4008-B6BC-9A86F7E6734C}"/>
-              </a:ext>
-            </a:extLst>
-          </p:cNvPr>
-          <p:cNvSpPr>
-            <a:spLocks noGrp="1"/>
-          </p:cNvSpPr>
-          <p:nvPr>
-            <p:ph type="sldNum" sz="quarter" idx="12"/>
-          </p:nvPr>
-        </p:nvSpPr>
-        <p:spPr/>
-        <p:txBody>
-          <a:bodyPr/>
-          <a:lstStyle/>
-          <a:p>
-            <a:fld id="{B28E8911-E3D6-4AD9-AA24-3D7604D2F44D}" type="slidenum">
-              <a:rPr lang="ru-RU" smtClean="0"/>
-              <a:t>12</a:t>
-            </a:fld>
-            <a:endParaRPr lang="ru-RU"/>
+              <a:t>Зависимость существует на время вызова метода Клиента</a:t>
+            </a:r>
           </a:p>
         </p:txBody>
       </p:sp>
     </p:spTree>
     <p:extLst>
       <p:ext uri="{BB962C8B-B14F-4D97-AF65-F5344CB8AC3E}">
-        <p14:creationId xmlns:p14="http://schemas.microsoft.com/office/powerpoint/2010/main" val="1400479843"/>
+        <p14:creationId xmlns:p14="http://schemas.microsoft.com/office/powerpoint/2010/main" val="2248640849"/>
       </p:ext>
     </p:extLst>
   </p:cSld>
@@ -6318,33 +6345,15 @@
                                   </p:childTnLst>
                                 </p:cTn>
                               </p:par>
-                            </p:childTnLst>
-                          </p:cTn>
-                        </p:par>
-                      </p:childTnLst>
-                    </p:cTn>
-                  </p:par>
-                  <p:par>
-                    <p:cTn id="13" fill="hold">
-                      <p:stCondLst>
-                        <p:cond delay="indefinite"/>
-                      </p:stCondLst>
-                      <p:childTnLst>
-                        <p:par>
-                          <p:cTn id="14" fill="hold">
-                            <p:stCondLst>
-                              <p:cond delay="0"/>
-                            </p:stCondLst>
-                            <p:childTnLst>
                               <p:par>
-                                <p:cTn id="15" presetID="10" presetClass="entr" presetSubtype="0" fill="hold" grpId="0" nodeType="clickEffect">
+                                <p:cTn id="13" presetID="10" presetClass="entr" presetSubtype="0" fill="hold" grpId="0" nodeType="withEffect">
                                   <p:stCondLst>
                                     <p:cond delay="0"/>
                                   </p:stCondLst>
                                   <p:childTnLst>
                                     <p:set>
                                       <p:cBhvr>
-                                        <p:cTn id="16" dur="1" fill="hold">
+                                        <p:cTn id="14" dur="1" fill="hold">
                                           <p:stCondLst>
                                             <p:cond delay="0"/>
                                           </p:stCondLst>
@@ -6366,7 +6375,7 @@
                                     </p:set>
                                     <p:animEffect transition="in" filter="fade">
                                       <p:cBhvr>
-                                        <p:cTn id="17" dur="500"/>
+                                        <p:cTn id="15" dur="500"/>
                                         <p:tgtEl>
                                           <p:spTgt spid="5">
                                             <p:txEl>
@@ -6379,33 +6388,15 @@
                                   </p:childTnLst>
                                 </p:cTn>
                               </p:par>
-                            </p:childTnLst>
-                          </p:cTn>
-                        </p:par>
-                      </p:childTnLst>
-                    </p:cTn>
-                  </p:par>
-                  <p:par>
-                    <p:cTn id="18" fill="hold">
-                      <p:stCondLst>
-                        <p:cond delay="indefinite"/>
-                      </p:stCondLst>
-                      <p:childTnLst>
-                        <p:par>
-                          <p:cTn id="19" fill="hold">
-                            <p:stCondLst>
-                              <p:cond delay="0"/>
-                            </p:stCondLst>
-                            <p:childTnLst>
                               <p:par>
-                                <p:cTn id="20" presetID="10" presetClass="entr" presetSubtype="0" fill="hold" grpId="0" nodeType="clickEffect">
+                                <p:cTn id="16" presetID="10" presetClass="entr" presetSubtype="0" fill="hold" grpId="0" nodeType="withEffect">
                                   <p:stCondLst>
                                     <p:cond delay="0"/>
                                   </p:stCondLst>
                                   <p:childTnLst>
                                     <p:set>
                                       <p:cBhvr>
-                                        <p:cTn id="21" dur="1" fill="hold">
+                                        <p:cTn id="17" dur="1" fill="hold">
                                           <p:stCondLst>
                                             <p:cond delay="0"/>
                                           </p:stCondLst>
@@ -6427,7 +6418,7 @@
                                     </p:set>
                                     <p:animEffect transition="in" filter="fade">
                                       <p:cBhvr>
-                                        <p:cTn id="22" dur="500"/>
+                                        <p:cTn id="18" dur="500"/>
                                         <p:tgtEl>
                                           <p:spTgt spid="5">
                                             <p:txEl>
@@ -6440,33 +6431,15 @@
                                   </p:childTnLst>
                                 </p:cTn>
                               </p:par>
-                            </p:childTnLst>
-                          </p:cTn>
-                        </p:par>
-                      </p:childTnLst>
-                    </p:cTn>
-                  </p:par>
-                  <p:par>
-                    <p:cTn id="23" fill="hold">
-                      <p:stCondLst>
-                        <p:cond delay="indefinite"/>
-                      </p:stCondLst>
-                      <p:childTnLst>
-                        <p:par>
-                          <p:cTn id="24" fill="hold">
-                            <p:stCondLst>
-                              <p:cond delay="0"/>
-                            </p:stCondLst>
-                            <p:childTnLst>
                               <p:par>
-                                <p:cTn id="25" presetID="10" presetClass="entr" presetSubtype="0" fill="hold" grpId="0" nodeType="clickEffect">
+                                <p:cTn id="19" presetID="10" presetClass="entr" presetSubtype="0" fill="hold" grpId="0" nodeType="withEffect">
                                   <p:stCondLst>
                                     <p:cond delay="0"/>
                                   </p:stCondLst>
                                   <p:childTnLst>
                                     <p:set>
                                       <p:cBhvr>
-                                        <p:cTn id="26" dur="1" fill="hold">
+                                        <p:cTn id="20" dur="1" fill="hold">
                                           <p:stCondLst>
                                             <p:cond delay="0"/>
                                           </p:stCondLst>
@@ -6488,7 +6461,7 @@
                                     </p:set>
                                     <p:animEffect transition="in" filter="fade">
                                       <p:cBhvr>
-                                        <p:cTn id="27" dur="500"/>
+                                        <p:cTn id="21" dur="500"/>
                                         <p:tgtEl>
                                           <p:spTgt spid="5">
                                             <p:txEl>
@@ -6508,26 +6481,26 @@
                     </p:cTn>
                   </p:par>
                   <p:par>
-                    <p:cTn id="28" fill="hold">
+                    <p:cTn id="22" fill="hold">
                       <p:stCondLst>
                         <p:cond delay="indefinite"/>
                       </p:stCondLst>
                       <p:childTnLst>
                         <p:par>
-                          <p:cTn id="29" fill="hold">
+                          <p:cTn id="23" fill="hold">
                             <p:stCondLst>
                               <p:cond delay="0"/>
                             </p:stCondLst>
                             <p:childTnLst>
                               <p:par>
-                                <p:cTn id="30" presetID="10" presetClass="entr" presetSubtype="0" fill="hold" grpId="0" nodeType="clickEffect">
+                                <p:cTn id="24" presetID="10" presetClass="entr" presetSubtype="0" fill="hold" grpId="0" nodeType="clickEffect">
                                   <p:stCondLst>
                                     <p:cond delay="0"/>
                                   </p:stCondLst>
                                   <p:childTnLst>
                                     <p:set>
                                       <p:cBhvr>
-                                        <p:cTn id="31" dur="1" fill="hold">
+                                        <p:cTn id="25" dur="1" fill="hold">
                                           <p:stCondLst>
                                             <p:cond delay="0"/>
                                           </p:stCondLst>
@@ -6549,11 +6522,72 @@
                                     </p:set>
                                     <p:animEffect transition="in" filter="fade">
                                       <p:cBhvr>
-                                        <p:cTn id="32" dur="500"/>
+                                        <p:cTn id="26" dur="500"/>
                                         <p:tgtEl>
                                           <p:spTgt spid="5">
                                             <p:txEl>
                                               <p:pRg st="5" end="5"/>
+                                            </p:txEl>
+                                          </p:spTgt>
+                                        </p:tgtEl>
+                                      </p:cBhvr>
+                                    </p:animEffect>
+                                  </p:childTnLst>
+                                </p:cTn>
+                              </p:par>
+                            </p:childTnLst>
+                          </p:cTn>
+                        </p:par>
+                      </p:childTnLst>
+                    </p:cTn>
+                  </p:par>
+                  <p:par>
+                    <p:cTn id="27" fill="hold">
+                      <p:stCondLst>
+                        <p:cond delay="indefinite"/>
+                      </p:stCondLst>
+                      <p:childTnLst>
+                        <p:par>
+                          <p:cTn id="28" fill="hold">
+                            <p:stCondLst>
+                              <p:cond delay="0"/>
+                            </p:stCondLst>
+                            <p:childTnLst>
+                              <p:par>
+                                <p:cTn id="29" presetID="10" presetClass="entr" presetSubtype="0" fill="hold" grpId="0" nodeType="clickEffect">
+                                  <p:stCondLst>
+                                    <p:cond delay="0"/>
+                                  </p:stCondLst>
+                                  <p:childTnLst>
+                                    <p:set>
+                                      <p:cBhvr>
+                                        <p:cTn id="30" dur="1" fill="hold">
+                                          <p:stCondLst>
+                                            <p:cond delay="0"/>
+                                          </p:stCondLst>
+                                        </p:cTn>
+                                        <p:tgtEl>
+                                          <p:spTgt spid="5">
+                                            <p:txEl>
+                                              <p:pRg st="6" end="6"/>
+                                            </p:txEl>
+                                          </p:spTgt>
+                                        </p:tgtEl>
+                                        <p:attrNameLst>
+                                          <p:attrName>style.visibility</p:attrName>
+                                        </p:attrNameLst>
+                                      </p:cBhvr>
+                                      <p:to>
+                                        <p:strVal val="visible"/>
+                                      </p:to>
+                                    </p:set>
+                                    <p:animEffect transition="in" filter="fade">
+                                      <p:cBhvr>
+                                        <p:cTn id="31" dur="500"/>
+                                        <p:tgtEl>
+                                          <p:spTgt spid="5">
+                                            <p:txEl>
+                                              <p:pRg st="6" end="6"/>
                                             </p:txEl>
                                           </p:spTgt>
                                         </p:tgtEl>
@@ -6613,6 +6647,2231 @@
           <a:chExt cx="0" cy="0"/>
         </a:xfrm>
       </p:grpSpPr>
+      <p:sp>
+        <p:nvSpPr>
+          <p:cNvPr id="6" name="TextBox 5">
+            <a:extLst>
+              <a:ext uri="{FF2B5EF4-FFF2-40B4-BE49-F238E27FC236}">
+                <a16:creationId xmlns:a16="http://schemas.microsoft.com/office/drawing/2014/main" id="{33BF43C6-9B95-4028-882B-1165568B76B9}"/>
+              </a:ext>
+            </a:extLst>
+          </p:cNvPr>
+          <p:cNvSpPr txBox="1"/>
+          <p:nvPr/>
+        </p:nvSpPr>
+        <p:spPr>
+          <a:xfrm>
+            <a:off x="1415480" y="58846"/>
+            <a:ext cx="9540552" cy="6740307"/>
+          </a:xfrm>
+          <a:prstGeom prst="rect">
+            <a:avLst/>
+          </a:prstGeom>
+          <a:noFill/>
+        </p:spPr>
+        <p:txBody>
+          <a:bodyPr wrap="square">
+            <a:spAutoFit/>
+          </a:bodyPr>
+          <a:lstStyle/>
+          <a:p>
+            <a:pPr>
+              <a:spcAft>
+                <a:spcPts val="0"/>
+              </a:spcAft>
+            </a:pPr>
+            <a:r>
+              <a:rPr lang="ru-RU" sz="1600" dirty="0" err="1">
+                <a:solidFill>
+                  <a:srgbClr val="0000FF"/>
+                </a:solidFill>
+                <a:latin typeface="Consolas" panose="020B0609020204030204" pitchFamily="49" charset="0"/>
+                <a:ea typeface="Calibri" panose="020F0502020204030204" pitchFamily="34" charset="0"/>
+                <a:cs typeface="Consolas" panose="020B0609020204030204" pitchFamily="49" charset="0"/>
+              </a:rPr>
+              <a:t>class</a:t>
+            </a:r>
+            <a:r>
+              <a:rPr lang="ru-RU" sz="1600" dirty="0">
+                <a:solidFill>
+                  <a:srgbClr val="000000"/>
+                </a:solidFill>
+                <a:latin typeface="Consolas" panose="020B0609020204030204" pitchFamily="49" charset="0"/>
+                <a:ea typeface="Calibri" panose="020F0502020204030204" pitchFamily="34" charset="0"/>
+                <a:cs typeface="Consolas" panose="020B0609020204030204" pitchFamily="49" charset="0"/>
+              </a:rPr>
+              <a:t> </a:t>
+            </a:r>
+            <a:r>
+              <a:rPr lang="ru-RU" sz="1600" dirty="0" err="1">
+                <a:solidFill>
+                  <a:srgbClr val="2B91AF"/>
+                </a:solidFill>
+                <a:latin typeface="Consolas" panose="020B0609020204030204" pitchFamily="49" charset="0"/>
+                <a:ea typeface="Calibri" panose="020F0502020204030204" pitchFamily="34" charset="0"/>
+                <a:cs typeface="Consolas" panose="020B0609020204030204" pitchFamily="49" charset="0"/>
+              </a:rPr>
+              <a:t>Document</a:t>
+            </a:r>
+            <a:endParaRPr lang="ru-RU" sz="1600" dirty="0">
+              <a:latin typeface="Consolas" panose="020B0609020204030204" pitchFamily="49" charset="0"/>
+              <a:ea typeface="Calibri" panose="020F0502020204030204" pitchFamily="34" charset="0"/>
+              <a:cs typeface="Times New Roman" panose="02020603050405020304" pitchFamily="18" charset="0"/>
+            </a:endParaRPr>
+          </a:p>
+          <a:p>
+            <a:pPr>
+              <a:spcAft>
+                <a:spcPts val="0"/>
+              </a:spcAft>
+            </a:pPr>
+            <a:r>
+              <a:rPr lang="ru-RU" sz="1600" dirty="0">
+                <a:solidFill>
+                  <a:srgbClr val="000000"/>
+                </a:solidFill>
+                <a:latin typeface="Consolas" panose="020B0609020204030204" pitchFamily="49" charset="0"/>
+                <a:ea typeface="Calibri" panose="020F0502020204030204" pitchFamily="34" charset="0"/>
+                <a:cs typeface="Consolas" panose="020B0609020204030204" pitchFamily="49" charset="0"/>
+              </a:rPr>
+              <a:t>{</a:t>
+            </a:r>
+            <a:endParaRPr lang="ru-RU" sz="1600" dirty="0">
+              <a:latin typeface="Consolas" panose="020B0609020204030204" pitchFamily="49" charset="0"/>
+              <a:ea typeface="Calibri" panose="020F0502020204030204" pitchFamily="34" charset="0"/>
+              <a:cs typeface="Times New Roman" panose="02020603050405020304" pitchFamily="18" charset="0"/>
+            </a:endParaRPr>
+          </a:p>
+          <a:p>
+            <a:pPr>
+              <a:spcAft>
+                <a:spcPts val="0"/>
+              </a:spcAft>
+            </a:pPr>
+            <a:r>
+              <a:rPr lang="ru-RU" sz="1600" dirty="0" err="1">
+                <a:solidFill>
+                  <a:srgbClr val="0000FF"/>
+                </a:solidFill>
+                <a:latin typeface="Consolas" panose="020B0609020204030204" pitchFamily="49" charset="0"/>
+                <a:ea typeface="Calibri" panose="020F0502020204030204" pitchFamily="34" charset="0"/>
+                <a:cs typeface="Consolas" panose="020B0609020204030204" pitchFamily="49" charset="0"/>
+              </a:rPr>
+              <a:t>public</a:t>
+            </a:r>
+            <a:r>
+              <a:rPr lang="ru-RU" sz="1600" dirty="0">
+                <a:solidFill>
+                  <a:srgbClr val="000000"/>
+                </a:solidFill>
+                <a:latin typeface="Consolas" panose="020B0609020204030204" pitchFamily="49" charset="0"/>
+                <a:ea typeface="Calibri" panose="020F0502020204030204" pitchFamily="34" charset="0"/>
+                <a:cs typeface="Consolas" panose="020B0609020204030204" pitchFamily="49" charset="0"/>
+              </a:rPr>
+              <a:t>:</a:t>
+            </a:r>
+            <a:endParaRPr lang="ru-RU" sz="1600" dirty="0">
+              <a:latin typeface="Consolas" panose="020B0609020204030204" pitchFamily="49" charset="0"/>
+              <a:ea typeface="Calibri" panose="020F0502020204030204" pitchFamily="34" charset="0"/>
+              <a:cs typeface="Times New Roman" panose="02020603050405020304" pitchFamily="18" charset="0"/>
+            </a:endParaRPr>
+          </a:p>
+          <a:p>
+            <a:pPr>
+              <a:spcAft>
+                <a:spcPts val="0"/>
+              </a:spcAft>
+            </a:pPr>
+            <a:r>
+              <a:rPr lang="ru-RU" sz="1600" dirty="0">
+                <a:solidFill>
+                  <a:srgbClr val="000000"/>
+                </a:solidFill>
+                <a:latin typeface="Consolas" panose="020B0609020204030204" pitchFamily="49" charset="0"/>
+                <a:ea typeface="Calibri" panose="020F0502020204030204" pitchFamily="34" charset="0"/>
+                <a:cs typeface="Consolas" panose="020B0609020204030204" pitchFamily="49" charset="0"/>
+              </a:rPr>
+              <a:t>  </a:t>
+            </a:r>
+            <a:r>
+              <a:rPr lang="ru-RU" sz="1600" dirty="0">
+                <a:solidFill>
+                  <a:srgbClr val="008000"/>
+                </a:solidFill>
+                <a:latin typeface="Consolas" panose="020B0609020204030204" pitchFamily="49" charset="0"/>
+                <a:ea typeface="Calibri" panose="020F0502020204030204" pitchFamily="34" charset="0"/>
+                <a:cs typeface="Consolas" panose="020B0609020204030204" pitchFamily="49" charset="0"/>
+              </a:rPr>
+              <a:t>// </a:t>
+            </a:r>
+            <a:r>
+              <a:rPr lang="ru-RU" sz="1600" dirty="0" err="1">
+                <a:solidFill>
+                  <a:srgbClr val="008000"/>
+                </a:solidFill>
+                <a:latin typeface="Consolas" panose="020B0609020204030204" pitchFamily="49" charset="0"/>
+                <a:ea typeface="Calibri" panose="020F0502020204030204" pitchFamily="34" charset="0"/>
+                <a:cs typeface="Consolas" panose="020B0609020204030204" pitchFamily="49" charset="0"/>
+              </a:rPr>
+              <a:t>output</a:t>
+            </a:r>
+            <a:r>
+              <a:rPr lang="ru-RU" sz="1600" dirty="0">
+                <a:solidFill>
+                  <a:srgbClr val="008000"/>
+                </a:solidFill>
+                <a:latin typeface="Consolas" panose="020B0609020204030204" pitchFamily="49" charset="0"/>
+                <a:ea typeface="Calibri" panose="020F0502020204030204" pitchFamily="34" charset="0"/>
+                <a:cs typeface="Consolas" panose="020B0609020204030204" pitchFamily="49" charset="0"/>
+              </a:rPr>
+              <a:t> используется только для записи документа</a:t>
+            </a:r>
+            <a:endParaRPr lang="ru-RU" sz="1600" dirty="0">
+              <a:latin typeface="Consolas" panose="020B0609020204030204" pitchFamily="49" charset="0"/>
+              <a:ea typeface="Calibri" panose="020F0502020204030204" pitchFamily="34" charset="0"/>
+              <a:cs typeface="Times New Roman" panose="02020603050405020304" pitchFamily="18" charset="0"/>
+            </a:endParaRPr>
+          </a:p>
+          <a:p>
+            <a:pPr>
+              <a:spcAft>
+                <a:spcPts val="0"/>
+              </a:spcAft>
+            </a:pPr>
+            <a:r>
+              <a:rPr lang="ru-RU" sz="1600" dirty="0">
+                <a:solidFill>
+                  <a:srgbClr val="000000"/>
+                </a:solidFill>
+                <a:latin typeface="Consolas" panose="020B0609020204030204" pitchFamily="49" charset="0"/>
+                <a:ea typeface="Calibri" panose="020F0502020204030204" pitchFamily="34" charset="0"/>
+                <a:cs typeface="Consolas" panose="020B0609020204030204" pitchFamily="49" charset="0"/>
+              </a:rPr>
+              <a:t>  </a:t>
+            </a:r>
+            <a:r>
+              <a:rPr lang="en-US" sz="1600" dirty="0">
+                <a:solidFill>
+                  <a:srgbClr val="0000FF"/>
+                </a:solidFill>
+                <a:latin typeface="Consolas" panose="020B0609020204030204" pitchFamily="49" charset="0"/>
+                <a:ea typeface="Calibri" panose="020F0502020204030204" pitchFamily="34" charset="0"/>
+                <a:cs typeface="Consolas" panose="020B0609020204030204" pitchFamily="49" charset="0"/>
+              </a:rPr>
+              <a:t>void</a:t>
+            </a:r>
+            <a:r>
+              <a:rPr lang="en-US" sz="1600" dirty="0">
+                <a:solidFill>
+                  <a:srgbClr val="000000"/>
+                </a:solidFill>
+                <a:latin typeface="Consolas" panose="020B0609020204030204" pitchFamily="49" charset="0"/>
+                <a:ea typeface="Calibri" panose="020F0502020204030204" pitchFamily="34" charset="0"/>
+                <a:cs typeface="Consolas" panose="020B0609020204030204" pitchFamily="49" charset="0"/>
+              </a:rPr>
+              <a:t> </a:t>
+            </a:r>
+            <a:r>
+              <a:rPr lang="en-US" sz="1600" dirty="0" err="1">
+                <a:solidFill>
+                  <a:srgbClr val="000000"/>
+                </a:solidFill>
+                <a:latin typeface="Consolas" panose="020B0609020204030204" pitchFamily="49" charset="0"/>
+                <a:ea typeface="Calibri" panose="020F0502020204030204" pitchFamily="34" charset="0"/>
+                <a:cs typeface="Consolas" panose="020B0609020204030204" pitchFamily="49" charset="0"/>
+              </a:rPr>
+              <a:t>SaveToStream</a:t>
+            </a:r>
+            <a:r>
+              <a:rPr lang="en-US" sz="1600" dirty="0">
+                <a:solidFill>
+                  <a:srgbClr val="000000"/>
+                </a:solidFill>
+                <a:latin typeface="Consolas" panose="020B0609020204030204" pitchFamily="49" charset="0"/>
+                <a:ea typeface="Calibri" panose="020F0502020204030204" pitchFamily="34" charset="0"/>
+                <a:cs typeface="Consolas" panose="020B0609020204030204" pitchFamily="49" charset="0"/>
+              </a:rPr>
+              <a:t>(</a:t>
+            </a:r>
+            <a:r>
+              <a:rPr lang="en-US" sz="1600" dirty="0" err="1">
+                <a:solidFill>
+                  <a:srgbClr val="000000"/>
+                </a:solidFill>
+                <a:latin typeface="Consolas" panose="020B0609020204030204" pitchFamily="49" charset="0"/>
+                <a:ea typeface="Calibri" panose="020F0502020204030204" pitchFamily="34" charset="0"/>
+                <a:cs typeface="Consolas" panose="020B0609020204030204" pitchFamily="49" charset="0"/>
+              </a:rPr>
+              <a:t>ostream</a:t>
+            </a:r>
+            <a:r>
+              <a:rPr lang="en-US" sz="1600" dirty="0">
+                <a:solidFill>
+                  <a:srgbClr val="000000"/>
+                </a:solidFill>
+                <a:latin typeface="Consolas" panose="020B0609020204030204" pitchFamily="49" charset="0"/>
+                <a:ea typeface="Calibri" panose="020F0502020204030204" pitchFamily="34" charset="0"/>
+                <a:cs typeface="Consolas" panose="020B0609020204030204" pitchFamily="49" charset="0"/>
+              </a:rPr>
+              <a:t>&amp; </a:t>
+            </a:r>
+            <a:r>
+              <a:rPr lang="en-US" sz="1600" b="1" dirty="0">
+                <a:solidFill>
+                  <a:srgbClr val="808080"/>
+                </a:solidFill>
+                <a:latin typeface="Consolas" panose="020B0609020204030204" pitchFamily="49" charset="0"/>
+                <a:ea typeface="Calibri" panose="020F0502020204030204" pitchFamily="34" charset="0"/>
+                <a:cs typeface="Consolas" panose="020B0609020204030204" pitchFamily="49" charset="0"/>
+              </a:rPr>
+              <a:t>output</a:t>
+            </a:r>
+            <a:r>
+              <a:rPr lang="en-US" sz="1600" dirty="0">
+                <a:solidFill>
+                  <a:srgbClr val="000000"/>
+                </a:solidFill>
+                <a:latin typeface="Consolas" panose="020B0609020204030204" pitchFamily="49" charset="0"/>
+                <a:ea typeface="Calibri" panose="020F0502020204030204" pitchFamily="34" charset="0"/>
+                <a:cs typeface="Consolas" panose="020B0609020204030204" pitchFamily="49" charset="0"/>
+              </a:rPr>
+              <a:t>) </a:t>
+            </a:r>
+            <a:r>
+              <a:rPr lang="en-US" sz="1600" dirty="0">
+                <a:solidFill>
+                  <a:srgbClr val="0000FF"/>
+                </a:solidFill>
+                <a:latin typeface="Consolas" panose="020B0609020204030204" pitchFamily="49" charset="0"/>
+                <a:ea typeface="Calibri" panose="020F0502020204030204" pitchFamily="34" charset="0"/>
+                <a:cs typeface="Consolas" panose="020B0609020204030204" pitchFamily="49" charset="0"/>
+              </a:rPr>
+              <a:t>const</a:t>
+            </a:r>
+            <a:r>
+              <a:rPr lang="ru-RU" sz="1600" dirty="0">
+                <a:solidFill>
+                  <a:srgbClr val="0000FF"/>
+                </a:solidFill>
+                <a:latin typeface="Consolas" panose="020B0609020204030204" pitchFamily="49" charset="0"/>
+                <a:ea typeface="Calibri" panose="020F0502020204030204" pitchFamily="34" charset="0"/>
+                <a:cs typeface="Consolas" panose="020B0609020204030204" pitchFamily="49" charset="0"/>
+              </a:rPr>
+              <a:t> </a:t>
+            </a:r>
+            <a:r>
+              <a:rPr lang="en-US" sz="1600" dirty="0">
+                <a:solidFill>
+                  <a:srgbClr val="000000"/>
+                </a:solidFill>
+                <a:latin typeface="Consolas" panose="020B0609020204030204" pitchFamily="49" charset="0"/>
+                <a:ea typeface="Calibri" panose="020F0502020204030204" pitchFamily="34" charset="0"/>
+                <a:cs typeface="Consolas" panose="020B0609020204030204" pitchFamily="49" charset="0"/>
+              </a:rPr>
+              <a:t>{</a:t>
+            </a:r>
+            <a:endParaRPr lang="ru-RU" sz="1600" dirty="0">
+              <a:latin typeface="Consolas" panose="020B0609020204030204" pitchFamily="49" charset="0"/>
+              <a:ea typeface="Calibri" panose="020F0502020204030204" pitchFamily="34" charset="0"/>
+              <a:cs typeface="Times New Roman" panose="02020603050405020304" pitchFamily="18" charset="0"/>
+            </a:endParaRPr>
+          </a:p>
+          <a:p>
+            <a:pPr>
+              <a:spcAft>
+                <a:spcPts val="0"/>
+              </a:spcAft>
+            </a:pPr>
+            <a:r>
+              <a:rPr lang="en-US" sz="1600" dirty="0">
+                <a:solidFill>
+                  <a:srgbClr val="000000"/>
+                </a:solidFill>
+                <a:latin typeface="Consolas" panose="020B0609020204030204" pitchFamily="49" charset="0"/>
+                <a:ea typeface="Calibri" panose="020F0502020204030204" pitchFamily="34" charset="0"/>
+                <a:cs typeface="Consolas" panose="020B0609020204030204" pitchFamily="49" charset="0"/>
+              </a:rPr>
+              <a:t>    </a:t>
+            </a:r>
+            <a:r>
+              <a:rPr lang="en-US" sz="1600" b="1" dirty="0">
+                <a:solidFill>
+                  <a:srgbClr val="808080"/>
+                </a:solidFill>
+                <a:latin typeface="Consolas" panose="020B0609020204030204" pitchFamily="49" charset="0"/>
+                <a:ea typeface="Calibri" panose="020F0502020204030204" pitchFamily="34" charset="0"/>
+                <a:cs typeface="Consolas" panose="020B0609020204030204" pitchFamily="49" charset="0"/>
+              </a:rPr>
+              <a:t>output</a:t>
+            </a:r>
+            <a:r>
+              <a:rPr lang="en-US" sz="1600" dirty="0">
+                <a:solidFill>
+                  <a:srgbClr val="000000"/>
+                </a:solidFill>
+                <a:latin typeface="Consolas" panose="020B0609020204030204" pitchFamily="49" charset="0"/>
+                <a:ea typeface="Calibri" panose="020F0502020204030204" pitchFamily="34" charset="0"/>
+                <a:cs typeface="Consolas" panose="020B0609020204030204" pitchFamily="49" charset="0"/>
+              </a:rPr>
+              <a:t> &lt;&lt; title_ &lt;&lt; </a:t>
+            </a:r>
+            <a:r>
+              <a:rPr lang="en-US" sz="1600" dirty="0" err="1">
+                <a:solidFill>
+                  <a:srgbClr val="000000"/>
+                </a:solidFill>
+                <a:latin typeface="Consolas" panose="020B0609020204030204" pitchFamily="49" charset="0"/>
+                <a:ea typeface="Calibri" panose="020F0502020204030204" pitchFamily="34" charset="0"/>
+                <a:cs typeface="Consolas" panose="020B0609020204030204" pitchFamily="49" charset="0"/>
+              </a:rPr>
+              <a:t>endl</a:t>
+            </a:r>
+            <a:r>
+              <a:rPr lang="en-US" sz="1600" dirty="0">
+                <a:solidFill>
+                  <a:srgbClr val="000000"/>
+                </a:solidFill>
+                <a:latin typeface="Consolas" panose="020B0609020204030204" pitchFamily="49" charset="0"/>
+                <a:ea typeface="Calibri" panose="020F0502020204030204" pitchFamily="34" charset="0"/>
+                <a:cs typeface="Consolas" panose="020B0609020204030204" pitchFamily="49" charset="0"/>
+              </a:rPr>
+              <a:t> &lt;&lt; text_ &lt;&lt; </a:t>
+            </a:r>
+            <a:r>
+              <a:rPr lang="en-US" sz="1600" dirty="0" err="1">
+                <a:solidFill>
+                  <a:srgbClr val="000000"/>
+                </a:solidFill>
+                <a:latin typeface="Consolas" panose="020B0609020204030204" pitchFamily="49" charset="0"/>
+                <a:ea typeface="Calibri" panose="020F0502020204030204" pitchFamily="34" charset="0"/>
+                <a:cs typeface="Consolas" panose="020B0609020204030204" pitchFamily="49" charset="0"/>
+              </a:rPr>
+              <a:t>endl</a:t>
+            </a:r>
+            <a:r>
+              <a:rPr lang="en-US" sz="1600" dirty="0">
+                <a:solidFill>
+                  <a:srgbClr val="000000"/>
+                </a:solidFill>
+                <a:latin typeface="Consolas" panose="020B0609020204030204" pitchFamily="49" charset="0"/>
+                <a:ea typeface="Calibri" panose="020F0502020204030204" pitchFamily="34" charset="0"/>
+                <a:cs typeface="Consolas" panose="020B0609020204030204" pitchFamily="49" charset="0"/>
+              </a:rPr>
+              <a:t>;</a:t>
+            </a:r>
+            <a:endParaRPr lang="ru-RU" sz="1600" dirty="0">
+              <a:latin typeface="Consolas" panose="020B0609020204030204" pitchFamily="49" charset="0"/>
+              <a:ea typeface="Calibri" panose="020F0502020204030204" pitchFamily="34" charset="0"/>
+              <a:cs typeface="Times New Roman" panose="02020603050405020304" pitchFamily="18" charset="0"/>
+            </a:endParaRPr>
+          </a:p>
+          <a:p>
+            <a:pPr>
+              <a:spcAft>
+                <a:spcPts val="0"/>
+              </a:spcAft>
+            </a:pPr>
+            <a:r>
+              <a:rPr lang="en-US" sz="1600" dirty="0">
+                <a:solidFill>
+                  <a:srgbClr val="000000"/>
+                </a:solidFill>
+                <a:latin typeface="Consolas" panose="020B0609020204030204" pitchFamily="49" charset="0"/>
+                <a:ea typeface="Calibri" panose="020F0502020204030204" pitchFamily="34" charset="0"/>
+                <a:cs typeface="Consolas" panose="020B0609020204030204" pitchFamily="49" charset="0"/>
+              </a:rPr>
+              <a:t>  </a:t>
+            </a:r>
+            <a:r>
+              <a:rPr lang="ru-RU" sz="1600" dirty="0">
+                <a:solidFill>
+                  <a:srgbClr val="000000"/>
+                </a:solidFill>
+                <a:latin typeface="Consolas" panose="020B0609020204030204" pitchFamily="49" charset="0"/>
+                <a:ea typeface="Calibri" panose="020F0502020204030204" pitchFamily="34" charset="0"/>
+                <a:cs typeface="Consolas" panose="020B0609020204030204" pitchFamily="49" charset="0"/>
+              </a:rPr>
+              <a:t>}</a:t>
+            </a:r>
+          </a:p>
+          <a:p>
+            <a:pPr>
+              <a:spcAft>
+                <a:spcPts val="0"/>
+              </a:spcAft>
+            </a:pPr>
+            <a:endParaRPr lang="ru-RU" sz="1600" dirty="0">
+              <a:latin typeface="Consolas" panose="020B0609020204030204" pitchFamily="49" charset="0"/>
+              <a:ea typeface="Calibri" panose="020F0502020204030204" pitchFamily="34" charset="0"/>
+              <a:cs typeface="Times New Roman" panose="02020603050405020304" pitchFamily="18" charset="0"/>
+            </a:endParaRPr>
+          </a:p>
+          <a:p>
+            <a:pPr>
+              <a:spcAft>
+                <a:spcPts val="0"/>
+              </a:spcAft>
+            </a:pPr>
+            <a:r>
+              <a:rPr lang="ru-RU" sz="1600" dirty="0">
+                <a:solidFill>
+                  <a:srgbClr val="000000"/>
+                </a:solidFill>
+                <a:latin typeface="Consolas" panose="020B0609020204030204" pitchFamily="49" charset="0"/>
+                <a:ea typeface="Calibri" panose="020F0502020204030204" pitchFamily="34" charset="0"/>
+                <a:cs typeface="Consolas" panose="020B0609020204030204" pitchFamily="49" charset="0"/>
+              </a:rPr>
+              <a:t>  </a:t>
+            </a:r>
+            <a:r>
+              <a:rPr lang="ru-RU" sz="1600" dirty="0">
+                <a:solidFill>
+                  <a:srgbClr val="008000"/>
+                </a:solidFill>
+                <a:latin typeface="Consolas" panose="020B0609020204030204" pitchFamily="49" charset="0"/>
+                <a:ea typeface="Calibri" panose="020F0502020204030204" pitchFamily="34" charset="0"/>
+                <a:cs typeface="Consolas" panose="020B0609020204030204" pitchFamily="49" charset="0"/>
+              </a:rPr>
+              <a:t>// </a:t>
+            </a:r>
+            <a:r>
+              <a:rPr lang="ru-RU" sz="1600" dirty="0" err="1">
+                <a:solidFill>
+                  <a:srgbClr val="008000"/>
+                </a:solidFill>
+                <a:latin typeface="Consolas" panose="020B0609020204030204" pitchFamily="49" charset="0"/>
+                <a:ea typeface="Calibri" panose="020F0502020204030204" pitchFamily="34" charset="0"/>
+                <a:cs typeface="Consolas" panose="020B0609020204030204" pitchFamily="49" charset="0"/>
+              </a:rPr>
+              <a:t>input</a:t>
+            </a:r>
+            <a:r>
+              <a:rPr lang="ru-RU" sz="1600" dirty="0">
+                <a:solidFill>
+                  <a:srgbClr val="008000"/>
+                </a:solidFill>
+                <a:latin typeface="Consolas" panose="020B0609020204030204" pitchFamily="49" charset="0"/>
+                <a:ea typeface="Calibri" panose="020F0502020204030204" pitchFamily="34" charset="0"/>
+                <a:cs typeface="Consolas" panose="020B0609020204030204" pitchFamily="49" charset="0"/>
+              </a:rPr>
+              <a:t> используется только для чтения документа</a:t>
+            </a:r>
+            <a:endParaRPr lang="ru-RU" sz="1600" dirty="0">
+              <a:latin typeface="Consolas" panose="020B0609020204030204" pitchFamily="49" charset="0"/>
+              <a:ea typeface="Calibri" panose="020F0502020204030204" pitchFamily="34" charset="0"/>
+              <a:cs typeface="Times New Roman" panose="02020603050405020304" pitchFamily="18" charset="0"/>
+            </a:endParaRPr>
+          </a:p>
+          <a:p>
+            <a:pPr>
+              <a:spcAft>
+                <a:spcPts val="0"/>
+              </a:spcAft>
+            </a:pPr>
+            <a:r>
+              <a:rPr lang="ru-RU" sz="1600" dirty="0">
+                <a:solidFill>
+                  <a:srgbClr val="000000"/>
+                </a:solidFill>
+                <a:latin typeface="Consolas" panose="020B0609020204030204" pitchFamily="49" charset="0"/>
+                <a:ea typeface="Calibri" panose="020F0502020204030204" pitchFamily="34" charset="0"/>
+                <a:cs typeface="Consolas" panose="020B0609020204030204" pitchFamily="49" charset="0"/>
+              </a:rPr>
+              <a:t>  </a:t>
+            </a:r>
+            <a:r>
+              <a:rPr lang="en-US" sz="1600" dirty="0">
+                <a:solidFill>
+                  <a:srgbClr val="0000FF"/>
+                </a:solidFill>
+                <a:latin typeface="Consolas" panose="020B0609020204030204" pitchFamily="49" charset="0"/>
+                <a:ea typeface="Calibri" panose="020F0502020204030204" pitchFamily="34" charset="0"/>
+                <a:cs typeface="Consolas" panose="020B0609020204030204" pitchFamily="49" charset="0"/>
+              </a:rPr>
+              <a:t>void</a:t>
+            </a:r>
+            <a:r>
+              <a:rPr lang="en-US" sz="1600" dirty="0">
+                <a:solidFill>
+                  <a:srgbClr val="000000"/>
+                </a:solidFill>
+                <a:latin typeface="Consolas" panose="020B0609020204030204" pitchFamily="49" charset="0"/>
+                <a:ea typeface="Calibri" panose="020F0502020204030204" pitchFamily="34" charset="0"/>
+                <a:cs typeface="Consolas" panose="020B0609020204030204" pitchFamily="49" charset="0"/>
+              </a:rPr>
+              <a:t> </a:t>
+            </a:r>
+            <a:r>
+              <a:rPr lang="en-US" sz="1600" dirty="0" err="1">
+                <a:solidFill>
+                  <a:srgbClr val="000000"/>
+                </a:solidFill>
+                <a:latin typeface="Consolas" panose="020B0609020204030204" pitchFamily="49" charset="0"/>
+                <a:ea typeface="Calibri" panose="020F0502020204030204" pitchFamily="34" charset="0"/>
+                <a:cs typeface="Consolas" panose="020B0609020204030204" pitchFamily="49" charset="0"/>
+              </a:rPr>
+              <a:t>LoadFromStream</a:t>
+            </a:r>
+            <a:r>
+              <a:rPr lang="en-US" sz="1600" dirty="0">
+                <a:solidFill>
+                  <a:srgbClr val="000000"/>
+                </a:solidFill>
+                <a:latin typeface="Consolas" panose="020B0609020204030204" pitchFamily="49" charset="0"/>
+                <a:ea typeface="Calibri" panose="020F0502020204030204" pitchFamily="34" charset="0"/>
+                <a:cs typeface="Consolas" panose="020B0609020204030204" pitchFamily="49" charset="0"/>
+              </a:rPr>
+              <a:t>(</a:t>
+            </a:r>
+            <a:r>
+              <a:rPr lang="en-US" sz="1600" dirty="0" err="1">
+                <a:solidFill>
+                  <a:srgbClr val="000000"/>
+                </a:solidFill>
+                <a:latin typeface="Consolas" panose="020B0609020204030204" pitchFamily="49" charset="0"/>
+                <a:ea typeface="Calibri" panose="020F0502020204030204" pitchFamily="34" charset="0"/>
+                <a:cs typeface="Consolas" panose="020B0609020204030204" pitchFamily="49" charset="0"/>
+              </a:rPr>
+              <a:t>istream</a:t>
+            </a:r>
+            <a:r>
+              <a:rPr lang="en-US" sz="1600" dirty="0">
+                <a:solidFill>
+                  <a:srgbClr val="000000"/>
+                </a:solidFill>
+                <a:latin typeface="Consolas" panose="020B0609020204030204" pitchFamily="49" charset="0"/>
+                <a:ea typeface="Calibri" panose="020F0502020204030204" pitchFamily="34" charset="0"/>
+                <a:cs typeface="Consolas" panose="020B0609020204030204" pitchFamily="49" charset="0"/>
+              </a:rPr>
+              <a:t>&amp; </a:t>
+            </a:r>
+            <a:r>
+              <a:rPr lang="en-US" sz="1600" b="1" dirty="0">
+                <a:solidFill>
+                  <a:srgbClr val="808080"/>
+                </a:solidFill>
+                <a:latin typeface="Consolas" panose="020B0609020204030204" pitchFamily="49" charset="0"/>
+                <a:ea typeface="Calibri" panose="020F0502020204030204" pitchFamily="34" charset="0"/>
+                <a:cs typeface="Consolas" panose="020B0609020204030204" pitchFamily="49" charset="0"/>
+              </a:rPr>
+              <a:t>input</a:t>
+            </a:r>
+            <a:r>
+              <a:rPr lang="en-US" sz="1600" dirty="0">
+                <a:solidFill>
+                  <a:srgbClr val="000000"/>
+                </a:solidFill>
+                <a:latin typeface="Consolas" panose="020B0609020204030204" pitchFamily="49" charset="0"/>
+                <a:ea typeface="Calibri" panose="020F0502020204030204" pitchFamily="34" charset="0"/>
+                <a:cs typeface="Consolas" panose="020B0609020204030204" pitchFamily="49" charset="0"/>
+              </a:rPr>
+              <a:t>)</a:t>
+            </a:r>
+            <a:r>
+              <a:rPr lang="ru-RU" sz="1600" dirty="0">
+                <a:solidFill>
+                  <a:srgbClr val="000000"/>
+                </a:solidFill>
+                <a:latin typeface="Consolas" panose="020B0609020204030204" pitchFamily="49" charset="0"/>
+                <a:ea typeface="Calibri" panose="020F0502020204030204" pitchFamily="34" charset="0"/>
+                <a:cs typeface="Consolas" panose="020B0609020204030204" pitchFamily="49" charset="0"/>
+              </a:rPr>
+              <a:t> </a:t>
+            </a:r>
+            <a:r>
+              <a:rPr lang="en-US" sz="1600" dirty="0">
+                <a:solidFill>
+                  <a:srgbClr val="000000"/>
+                </a:solidFill>
+                <a:latin typeface="Consolas" panose="020B0609020204030204" pitchFamily="49" charset="0"/>
+                <a:ea typeface="Calibri" panose="020F0502020204030204" pitchFamily="34" charset="0"/>
+                <a:cs typeface="Consolas" panose="020B0609020204030204" pitchFamily="49" charset="0"/>
+              </a:rPr>
+              <a:t>{</a:t>
+            </a:r>
+            <a:endParaRPr lang="ru-RU" sz="1600" dirty="0">
+              <a:latin typeface="Consolas" panose="020B0609020204030204" pitchFamily="49" charset="0"/>
+              <a:ea typeface="Calibri" panose="020F0502020204030204" pitchFamily="34" charset="0"/>
+              <a:cs typeface="Times New Roman" panose="02020603050405020304" pitchFamily="18" charset="0"/>
+            </a:endParaRPr>
+          </a:p>
+          <a:p>
+            <a:pPr>
+              <a:spcAft>
+                <a:spcPts val="0"/>
+              </a:spcAft>
+            </a:pPr>
+            <a:r>
+              <a:rPr lang="en-US" sz="1600" dirty="0">
+                <a:solidFill>
+                  <a:srgbClr val="000000"/>
+                </a:solidFill>
+                <a:latin typeface="Consolas" panose="020B0609020204030204" pitchFamily="49" charset="0"/>
+                <a:ea typeface="Calibri" panose="020F0502020204030204" pitchFamily="34" charset="0"/>
+                <a:cs typeface="Consolas" panose="020B0609020204030204" pitchFamily="49" charset="0"/>
+              </a:rPr>
+              <a:t>    </a:t>
+            </a:r>
+            <a:r>
+              <a:rPr lang="en-US" sz="1600" dirty="0" err="1">
+                <a:solidFill>
+                  <a:srgbClr val="000000"/>
+                </a:solidFill>
+                <a:latin typeface="Consolas" panose="020B0609020204030204" pitchFamily="49" charset="0"/>
+                <a:ea typeface="Calibri" panose="020F0502020204030204" pitchFamily="34" charset="0"/>
+                <a:cs typeface="Consolas" panose="020B0609020204030204" pitchFamily="49" charset="0"/>
+              </a:rPr>
+              <a:t>getline</a:t>
+            </a:r>
+            <a:r>
+              <a:rPr lang="en-US" sz="1600" dirty="0">
+                <a:solidFill>
+                  <a:srgbClr val="000000"/>
+                </a:solidFill>
+                <a:latin typeface="Consolas" panose="020B0609020204030204" pitchFamily="49" charset="0"/>
+                <a:ea typeface="Calibri" panose="020F0502020204030204" pitchFamily="34" charset="0"/>
+                <a:cs typeface="Consolas" panose="020B0609020204030204" pitchFamily="49" charset="0"/>
+              </a:rPr>
+              <a:t>(</a:t>
+            </a:r>
+            <a:r>
+              <a:rPr lang="en-US" sz="1600" b="1" dirty="0">
+                <a:solidFill>
+                  <a:srgbClr val="808080"/>
+                </a:solidFill>
+                <a:latin typeface="Consolas" panose="020B0609020204030204" pitchFamily="49" charset="0"/>
+                <a:ea typeface="Calibri" panose="020F0502020204030204" pitchFamily="34" charset="0"/>
+                <a:cs typeface="Consolas" panose="020B0609020204030204" pitchFamily="49" charset="0"/>
+              </a:rPr>
+              <a:t>input</a:t>
+            </a:r>
+            <a:r>
+              <a:rPr lang="en-US" sz="1600" dirty="0">
+                <a:solidFill>
+                  <a:srgbClr val="000000"/>
+                </a:solidFill>
+                <a:latin typeface="Consolas" panose="020B0609020204030204" pitchFamily="49" charset="0"/>
+                <a:ea typeface="Calibri" panose="020F0502020204030204" pitchFamily="34" charset="0"/>
+                <a:cs typeface="Consolas" panose="020B0609020204030204" pitchFamily="49" charset="0"/>
+              </a:rPr>
+              <a:t>, title_);</a:t>
+            </a:r>
+            <a:endParaRPr lang="ru-RU" sz="1600" dirty="0">
+              <a:latin typeface="Consolas" panose="020B0609020204030204" pitchFamily="49" charset="0"/>
+              <a:ea typeface="Calibri" panose="020F0502020204030204" pitchFamily="34" charset="0"/>
+              <a:cs typeface="Times New Roman" panose="02020603050405020304" pitchFamily="18" charset="0"/>
+            </a:endParaRPr>
+          </a:p>
+          <a:p>
+            <a:pPr>
+              <a:spcAft>
+                <a:spcPts val="0"/>
+              </a:spcAft>
+            </a:pPr>
+            <a:r>
+              <a:rPr lang="en-US" sz="1600" dirty="0">
+                <a:solidFill>
+                  <a:srgbClr val="000000"/>
+                </a:solidFill>
+                <a:latin typeface="Consolas" panose="020B0609020204030204" pitchFamily="49" charset="0"/>
+                <a:ea typeface="Calibri" panose="020F0502020204030204" pitchFamily="34" charset="0"/>
+                <a:cs typeface="Consolas" panose="020B0609020204030204" pitchFamily="49" charset="0"/>
+              </a:rPr>
+              <a:t>    text</a:t>
+            </a:r>
+            <a:r>
+              <a:rPr lang="ru-RU" sz="1600" dirty="0">
+                <a:solidFill>
+                  <a:srgbClr val="000000"/>
+                </a:solidFill>
+                <a:latin typeface="Consolas" panose="020B0609020204030204" pitchFamily="49" charset="0"/>
+                <a:ea typeface="Calibri" panose="020F0502020204030204" pitchFamily="34" charset="0"/>
+                <a:cs typeface="Consolas" panose="020B0609020204030204" pitchFamily="49" charset="0"/>
+              </a:rPr>
+              <a:t>_</a:t>
+            </a:r>
+            <a:r>
+              <a:rPr lang="en-US" sz="1600" dirty="0">
+                <a:solidFill>
+                  <a:srgbClr val="000000"/>
+                </a:solidFill>
+                <a:latin typeface="Consolas" panose="020B0609020204030204" pitchFamily="49" charset="0"/>
+                <a:ea typeface="Calibri" panose="020F0502020204030204" pitchFamily="34" charset="0"/>
+                <a:cs typeface="Consolas" panose="020B0609020204030204" pitchFamily="49" charset="0"/>
+              </a:rPr>
+              <a:t>.clear();</a:t>
+            </a:r>
+            <a:endParaRPr lang="ru-RU" sz="1600" dirty="0">
+              <a:latin typeface="Consolas" panose="020B0609020204030204" pitchFamily="49" charset="0"/>
+              <a:ea typeface="Calibri" panose="020F0502020204030204" pitchFamily="34" charset="0"/>
+              <a:cs typeface="Times New Roman" panose="02020603050405020304" pitchFamily="18" charset="0"/>
+            </a:endParaRPr>
+          </a:p>
+          <a:p>
+            <a:pPr>
+              <a:spcAft>
+                <a:spcPts val="0"/>
+              </a:spcAft>
+            </a:pPr>
+            <a:r>
+              <a:rPr lang="en-US" sz="1600" dirty="0">
+                <a:solidFill>
+                  <a:srgbClr val="000000"/>
+                </a:solidFill>
+                <a:latin typeface="Consolas" panose="020B0609020204030204" pitchFamily="49" charset="0"/>
+                <a:ea typeface="Calibri" panose="020F0502020204030204" pitchFamily="34" charset="0"/>
+                <a:cs typeface="Consolas" panose="020B0609020204030204" pitchFamily="49" charset="0"/>
+              </a:rPr>
+              <a:t>    string line;</a:t>
+            </a:r>
+            <a:endParaRPr lang="ru-RU" sz="1600" dirty="0">
+              <a:latin typeface="Consolas" panose="020B0609020204030204" pitchFamily="49" charset="0"/>
+              <a:ea typeface="Calibri" panose="020F0502020204030204" pitchFamily="34" charset="0"/>
+              <a:cs typeface="Times New Roman" panose="02020603050405020304" pitchFamily="18" charset="0"/>
+            </a:endParaRPr>
+          </a:p>
+          <a:p>
+            <a:pPr>
+              <a:spcAft>
+                <a:spcPts val="0"/>
+              </a:spcAft>
+            </a:pPr>
+            <a:r>
+              <a:rPr lang="en-US" sz="1600" dirty="0">
+                <a:solidFill>
+                  <a:srgbClr val="000000"/>
+                </a:solidFill>
+                <a:latin typeface="Consolas" panose="020B0609020204030204" pitchFamily="49" charset="0"/>
+                <a:ea typeface="Calibri" panose="020F0502020204030204" pitchFamily="34" charset="0"/>
+                <a:cs typeface="Consolas" panose="020B0609020204030204" pitchFamily="49" charset="0"/>
+              </a:rPr>
+              <a:t>    </a:t>
+            </a:r>
+            <a:r>
+              <a:rPr lang="en-US" sz="1600" dirty="0">
+                <a:solidFill>
+                  <a:srgbClr val="0000FF"/>
+                </a:solidFill>
+                <a:latin typeface="Consolas" panose="020B0609020204030204" pitchFamily="49" charset="0"/>
+                <a:ea typeface="Calibri" panose="020F0502020204030204" pitchFamily="34" charset="0"/>
+                <a:cs typeface="Consolas" panose="020B0609020204030204" pitchFamily="49" charset="0"/>
+              </a:rPr>
+              <a:t>while</a:t>
+            </a:r>
+            <a:r>
+              <a:rPr lang="en-US" sz="1600" dirty="0">
+                <a:solidFill>
+                  <a:srgbClr val="000000"/>
+                </a:solidFill>
+                <a:latin typeface="Consolas" panose="020B0609020204030204" pitchFamily="49" charset="0"/>
+                <a:ea typeface="Calibri" panose="020F0502020204030204" pitchFamily="34" charset="0"/>
+                <a:cs typeface="Consolas" panose="020B0609020204030204" pitchFamily="49" charset="0"/>
+              </a:rPr>
+              <a:t> (</a:t>
+            </a:r>
+            <a:r>
+              <a:rPr lang="en-US" sz="1600" dirty="0" err="1">
+                <a:solidFill>
+                  <a:srgbClr val="000000"/>
+                </a:solidFill>
+                <a:latin typeface="Consolas" panose="020B0609020204030204" pitchFamily="49" charset="0"/>
+                <a:ea typeface="Calibri" panose="020F0502020204030204" pitchFamily="34" charset="0"/>
+                <a:cs typeface="Consolas" panose="020B0609020204030204" pitchFamily="49" charset="0"/>
+              </a:rPr>
+              <a:t>getline</a:t>
+            </a:r>
+            <a:r>
+              <a:rPr lang="en-US" sz="1600" dirty="0">
+                <a:solidFill>
+                  <a:srgbClr val="000000"/>
+                </a:solidFill>
+                <a:latin typeface="Consolas" panose="020B0609020204030204" pitchFamily="49" charset="0"/>
+                <a:ea typeface="Calibri" panose="020F0502020204030204" pitchFamily="34" charset="0"/>
+                <a:cs typeface="Consolas" panose="020B0609020204030204" pitchFamily="49" charset="0"/>
+              </a:rPr>
+              <a:t>(</a:t>
+            </a:r>
+            <a:r>
+              <a:rPr lang="en-US" sz="1600" b="1" dirty="0">
+                <a:solidFill>
+                  <a:srgbClr val="808080"/>
+                </a:solidFill>
+                <a:latin typeface="Consolas" panose="020B0609020204030204" pitchFamily="49" charset="0"/>
+                <a:ea typeface="Calibri" panose="020F0502020204030204" pitchFamily="34" charset="0"/>
+                <a:cs typeface="Consolas" panose="020B0609020204030204" pitchFamily="49" charset="0"/>
+              </a:rPr>
+              <a:t>input</a:t>
+            </a:r>
+            <a:r>
+              <a:rPr lang="en-US" sz="1600" dirty="0">
+                <a:solidFill>
+                  <a:srgbClr val="000000"/>
+                </a:solidFill>
+                <a:latin typeface="Consolas" panose="020B0609020204030204" pitchFamily="49" charset="0"/>
+                <a:ea typeface="Calibri" panose="020F0502020204030204" pitchFamily="34" charset="0"/>
+                <a:cs typeface="Consolas" panose="020B0609020204030204" pitchFamily="49" charset="0"/>
+              </a:rPr>
+              <a:t>, line))</a:t>
+            </a:r>
+            <a:endParaRPr lang="ru-RU" sz="1600" dirty="0">
+              <a:latin typeface="Consolas" panose="020B0609020204030204" pitchFamily="49" charset="0"/>
+              <a:ea typeface="Calibri" panose="020F0502020204030204" pitchFamily="34" charset="0"/>
+              <a:cs typeface="Times New Roman" panose="02020603050405020304" pitchFamily="18" charset="0"/>
+            </a:endParaRPr>
+          </a:p>
+          <a:p>
+            <a:pPr>
+              <a:spcAft>
+                <a:spcPts val="0"/>
+              </a:spcAft>
+            </a:pPr>
+            <a:r>
+              <a:rPr lang="en-US" sz="1600" dirty="0">
+                <a:solidFill>
+                  <a:srgbClr val="000000"/>
+                </a:solidFill>
+                <a:latin typeface="Consolas" panose="020B0609020204030204" pitchFamily="49" charset="0"/>
+                <a:ea typeface="Calibri" panose="020F0502020204030204" pitchFamily="34" charset="0"/>
+                <a:cs typeface="Consolas" panose="020B0609020204030204" pitchFamily="49" charset="0"/>
+              </a:rPr>
+              <a:t>    </a:t>
+            </a:r>
+            <a:r>
+              <a:rPr lang="ru-RU" sz="1600" dirty="0">
+                <a:solidFill>
+                  <a:srgbClr val="000000"/>
+                </a:solidFill>
+                <a:latin typeface="Consolas" panose="020B0609020204030204" pitchFamily="49" charset="0"/>
+                <a:ea typeface="Calibri" panose="020F0502020204030204" pitchFamily="34" charset="0"/>
+                <a:cs typeface="Consolas" panose="020B0609020204030204" pitchFamily="49" charset="0"/>
+              </a:rPr>
+              <a:t>{</a:t>
+            </a:r>
+            <a:endParaRPr lang="ru-RU" sz="1600" dirty="0">
+              <a:latin typeface="Consolas" panose="020B0609020204030204" pitchFamily="49" charset="0"/>
+              <a:ea typeface="Calibri" panose="020F0502020204030204" pitchFamily="34" charset="0"/>
+              <a:cs typeface="Times New Roman" panose="02020603050405020304" pitchFamily="18" charset="0"/>
+            </a:endParaRPr>
+          </a:p>
+          <a:p>
+            <a:pPr>
+              <a:spcAft>
+                <a:spcPts val="0"/>
+              </a:spcAft>
+            </a:pPr>
+            <a:r>
+              <a:rPr lang="ru-RU" sz="1600" dirty="0">
+                <a:solidFill>
+                  <a:srgbClr val="000000"/>
+                </a:solidFill>
+                <a:latin typeface="Consolas" panose="020B0609020204030204" pitchFamily="49" charset="0"/>
+                <a:ea typeface="Calibri" panose="020F0502020204030204" pitchFamily="34" charset="0"/>
+                <a:cs typeface="Consolas" panose="020B0609020204030204" pitchFamily="49" charset="0"/>
+              </a:rPr>
+              <a:t>      </a:t>
+            </a:r>
+            <a:r>
+              <a:rPr lang="ru-RU" sz="1600" dirty="0" err="1">
+                <a:solidFill>
+                  <a:srgbClr val="0000FF"/>
+                </a:solidFill>
+                <a:latin typeface="Consolas" panose="020B0609020204030204" pitchFamily="49" charset="0"/>
+                <a:ea typeface="Calibri" panose="020F0502020204030204" pitchFamily="34" charset="0"/>
+                <a:cs typeface="Consolas" panose="020B0609020204030204" pitchFamily="49" charset="0"/>
+              </a:rPr>
+              <a:t>if</a:t>
+            </a:r>
+            <a:r>
+              <a:rPr lang="ru-RU" sz="1600" dirty="0">
+                <a:solidFill>
+                  <a:srgbClr val="000000"/>
+                </a:solidFill>
+                <a:latin typeface="Consolas" panose="020B0609020204030204" pitchFamily="49" charset="0"/>
+                <a:ea typeface="Calibri" panose="020F0502020204030204" pitchFamily="34" charset="0"/>
+                <a:cs typeface="Consolas" panose="020B0609020204030204" pitchFamily="49" charset="0"/>
+              </a:rPr>
+              <a:t> (</a:t>
+            </a:r>
+            <a:r>
+              <a:rPr lang="ru-RU" sz="1600" dirty="0" err="1">
+                <a:solidFill>
+                  <a:srgbClr val="000000"/>
+                </a:solidFill>
+                <a:latin typeface="Consolas" panose="020B0609020204030204" pitchFamily="49" charset="0"/>
+                <a:ea typeface="Calibri" panose="020F0502020204030204" pitchFamily="34" charset="0"/>
+                <a:cs typeface="Consolas" panose="020B0609020204030204" pitchFamily="49" charset="0"/>
+              </a:rPr>
+              <a:t>text</a:t>
+            </a:r>
+            <a:r>
+              <a:rPr lang="ru-RU" sz="1600" dirty="0">
+                <a:solidFill>
+                  <a:srgbClr val="000000"/>
+                </a:solidFill>
+                <a:latin typeface="Consolas" panose="020B0609020204030204" pitchFamily="49" charset="0"/>
+                <a:ea typeface="Calibri" panose="020F0502020204030204" pitchFamily="34" charset="0"/>
+                <a:cs typeface="Consolas" panose="020B0609020204030204" pitchFamily="49" charset="0"/>
+              </a:rPr>
+              <a:t>_.</a:t>
+            </a:r>
+            <a:r>
+              <a:rPr lang="ru-RU" sz="1600" dirty="0" err="1">
+                <a:solidFill>
+                  <a:srgbClr val="000000"/>
+                </a:solidFill>
+                <a:latin typeface="Consolas" panose="020B0609020204030204" pitchFamily="49" charset="0"/>
+                <a:ea typeface="Calibri" panose="020F0502020204030204" pitchFamily="34" charset="0"/>
+                <a:cs typeface="Consolas" panose="020B0609020204030204" pitchFamily="49" charset="0"/>
+              </a:rPr>
+              <a:t>empty</a:t>
+            </a:r>
+            <a:r>
+              <a:rPr lang="ru-RU" sz="1600" dirty="0">
+                <a:solidFill>
+                  <a:srgbClr val="000000"/>
+                </a:solidFill>
+                <a:latin typeface="Consolas" panose="020B0609020204030204" pitchFamily="49" charset="0"/>
+                <a:ea typeface="Calibri" panose="020F0502020204030204" pitchFamily="34" charset="0"/>
+                <a:cs typeface="Consolas" panose="020B0609020204030204" pitchFamily="49" charset="0"/>
+              </a:rPr>
+              <a:t>())</a:t>
+            </a:r>
+            <a:endParaRPr lang="ru-RU" sz="1600" dirty="0">
+              <a:latin typeface="Consolas" panose="020B0609020204030204" pitchFamily="49" charset="0"/>
+              <a:ea typeface="Calibri" panose="020F0502020204030204" pitchFamily="34" charset="0"/>
+              <a:cs typeface="Times New Roman" panose="02020603050405020304" pitchFamily="18" charset="0"/>
+            </a:endParaRPr>
+          </a:p>
+          <a:p>
+            <a:pPr>
+              <a:spcAft>
+                <a:spcPts val="0"/>
+              </a:spcAft>
+            </a:pPr>
+            <a:r>
+              <a:rPr lang="ru-RU" sz="1600" dirty="0">
+                <a:solidFill>
+                  <a:srgbClr val="000000"/>
+                </a:solidFill>
+                <a:latin typeface="Consolas" panose="020B0609020204030204" pitchFamily="49" charset="0"/>
+                <a:ea typeface="Calibri" panose="020F0502020204030204" pitchFamily="34" charset="0"/>
+                <a:cs typeface="Consolas" panose="020B0609020204030204" pitchFamily="49" charset="0"/>
+              </a:rPr>
+              <a:t>      {</a:t>
+            </a:r>
+            <a:endParaRPr lang="ru-RU" sz="1600" dirty="0">
+              <a:latin typeface="Consolas" panose="020B0609020204030204" pitchFamily="49" charset="0"/>
+              <a:ea typeface="Calibri" panose="020F0502020204030204" pitchFamily="34" charset="0"/>
+              <a:cs typeface="Times New Roman" panose="02020603050405020304" pitchFamily="18" charset="0"/>
+            </a:endParaRPr>
+          </a:p>
+          <a:p>
+            <a:pPr>
+              <a:spcAft>
+                <a:spcPts val="0"/>
+              </a:spcAft>
+            </a:pPr>
+            <a:r>
+              <a:rPr lang="ru-RU" sz="1600" dirty="0">
+                <a:solidFill>
+                  <a:srgbClr val="000000"/>
+                </a:solidFill>
+                <a:latin typeface="Consolas" panose="020B0609020204030204" pitchFamily="49" charset="0"/>
+                <a:ea typeface="Calibri" panose="020F0502020204030204" pitchFamily="34" charset="0"/>
+                <a:cs typeface="Consolas" panose="020B0609020204030204" pitchFamily="49" charset="0"/>
+              </a:rPr>
+              <a:t>        </a:t>
+            </a:r>
+            <a:r>
+              <a:rPr lang="ru-RU" sz="1600" dirty="0" err="1">
+                <a:solidFill>
+                  <a:srgbClr val="000000"/>
+                </a:solidFill>
+                <a:latin typeface="Consolas" panose="020B0609020204030204" pitchFamily="49" charset="0"/>
+                <a:ea typeface="Calibri" panose="020F0502020204030204" pitchFamily="34" charset="0"/>
+                <a:cs typeface="Consolas" panose="020B0609020204030204" pitchFamily="49" charset="0"/>
+              </a:rPr>
+              <a:t>text</a:t>
+            </a:r>
+            <a:r>
+              <a:rPr lang="ru-RU" sz="1600" dirty="0">
+                <a:solidFill>
+                  <a:srgbClr val="000000"/>
+                </a:solidFill>
+                <a:latin typeface="Consolas" panose="020B0609020204030204" pitchFamily="49" charset="0"/>
+                <a:ea typeface="Calibri" panose="020F0502020204030204" pitchFamily="34" charset="0"/>
+                <a:cs typeface="Consolas" panose="020B0609020204030204" pitchFamily="49" charset="0"/>
+              </a:rPr>
+              <a:t>_ += </a:t>
+            </a:r>
+            <a:r>
+              <a:rPr lang="ru-RU" sz="1600" dirty="0">
+                <a:solidFill>
+                  <a:srgbClr val="A31515"/>
+                </a:solidFill>
+                <a:latin typeface="Consolas" panose="020B0609020204030204" pitchFamily="49" charset="0"/>
+                <a:ea typeface="Calibri" panose="020F0502020204030204" pitchFamily="34" charset="0"/>
+                <a:cs typeface="Consolas" panose="020B0609020204030204" pitchFamily="49" charset="0"/>
+              </a:rPr>
+              <a:t>'\n'</a:t>
+            </a:r>
+            <a:r>
+              <a:rPr lang="ru-RU" sz="1600" dirty="0">
+                <a:solidFill>
+                  <a:srgbClr val="000000"/>
+                </a:solidFill>
+                <a:latin typeface="Consolas" panose="020B0609020204030204" pitchFamily="49" charset="0"/>
+                <a:ea typeface="Calibri" panose="020F0502020204030204" pitchFamily="34" charset="0"/>
+                <a:cs typeface="Consolas" panose="020B0609020204030204" pitchFamily="49" charset="0"/>
+              </a:rPr>
+              <a:t>;</a:t>
+            </a:r>
+            <a:endParaRPr lang="ru-RU" sz="1600" dirty="0">
+              <a:latin typeface="Consolas" panose="020B0609020204030204" pitchFamily="49" charset="0"/>
+              <a:ea typeface="Calibri" panose="020F0502020204030204" pitchFamily="34" charset="0"/>
+              <a:cs typeface="Times New Roman" panose="02020603050405020304" pitchFamily="18" charset="0"/>
+            </a:endParaRPr>
+          </a:p>
+          <a:p>
+            <a:pPr>
+              <a:spcAft>
+                <a:spcPts val="0"/>
+              </a:spcAft>
+            </a:pPr>
+            <a:r>
+              <a:rPr lang="ru-RU" sz="1600" dirty="0">
+                <a:solidFill>
+                  <a:srgbClr val="000000"/>
+                </a:solidFill>
+                <a:latin typeface="Consolas" panose="020B0609020204030204" pitchFamily="49" charset="0"/>
+                <a:ea typeface="Calibri" panose="020F0502020204030204" pitchFamily="34" charset="0"/>
+                <a:cs typeface="Consolas" panose="020B0609020204030204" pitchFamily="49" charset="0"/>
+              </a:rPr>
+              <a:t>      </a:t>
+            </a:r>
+            <a:r>
+              <a:rPr lang="en-US" sz="1600" dirty="0">
+                <a:solidFill>
+                  <a:srgbClr val="000000"/>
+                </a:solidFill>
+                <a:latin typeface="Consolas" panose="020B0609020204030204" pitchFamily="49" charset="0"/>
+                <a:ea typeface="Calibri" panose="020F0502020204030204" pitchFamily="34" charset="0"/>
+                <a:cs typeface="Consolas" panose="020B0609020204030204" pitchFamily="49" charset="0"/>
+              </a:rPr>
+              <a:t>}</a:t>
+            </a:r>
+            <a:endParaRPr lang="ru-RU" sz="1600" dirty="0">
+              <a:latin typeface="Consolas" panose="020B0609020204030204" pitchFamily="49" charset="0"/>
+              <a:ea typeface="Calibri" panose="020F0502020204030204" pitchFamily="34" charset="0"/>
+              <a:cs typeface="Times New Roman" panose="02020603050405020304" pitchFamily="18" charset="0"/>
+            </a:endParaRPr>
+          </a:p>
+          <a:p>
+            <a:pPr>
+              <a:spcAft>
+                <a:spcPts val="0"/>
+              </a:spcAft>
+            </a:pPr>
+            <a:r>
+              <a:rPr lang="en-US" sz="1600" dirty="0">
+                <a:solidFill>
+                  <a:srgbClr val="000000"/>
+                </a:solidFill>
+                <a:latin typeface="Consolas" panose="020B0609020204030204" pitchFamily="49" charset="0"/>
+                <a:ea typeface="Calibri" panose="020F0502020204030204" pitchFamily="34" charset="0"/>
+                <a:cs typeface="Consolas" panose="020B0609020204030204" pitchFamily="49" charset="0"/>
+              </a:rPr>
+              <a:t>      text_ += line;</a:t>
+            </a:r>
+            <a:endParaRPr lang="ru-RU" sz="1600" dirty="0">
+              <a:latin typeface="Consolas" panose="020B0609020204030204" pitchFamily="49" charset="0"/>
+              <a:ea typeface="Calibri" panose="020F0502020204030204" pitchFamily="34" charset="0"/>
+              <a:cs typeface="Times New Roman" panose="02020603050405020304" pitchFamily="18" charset="0"/>
+            </a:endParaRPr>
+          </a:p>
+          <a:p>
+            <a:pPr>
+              <a:spcAft>
+                <a:spcPts val="0"/>
+              </a:spcAft>
+            </a:pPr>
+            <a:r>
+              <a:rPr lang="en-US" sz="1600" dirty="0">
+                <a:solidFill>
+                  <a:srgbClr val="000000"/>
+                </a:solidFill>
+                <a:latin typeface="Consolas" panose="020B0609020204030204" pitchFamily="49" charset="0"/>
+                <a:ea typeface="Calibri" panose="020F0502020204030204" pitchFamily="34" charset="0"/>
+                <a:cs typeface="Consolas" panose="020B0609020204030204" pitchFamily="49" charset="0"/>
+              </a:rPr>
+              <a:t>    }</a:t>
+            </a:r>
+            <a:endParaRPr lang="ru-RU" sz="1600" dirty="0">
+              <a:latin typeface="Consolas" panose="020B0609020204030204" pitchFamily="49" charset="0"/>
+              <a:ea typeface="Calibri" panose="020F0502020204030204" pitchFamily="34" charset="0"/>
+              <a:cs typeface="Times New Roman" panose="02020603050405020304" pitchFamily="18" charset="0"/>
+            </a:endParaRPr>
+          </a:p>
+          <a:p>
+            <a:pPr>
+              <a:spcAft>
+                <a:spcPts val="0"/>
+              </a:spcAft>
+            </a:pPr>
+            <a:r>
+              <a:rPr lang="en-US" sz="1600" dirty="0">
+                <a:solidFill>
+                  <a:srgbClr val="000000"/>
+                </a:solidFill>
+                <a:latin typeface="Consolas" panose="020B0609020204030204" pitchFamily="49" charset="0"/>
+                <a:ea typeface="Calibri" panose="020F0502020204030204" pitchFamily="34" charset="0"/>
+                <a:cs typeface="Consolas" panose="020B0609020204030204" pitchFamily="49" charset="0"/>
+              </a:rPr>
+              <a:t>  }</a:t>
+            </a:r>
+            <a:endParaRPr lang="ru-RU" sz="1600" dirty="0">
+              <a:latin typeface="Consolas" panose="020B0609020204030204" pitchFamily="49" charset="0"/>
+              <a:ea typeface="Calibri" panose="020F0502020204030204" pitchFamily="34" charset="0"/>
+              <a:cs typeface="Times New Roman" panose="02020603050405020304" pitchFamily="18" charset="0"/>
+            </a:endParaRPr>
+          </a:p>
+          <a:p>
+            <a:pPr>
+              <a:spcAft>
+                <a:spcPts val="0"/>
+              </a:spcAft>
+            </a:pPr>
+            <a:r>
+              <a:rPr lang="en-US" sz="1600" dirty="0">
+                <a:solidFill>
+                  <a:srgbClr val="0000FF"/>
+                </a:solidFill>
+                <a:latin typeface="Consolas" panose="020B0609020204030204" pitchFamily="49" charset="0"/>
+                <a:ea typeface="Calibri" panose="020F0502020204030204" pitchFamily="34" charset="0"/>
+                <a:cs typeface="Consolas" panose="020B0609020204030204" pitchFamily="49" charset="0"/>
+              </a:rPr>
+              <a:t>private</a:t>
+            </a:r>
+            <a:r>
+              <a:rPr lang="en-US" sz="1600" dirty="0">
+                <a:solidFill>
+                  <a:srgbClr val="000000"/>
+                </a:solidFill>
+                <a:latin typeface="Consolas" panose="020B0609020204030204" pitchFamily="49" charset="0"/>
+                <a:ea typeface="Calibri" panose="020F0502020204030204" pitchFamily="34" charset="0"/>
+                <a:cs typeface="Consolas" panose="020B0609020204030204" pitchFamily="49" charset="0"/>
+              </a:rPr>
+              <a:t>:</a:t>
+            </a:r>
+            <a:endParaRPr lang="ru-RU" sz="1600" dirty="0">
+              <a:latin typeface="Consolas" panose="020B0609020204030204" pitchFamily="49" charset="0"/>
+              <a:ea typeface="Calibri" panose="020F0502020204030204" pitchFamily="34" charset="0"/>
+              <a:cs typeface="Times New Roman" panose="02020603050405020304" pitchFamily="18" charset="0"/>
+            </a:endParaRPr>
+          </a:p>
+          <a:p>
+            <a:pPr>
+              <a:spcAft>
+                <a:spcPts val="0"/>
+              </a:spcAft>
+            </a:pPr>
+            <a:r>
+              <a:rPr lang="en-US" sz="1600" dirty="0">
+                <a:solidFill>
+                  <a:srgbClr val="000000"/>
+                </a:solidFill>
+                <a:latin typeface="Consolas" panose="020B0609020204030204" pitchFamily="49" charset="0"/>
+                <a:ea typeface="Calibri" panose="020F0502020204030204" pitchFamily="34" charset="0"/>
+                <a:cs typeface="Consolas" panose="020B0609020204030204" pitchFamily="49" charset="0"/>
+              </a:rPr>
+              <a:t>  string title_;</a:t>
+            </a:r>
+            <a:endParaRPr lang="ru-RU" sz="1600" dirty="0">
+              <a:latin typeface="Consolas" panose="020B0609020204030204" pitchFamily="49" charset="0"/>
+              <a:ea typeface="Calibri" panose="020F0502020204030204" pitchFamily="34" charset="0"/>
+              <a:cs typeface="Times New Roman" panose="02020603050405020304" pitchFamily="18" charset="0"/>
+            </a:endParaRPr>
+          </a:p>
+          <a:p>
+            <a:pPr>
+              <a:spcAft>
+                <a:spcPts val="0"/>
+              </a:spcAft>
+            </a:pPr>
+            <a:r>
+              <a:rPr lang="en-US" sz="1600" dirty="0">
+                <a:solidFill>
+                  <a:srgbClr val="000000"/>
+                </a:solidFill>
+                <a:latin typeface="Consolas" panose="020B0609020204030204" pitchFamily="49" charset="0"/>
+                <a:ea typeface="Calibri" panose="020F0502020204030204" pitchFamily="34" charset="0"/>
+                <a:cs typeface="Consolas" panose="020B0609020204030204" pitchFamily="49" charset="0"/>
+              </a:rPr>
+              <a:t>  </a:t>
+            </a:r>
+            <a:r>
+              <a:rPr lang="ru-RU" sz="1600" dirty="0" err="1">
+                <a:solidFill>
+                  <a:srgbClr val="000000"/>
+                </a:solidFill>
+                <a:latin typeface="Consolas" panose="020B0609020204030204" pitchFamily="49" charset="0"/>
+                <a:ea typeface="Calibri" panose="020F0502020204030204" pitchFamily="34" charset="0"/>
+                <a:cs typeface="Consolas" panose="020B0609020204030204" pitchFamily="49" charset="0"/>
+              </a:rPr>
+              <a:t>string</a:t>
+            </a:r>
+            <a:r>
+              <a:rPr lang="ru-RU" sz="1600" dirty="0">
+                <a:solidFill>
+                  <a:srgbClr val="000000"/>
+                </a:solidFill>
+                <a:latin typeface="Consolas" panose="020B0609020204030204" pitchFamily="49" charset="0"/>
+                <a:ea typeface="Calibri" panose="020F0502020204030204" pitchFamily="34" charset="0"/>
+                <a:cs typeface="Consolas" panose="020B0609020204030204" pitchFamily="49" charset="0"/>
+              </a:rPr>
+              <a:t> </a:t>
+            </a:r>
+            <a:r>
+              <a:rPr lang="ru-RU" sz="1600" dirty="0" err="1">
+                <a:solidFill>
+                  <a:srgbClr val="000000"/>
+                </a:solidFill>
+                <a:latin typeface="Consolas" panose="020B0609020204030204" pitchFamily="49" charset="0"/>
+                <a:ea typeface="Calibri" panose="020F0502020204030204" pitchFamily="34" charset="0"/>
+                <a:cs typeface="Consolas" panose="020B0609020204030204" pitchFamily="49" charset="0"/>
+              </a:rPr>
+              <a:t>text</a:t>
+            </a:r>
+            <a:r>
+              <a:rPr lang="ru-RU" sz="1600" dirty="0">
+                <a:solidFill>
+                  <a:srgbClr val="000000"/>
+                </a:solidFill>
+                <a:latin typeface="Consolas" panose="020B0609020204030204" pitchFamily="49" charset="0"/>
+                <a:ea typeface="Calibri" panose="020F0502020204030204" pitchFamily="34" charset="0"/>
+                <a:cs typeface="Consolas" panose="020B0609020204030204" pitchFamily="49" charset="0"/>
+              </a:rPr>
+              <a:t>_;</a:t>
+            </a:r>
+            <a:endParaRPr lang="ru-RU" sz="1600" dirty="0">
+              <a:latin typeface="Consolas" panose="020B0609020204030204" pitchFamily="49" charset="0"/>
+              <a:ea typeface="Calibri" panose="020F0502020204030204" pitchFamily="34" charset="0"/>
+              <a:cs typeface="Times New Roman" panose="02020603050405020304" pitchFamily="18" charset="0"/>
+            </a:endParaRPr>
+          </a:p>
+          <a:p>
+            <a:pPr>
+              <a:spcAft>
+                <a:spcPts val="0"/>
+              </a:spcAft>
+            </a:pPr>
+            <a:r>
+              <a:rPr lang="ru-RU" sz="1600" dirty="0">
+                <a:solidFill>
+                  <a:srgbClr val="000000"/>
+                </a:solidFill>
+                <a:latin typeface="Consolas" panose="020B0609020204030204" pitchFamily="49" charset="0"/>
+                <a:ea typeface="Calibri" panose="020F0502020204030204" pitchFamily="34" charset="0"/>
+                <a:cs typeface="Consolas" panose="020B0609020204030204" pitchFamily="49" charset="0"/>
+              </a:rPr>
+              <a:t>};</a:t>
+            </a:r>
+            <a:endParaRPr lang="ru-RU" sz="1600" dirty="0">
+              <a:latin typeface="Consolas" panose="020B0609020204030204" pitchFamily="49" charset="0"/>
+              <a:ea typeface="Calibri" panose="020F0502020204030204" pitchFamily="34" charset="0"/>
+              <a:cs typeface="Times New Roman" panose="02020603050405020304" pitchFamily="18" charset="0"/>
+            </a:endParaRPr>
+          </a:p>
+        </p:txBody>
+      </p:sp>
+    </p:spTree>
+    <p:extLst>
+      <p:ext uri="{BB962C8B-B14F-4D97-AF65-F5344CB8AC3E}">
+        <p14:creationId xmlns:p14="http://schemas.microsoft.com/office/powerpoint/2010/main" val="1184711793"/>
+      </p:ext>
+    </p:extLst>
+  </p:cSld>
+  <p:clrMapOvr>
+    <a:masterClrMapping/>
+  </p:clrMapOvr>
+  <p:timing>
+    <p:tnLst>
+      <p:par>
+        <p:cTn id="1" dur="indefinite" restart="never" nodeType="tmRoot">
+          <p:childTnLst>
+            <p:seq concurrent="1" nextAc="seek">
+              <p:cTn id="2" dur="indefinite" nodeType="mainSeq">
+                <p:childTnLst>
+                  <p:par>
+                    <p:cTn id="3" fill="hold">
+                      <p:stCondLst>
+                        <p:cond delay="indefinite"/>
+                      </p:stCondLst>
+                      <p:childTnLst>
+                        <p:par>
+                          <p:cTn id="4" fill="hold">
+                            <p:stCondLst>
+                              <p:cond delay="0"/>
+                            </p:stCondLst>
+                            <p:childTnLst>
+                              <p:par>
+                                <p:cTn id="5" presetID="10" presetClass="entr" presetSubtype="0" fill="hold" nodeType="clickEffect">
+                                  <p:stCondLst>
+                                    <p:cond delay="0"/>
+                                  </p:stCondLst>
+                                  <p:childTnLst>
+                                    <p:set>
+                                      <p:cBhvr>
+                                        <p:cTn id="6" dur="1" fill="hold">
+                                          <p:stCondLst>
+                                            <p:cond delay="0"/>
+                                          </p:stCondLst>
+                                        </p:cTn>
+                                        <p:tgtEl>
+                                          <p:spTgt spid="6">
+                                            <p:txEl>
+                                              <p:pRg st="3" end="3"/>
+                                            </p:txEl>
+                                          </p:spTgt>
+                                        </p:tgtEl>
+                                        <p:attrNameLst>
+                                          <p:attrName>style.visibility</p:attrName>
+                                        </p:attrNameLst>
+                                      </p:cBhvr>
+                                      <p:to>
+                                        <p:strVal val="visible"/>
+                                      </p:to>
+                                    </p:set>
+                                    <p:animEffect transition="in" filter="fade">
+                                      <p:cBhvr>
+                                        <p:cTn id="7" dur="500"/>
+                                        <p:tgtEl>
+                                          <p:spTgt spid="6">
+                                            <p:txEl>
+                                              <p:pRg st="3" end="3"/>
+                                            </p:txEl>
+                                          </p:spTgt>
+                                        </p:tgtEl>
+                                      </p:cBhvr>
+                                    </p:animEffect>
+                                  </p:childTnLst>
+                                </p:cTn>
+                              </p:par>
+                              <p:par>
+                                <p:cTn id="8" presetID="10" presetClass="entr" presetSubtype="0" fill="hold" nodeType="withEffect">
+                                  <p:stCondLst>
+                                    <p:cond delay="0"/>
+                                  </p:stCondLst>
+                                  <p:childTnLst>
+                                    <p:set>
+                                      <p:cBhvr>
+                                        <p:cTn id="9" dur="1" fill="hold">
+                                          <p:stCondLst>
+                                            <p:cond delay="0"/>
+                                          </p:stCondLst>
+                                        </p:cTn>
+                                        <p:tgtEl>
+                                          <p:spTgt spid="6">
+                                            <p:txEl>
+                                              <p:pRg st="4" end="4"/>
+                                            </p:txEl>
+                                          </p:spTgt>
+                                        </p:tgtEl>
+                                        <p:attrNameLst>
+                                          <p:attrName>style.visibility</p:attrName>
+                                        </p:attrNameLst>
+                                      </p:cBhvr>
+                                      <p:to>
+                                        <p:strVal val="visible"/>
+                                      </p:to>
+                                    </p:set>
+                                    <p:animEffect transition="in" filter="fade">
+                                      <p:cBhvr>
+                                        <p:cTn id="10" dur="500"/>
+                                        <p:tgtEl>
+                                          <p:spTgt spid="6">
+                                            <p:txEl>
+                                              <p:pRg st="4" end="4"/>
+                                            </p:txEl>
+                                          </p:spTgt>
+                                        </p:tgtEl>
+                                      </p:cBhvr>
+                                    </p:animEffect>
+                                  </p:childTnLst>
+                                </p:cTn>
+                              </p:par>
+                              <p:par>
+                                <p:cTn id="11" presetID="10" presetClass="entr" presetSubtype="0" fill="hold" nodeType="withEffect">
+                                  <p:stCondLst>
+                                    <p:cond delay="0"/>
+                                  </p:stCondLst>
+                                  <p:childTnLst>
+                                    <p:set>
+                                      <p:cBhvr>
+                                        <p:cTn id="12" dur="1" fill="hold">
+                                          <p:stCondLst>
+                                            <p:cond delay="0"/>
+                                          </p:stCondLst>
+                                        </p:cTn>
+                                        <p:tgtEl>
+                                          <p:spTgt spid="6">
+                                            <p:txEl>
+                                              <p:pRg st="5" end="5"/>
+                                            </p:txEl>
+                                          </p:spTgt>
+                                        </p:tgtEl>
+                                        <p:attrNameLst>
+                                          <p:attrName>style.visibility</p:attrName>
+                                        </p:attrNameLst>
+                                      </p:cBhvr>
+                                      <p:to>
+                                        <p:strVal val="visible"/>
+                                      </p:to>
+                                    </p:set>
+                                    <p:animEffect transition="in" filter="fade">
+                                      <p:cBhvr>
+                                        <p:cTn id="13" dur="500"/>
+                                        <p:tgtEl>
+                                          <p:spTgt spid="6">
+                                            <p:txEl>
+                                              <p:pRg st="5" end="5"/>
+                                            </p:txEl>
+                                          </p:spTgt>
+                                        </p:tgtEl>
+                                      </p:cBhvr>
+                                    </p:animEffect>
+                                  </p:childTnLst>
+                                </p:cTn>
+                              </p:par>
+                              <p:par>
+                                <p:cTn id="14" presetID="10" presetClass="entr" presetSubtype="0" fill="hold" nodeType="withEffect">
+                                  <p:stCondLst>
+                                    <p:cond delay="0"/>
+                                  </p:stCondLst>
+                                  <p:childTnLst>
+                                    <p:set>
+                                      <p:cBhvr>
+                                        <p:cTn id="15" dur="1" fill="hold">
+                                          <p:stCondLst>
+                                            <p:cond delay="0"/>
+                                          </p:stCondLst>
+                                        </p:cTn>
+                                        <p:tgtEl>
+                                          <p:spTgt spid="6">
+                                            <p:txEl>
+                                              <p:pRg st="6" end="6"/>
+                                            </p:txEl>
+                                          </p:spTgt>
+                                        </p:tgtEl>
+                                        <p:attrNameLst>
+                                          <p:attrName>style.visibility</p:attrName>
+                                        </p:attrNameLst>
+                                      </p:cBhvr>
+                                      <p:to>
+                                        <p:strVal val="visible"/>
+                                      </p:to>
+                                    </p:set>
+                                    <p:animEffect transition="in" filter="fade">
+                                      <p:cBhvr>
+                                        <p:cTn id="16" dur="500"/>
+                                        <p:tgtEl>
+                                          <p:spTgt spid="6">
+                                            <p:txEl>
+                                              <p:pRg st="6" end="6"/>
+                                            </p:txEl>
+                                          </p:spTgt>
+                                        </p:tgtEl>
+                                      </p:cBhvr>
+                                    </p:animEffect>
+                                  </p:childTnLst>
+                                </p:cTn>
+                              </p:par>
+                            </p:childTnLst>
+                          </p:cTn>
+                        </p:par>
+                      </p:childTnLst>
+                    </p:cTn>
+                  </p:par>
+                  <p:par>
+                    <p:cTn id="17" fill="hold">
+                      <p:stCondLst>
+                        <p:cond delay="indefinite"/>
+                      </p:stCondLst>
+                      <p:childTnLst>
+                        <p:par>
+                          <p:cTn id="18" fill="hold">
+                            <p:stCondLst>
+                              <p:cond delay="0"/>
+                            </p:stCondLst>
+                            <p:childTnLst>
+                              <p:par>
+                                <p:cTn id="19" presetID="10" presetClass="entr" presetSubtype="0" fill="hold" nodeType="clickEffect">
+                                  <p:stCondLst>
+                                    <p:cond delay="0"/>
+                                  </p:stCondLst>
+                                  <p:childTnLst>
+                                    <p:set>
+                                      <p:cBhvr>
+                                        <p:cTn id="20" dur="1" fill="hold">
+                                          <p:stCondLst>
+                                            <p:cond delay="0"/>
+                                          </p:stCondLst>
+                                        </p:cTn>
+                                        <p:tgtEl>
+                                          <p:spTgt spid="6">
+                                            <p:txEl>
+                                              <p:pRg st="8" end="8"/>
+                                            </p:txEl>
+                                          </p:spTgt>
+                                        </p:tgtEl>
+                                        <p:attrNameLst>
+                                          <p:attrName>style.visibility</p:attrName>
+                                        </p:attrNameLst>
+                                      </p:cBhvr>
+                                      <p:to>
+                                        <p:strVal val="visible"/>
+                                      </p:to>
+                                    </p:set>
+                                    <p:animEffect transition="in" filter="fade">
+                                      <p:cBhvr>
+                                        <p:cTn id="21" dur="500"/>
+                                        <p:tgtEl>
+                                          <p:spTgt spid="6">
+                                            <p:txEl>
+                                              <p:pRg st="8" end="8"/>
+                                            </p:txEl>
+                                          </p:spTgt>
+                                        </p:tgtEl>
+                                      </p:cBhvr>
+                                    </p:animEffect>
+                                  </p:childTnLst>
+                                </p:cTn>
+                              </p:par>
+                              <p:par>
+                                <p:cTn id="22" presetID="10" presetClass="entr" presetSubtype="0" fill="hold" nodeType="withEffect">
+                                  <p:stCondLst>
+                                    <p:cond delay="0"/>
+                                  </p:stCondLst>
+                                  <p:childTnLst>
+                                    <p:set>
+                                      <p:cBhvr>
+                                        <p:cTn id="23" dur="1" fill="hold">
+                                          <p:stCondLst>
+                                            <p:cond delay="0"/>
+                                          </p:stCondLst>
+                                        </p:cTn>
+                                        <p:tgtEl>
+                                          <p:spTgt spid="6">
+                                            <p:txEl>
+                                              <p:pRg st="9" end="9"/>
+                                            </p:txEl>
+                                          </p:spTgt>
+                                        </p:tgtEl>
+                                        <p:attrNameLst>
+                                          <p:attrName>style.visibility</p:attrName>
+                                        </p:attrNameLst>
+                                      </p:cBhvr>
+                                      <p:to>
+                                        <p:strVal val="visible"/>
+                                      </p:to>
+                                    </p:set>
+                                    <p:animEffect transition="in" filter="fade">
+                                      <p:cBhvr>
+                                        <p:cTn id="24" dur="500"/>
+                                        <p:tgtEl>
+                                          <p:spTgt spid="6">
+                                            <p:txEl>
+                                              <p:pRg st="9" end="9"/>
+                                            </p:txEl>
+                                          </p:spTgt>
+                                        </p:tgtEl>
+                                      </p:cBhvr>
+                                    </p:animEffect>
+                                  </p:childTnLst>
+                                </p:cTn>
+                              </p:par>
+                              <p:par>
+                                <p:cTn id="25" presetID="10" presetClass="entr" presetSubtype="0" fill="hold" nodeType="withEffect">
+                                  <p:stCondLst>
+                                    <p:cond delay="0"/>
+                                  </p:stCondLst>
+                                  <p:childTnLst>
+                                    <p:set>
+                                      <p:cBhvr>
+                                        <p:cTn id="26" dur="1" fill="hold">
+                                          <p:stCondLst>
+                                            <p:cond delay="0"/>
+                                          </p:stCondLst>
+                                        </p:cTn>
+                                        <p:tgtEl>
+                                          <p:spTgt spid="6">
+                                            <p:txEl>
+                                              <p:pRg st="10" end="10"/>
+                                            </p:txEl>
+                                          </p:spTgt>
+                                        </p:tgtEl>
+                                        <p:attrNameLst>
+                                          <p:attrName>style.visibility</p:attrName>
+                                        </p:attrNameLst>
+                                      </p:cBhvr>
+                                      <p:to>
+                                        <p:strVal val="visible"/>
+                                      </p:to>
+                                    </p:set>
+                                    <p:animEffect transition="in" filter="fade">
+                                      <p:cBhvr>
+                                        <p:cTn id="27" dur="500"/>
+                                        <p:tgtEl>
+                                          <p:spTgt spid="6">
+                                            <p:txEl>
+                                              <p:pRg st="10" end="10"/>
+                                            </p:txEl>
+                                          </p:spTgt>
+                                        </p:tgtEl>
+                                      </p:cBhvr>
+                                    </p:animEffect>
+                                  </p:childTnLst>
+                                </p:cTn>
+                              </p:par>
+                              <p:par>
+                                <p:cTn id="28" presetID="10" presetClass="entr" presetSubtype="0" fill="hold" nodeType="withEffect">
+                                  <p:stCondLst>
+                                    <p:cond delay="0"/>
+                                  </p:stCondLst>
+                                  <p:childTnLst>
+                                    <p:set>
+                                      <p:cBhvr>
+                                        <p:cTn id="29" dur="1" fill="hold">
+                                          <p:stCondLst>
+                                            <p:cond delay="0"/>
+                                          </p:stCondLst>
+                                        </p:cTn>
+                                        <p:tgtEl>
+                                          <p:spTgt spid="6">
+                                            <p:txEl>
+                                              <p:pRg st="11" end="11"/>
+                                            </p:txEl>
+                                          </p:spTgt>
+                                        </p:tgtEl>
+                                        <p:attrNameLst>
+                                          <p:attrName>style.visibility</p:attrName>
+                                        </p:attrNameLst>
+                                      </p:cBhvr>
+                                      <p:to>
+                                        <p:strVal val="visible"/>
+                                      </p:to>
+                                    </p:set>
+                                    <p:animEffect transition="in" filter="fade">
+                                      <p:cBhvr>
+                                        <p:cTn id="30" dur="500"/>
+                                        <p:tgtEl>
+                                          <p:spTgt spid="6">
+                                            <p:txEl>
+                                              <p:pRg st="11" end="11"/>
+                                            </p:txEl>
+                                          </p:spTgt>
+                                        </p:tgtEl>
+                                      </p:cBhvr>
+                                    </p:animEffect>
+                                  </p:childTnLst>
+                                </p:cTn>
+                              </p:par>
+                              <p:par>
+                                <p:cTn id="31" presetID="10" presetClass="entr" presetSubtype="0" fill="hold" nodeType="withEffect">
+                                  <p:stCondLst>
+                                    <p:cond delay="0"/>
+                                  </p:stCondLst>
+                                  <p:childTnLst>
+                                    <p:set>
+                                      <p:cBhvr>
+                                        <p:cTn id="32" dur="1" fill="hold">
+                                          <p:stCondLst>
+                                            <p:cond delay="0"/>
+                                          </p:stCondLst>
+                                        </p:cTn>
+                                        <p:tgtEl>
+                                          <p:spTgt spid="6">
+                                            <p:txEl>
+                                              <p:pRg st="12" end="12"/>
+                                            </p:txEl>
+                                          </p:spTgt>
+                                        </p:tgtEl>
+                                        <p:attrNameLst>
+                                          <p:attrName>style.visibility</p:attrName>
+                                        </p:attrNameLst>
+                                      </p:cBhvr>
+                                      <p:to>
+                                        <p:strVal val="visible"/>
+                                      </p:to>
+                                    </p:set>
+                                    <p:animEffect transition="in" filter="fade">
+                                      <p:cBhvr>
+                                        <p:cTn id="33" dur="500"/>
+                                        <p:tgtEl>
+                                          <p:spTgt spid="6">
+                                            <p:txEl>
+                                              <p:pRg st="12" end="12"/>
+                                            </p:txEl>
+                                          </p:spTgt>
+                                        </p:tgtEl>
+                                      </p:cBhvr>
+                                    </p:animEffect>
+                                  </p:childTnLst>
+                                </p:cTn>
+                              </p:par>
+                              <p:par>
+                                <p:cTn id="34" presetID="10" presetClass="entr" presetSubtype="0" fill="hold" nodeType="withEffect">
+                                  <p:stCondLst>
+                                    <p:cond delay="0"/>
+                                  </p:stCondLst>
+                                  <p:childTnLst>
+                                    <p:set>
+                                      <p:cBhvr>
+                                        <p:cTn id="35" dur="1" fill="hold">
+                                          <p:stCondLst>
+                                            <p:cond delay="0"/>
+                                          </p:stCondLst>
+                                        </p:cTn>
+                                        <p:tgtEl>
+                                          <p:spTgt spid="6">
+                                            <p:txEl>
+                                              <p:pRg st="21" end="21"/>
+                                            </p:txEl>
+                                          </p:spTgt>
+                                        </p:tgtEl>
+                                        <p:attrNameLst>
+                                          <p:attrName>style.visibility</p:attrName>
+                                        </p:attrNameLst>
+                                      </p:cBhvr>
+                                      <p:to>
+                                        <p:strVal val="visible"/>
+                                      </p:to>
+                                    </p:set>
+                                    <p:animEffect transition="in" filter="fade">
+                                      <p:cBhvr>
+                                        <p:cTn id="36" dur="500"/>
+                                        <p:tgtEl>
+                                          <p:spTgt spid="6">
+                                            <p:txEl>
+                                              <p:pRg st="21" end="21"/>
+                                            </p:txEl>
+                                          </p:spTgt>
+                                        </p:tgtEl>
+                                      </p:cBhvr>
+                                    </p:animEffect>
+                                  </p:childTnLst>
+                                </p:cTn>
+                              </p:par>
+                            </p:childTnLst>
+                          </p:cTn>
+                        </p:par>
+                      </p:childTnLst>
+                    </p:cTn>
+                  </p:par>
+                  <p:par>
+                    <p:cTn id="37" fill="hold">
+                      <p:stCondLst>
+                        <p:cond delay="indefinite"/>
+                      </p:stCondLst>
+                      <p:childTnLst>
+                        <p:par>
+                          <p:cTn id="38" fill="hold">
+                            <p:stCondLst>
+                              <p:cond delay="0"/>
+                            </p:stCondLst>
+                            <p:childTnLst>
+                              <p:par>
+                                <p:cTn id="39" presetID="10" presetClass="entr" presetSubtype="0" fill="hold" nodeType="clickEffect">
+                                  <p:stCondLst>
+                                    <p:cond delay="0"/>
+                                  </p:stCondLst>
+                                  <p:childTnLst>
+                                    <p:set>
+                                      <p:cBhvr>
+                                        <p:cTn id="40" dur="1" fill="hold">
+                                          <p:stCondLst>
+                                            <p:cond delay="0"/>
+                                          </p:stCondLst>
+                                        </p:cTn>
+                                        <p:tgtEl>
+                                          <p:spTgt spid="6">
+                                            <p:txEl>
+                                              <p:pRg st="13" end="13"/>
+                                            </p:txEl>
+                                          </p:spTgt>
+                                        </p:tgtEl>
+                                        <p:attrNameLst>
+                                          <p:attrName>style.visibility</p:attrName>
+                                        </p:attrNameLst>
+                                      </p:cBhvr>
+                                      <p:to>
+                                        <p:strVal val="visible"/>
+                                      </p:to>
+                                    </p:set>
+                                    <p:animEffect transition="in" filter="fade">
+                                      <p:cBhvr>
+                                        <p:cTn id="41" dur="500"/>
+                                        <p:tgtEl>
+                                          <p:spTgt spid="6">
+                                            <p:txEl>
+                                              <p:pRg st="13" end="13"/>
+                                            </p:txEl>
+                                          </p:spTgt>
+                                        </p:tgtEl>
+                                      </p:cBhvr>
+                                    </p:animEffect>
+                                  </p:childTnLst>
+                                </p:cTn>
+                              </p:par>
+                              <p:par>
+                                <p:cTn id="42" presetID="10" presetClass="entr" presetSubtype="0" fill="hold" nodeType="withEffect">
+                                  <p:stCondLst>
+                                    <p:cond delay="0"/>
+                                  </p:stCondLst>
+                                  <p:childTnLst>
+                                    <p:set>
+                                      <p:cBhvr>
+                                        <p:cTn id="43" dur="1" fill="hold">
+                                          <p:stCondLst>
+                                            <p:cond delay="0"/>
+                                          </p:stCondLst>
+                                        </p:cTn>
+                                        <p:tgtEl>
+                                          <p:spTgt spid="6">
+                                            <p:txEl>
+                                              <p:pRg st="14" end="14"/>
+                                            </p:txEl>
+                                          </p:spTgt>
+                                        </p:tgtEl>
+                                        <p:attrNameLst>
+                                          <p:attrName>style.visibility</p:attrName>
+                                        </p:attrNameLst>
+                                      </p:cBhvr>
+                                      <p:to>
+                                        <p:strVal val="visible"/>
+                                      </p:to>
+                                    </p:set>
+                                    <p:animEffect transition="in" filter="fade">
+                                      <p:cBhvr>
+                                        <p:cTn id="44" dur="500"/>
+                                        <p:tgtEl>
+                                          <p:spTgt spid="6">
+                                            <p:txEl>
+                                              <p:pRg st="14" end="14"/>
+                                            </p:txEl>
+                                          </p:spTgt>
+                                        </p:tgtEl>
+                                      </p:cBhvr>
+                                    </p:animEffect>
+                                  </p:childTnLst>
+                                </p:cTn>
+                              </p:par>
+                              <p:par>
+                                <p:cTn id="45" presetID="10" presetClass="entr" presetSubtype="0" fill="hold" nodeType="withEffect">
+                                  <p:stCondLst>
+                                    <p:cond delay="0"/>
+                                  </p:stCondLst>
+                                  <p:childTnLst>
+                                    <p:set>
+                                      <p:cBhvr>
+                                        <p:cTn id="46" dur="1" fill="hold">
+                                          <p:stCondLst>
+                                            <p:cond delay="0"/>
+                                          </p:stCondLst>
+                                        </p:cTn>
+                                        <p:tgtEl>
+                                          <p:spTgt spid="6">
+                                            <p:txEl>
+                                              <p:pRg st="15" end="15"/>
+                                            </p:txEl>
+                                          </p:spTgt>
+                                        </p:tgtEl>
+                                        <p:attrNameLst>
+                                          <p:attrName>style.visibility</p:attrName>
+                                        </p:attrNameLst>
+                                      </p:cBhvr>
+                                      <p:to>
+                                        <p:strVal val="visible"/>
+                                      </p:to>
+                                    </p:set>
+                                    <p:animEffect transition="in" filter="fade">
+                                      <p:cBhvr>
+                                        <p:cTn id="47" dur="500"/>
+                                        <p:tgtEl>
+                                          <p:spTgt spid="6">
+                                            <p:txEl>
+                                              <p:pRg st="15" end="15"/>
+                                            </p:txEl>
+                                          </p:spTgt>
+                                        </p:tgtEl>
+                                      </p:cBhvr>
+                                    </p:animEffect>
+                                  </p:childTnLst>
+                                </p:cTn>
+                              </p:par>
+                              <p:par>
+                                <p:cTn id="48" presetID="10" presetClass="entr" presetSubtype="0" fill="hold" nodeType="withEffect">
+                                  <p:stCondLst>
+                                    <p:cond delay="0"/>
+                                  </p:stCondLst>
+                                  <p:childTnLst>
+                                    <p:set>
+                                      <p:cBhvr>
+                                        <p:cTn id="49" dur="1" fill="hold">
+                                          <p:stCondLst>
+                                            <p:cond delay="0"/>
+                                          </p:stCondLst>
+                                        </p:cTn>
+                                        <p:tgtEl>
+                                          <p:spTgt spid="6">
+                                            <p:txEl>
+                                              <p:pRg st="16" end="16"/>
+                                            </p:txEl>
+                                          </p:spTgt>
+                                        </p:tgtEl>
+                                        <p:attrNameLst>
+                                          <p:attrName>style.visibility</p:attrName>
+                                        </p:attrNameLst>
+                                      </p:cBhvr>
+                                      <p:to>
+                                        <p:strVal val="visible"/>
+                                      </p:to>
+                                    </p:set>
+                                    <p:animEffect transition="in" filter="fade">
+                                      <p:cBhvr>
+                                        <p:cTn id="50" dur="500"/>
+                                        <p:tgtEl>
+                                          <p:spTgt spid="6">
+                                            <p:txEl>
+                                              <p:pRg st="16" end="16"/>
+                                            </p:txEl>
+                                          </p:spTgt>
+                                        </p:tgtEl>
+                                      </p:cBhvr>
+                                    </p:animEffect>
+                                  </p:childTnLst>
+                                </p:cTn>
+                              </p:par>
+                              <p:par>
+                                <p:cTn id="51" presetID="10" presetClass="entr" presetSubtype="0" fill="hold" nodeType="withEffect">
+                                  <p:stCondLst>
+                                    <p:cond delay="0"/>
+                                  </p:stCondLst>
+                                  <p:childTnLst>
+                                    <p:set>
+                                      <p:cBhvr>
+                                        <p:cTn id="52" dur="1" fill="hold">
+                                          <p:stCondLst>
+                                            <p:cond delay="0"/>
+                                          </p:stCondLst>
+                                        </p:cTn>
+                                        <p:tgtEl>
+                                          <p:spTgt spid="6">
+                                            <p:txEl>
+                                              <p:pRg st="17" end="17"/>
+                                            </p:txEl>
+                                          </p:spTgt>
+                                        </p:tgtEl>
+                                        <p:attrNameLst>
+                                          <p:attrName>style.visibility</p:attrName>
+                                        </p:attrNameLst>
+                                      </p:cBhvr>
+                                      <p:to>
+                                        <p:strVal val="visible"/>
+                                      </p:to>
+                                    </p:set>
+                                    <p:animEffect transition="in" filter="fade">
+                                      <p:cBhvr>
+                                        <p:cTn id="53" dur="500"/>
+                                        <p:tgtEl>
+                                          <p:spTgt spid="6">
+                                            <p:txEl>
+                                              <p:pRg st="17" end="17"/>
+                                            </p:txEl>
+                                          </p:spTgt>
+                                        </p:tgtEl>
+                                      </p:cBhvr>
+                                    </p:animEffect>
+                                  </p:childTnLst>
+                                </p:cTn>
+                              </p:par>
+                              <p:par>
+                                <p:cTn id="54" presetID="10" presetClass="entr" presetSubtype="0" fill="hold" nodeType="withEffect">
+                                  <p:stCondLst>
+                                    <p:cond delay="0"/>
+                                  </p:stCondLst>
+                                  <p:childTnLst>
+                                    <p:set>
+                                      <p:cBhvr>
+                                        <p:cTn id="55" dur="1" fill="hold">
+                                          <p:stCondLst>
+                                            <p:cond delay="0"/>
+                                          </p:stCondLst>
+                                        </p:cTn>
+                                        <p:tgtEl>
+                                          <p:spTgt spid="6">
+                                            <p:txEl>
+                                              <p:pRg st="18" end="18"/>
+                                            </p:txEl>
+                                          </p:spTgt>
+                                        </p:tgtEl>
+                                        <p:attrNameLst>
+                                          <p:attrName>style.visibility</p:attrName>
+                                        </p:attrNameLst>
+                                      </p:cBhvr>
+                                      <p:to>
+                                        <p:strVal val="visible"/>
+                                      </p:to>
+                                    </p:set>
+                                    <p:animEffect transition="in" filter="fade">
+                                      <p:cBhvr>
+                                        <p:cTn id="56" dur="500"/>
+                                        <p:tgtEl>
+                                          <p:spTgt spid="6">
+                                            <p:txEl>
+                                              <p:pRg st="18" end="18"/>
+                                            </p:txEl>
+                                          </p:spTgt>
+                                        </p:tgtEl>
+                                      </p:cBhvr>
+                                    </p:animEffect>
+                                  </p:childTnLst>
+                                </p:cTn>
+                              </p:par>
+                              <p:par>
+                                <p:cTn id="57" presetID="10" presetClass="entr" presetSubtype="0" fill="hold" nodeType="withEffect">
+                                  <p:stCondLst>
+                                    <p:cond delay="0"/>
+                                  </p:stCondLst>
+                                  <p:childTnLst>
+                                    <p:set>
+                                      <p:cBhvr>
+                                        <p:cTn id="58" dur="1" fill="hold">
+                                          <p:stCondLst>
+                                            <p:cond delay="0"/>
+                                          </p:stCondLst>
+                                        </p:cTn>
+                                        <p:tgtEl>
+                                          <p:spTgt spid="6">
+                                            <p:txEl>
+                                              <p:pRg st="19" end="19"/>
+                                            </p:txEl>
+                                          </p:spTgt>
+                                        </p:tgtEl>
+                                        <p:attrNameLst>
+                                          <p:attrName>style.visibility</p:attrName>
+                                        </p:attrNameLst>
+                                      </p:cBhvr>
+                                      <p:to>
+                                        <p:strVal val="visible"/>
+                                      </p:to>
+                                    </p:set>
+                                    <p:animEffect transition="in" filter="fade">
+                                      <p:cBhvr>
+                                        <p:cTn id="59" dur="500"/>
+                                        <p:tgtEl>
+                                          <p:spTgt spid="6">
+                                            <p:txEl>
+                                              <p:pRg st="19" end="19"/>
+                                            </p:txEl>
+                                          </p:spTgt>
+                                        </p:tgtEl>
+                                      </p:cBhvr>
+                                    </p:animEffect>
+                                  </p:childTnLst>
+                                </p:cTn>
+                              </p:par>
+                              <p:par>
+                                <p:cTn id="60" presetID="10" presetClass="entr" presetSubtype="0" fill="hold" nodeType="withEffect">
+                                  <p:stCondLst>
+                                    <p:cond delay="0"/>
+                                  </p:stCondLst>
+                                  <p:childTnLst>
+                                    <p:set>
+                                      <p:cBhvr>
+                                        <p:cTn id="61" dur="1" fill="hold">
+                                          <p:stCondLst>
+                                            <p:cond delay="0"/>
+                                          </p:stCondLst>
+                                        </p:cTn>
+                                        <p:tgtEl>
+                                          <p:spTgt spid="6">
+                                            <p:txEl>
+                                              <p:pRg st="20" end="20"/>
+                                            </p:txEl>
+                                          </p:spTgt>
+                                        </p:tgtEl>
+                                        <p:attrNameLst>
+                                          <p:attrName>style.visibility</p:attrName>
+                                        </p:attrNameLst>
+                                      </p:cBhvr>
+                                      <p:to>
+                                        <p:strVal val="visible"/>
+                                      </p:to>
+                                    </p:set>
+                                    <p:animEffect transition="in" filter="fade">
+                                      <p:cBhvr>
+                                        <p:cTn id="62" dur="500"/>
+                                        <p:tgtEl>
+                                          <p:spTgt spid="6">
+                                            <p:txEl>
+                                              <p:pRg st="20" end="20"/>
+                                            </p:txEl>
+                                          </p:spTgt>
+                                        </p:tgtEl>
+                                      </p:cBhvr>
+                                    </p:animEffect>
+                                  </p:childTnLst>
+                                </p:cTn>
+                              </p:par>
+                            </p:childTnLst>
+                          </p:cTn>
+                        </p:par>
+                      </p:childTnLst>
+                    </p:cTn>
+                  </p:par>
+                </p:childTnLst>
+              </p:cTn>
+              <p:prevCondLst>
+                <p:cond evt="onPrev" delay="0">
+                  <p:tgtEl>
+                    <p:sldTgt/>
+                  </p:tgtEl>
+                </p:cond>
+              </p:prevCondLst>
+              <p:nextCondLst>
+                <p:cond evt="onNext" delay="0">
+                  <p:tgtEl>
+                    <p:sldTgt/>
+                  </p:tgtEl>
+                </p:cond>
+              </p:nextCondLst>
+            </p:seq>
+          </p:childTnLst>
+        </p:cTn>
+      </p:par>
+    </p:tnLst>
+  </p:timing>
+</p:sld>
+</file>
+
+<file path=ppt/slides/slide14.xml><?xml version="1.0" encoding="utf-8"?>
+<p:sld xmlns:a="http://schemas.openxmlformats.org/drawingml/2006/main" xmlns:r="http://schemas.openxmlformats.org/officeDocument/2006/relationships" xmlns:p="http://schemas.openxmlformats.org/presentationml/2006/main">
+  <p:cSld>
+    <p:spTree>
+      <p:nvGrpSpPr>
+        <p:cNvPr id="1" name=""/>
+        <p:cNvGrpSpPr/>
+        <p:nvPr/>
+      </p:nvGrpSpPr>
+      <p:grpSpPr>
+        <a:xfrm>
+          <a:off x="0" y="0"/>
+          <a:ext cx="0" cy="0"/>
+          <a:chOff x="0" y="0"/>
+          <a:chExt cx="0" cy="0"/>
+        </a:xfrm>
+      </p:grpSpPr>
       <p:pic>
         <p:nvPicPr>
           <p:cNvPr id="3" name="Рисунок 2" descr="Изображение выглядит как текст&#10;&#10;Автоматически созданное описание">
@@ -6679,39 +8938,57 @@
           </a:p>
         </p:txBody>
       </p:sp>
-      <p:sp>
-        <p:nvSpPr>
-          <p:cNvPr id="2" name="Slide Number Placeholder 1">
+      <p:pic>
+        <p:nvPicPr>
+          <p:cNvPr id="1026" name="Picture 2">
             <a:extLst>
               <a:ext uri="{FF2B5EF4-FFF2-40B4-BE49-F238E27FC236}">
-                <a16:creationId xmlns:a16="http://schemas.microsoft.com/office/drawing/2014/main" id="{06028AAD-E421-4D11-8FFE-2613E0781086}"/>
+                <a16:creationId xmlns:a16="http://schemas.microsoft.com/office/drawing/2014/main" id="{C3FA3E94-BB74-4F46-AA91-DE7D08A6D26B}"/>
               </a:ext>
             </a:extLst>
           </p:cNvPr>
-          <p:cNvSpPr>
-            <a:spLocks noGrp="1"/>
-          </p:cNvSpPr>
-          <p:nvPr>
-            <p:ph type="sldNum" sz="quarter" idx="12"/>
-          </p:nvPr>
-        </p:nvSpPr>
-        <p:spPr/>
-        <p:txBody>
-          <a:bodyPr/>
-          <a:lstStyle/>
-          <a:p>
-            <a:fld id="{B28E8911-E3D6-4AD9-AA24-3D7604D2F44D}" type="slidenum">
-              <a:rPr lang="ru-RU" smtClean="0"/>
-              <a:t>13</a:t>
-            </a:fld>
-            <a:endParaRPr lang="ru-RU"/>
-          </a:p>
-        </p:txBody>
-      </p:sp>
+          <p:cNvPicPr>
+            <a:picLocks noChangeAspect="1" noChangeArrowheads="1"/>
+          </p:cNvPicPr>
+          <p:nvPr/>
+        </p:nvPicPr>
+        <p:blipFill>
+          <a:blip r:embed="rId4" cstate="print">
+            <a:extLst>
+              <a:ext uri="{28A0092B-C50C-407E-A947-70E740481C1C}">
+                <a14:useLocalDpi xmlns:a14="http://schemas.microsoft.com/office/drawing/2010/main" val="0"/>
+              </a:ext>
+            </a:extLst>
+          </a:blip>
+          <a:srcRect/>
+          <a:stretch>
+            <a:fillRect/>
+          </a:stretch>
+        </p:blipFill>
+        <p:spPr bwMode="auto">
+          <a:xfrm>
+            <a:off x="2279576" y="5581105"/>
+            <a:ext cx="6724389" cy="1020067"/>
+          </a:xfrm>
+          <a:prstGeom prst="rect">
+            <a:avLst/>
+          </a:prstGeom>
+          <a:noFill/>
+          <a:extLst>
+            <a:ext uri="{909E8E84-426E-40DD-AFC4-6F175D3DCCD1}">
+              <a14:hiddenFill xmlns:a14="http://schemas.microsoft.com/office/drawing/2010/main">
+                <a:solidFill>
+                  <a:srgbClr val="FFFFFF"/>
+                </a:solidFill>
+              </a14:hiddenFill>
+            </a:ext>
+          </a:extLst>
+        </p:spPr>
+      </p:pic>
     </p:spTree>
     <p:extLst>
       <p:ext uri="{BB962C8B-B14F-4D97-AF65-F5344CB8AC3E}">
-        <p14:creationId xmlns:p14="http://schemas.microsoft.com/office/powerpoint/2010/main" val="1354985777"/>
+        <p14:creationId xmlns:p14="http://schemas.microsoft.com/office/powerpoint/2010/main" val="1088593372"/>
       </p:ext>
     </p:extLst>
   </p:cSld>
@@ -6779,6 +9056,59 @@
                       </p:childTnLst>
                     </p:cTn>
                   </p:par>
+                  <p:par>
+                    <p:cTn id="8" fill="hold">
+                      <p:stCondLst>
+                        <p:cond delay="indefinite"/>
+                      </p:stCondLst>
+                      <p:childTnLst>
+                        <p:par>
+                          <p:cTn id="9" fill="hold">
+                            <p:stCondLst>
+                              <p:cond delay="0"/>
+                            </p:stCondLst>
+                            <p:childTnLst>
+                              <p:par>
+                                <p:cTn id="10" presetID="10" presetClass="entr" presetSubtype="0" fill="hold" nodeType="clickEffect">
+                                  <p:stCondLst>
+                                    <p:cond delay="0"/>
+                                  </p:stCondLst>
+                                  <p:childTnLst>
+                                    <p:set>
+                                      <p:cBhvr>
+                                        <p:cTn id="11" dur="1" fill="hold">
+                                          <p:stCondLst>
+                                            <p:cond delay="0"/>
+                                          </p:stCondLst>
+                                        </p:cTn>
+                                        <p:tgtEl>
+                                          <p:spTgt spid="1026"/>
+                                        </p:tgtEl>
+                                        <p:attrNameLst>
+                                          <p:attrName>style.visibility</p:attrName>
+                                        </p:attrNameLst>
+                                      </p:cBhvr>
+                                      <p:to>
+                                        <p:strVal val="visible"/>
+                                      </p:to>
+                                    </p:set>
+                                    <p:animEffect transition="in" filter="fade">
+                                      <p:cBhvr>
+                                        <p:cTn id="12" dur="500"/>
+                                        <p:tgtEl>
+                                          <p:spTgt spid="1026"/>
+                                        </p:tgtEl>
+                                      </p:cBhvr>
+                                    </p:animEffect>
+                                  </p:childTnLst>
+                                </p:cTn>
+                              </p:par>
+                            </p:childTnLst>
+                          </p:cTn>
+                        </p:par>
+                      </p:childTnLst>
+                    </p:cTn>
+                  </p:par>
                 </p:childTnLst>
               </p:cTn>
               <p:prevCondLst>
@@ -6804,129 +9134,6 @@
 </p:sld>
 </file>
 
-<file path=ppt/slides/slide14.xml><?xml version="1.0" encoding="utf-8"?>
-<p:sld xmlns:a="http://schemas.openxmlformats.org/drawingml/2006/main" xmlns:r="http://schemas.openxmlformats.org/officeDocument/2006/relationships" xmlns:p="http://schemas.openxmlformats.org/presentationml/2006/main">
-  <p:cSld>
-    <p:spTree>
-      <p:nvGrpSpPr>
-        <p:cNvPr id="1" name=""/>
-        <p:cNvGrpSpPr/>
-        <p:nvPr/>
-      </p:nvGrpSpPr>
-      <p:grpSpPr>
-        <a:xfrm>
-          <a:off x="0" y="0"/>
-          <a:ext cx="0" cy="0"/>
-          <a:chOff x="0" y="0"/>
-          <a:chExt cx="0" cy="0"/>
-        </a:xfrm>
-      </p:grpSpPr>
-      <p:sp>
-        <p:nvSpPr>
-          <p:cNvPr id="2" name="Заголовок 1">
-            <a:extLst>
-              <a:ext uri="{FF2B5EF4-FFF2-40B4-BE49-F238E27FC236}">
-                <a16:creationId xmlns:a16="http://schemas.microsoft.com/office/drawing/2014/main" id="{E87B3CCF-CE61-427C-AAF4-82B5C967642F}"/>
-              </a:ext>
-            </a:extLst>
-          </p:cNvPr>
-          <p:cNvSpPr>
-            <a:spLocks noGrp="1"/>
-          </p:cNvSpPr>
-          <p:nvPr>
-            <p:ph type="title"/>
-          </p:nvPr>
-        </p:nvSpPr>
-        <p:spPr/>
-        <p:txBody>
-          <a:bodyPr/>
-          <a:lstStyle/>
-          <a:p>
-            <a:r>
-              <a:rPr lang="ru-RU" dirty="0"/>
-              <a:t>Транзитивность зависимостей</a:t>
-            </a:r>
-          </a:p>
-        </p:txBody>
-      </p:sp>
-      <p:pic>
-        <p:nvPicPr>
-          <p:cNvPr id="5" name="Picture 4">
-            <a:extLst>
-              <a:ext uri="{FF2B5EF4-FFF2-40B4-BE49-F238E27FC236}">
-                <a16:creationId xmlns:a16="http://schemas.microsoft.com/office/drawing/2014/main" id="{7533CED7-A79D-43DE-915C-2AEAA9153D1B}"/>
-              </a:ext>
-            </a:extLst>
-          </p:cNvPr>
-          <p:cNvPicPr>
-            <a:picLocks noChangeAspect="1"/>
-          </p:cNvPicPr>
-          <p:nvPr/>
-        </p:nvPicPr>
-        <p:blipFill>
-          <a:blip r:embed="rId3">
-            <a:extLst>
-              <a:ext uri="{28A0092B-C50C-407E-A947-70E740481C1C}">
-                <a14:useLocalDpi xmlns:a14="http://schemas.microsoft.com/office/drawing/2010/main" val="0"/>
-              </a:ext>
-            </a:extLst>
-          </a:blip>
-          <a:stretch>
-            <a:fillRect/>
-          </a:stretch>
-        </p:blipFill>
-        <p:spPr>
-          <a:xfrm>
-            <a:off x="1656693" y="1978533"/>
-            <a:ext cx="6864078" cy="4514342"/>
-          </a:xfrm>
-          <a:prstGeom prst="rect">
-            <a:avLst/>
-          </a:prstGeom>
-        </p:spPr>
-      </p:pic>
-      <p:sp>
-        <p:nvSpPr>
-          <p:cNvPr id="6" name="Slide Number Placeholder 5">
-            <a:extLst>
-              <a:ext uri="{FF2B5EF4-FFF2-40B4-BE49-F238E27FC236}">
-                <a16:creationId xmlns:a16="http://schemas.microsoft.com/office/drawing/2014/main" id="{B82A565C-5859-4B16-BE7E-E6529C3A575A}"/>
-              </a:ext>
-            </a:extLst>
-          </p:cNvPr>
-          <p:cNvSpPr>
-            <a:spLocks noGrp="1"/>
-          </p:cNvSpPr>
-          <p:nvPr>
-            <p:ph type="sldNum" sz="quarter" idx="12"/>
-          </p:nvPr>
-        </p:nvSpPr>
-        <p:spPr/>
-        <p:txBody>
-          <a:bodyPr/>
-          <a:lstStyle/>
-          <a:p>
-            <a:fld id="{B28E8911-E3D6-4AD9-AA24-3D7604D2F44D}" type="slidenum">
-              <a:rPr lang="ru-RU" smtClean="0"/>
-              <a:t>14</a:t>
-            </a:fld>
-            <a:endParaRPr lang="ru-RU"/>
-          </a:p>
-        </p:txBody>
-      </p:sp>
-    </p:spTree>
-    <p:extLst>
-      <p:ext uri="{BB962C8B-B14F-4D97-AF65-F5344CB8AC3E}">
-        <p14:creationId xmlns:p14="http://schemas.microsoft.com/office/powerpoint/2010/main" val="2977006715"/>
-      </p:ext>
-    </p:extLst>
-  </p:cSld>
-  <p:clrMapOvr>
-    <a:masterClrMapping/>
-  </p:clrMapOvr>
-</p:sld>
-</file>
-
 <file path=ppt/slides/slide15.xml><?xml version="1.0" encoding="utf-8"?>
 <p:sld xmlns:a="http://schemas.openxmlformats.org/drawingml/2006/main" xmlns:r="http://schemas.openxmlformats.org/officeDocument/2006/relationships" xmlns:p="http://schemas.openxmlformats.org/presentationml/2006/main">
   <p:cSld>
@@ -6946,10 +9153,10 @@
       </p:grpSpPr>
       <p:sp>
         <p:nvSpPr>
-          <p:cNvPr id="3" name="Title 2">
+          <p:cNvPr id="2" name="Заголовок 1">
             <a:extLst>
               <a:ext uri="{FF2B5EF4-FFF2-40B4-BE49-F238E27FC236}">
-                <a16:creationId xmlns:a16="http://schemas.microsoft.com/office/drawing/2014/main" id="{8EBF5C1F-8EB7-440F-83AA-83349F6B13E2}"/>
+                <a16:creationId xmlns:a16="http://schemas.microsoft.com/office/drawing/2014/main" id="{E87B3CCF-CE61-427C-AAF4-82B5C967642F}"/>
               </a:ext>
             </a:extLst>
           </p:cNvPr>
@@ -6967,69 +9174,62 @@
           <a:p>
             <a:r>
               <a:rPr lang="ru-RU" dirty="0"/>
-              <a:t>Наследование</a:t>
-            </a:r>
-          </a:p>
-        </p:txBody>
-      </p:sp>
-      <p:sp>
-        <p:nvSpPr>
-          <p:cNvPr id="4" name="Text Placeholder 3">
+              <a:t>Транзитивность зависимостей</a:t>
+            </a:r>
+          </a:p>
+        </p:txBody>
+      </p:sp>
+      <p:pic>
+        <p:nvPicPr>
+          <p:cNvPr id="2050" name="Picture 2">
             <a:extLst>
               <a:ext uri="{FF2B5EF4-FFF2-40B4-BE49-F238E27FC236}">
-                <a16:creationId xmlns:a16="http://schemas.microsoft.com/office/drawing/2014/main" id="{CA3C3619-47C0-4CBE-ABA2-016231C4599B}"/>
+                <a16:creationId xmlns:a16="http://schemas.microsoft.com/office/drawing/2014/main" id="{3A04AB77-04FD-495C-B5C4-F0A58A2A95DA}"/>
               </a:ext>
             </a:extLst>
           </p:cNvPr>
-          <p:cNvSpPr>
-            <a:spLocks noGrp="1"/>
-          </p:cNvSpPr>
-          <p:nvPr>
-            <p:ph type="body" idx="1"/>
-          </p:nvPr>
-        </p:nvSpPr>
-        <p:spPr/>
-        <p:txBody>
-          <a:bodyPr/>
-          <a:lstStyle/>
-          <a:p>
-            <a:endParaRPr lang="ru-RU"/>
-          </a:p>
-        </p:txBody>
-      </p:sp>
-      <p:sp>
-        <p:nvSpPr>
-          <p:cNvPr id="5" name="Slide Number Placeholder 4">
+          <p:cNvPicPr>
+            <a:picLocks noChangeAspect="1" noChangeArrowheads="1"/>
+          </p:cNvPicPr>
+          <p:nvPr/>
+        </p:nvPicPr>
+        <p:blipFill>
+          <a:blip r:embed="rId3" cstate="print">
             <a:extLst>
-              <a:ext uri="{FF2B5EF4-FFF2-40B4-BE49-F238E27FC236}">
-                <a16:creationId xmlns:a16="http://schemas.microsoft.com/office/drawing/2014/main" id="{60CBB147-5EA7-452D-8899-B16743B909FE}"/>
+              <a:ext uri="{28A0092B-C50C-407E-A947-70E740481C1C}">
+                <a14:useLocalDpi xmlns:a14="http://schemas.microsoft.com/office/drawing/2010/main" val="0"/>
               </a:ext>
             </a:extLst>
-          </p:cNvPr>
-          <p:cNvSpPr>
-            <a:spLocks noGrp="1"/>
-          </p:cNvSpPr>
-          <p:nvPr>
-            <p:ph type="sldNum" sz="quarter" idx="12"/>
-          </p:nvPr>
-        </p:nvSpPr>
-        <p:spPr/>
-        <p:txBody>
-          <a:bodyPr/>
-          <a:lstStyle/>
-          <a:p>
-            <a:fld id="{B28E8911-E3D6-4AD9-AA24-3D7604D2F44D}" type="slidenum">
-              <a:rPr lang="ru-RU" smtClean="0"/>
-              <a:t>15</a:t>
-            </a:fld>
-            <a:endParaRPr lang="ru-RU"/>
-          </a:p>
-        </p:txBody>
-      </p:sp>
+          </a:blip>
+          <a:srcRect/>
+          <a:stretch>
+            <a:fillRect/>
+          </a:stretch>
+        </p:blipFill>
+        <p:spPr bwMode="auto">
+          <a:xfrm>
+            <a:off x="2063552" y="2696631"/>
+            <a:ext cx="8243546" cy="1226046"/>
+          </a:xfrm>
+          <a:prstGeom prst="rect">
+            <a:avLst/>
+          </a:prstGeom>
+          <a:noFill/>
+          <a:extLst>
+            <a:ext uri="{909E8E84-426E-40DD-AFC4-6F175D3DCCD1}">
+              <a14:hiddenFill xmlns:a14="http://schemas.microsoft.com/office/drawing/2010/main">
+                <a:solidFill>
+                  <a:srgbClr val="FFFFFF"/>
+                </a:solidFill>
+              </a14:hiddenFill>
+            </a:ext>
+          </a:extLst>
+        </p:spPr>
+      </p:pic>
     </p:spTree>
     <p:extLst>
       <p:ext uri="{BB962C8B-B14F-4D97-AF65-F5344CB8AC3E}">
-        <p14:creationId xmlns:p14="http://schemas.microsoft.com/office/powerpoint/2010/main" val="15781915"/>
+        <p14:creationId xmlns:p14="http://schemas.microsoft.com/office/powerpoint/2010/main" val="4094887926"/>
       </p:ext>
     </p:extLst>
   </p:cSld>
@@ -7058,10 +9258,10 @@
       </p:grpSpPr>
       <p:sp>
         <p:nvSpPr>
-          <p:cNvPr id="2" name="Заголовок 1">
+          <p:cNvPr id="3" name="Title 2">
             <a:extLst>
               <a:ext uri="{FF2B5EF4-FFF2-40B4-BE49-F238E27FC236}">
-                <a16:creationId xmlns:a16="http://schemas.microsoft.com/office/drawing/2014/main" id="{478A11AA-F11C-43CA-AF24-B81732CE1AA9}"/>
+                <a16:creationId xmlns:a16="http://schemas.microsoft.com/office/drawing/2014/main" id="{8EBF5C1F-8EB7-440F-83AA-83349F6B13E2}"/>
               </a:ext>
             </a:extLst>
           </p:cNvPr>
@@ -7086,10 +9286,10 @@
       </p:sp>
       <p:sp>
         <p:nvSpPr>
-          <p:cNvPr id="3" name="Объект 2">
+          <p:cNvPr id="4" name="Text Placeholder 3">
             <a:extLst>
               <a:ext uri="{FF2B5EF4-FFF2-40B4-BE49-F238E27FC236}">
-                <a16:creationId xmlns:a16="http://schemas.microsoft.com/office/drawing/2014/main" id="{2875E180-BF1C-4731-94AF-7D7410D23329}"/>
+                <a16:creationId xmlns:a16="http://schemas.microsoft.com/office/drawing/2014/main" id="{CA3C3619-47C0-4CBE-ABA2-016231C4599B}"/>
               </a:ext>
             </a:extLst>
           </p:cNvPr>
@@ -7097,7 +9297,7 @@
             <a:spLocks noGrp="1"/>
           </p:cNvSpPr>
           <p:nvPr>
-            <p:ph idx="1"/>
+            <p:ph type="body" idx="1"/>
           </p:nvPr>
         </p:nvSpPr>
         <p:spPr/>
@@ -7105,31 +9305,16 @@
           <a:bodyPr/>
           <a:lstStyle/>
           <a:p>
-            <a:r>
-              <a:rPr lang="ru-RU" dirty="0"/>
-              <a:t>Выражает отношение «является» между классами</a:t>
-            </a:r>
-          </a:p>
-          <a:p>
-            <a:r>
-              <a:rPr lang="ru-RU" dirty="0"/>
-              <a:t>Создаёт новый класс не с нуля, а на основе существующего класса</a:t>
-            </a:r>
-          </a:p>
-          <a:p>
-            <a:r>
-              <a:rPr lang="ru-RU" dirty="0"/>
-              <a:t>Новый класс сохраняет данные и поведение родительского класса</a:t>
-            </a:r>
-          </a:p>
-        </p:txBody>
-      </p:sp>
-      <p:sp>
-        <p:nvSpPr>
-          <p:cNvPr id="4" name="Slide Number Placeholder 3">
+            <a:endParaRPr lang="ru-RU"/>
+          </a:p>
+        </p:txBody>
+      </p:sp>
+      <p:sp>
+        <p:nvSpPr>
+          <p:cNvPr id="5" name="Slide Number Placeholder 4">
             <a:extLst>
               <a:ext uri="{FF2B5EF4-FFF2-40B4-BE49-F238E27FC236}">
-                <a16:creationId xmlns:a16="http://schemas.microsoft.com/office/drawing/2014/main" id="{B9182FF1-8F39-4912-AA32-066BC5F6847B}"/>
+                <a16:creationId xmlns:a16="http://schemas.microsoft.com/office/drawing/2014/main" id="{60CBB147-5EA7-452D-8899-B16743B909FE}"/>
               </a:ext>
             </a:extLst>
           </p:cNvPr>
@@ -7156,7 +9341,7 @@
     </p:spTree>
     <p:extLst>
       <p:ext uri="{BB962C8B-B14F-4D97-AF65-F5344CB8AC3E}">
-        <p14:creationId xmlns:p14="http://schemas.microsoft.com/office/powerpoint/2010/main" val="2456785501"/>
+        <p14:creationId xmlns:p14="http://schemas.microsoft.com/office/powerpoint/2010/main" val="647450312"/>
       </p:ext>
     </p:extLst>
   </p:cSld>
@@ -7167,6 +9352,133 @@
 </file>
 
 <file path=ppt/slides/slide17.xml><?xml version="1.0" encoding="utf-8"?>
+<p:sld xmlns:a="http://schemas.openxmlformats.org/drawingml/2006/main" xmlns:r="http://schemas.openxmlformats.org/officeDocument/2006/relationships" xmlns:p="http://schemas.openxmlformats.org/presentationml/2006/main">
+  <p:cSld>
+    <p:spTree>
+      <p:nvGrpSpPr>
+        <p:cNvPr id="1" name=""/>
+        <p:cNvGrpSpPr/>
+        <p:nvPr/>
+      </p:nvGrpSpPr>
+      <p:grpSpPr>
+        <a:xfrm>
+          <a:off x="0" y="0"/>
+          <a:ext cx="0" cy="0"/>
+          <a:chOff x="0" y="0"/>
+          <a:chExt cx="0" cy="0"/>
+        </a:xfrm>
+      </p:grpSpPr>
+      <p:sp>
+        <p:nvSpPr>
+          <p:cNvPr id="2" name="Заголовок 1">
+            <a:extLst>
+              <a:ext uri="{FF2B5EF4-FFF2-40B4-BE49-F238E27FC236}">
+                <a16:creationId xmlns:a16="http://schemas.microsoft.com/office/drawing/2014/main" id="{478A11AA-F11C-43CA-AF24-B81732CE1AA9}"/>
+              </a:ext>
+            </a:extLst>
+          </p:cNvPr>
+          <p:cNvSpPr>
+            <a:spLocks noGrp="1"/>
+          </p:cNvSpPr>
+          <p:nvPr>
+            <p:ph type="title"/>
+          </p:nvPr>
+        </p:nvSpPr>
+        <p:spPr/>
+        <p:txBody>
+          <a:bodyPr/>
+          <a:lstStyle/>
+          <a:p>
+            <a:r>
+              <a:rPr lang="ru-RU" dirty="0"/>
+              <a:t>Наследование</a:t>
+            </a:r>
+          </a:p>
+        </p:txBody>
+      </p:sp>
+      <p:sp>
+        <p:nvSpPr>
+          <p:cNvPr id="3" name="Объект 2">
+            <a:extLst>
+              <a:ext uri="{FF2B5EF4-FFF2-40B4-BE49-F238E27FC236}">
+                <a16:creationId xmlns:a16="http://schemas.microsoft.com/office/drawing/2014/main" id="{2875E180-BF1C-4731-94AF-7D7410D23329}"/>
+              </a:ext>
+            </a:extLst>
+          </p:cNvPr>
+          <p:cNvSpPr>
+            <a:spLocks noGrp="1"/>
+          </p:cNvSpPr>
+          <p:nvPr>
+            <p:ph idx="1"/>
+          </p:nvPr>
+        </p:nvSpPr>
+        <p:spPr/>
+        <p:txBody>
+          <a:bodyPr/>
+          <a:lstStyle/>
+          <a:p>
+            <a:r>
+              <a:rPr lang="ru-RU" dirty="0"/>
+              <a:t>Выражает отношение «является» между классами</a:t>
+            </a:r>
+          </a:p>
+          <a:p>
+            <a:r>
+              <a:rPr lang="ru-RU" dirty="0"/>
+              <a:t>Создаёт новый класс не с нуля, а на основе существующего класса</a:t>
+            </a:r>
+          </a:p>
+          <a:p>
+            <a:r>
+              <a:rPr lang="ru-RU" dirty="0"/>
+              <a:t>Новый класс сохраняет данные и поведение родительского класса</a:t>
+            </a:r>
+          </a:p>
+        </p:txBody>
+      </p:sp>
+      <p:sp>
+        <p:nvSpPr>
+          <p:cNvPr id="4" name="Slide Number Placeholder 3">
+            <a:extLst>
+              <a:ext uri="{FF2B5EF4-FFF2-40B4-BE49-F238E27FC236}">
+                <a16:creationId xmlns:a16="http://schemas.microsoft.com/office/drawing/2014/main" id="{B9182FF1-8F39-4912-AA32-066BC5F6847B}"/>
+              </a:ext>
+            </a:extLst>
+          </p:cNvPr>
+          <p:cNvSpPr>
+            <a:spLocks noGrp="1"/>
+          </p:cNvSpPr>
+          <p:nvPr>
+            <p:ph type="sldNum" sz="quarter" idx="12"/>
+          </p:nvPr>
+        </p:nvSpPr>
+        <p:spPr/>
+        <p:txBody>
+          <a:bodyPr/>
+          <a:lstStyle/>
+          <a:p>
+            <a:fld id="{B28E8911-E3D6-4AD9-AA24-3D7604D2F44D}" type="slidenum">
+              <a:rPr lang="ru-RU" smtClean="0"/>
+              <a:t>17</a:t>
+            </a:fld>
+            <a:endParaRPr lang="ru-RU"/>
+          </a:p>
+        </p:txBody>
+      </p:sp>
+    </p:spTree>
+    <p:extLst>
+      <p:ext uri="{BB962C8B-B14F-4D97-AF65-F5344CB8AC3E}">
+        <p14:creationId xmlns:p14="http://schemas.microsoft.com/office/powerpoint/2010/main" val="1914281589"/>
+      </p:ext>
+    </p:extLst>
+  </p:cSld>
+  <p:clrMapOvr>
+    <a:masterClrMapping/>
+  </p:clrMapOvr>
+</p:sld>
+</file>
+
+<file path=ppt/slides/slide18.xml><?xml version="1.0" encoding="utf-8"?>
 <p:sld xmlns:a="http://schemas.openxmlformats.org/drawingml/2006/main" xmlns:r="http://schemas.openxmlformats.org/officeDocument/2006/relationships" xmlns:p="http://schemas.openxmlformats.org/presentationml/2006/main">
   <p:cSld>
     <p:spTree>
@@ -7272,7 +9584,7 @@
           <a:p>
             <a:fld id="{B28E8911-E3D6-4AD9-AA24-3D7604D2F44D}" type="slidenum">
               <a:rPr lang="ru-RU" smtClean="0"/>
-              <a:t>17</a:t>
+              <a:t>18</a:t>
             </a:fld>
             <a:endParaRPr lang="ru-RU"/>
           </a:p>
@@ -7281,119 +9593,7 @@
     </p:spTree>
     <p:extLst>
       <p:ext uri="{BB962C8B-B14F-4D97-AF65-F5344CB8AC3E}">
-        <p14:creationId xmlns:p14="http://schemas.microsoft.com/office/powerpoint/2010/main" val="1944049914"/>
-      </p:ext>
-    </p:extLst>
-  </p:cSld>
-  <p:clrMapOvr>
-    <a:masterClrMapping/>
-  </p:clrMapOvr>
-</p:sld>
-</file>
-
-<file path=ppt/slides/slide18.xml><?xml version="1.0" encoding="utf-8"?>
-<p:sld xmlns:a="http://schemas.openxmlformats.org/drawingml/2006/main" xmlns:r="http://schemas.openxmlformats.org/officeDocument/2006/relationships" xmlns:p="http://schemas.openxmlformats.org/presentationml/2006/main">
-  <p:cSld>
-    <p:spTree>
-      <p:nvGrpSpPr>
-        <p:cNvPr id="1" name=""/>
-        <p:cNvGrpSpPr/>
-        <p:nvPr/>
-      </p:nvGrpSpPr>
-      <p:grpSpPr>
-        <a:xfrm>
-          <a:off x="0" y="0"/>
-          <a:ext cx="0" cy="0"/>
-          <a:chOff x="0" y="0"/>
-          <a:chExt cx="0" cy="0"/>
-        </a:xfrm>
-      </p:grpSpPr>
-      <p:sp>
-        <p:nvSpPr>
-          <p:cNvPr id="3" name="Title 2">
-            <a:extLst>
-              <a:ext uri="{FF2B5EF4-FFF2-40B4-BE49-F238E27FC236}">
-                <a16:creationId xmlns:a16="http://schemas.microsoft.com/office/drawing/2014/main" id="{AD20A85F-E557-4665-A30A-B0D4CCF0920F}"/>
-              </a:ext>
-            </a:extLst>
-          </p:cNvPr>
-          <p:cNvSpPr>
-            <a:spLocks noGrp="1"/>
-          </p:cNvSpPr>
-          <p:nvPr>
-            <p:ph type="title"/>
-          </p:nvPr>
-        </p:nvSpPr>
-        <p:spPr/>
-        <p:txBody>
-          <a:bodyPr/>
-          <a:lstStyle/>
-          <a:p>
-            <a:r>
-              <a:rPr lang="ru-RU" dirty="0"/>
-              <a:t>Интерфейсы</a:t>
-            </a:r>
-          </a:p>
-        </p:txBody>
-      </p:sp>
-      <p:sp>
-        <p:nvSpPr>
-          <p:cNvPr id="4" name="Text Placeholder 3">
-            <a:extLst>
-              <a:ext uri="{FF2B5EF4-FFF2-40B4-BE49-F238E27FC236}">
-                <a16:creationId xmlns:a16="http://schemas.microsoft.com/office/drawing/2014/main" id="{A14DD752-76D8-4068-A767-76069DC8340B}"/>
-              </a:ext>
-            </a:extLst>
-          </p:cNvPr>
-          <p:cNvSpPr>
-            <a:spLocks noGrp="1"/>
-          </p:cNvSpPr>
-          <p:nvPr>
-            <p:ph type="body" idx="1"/>
-          </p:nvPr>
-        </p:nvSpPr>
-        <p:spPr/>
-        <p:txBody>
-          <a:bodyPr/>
-          <a:lstStyle/>
-          <a:p>
-            <a:endParaRPr lang="ru-RU"/>
-          </a:p>
-        </p:txBody>
-      </p:sp>
-      <p:sp>
-        <p:nvSpPr>
-          <p:cNvPr id="5" name="Slide Number Placeholder 4">
-            <a:extLst>
-              <a:ext uri="{FF2B5EF4-FFF2-40B4-BE49-F238E27FC236}">
-                <a16:creationId xmlns:a16="http://schemas.microsoft.com/office/drawing/2014/main" id="{873F17E0-2CD9-4DF8-BC5C-3843417F7F77}"/>
-              </a:ext>
-            </a:extLst>
-          </p:cNvPr>
-          <p:cNvSpPr>
-            <a:spLocks noGrp="1"/>
-          </p:cNvSpPr>
-          <p:nvPr>
-            <p:ph type="sldNum" sz="quarter" idx="12"/>
-          </p:nvPr>
-        </p:nvSpPr>
-        <p:spPr/>
-        <p:txBody>
-          <a:bodyPr/>
-          <a:lstStyle/>
-          <a:p>
-            <a:fld id="{B28E8911-E3D6-4AD9-AA24-3D7604D2F44D}" type="slidenum">
-              <a:rPr lang="ru-RU" smtClean="0"/>
-              <a:t>18</a:t>
-            </a:fld>
-            <a:endParaRPr lang="ru-RU"/>
-          </a:p>
-        </p:txBody>
-      </p:sp>
-    </p:spTree>
-    <p:extLst>
-      <p:ext uri="{BB962C8B-B14F-4D97-AF65-F5344CB8AC3E}">
-        <p14:creationId xmlns:p14="http://schemas.microsoft.com/office/powerpoint/2010/main" val="1396107728"/>
+        <p14:creationId xmlns:p14="http://schemas.microsoft.com/office/powerpoint/2010/main" val="3125281098"/>
       </p:ext>
     </p:extLst>
   </p:cSld>
@@ -7420,48 +9620,40 @@
           <a:chExt cx="0" cy="0"/>
         </a:xfrm>
       </p:grpSpPr>
-      <p:pic>
-        <p:nvPicPr>
-          <p:cNvPr id="5" name="Рисунок 4">
+      <p:sp>
+        <p:nvSpPr>
+          <p:cNvPr id="3" name="Title 2">
             <a:extLst>
               <a:ext uri="{FF2B5EF4-FFF2-40B4-BE49-F238E27FC236}">
-                <a16:creationId xmlns:a16="http://schemas.microsoft.com/office/drawing/2014/main" id="{452DA270-CB7E-8B00-5A03-197D05BB2847}"/>
+                <a16:creationId xmlns:a16="http://schemas.microsoft.com/office/drawing/2014/main" id="{AD20A85F-E557-4665-A30A-B0D4CCF0920F}"/>
               </a:ext>
             </a:extLst>
           </p:cNvPr>
-          <p:cNvPicPr>
-            <a:picLocks noChangeAspect="1"/>
-          </p:cNvPicPr>
-          <p:nvPr/>
-        </p:nvPicPr>
-        <p:blipFill>
-          <a:blip r:embed="rId3">
-            <a:extLst>
-              <a:ext uri="{28A0092B-C50C-407E-A947-70E740481C1C}">
-                <a14:useLocalDpi xmlns:a14="http://schemas.microsoft.com/office/drawing/2010/main" val="0"/>
-              </a:ext>
-            </a:extLst>
-          </a:blip>
-          <a:stretch>
-            <a:fillRect/>
-          </a:stretch>
-        </p:blipFill>
-        <p:spPr>
-          <a:xfrm>
-            <a:off x="1919536" y="3500439"/>
-            <a:ext cx="8172400" cy="1922055"/>
-          </a:xfrm>
-          <a:prstGeom prst="rect">
-            <a:avLst/>
-          </a:prstGeom>
-        </p:spPr>
-      </p:pic>
-      <p:sp>
-        <p:nvSpPr>
-          <p:cNvPr id="4" name="Title 3">
+          <p:cNvSpPr>
+            <a:spLocks noGrp="1"/>
+          </p:cNvSpPr>
+          <p:nvPr>
+            <p:ph type="title"/>
+          </p:nvPr>
+        </p:nvSpPr>
+        <p:spPr/>
+        <p:txBody>
+          <a:bodyPr/>
+          <a:lstStyle/>
+          <a:p>
+            <a:r>
+              <a:rPr lang="ru-RU" dirty="0"/>
+              <a:t>Интерфейсы</a:t>
+            </a:r>
+          </a:p>
+        </p:txBody>
+      </p:sp>
+      <p:sp>
+        <p:nvSpPr>
+          <p:cNvPr id="4" name="Text Placeholder 3">
             <a:extLst>
               <a:ext uri="{FF2B5EF4-FFF2-40B4-BE49-F238E27FC236}">
-                <a16:creationId xmlns:a16="http://schemas.microsoft.com/office/drawing/2014/main" id="{F9EC0F0A-A4A6-472E-AB37-B92F93F1056C}"/>
+                <a16:creationId xmlns:a16="http://schemas.microsoft.com/office/drawing/2014/main" id="{A14DD752-76D8-4068-A767-76069DC8340B}"/>
               </a:ext>
             </a:extLst>
           </p:cNvPr>
@@ -7469,7 +9661,7 @@
             <a:spLocks noGrp="1"/>
           </p:cNvSpPr>
           <p:nvPr>
-            <p:ph type="title"/>
+            <p:ph type="body" idx="1"/>
           </p:nvPr>
         </p:nvSpPr>
         <p:spPr/>
@@ -7477,19 +9669,16 @@
           <a:bodyPr/>
           <a:lstStyle/>
           <a:p>
-            <a:r>
-              <a:rPr lang="ru-RU" dirty="0"/>
-              <a:t>Обозначение интерфейса</a:t>
-            </a:r>
-          </a:p>
-        </p:txBody>
-      </p:sp>
-      <p:sp>
-        <p:nvSpPr>
-          <p:cNvPr id="6" name="Slide Number Placeholder 5">
+            <a:endParaRPr lang="ru-RU"/>
+          </a:p>
+        </p:txBody>
+      </p:sp>
+      <p:sp>
+        <p:nvSpPr>
+          <p:cNvPr id="5" name="Slide Number Placeholder 4">
             <a:extLst>
               <a:ext uri="{FF2B5EF4-FFF2-40B4-BE49-F238E27FC236}">
-                <a16:creationId xmlns:a16="http://schemas.microsoft.com/office/drawing/2014/main" id="{5D7B596E-DA3A-4FA1-9260-CE5589845767}"/>
+                <a16:creationId xmlns:a16="http://schemas.microsoft.com/office/drawing/2014/main" id="{873F17E0-2CD9-4DF8-BC5C-3843417F7F77}"/>
               </a:ext>
             </a:extLst>
           </p:cNvPr>
@@ -7516,7 +9705,7 @@
     </p:spTree>
     <p:extLst>
       <p:ext uri="{BB962C8B-B14F-4D97-AF65-F5344CB8AC3E}">
-        <p14:creationId xmlns:p14="http://schemas.microsoft.com/office/powerpoint/2010/main" val="3837949823"/>
+        <p14:creationId xmlns:p14="http://schemas.microsoft.com/office/powerpoint/2010/main" val="3654336374"/>
       </p:ext>
     </p:extLst>
   </p:cSld>
@@ -7630,60 +9819,30 @@
           <p:nvPr/>
         </p:nvPicPr>
         <p:blipFill>
-          <a:blip r:embed="rId3">
+          <a:blip r:embed="rId3" cstate="print">
             <a:extLst>
               <a:ext uri="{28A0092B-C50C-407E-A947-70E740481C1C}">
                 <a14:useLocalDpi xmlns:a14="http://schemas.microsoft.com/office/drawing/2010/main" val="0"/>
               </a:ext>
             </a:extLst>
           </a:blip>
-          <a:stretch>
-            <a:fillRect/>
-          </a:stretch>
+          <a:srcRect/>
+          <a:stretch/>
         </p:blipFill>
         <p:spPr>
           <a:xfrm>
-            <a:off x="2927648" y="4869942"/>
-            <a:ext cx="6115050" cy="1543050"/>
+            <a:off x="1775520" y="4020439"/>
+            <a:ext cx="8820944" cy="2623952"/>
           </a:xfrm>
           <a:prstGeom prst="rect">
             <a:avLst/>
           </a:prstGeom>
         </p:spPr>
       </p:pic>
-      <p:sp>
-        <p:nvSpPr>
-          <p:cNvPr id="4" name="Slide Number Placeholder 3">
-            <a:extLst>
-              <a:ext uri="{FF2B5EF4-FFF2-40B4-BE49-F238E27FC236}">
-                <a16:creationId xmlns:a16="http://schemas.microsoft.com/office/drawing/2014/main" id="{BA10F82D-10AA-4EC9-BE3E-96365ED62A54}"/>
-              </a:ext>
-            </a:extLst>
-          </p:cNvPr>
-          <p:cNvSpPr>
-            <a:spLocks noGrp="1"/>
-          </p:cNvSpPr>
-          <p:nvPr>
-            <p:ph type="sldNum" sz="quarter" idx="12"/>
-          </p:nvPr>
-        </p:nvSpPr>
-        <p:spPr/>
-        <p:txBody>
-          <a:bodyPr/>
-          <a:lstStyle/>
-          <a:p>
-            <a:fld id="{B28E8911-E3D6-4AD9-AA24-3D7604D2F44D}" type="slidenum">
-              <a:rPr lang="ru-RU" smtClean="0"/>
-              <a:t>2</a:t>
-            </a:fld>
-            <a:endParaRPr lang="ru-RU"/>
-          </a:p>
-        </p:txBody>
-      </p:sp>
     </p:spTree>
     <p:extLst>
       <p:ext uri="{BB962C8B-B14F-4D97-AF65-F5344CB8AC3E}">
-        <p14:creationId xmlns:p14="http://schemas.microsoft.com/office/powerpoint/2010/main" val="3178513329"/>
+        <p14:creationId xmlns:p14="http://schemas.microsoft.com/office/powerpoint/2010/main" val="1617272621"/>
       </p:ext>
     </p:extLst>
   </p:cSld>
@@ -7793,40 +9952,48 @@
           <a:chExt cx="0" cy="0"/>
         </a:xfrm>
       </p:grpSpPr>
-      <p:sp>
-        <p:nvSpPr>
-          <p:cNvPr id="3" name="Title 2">
+      <p:pic>
+        <p:nvPicPr>
+          <p:cNvPr id="5" name="Рисунок 4">
             <a:extLst>
               <a:ext uri="{FF2B5EF4-FFF2-40B4-BE49-F238E27FC236}">
-                <a16:creationId xmlns:a16="http://schemas.microsoft.com/office/drawing/2014/main" id="{AD20A85F-E557-4665-A30A-B0D4CCF0920F}"/>
+                <a16:creationId xmlns:a16="http://schemas.microsoft.com/office/drawing/2014/main" id="{452DA270-CB7E-8B00-5A03-197D05BB2847}"/>
               </a:ext>
             </a:extLst>
           </p:cNvPr>
-          <p:cNvSpPr>
-            <a:spLocks noGrp="1"/>
-          </p:cNvSpPr>
-          <p:nvPr>
-            <p:ph type="title"/>
-          </p:nvPr>
-        </p:nvSpPr>
-        <p:spPr/>
-        <p:txBody>
-          <a:bodyPr/>
-          <a:lstStyle/>
-          <a:p>
-            <a:r>
-              <a:rPr lang="ru-RU" dirty="0"/>
-              <a:t>Реализация интерфейса</a:t>
-            </a:r>
-          </a:p>
-        </p:txBody>
-      </p:sp>
-      <p:sp>
-        <p:nvSpPr>
-          <p:cNvPr id="4" name="Text Placeholder 3">
+          <p:cNvPicPr>
+            <a:picLocks noChangeAspect="1"/>
+          </p:cNvPicPr>
+          <p:nvPr/>
+        </p:nvPicPr>
+        <p:blipFill>
+          <a:blip r:embed="rId3">
+            <a:extLst>
+              <a:ext uri="{28A0092B-C50C-407E-A947-70E740481C1C}">
+                <a14:useLocalDpi xmlns:a14="http://schemas.microsoft.com/office/drawing/2010/main" val="0"/>
+              </a:ext>
+            </a:extLst>
+          </a:blip>
+          <a:stretch>
+            <a:fillRect/>
+          </a:stretch>
+        </p:blipFill>
+        <p:spPr>
+          <a:xfrm>
+            <a:off x="1919536" y="3500439"/>
+            <a:ext cx="8172400" cy="1922055"/>
+          </a:xfrm>
+          <a:prstGeom prst="rect">
+            <a:avLst/>
+          </a:prstGeom>
+        </p:spPr>
+      </p:pic>
+      <p:sp>
+        <p:nvSpPr>
+          <p:cNvPr id="4" name="Title 3">
             <a:extLst>
               <a:ext uri="{FF2B5EF4-FFF2-40B4-BE49-F238E27FC236}">
-                <a16:creationId xmlns:a16="http://schemas.microsoft.com/office/drawing/2014/main" id="{A14DD752-76D8-4068-A767-76069DC8340B}"/>
+                <a16:creationId xmlns:a16="http://schemas.microsoft.com/office/drawing/2014/main" id="{F9EC0F0A-A4A6-472E-AB37-B92F93F1056C}"/>
               </a:ext>
             </a:extLst>
           </p:cNvPr>
@@ -7834,7 +10001,7 @@
             <a:spLocks noGrp="1"/>
           </p:cNvSpPr>
           <p:nvPr>
-            <p:ph type="body" idx="1"/>
+            <p:ph type="title"/>
           </p:nvPr>
         </p:nvSpPr>
         <p:spPr/>
@@ -7842,16 +10009,19 @@
           <a:bodyPr/>
           <a:lstStyle/>
           <a:p>
-            <a:endParaRPr lang="ru-RU"/>
-          </a:p>
-        </p:txBody>
-      </p:sp>
-      <p:sp>
-        <p:nvSpPr>
-          <p:cNvPr id="2" name="Slide Number Placeholder 1">
+            <a:r>
+              <a:rPr lang="ru-RU" dirty="0"/>
+              <a:t>Обозначение интерфейса</a:t>
+            </a:r>
+          </a:p>
+        </p:txBody>
+      </p:sp>
+      <p:sp>
+        <p:nvSpPr>
+          <p:cNvPr id="6" name="Slide Number Placeholder 5">
             <a:extLst>
               <a:ext uri="{FF2B5EF4-FFF2-40B4-BE49-F238E27FC236}">
-                <a16:creationId xmlns:a16="http://schemas.microsoft.com/office/drawing/2014/main" id="{F467DA6F-952A-418D-A83A-62E966CBBEA3}"/>
+                <a16:creationId xmlns:a16="http://schemas.microsoft.com/office/drawing/2014/main" id="{5D7B596E-DA3A-4FA1-9260-CE5589845767}"/>
               </a:ext>
             </a:extLst>
           </p:cNvPr>
@@ -7878,7 +10048,7 @@
     </p:spTree>
     <p:extLst>
       <p:ext uri="{BB962C8B-B14F-4D97-AF65-F5344CB8AC3E}">
-        <p14:creationId xmlns:p14="http://schemas.microsoft.com/office/powerpoint/2010/main" val="3412068823"/>
+        <p14:creationId xmlns:p14="http://schemas.microsoft.com/office/powerpoint/2010/main" val="640609002"/>
       </p:ext>
     </p:extLst>
   </p:cSld>
@@ -7889,6 +10059,118 @@
 </file>
 
 <file path=ppt/slides/slide21.xml><?xml version="1.0" encoding="utf-8"?>
+<p:sld xmlns:a="http://schemas.openxmlformats.org/drawingml/2006/main" xmlns:r="http://schemas.openxmlformats.org/officeDocument/2006/relationships" xmlns:p="http://schemas.openxmlformats.org/presentationml/2006/main">
+  <p:cSld>
+    <p:spTree>
+      <p:nvGrpSpPr>
+        <p:cNvPr id="1" name=""/>
+        <p:cNvGrpSpPr/>
+        <p:nvPr/>
+      </p:nvGrpSpPr>
+      <p:grpSpPr>
+        <a:xfrm>
+          <a:off x="0" y="0"/>
+          <a:ext cx="0" cy="0"/>
+          <a:chOff x="0" y="0"/>
+          <a:chExt cx="0" cy="0"/>
+        </a:xfrm>
+      </p:grpSpPr>
+      <p:sp>
+        <p:nvSpPr>
+          <p:cNvPr id="3" name="Title 2">
+            <a:extLst>
+              <a:ext uri="{FF2B5EF4-FFF2-40B4-BE49-F238E27FC236}">
+                <a16:creationId xmlns:a16="http://schemas.microsoft.com/office/drawing/2014/main" id="{AD20A85F-E557-4665-A30A-B0D4CCF0920F}"/>
+              </a:ext>
+            </a:extLst>
+          </p:cNvPr>
+          <p:cNvSpPr>
+            <a:spLocks noGrp="1"/>
+          </p:cNvSpPr>
+          <p:nvPr>
+            <p:ph type="title"/>
+          </p:nvPr>
+        </p:nvSpPr>
+        <p:spPr/>
+        <p:txBody>
+          <a:bodyPr/>
+          <a:lstStyle/>
+          <a:p>
+            <a:r>
+              <a:rPr lang="ru-RU" dirty="0"/>
+              <a:t>Реализация интерфейса</a:t>
+            </a:r>
+          </a:p>
+        </p:txBody>
+      </p:sp>
+      <p:sp>
+        <p:nvSpPr>
+          <p:cNvPr id="4" name="Text Placeholder 3">
+            <a:extLst>
+              <a:ext uri="{FF2B5EF4-FFF2-40B4-BE49-F238E27FC236}">
+                <a16:creationId xmlns:a16="http://schemas.microsoft.com/office/drawing/2014/main" id="{A14DD752-76D8-4068-A767-76069DC8340B}"/>
+              </a:ext>
+            </a:extLst>
+          </p:cNvPr>
+          <p:cNvSpPr>
+            <a:spLocks noGrp="1"/>
+          </p:cNvSpPr>
+          <p:nvPr>
+            <p:ph type="body" idx="1"/>
+          </p:nvPr>
+        </p:nvSpPr>
+        <p:spPr/>
+        <p:txBody>
+          <a:bodyPr/>
+          <a:lstStyle/>
+          <a:p>
+            <a:endParaRPr lang="ru-RU"/>
+          </a:p>
+        </p:txBody>
+      </p:sp>
+      <p:sp>
+        <p:nvSpPr>
+          <p:cNvPr id="2" name="Slide Number Placeholder 1">
+            <a:extLst>
+              <a:ext uri="{FF2B5EF4-FFF2-40B4-BE49-F238E27FC236}">
+                <a16:creationId xmlns:a16="http://schemas.microsoft.com/office/drawing/2014/main" id="{F467DA6F-952A-418D-A83A-62E966CBBEA3}"/>
+              </a:ext>
+            </a:extLst>
+          </p:cNvPr>
+          <p:cNvSpPr>
+            <a:spLocks noGrp="1"/>
+          </p:cNvSpPr>
+          <p:nvPr>
+            <p:ph type="sldNum" sz="quarter" idx="12"/>
+          </p:nvPr>
+        </p:nvSpPr>
+        <p:spPr/>
+        <p:txBody>
+          <a:bodyPr/>
+          <a:lstStyle/>
+          <a:p>
+            <a:fld id="{B28E8911-E3D6-4AD9-AA24-3D7604D2F44D}" type="slidenum">
+              <a:rPr lang="ru-RU" smtClean="0"/>
+              <a:t>21</a:t>
+            </a:fld>
+            <a:endParaRPr lang="ru-RU"/>
+          </a:p>
+        </p:txBody>
+      </p:sp>
+    </p:spTree>
+    <p:extLst>
+      <p:ext uri="{BB962C8B-B14F-4D97-AF65-F5344CB8AC3E}">
+        <p14:creationId xmlns:p14="http://schemas.microsoft.com/office/powerpoint/2010/main" val="2367856906"/>
+      </p:ext>
+    </p:extLst>
+  </p:cSld>
+  <p:clrMapOvr>
+    <a:masterClrMapping/>
+  </p:clrMapOvr>
+</p:sld>
+</file>
+
+<file path=ppt/slides/slide22.xml><?xml version="1.0" encoding="utf-8"?>
 <p:sld xmlns:a="http://schemas.openxmlformats.org/drawingml/2006/main" xmlns:r="http://schemas.openxmlformats.org/officeDocument/2006/relationships" xmlns:p="http://schemas.openxmlformats.org/presentationml/2006/main">
   <p:cSld>
     <p:spTree>
@@ -7992,7 +10274,7 @@
           <a:p>
             <a:fld id="{B28E8911-E3D6-4AD9-AA24-3D7604D2F44D}" type="slidenum">
               <a:rPr lang="ru-RU" smtClean="0"/>
-              <a:t>21</a:t>
+              <a:t>22</a:t>
             </a:fld>
             <a:endParaRPr lang="ru-RU"/>
           </a:p>
@@ -8001,124 +10283,7 @@
     </p:spTree>
     <p:extLst>
       <p:ext uri="{BB962C8B-B14F-4D97-AF65-F5344CB8AC3E}">
-        <p14:creationId xmlns:p14="http://schemas.microsoft.com/office/powerpoint/2010/main" val="2388962241"/>
-      </p:ext>
-    </p:extLst>
-  </p:cSld>
-  <p:clrMapOvr>
-    <a:masterClrMapping/>
-  </p:clrMapOvr>
-</p:sld>
-</file>
-
-<file path=ppt/slides/slide22.xml><?xml version="1.0" encoding="utf-8"?>
-<p:sld xmlns:a="http://schemas.openxmlformats.org/drawingml/2006/main" xmlns:r="http://schemas.openxmlformats.org/officeDocument/2006/relationships" xmlns:p="http://schemas.openxmlformats.org/presentationml/2006/main">
-  <p:cSld>
-    <p:spTree>
-      <p:nvGrpSpPr>
-        <p:cNvPr id="1" name=""/>
-        <p:cNvGrpSpPr/>
-        <p:nvPr/>
-      </p:nvGrpSpPr>
-      <p:grpSpPr>
-        <a:xfrm>
-          <a:off x="0" y="0"/>
-          <a:ext cx="0" cy="0"/>
-          <a:chOff x="0" y="0"/>
-          <a:chExt cx="0" cy="0"/>
-        </a:xfrm>
-      </p:grpSpPr>
-      <p:sp>
-        <p:nvSpPr>
-          <p:cNvPr id="2" name="Title 1">
-            <a:extLst>
-              <a:ext uri="{FF2B5EF4-FFF2-40B4-BE49-F238E27FC236}">
-                <a16:creationId xmlns:a16="http://schemas.microsoft.com/office/drawing/2014/main" id="{1499A404-27BF-4577-B5AA-E6D58FF31494}"/>
-              </a:ext>
-            </a:extLst>
-          </p:cNvPr>
-          <p:cNvSpPr>
-            <a:spLocks noGrp="1"/>
-          </p:cNvSpPr>
-          <p:nvPr>
-            <p:ph type="title"/>
-          </p:nvPr>
-        </p:nvSpPr>
-        <p:spPr/>
-        <p:txBody>
-          <a:bodyPr/>
-          <a:lstStyle/>
-          <a:p>
-            <a:r>
-              <a:rPr lang="ru-RU" dirty="0"/>
-              <a:t>Вопросы</a:t>
-            </a:r>
-            <a:r>
-              <a:rPr lang="en-US" dirty="0"/>
-              <a:t>?</a:t>
-            </a:r>
-            <a:endParaRPr lang="ru-RU" dirty="0"/>
-          </a:p>
-        </p:txBody>
-      </p:sp>
-      <p:sp>
-        <p:nvSpPr>
-          <p:cNvPr id="3" name="Text Placeholder 2">
-            <a:extLst>
-              <a:ext uri="{FF2B5EF4-FFF2-40B4-BE49-F238E27FC236}">
-                <a16:creationId xmlns:a16="http://schemas.microsoft.com/office/drawing/2014/main" id="{961D185A-1BD1-499D-A946-903D0BEB0129}"/>
-              </a:ext>
-            </a:extLst>
-          </p:cNvPr>
-          <p:cNvSpPr>
-            <a:spLocks noGrp="1"/>
-          </p:cNvSpPr>
-          <p:nvPr>
-            <p:ph type="body" idx="1"/>
-          </p:nvPr>
-        </p:nvSpPr>
-        <p:spPr/>
-        <p:txBody>
-          <a:bodyPr/>
-          <a:lstStyle/>
-          <a:p>
-            <a:endParaRPr lang="ru-RU"/>
-          </a:p>
-        </p:txBody>
-      </p:sp>
-      <p:sp>
-        <p:nvSpPr>
-          <p:cNvPr id="4" name="Slide Number Placeholder 3">
-            <a:extLst>
-              <a:ext uri="{FF2B5EF4-FFF2-40B4-BE49-F238E27FC236}">
-                <a16:creationId xmlns:a16="http://schemas.microsoft.com/office/drawing/2014/main" id="{8521054C-BB80-46B6-8016-2ADD97578372}"/>
-              </a:ext>
-            </a:extLst>
-          </p:cNvPr>
-          <p:cNvSpPr>
-            <a:spLocks noGrp="1"/>
-          </p:cNvSpPr>
-          <p:nvPr>
-            <p:ph type="sldNum" sz="quarter" idx="12"/>
-          </p:nvPr>
-        </p:nvSpPr>
-        <p:spPr/>
-        <p:txBody>
-          <a:bodyPr/>
-          <a:lstStyle/>
-          <a:p>
-            <a:fld id="{B28E8911-E3D6-4AD9-AA24-3D7604D2F44D}" type="slidenum">
-              <a:rPr lang="ru-RU" smtClean="0"/>
-              <a:t>22</a:t>
-            </a:fld>
-            <a:endParaRPr lang="ru-RU"/>
-          </a:p>
-        </p:txBody>
-      </p:sp>
-    </p:spTree>
-    <p:extLst>
-      <p:ext uri="{BB962C8B-B14F-4D97-AF65-F5344CB8AC3E}">
-        <p14:creationId xmlns:p14="http://schemas.microsoft.com/office/powerpoint/2010/main" val="2981634697"/>
+        <p14:creationId xmlns:p14="http://schemas.microsoft.com/office/powerpoint/2010/main" val="241955883"/>
       </p:ext>
     </p:extLst>
   </p:cSld>
@@ -8198,39 +10363,10 @@
           </a:p>
         </p:txBody>
       </p:sp>
-      <p:sp>
-        <p:nvSpPr>
-          <p:cNvPr id="3" name="Slide Number Placeholder 2">
-            <a:extLst>
-              <a:ext uri="{FF2B5EF4-FFF2-40B4-BE49-F238E27FC236}">
-                <a16:creationId xmlns:a16="http://schemas.microsoft.com/office/drawing/2014/main" id="{286CDB4C-DAFA-4C99-B05E-743DB212283D}"/>
-              </a:ext>
-            </a:extLst>
-          </p:cNvPr>
-          <p:cNvSpPr>
-            <a:spLocks noGrp="1"/>
-          </p:cNvSpPr>
-          <p:nvPr>
-            <p:ph type="sldNum" sz="quarter" idx="12"/>
-          </p:nvPr>
-        </p:nvSpPr>
-        <p:spPr/>
-        <p:txBody>
-          <a:bodyPr/>
-          <a:lstStyle/>
-          <a:p>
-            <a:fld id="{B28E8911-E3D6-4AD9-AA24-3D7604D2F44D}" type="slidenum">
-              <a:rPr lang="ru-RU" smtClean="0"/>
-              <a:t>3</a:t>
-            </a:fld>
-            <a:endParaRPr lang="ru-RU"/>
-          </a:p>
-        </p:txBody>
-      </p:sp>
     </p:spTree>
     <p:extLst>
       <p:ext uri="{BB962C8B-B14F-4D97-AF65-F5344CB8AC3E}">
-        <p14:creationId xmlns:p14="http://schemas.microsoft.com/office/powerpoint/2010/main" val="2121645404"/>
+        <p14:creationId xmlns:p14="http://schemas.microsoft.com/office/powerpoint/2010/main" val="2236654427"/>
       </p:ext>
     </p:extLst>
   </p:cSld>
@@ -8259,10 +10395,10 @@
       </p:grpSpPr>
       <p:sp>
         <p:nvSpPr>
-          <p:cNvPr id="4" name="Title 3">
+          <p:cNvPr id="2" name="Заголовок 1">
             <a:extLst>
               <a:ext uri="{FF2B5EF4-FFF2-40B4-BE49-F238E27FC236}">
-                <a16:creationId xmlns:a16="http://schemas.microsoft.com/office/drawing/2014/main" id="{218FB4CB-5BED-4A04-BFFA-ECDC3CBB5EBF}"/>
+                <a16:creationId xmlns:a16="http://schemas.microsoft.com/office/drawing/2014/main" id="{414A5E15-5E17-4A6D-9194-572D33F9FD5F}"/>
               </a:ext>
             </a:extLst>
           </p:cNvPr>
@@ -8280,17 +10416,17 @@
           <a:p>
             <a:r>
               <a:rPr lang="ru-RU" dirty="0"/>
-              <a:t>Композиция</a:t>
-            </a:r>
-          </a:p>
-        </p:txBody>
-      </p:sp>
-      <p:sp>
-        <p:nvSpPr>
-          <p:cNvPr id="5" name="Content Placeholder 4">
+              <a:t>Особенности</a:t>
+            </a:r>
+          </a:p>
+        </p:txBody>
+      </p:sp>
+      <p:sp>
+        <p:nvSpPr>
+          <p:cNvPr id="3" name="Объект 2">
             <a:extLst>
               <a:ext uri="{FF2B5EF4-FFF2-40B4-BE49-F238E27FC236}">
-                <a16:creationId xmlns:a16="http://schemas.microsoft.com/office/drawing/2014/main" id="{404EAC99-DEF2-47C7-8E28-DBE22494382F}"/>
+                <a16:creationId xmlns:a16="http://schemas.microsoft.com/office/drawing/2014/main" id="{D3761BE8-4C5F-40DF-8BFA-BB3F4B5C3AC1}"/>
               </a:ext>
             </a:extLst>
           </p:cNvPr>
@@ -8312,605 +10448,58 @@
             </a:r>
             <a:r>
               <a:rPr lang="ru-RU" b="1" dirty="0"/>
-              <a:t>частью</a:t>
+              <a:t>Частью</a:t>
             </a:r>
             <a:r>
               <a:rPr lang="ru-RU" dirty="0"/>
-              <a:t> другого составного объекта</a:t>
+              <a:t> другого, составного объекта</a:t>
             </a:r>
           </a:p>
           <a:p>
             <a:r>
               <a:rPr lang="ru-RU" dirty="0"/>
-              <a:t>Составной объект единолично владеет </a:t>
-            </a:r>
-            <a:r>
-              <a:rPr lang="ru-RU" b="1" dirty="0"/>
-              <a:t>частью</a:t>
+              <a:t>Часть в один момент времени принадлежит только одному составному объекту</a:t>
+            </a:r>
+          </a:p>
+          <a:p>
+            <a:r>
+              <a:rPr lang="ru-RU" dirty="0"/>
+              <a:t>Составной объект управляет своими частями.</a:t>
             </a:r>
           </a:p>
           <a:p>
             <a:pPr lvl="1"/>
             <a:r>
               <a:rPr lang="ru-RU" dirty="0"/>
-              <a:t>При удалении объекта удаляется и его часть</a:t>
-            </a:r>
-          </a:p>
-          <a:p>
-            <a:r>
-              <a:rPr lang="ru-RU" b="1" dirty="0"/>
-              <a:t>Часть</a:t>
-            </a:r>
+              <a:t>Часть удаляется при удалении объекта</a:t>
+            </a:r>
+          </a:p>
+          <a:p>
             <a:r>
               <a:rPr lang="ru-RU" dirty="0"/>
-              <a:t> не знает о своём владельце</a:t>
-            </a:r>
-          </a:p>
-          <a:p>
-            <a:pPr lvl="1"/>
+              <a:t>Часть обычно не знает о том, в состав каких объектов она входит</a:t>
+            </a:r>
+          </a:p>
+          <a:p>
             <a:r>
               <a:rPr lang="ru-RU" dirty="0"/>
-              <a:t>Одна и та же часть может входить в состав разных составных объектов</a:t>
-            </a:r>
-          </a:p>
-        </p:txBody>
-      </p:sp>
-      <p:sp>
-        <p:nvSpPr>
-          <p:cNvPr id="6" name="Slide Number Placeholder 5">
-            <a:extLst>
-              <a:ext uri="{FF2B5EF4-FFF2-40B4-BE49-F238E27FC236}">
-                <a16:creationId xmlns:a16="http://schemas.microsoft.com/office/drawing/2014/main" id="{8FC3E528-DAD6-4D2E-A24E-7F3DB4FA3BE9}"/>
-              </a:ext>
-            </a:extLst>
-          </p:cNvPr>
-          <p:cNvSpPr>
-            <a:spLocks noGrp="1"/>
-          </p:cNvSpPr>
-          <p:nvPr>
-            <p:ph type="sldNum" sz="quarter" idx="12"/>
-          </p:nvPr>
-        </p:nvSpPr>
-        <p:spPr/>
-        <p:txBody>
-          <a:bodyPr/>
-          <a:lstStyle/>
-          <a:p>
-            <a:fld id="{B28E8911-E3D6-4AD9-AA24-3D7604D2F44D}" type="slidenum">
-              <a:rPr lang="ru-RU" smtClean="0"/>
-              <a:t>4</a:t>
-            </a:fld>
-            <a:endParaRPr lang="ru-RU"/>
+              <a:t>В </a:t>
+            </a:r>
+            <a:r>
+              <a:rPr lang="en-US" dirty="0"/>
+              <a:t>C++</a:t>
+            </a:r>
+            <a:r>
+              <a:rPr lang="ru-RU" dirty="0"/>
+              <a:t> классы обычно используют композицию</a:t>
+            </a:r>
           </a:p>
         </p:txBody>
       </p:sp>
     </p:spTree>
     <p:extLst>
       <p:ext uri="{BB962C8B-B14F-4D97-AF65-F5344CB8AC3E}">
-        <p14:creationId xmlns:p14="http://schemas.microsoft.com/office/powerpoint/2010/main" val="656372903"/>
-      </p:ext>
-    </p:extLst>
-  </p:cSld>
-  <p:clrMapOvr>
-    <a:masterClrMapping/>
-  </p:clrMapOvr>
-</p:sld>
-</file>
-
-<file path=ppt/slides/slide5.xml><?xml version="1.0" encoding="utf-8"?>
-<p:sld xmlns:a="http://schemas.openxmlformats.org/drawingml/2006/main" xmlns:r="http://schemas.openxmlformats.org/officeDocument/2006/relationships" xmlns:p="http://schemas.openxmlformats.org/presentationml/2006/main">
-  <p:cSld>
-    <p:spTree>
-      <p:nvGrpSpPr>
-        <p:cNvPr id="1" name=""/>
-        <p:cNvGrpSpPr/>
-        <p:nvPr/>
-      </p:nvGrpSpPr>
-      <p:grpSpPr>
-        <a:xfrm>
-          <a:off x="0" y="0"/>
-          <a:ext cx="0" cy="0"/>
-          <a:chOff x="0" y="0"/>
-          <a:chExt cx="0" cy="0"/>
-        </a:xfrm>
-      </p:grpSpPr>
-      <p:sp>
-        <p:nvSpPr>
-          <p:cNvPr id="2" name="Заголовок 1">
-            <a:extLst>
-              <a:ext uri="{FF2B5EF4-FFF2-40B4-BE49-F238E27FC236}">
-                <a16:creationId xmlns:a16="http://schemas.microsoft.com/office/drawing/2014/main" id="{BD165B14-FC91-47B1-B3C2-C2A9861DA8AE}"/>
-              </a:ext>
-            </a:extLst>
-          </p:cNvPr>
-          <p:cNvSpPr>
-            <a:spLocks noGrp="1"/>
-          </p:cNvSpPr>
-          <p:nvPr>
-            <p:ph type="title"/>
-          </p:nvPr>
-        </p:nvSpPr>
-        <p:spPr/>
-        <p:txBody>
-          <a:bodyPr>
-            <a:normAutofit/>
-          </a:bodyPr>
-          <a:lstStyle/>
-          <a:p>
-            <a:r>
-              <a:rPr lang="ru-RU" dirty="0"/>
-              <a:t>Обозначение композиции на диаграммах классов</a:t>
-            </a:r>
-          </a:p>
-        </p:txBody>
-      </p:sp>
-      <p:pic>
-        <p:nvPicPr>
-          <p:cNvPr id="4" name="Рисунок 3" descr="Изображение выглядит как текст&#10;&#10;Автоматически созданное описание">
-            <a:extLst>
-              <a:ext uri="{FF2B5EF4-FFF2-40B4-BE49-F238E27FC236}">
-                <a16:creationId xmlns:a16="http://schemas.microsoft.com/office/drawing/2014/main" id="{B22C2DE6-3098-45BB-BF6F-A5F58DCB115E}"/>
-              </a:ext>
-            </a:extLst>
-          </p:cNvPr>
-          <p:cNvPicPr>
-            <a:picLocks noChangeAspect="1"/>
-          </p:cNvPicPr>
-          <p:nvPr/>
-        </p:nvPicPr>
-        <p:blipFill>
-          <a:blip r:embed="rId3">
-            <a:extLst>
-              <a:ext uri="{28A0092B-C50C-407E-A947-70E740481C1C}">
-                <a14:useLocalDpi xmlns:a14="http://schemas.microsoft.com/office/drawing/2010/main" val="0"/>
-              </a:ext>
-            </a:extLst>
-          </a:blip>
-          <a:stretch>
-            <a:fillRect/>
-          </a:stretch>
-        </p:blipFill>
-        <p:spPr>
-          <a:xfrm>
-            <a:off x="2400300" y="2279550"/>
-            <a:ext cx="7080076" cy="4370863"/>
-          </a:xfrm>
-          <a:prstGeom prst="rect">
-            <a:avLst/>
-          </a:prstGeom>
-        </p:spPr>
-      </p:pic>
-      <p:sp>
-        <p:nvSpPr>
-          <p:cNvPr id="3" name="Slide Number Placeholder 2">
-            <a:extLst>
-              <a:ext uri="{FF2B5EF4-FFF2-40B4-BE49-F238E27FC236}">
-                <a16:creationId xmlns:a16="http://schemas.microsoft.com/office/drawing/2014/main" id="{8A8A4583-53E2-496C-9115-F142D2852DE7}"/>
-              </a:ext>
-            </a:extLst>
-          </p:cNvPr>
-          <p:cNvSpPr>
-            <a:spLocks noGrp="1"/>
-          </p:cNvSpPr>
-          <p:nvPr>
-            <p:ph type="sldNum" sz="quarter" idx="12"/>
-          </p:nvPr>
-        </p:nvSpPr>
-        <p:spPr/>
-        <p:txBody>
-          <a:bodyPr/>
-          <a:lstStyle/>
-          <a:p>
-            <a:fld id="{B28E8911-E3D6-4AD9-AA24-3D7604D2F44D}" type="slidenum">
-              <a:rPr lang="ru-RU" smtClean="0"/>
-              <a:t>5</a:t>
-            </a:fld>
-            <a:endParaRPr lang="ru-RU"/>
-          </a:p>
-        </p:txBody>
-      </p:sp>
-    </p:spTree>
-    <p:extLst>
-      <p:ext uri="{BB962C8B-B14F-4D97-AF65-F5344CB8AC3E}">
-        <p14:creationId xmlns:p14="http://schemas.microsoft.com/office/powerpoint/2010/main" val="2342119668"/>
-      </p:ext>
-    </p:extLst>
-  </p:cSld>
-  <p:clrMapOvr>
-    <a:masterClrMapping/>
-  </p:clrMapOvr>
-</p:sld>
-</file>
-
-<file path=ppt/slides/slide6.xml><?xml version="1.0" encoding="utf-8"?>
-<p:sld xmlns:a="http://schemas.openxmlformats.org/drawingml/2006/main" xmlns:r="http://schemas.openxmlformats.org/officeDocument/2006/relationships" xmlns:p="http://schemas.openxmlformats.org/presentationml/2006/main">
-  <p:cSld>
-    <p:spTree>
-      <p:nvGrpSpPr>
-        <p:cNvPr id="1" name=""/>
-        <p:cNvGrpSpPr/>
-        <p:nvPr/>
-      </p:nvGrpSpPr>
-      <p:grpSpPr>
-        <a:xfrm>
-          <a:off x="0" y="0"/>
-          <a:ext cx="0" cy="0"/>
-          <a:chOff x="0" y="0"/>
-          <a:chExt cx="0" cy="0"/>
-        </a:xfrm>
-      </p:grpSpPr>
-      <p:sp>
-        <p:nvSpPr>
-          <p:cNvPr id="2" name="Заголовок 1">
-            <a:extLst>
-              <a:ext uri="{FF2B5EF4-FFF2-40B4-BE49-F238E27FC236}">
-                <a16:creationId xmlns:a16="http://schemas.microsoft.com/office/drawing/2014/main" id="{0A449526-14E0-4BFD-9026-B7A21C8EE5DE}"/>
-              </a:ext>
-            </a:extLst>
-          </p:cNvPr>
-          <p:cNvSpPr>
-            <a:spLocks noGrp="1"/>
-          </p:cNvSpPr>
-          <p:nvPr>
-            <p:ph type="title"/>
-          </p:nvPr>
-        </p:nvSpPr>
-        <p:spPr/>
-        <p:txBody>
-          <a:bodyPr>
-            <a:normAutofit/>
-          </a:bodyPr>
-          <a:lstStyle/>
-          <a:p>
-            <a:r>
-              <a:rPr lang="ru-RU" dirty="0"/>
-              <a:t>Сокрытие данных при композиции</a:t>
-            </a:r>
-          </a:p>
-        </p:txBody>
-      </p:sp>
-      <p:pic>
-        <p:nvPicPr>
-          <p:cNvPr id="4" name="Рисунок 3" descr="Изображение выглядит как текст&#10;&#10;Автоматически созданное описание">
-            <a:extLst>
-              <a:ext uri="{FF2B5EF4-FFF2-40B4-BE49-F238E27FC236}">
-                <a16:creationId xmlns:a16="http://schemas.microsoft.com/office/drawing/2014/main" id="{0653B2E1-2FAF-4320-9BCB-07C076903928}"/>
-              </a:ext>
-            </a:extLst>
-          </p:cNvPr>
-          <p:cNvPicPr>
-            <a:picLocks noChangeAspect="1"/>
-          </p:cNvPicPr>
-          <p:nvPr/>
-        </p:nvPicPr>
-        <p:blipFill>
-          <a:blip r:embed="rId3">
-            <a:extLst>
-              <a:ext uri="{28A0092B-C50C-407E-A947-70E740481C1C}">
-                <a14:useLocalDpi xmlns:a14="http://schemas.microsoft.com/office/drawing/2010/main" val="0"/>
-              </a:ext>
-            </a:extLst>
-          </a:blip>
-          <a:stretch>
-            <a:fillRect/>
-          </a:stretch>
-        </p:blipFill>
-        <p:spPr>
-          <a:xfrm>
-            <a:off x="1750640" y="2132856"/>
-            <a:ext cx="8460939" cy="4320480"/>
-          </a:xfrm>
-          <a:prstGeom prst="rect">
-            <a:avLst/>
-          </a:prstGeom>
-        </p:spPr>
-      </p:pic>
-      <p:sp>
-        <p:nvSpPr>
-          <p:cNvPr id="3" name="Slide Number Placeholder 2">
-            <a:extLst>
-              <a:ext uri="{FF2B5EF4-FFF2-40B4-BE49-F238E27FC236}">
-                <a16:creationId xmlns:a16="http://schemas.microsoft.com/office/drawing/2014/main" id="{B70A326E-E442-4709-94BA-A69069AF45E9}"/>
-              </a:ext>
-            </a:extLst>
-          </p:cNvPr>
-          <p:cNvSpPr>
-            <a:spLocks noGrp="1"/>
-          </p:cNvSpPr>
-          <p:nvPr>
-            <p:ph type="sldNum" sz="quarter" idx="12"/>
-          </p:nvPr>
-        </p:nvSpPr>
-        <p:spPr/>
-        <p:txBody>
-          <a:bodyPr/>
-          <a:lstStyle/>
-          <a:p>
-            <a:fld id="{B28E8911-E3D6-4AD9-AA24-3D7604D2F44D}" type="slidenum">
-              <a:rPr lang="ru-RU" smtClean="0"/>
-              <a:t>6</a:t>
-            </a:fld>
-            <a:endParaRPr lang="ru-RU"/>
-          </a:p>
-        </p:txBody>
-      </p:sp>
-    </p:spTree>
-    <p:extLst>
-      <p:ext uri="{BB962C8B-B14F-4D97-AF65-F5344CB8AC3E}">
-        <p14:creationId xmlns:p14="http://schemas.microsoft.com/office/powerpoint/2010/main" val="964997260"/>
-      </p:ext>
-    </p:extLst>
-  </p:cSld>
-  <p:clrMapOvr>
-    <a:masterClrMapping/>
-  </p:clrMapOvr>
-</p:sld>
-</file>
-
-<file path=ppt/slides/slide7.xml><?xml version="1.0" encoding="utf-8"?>
-<p:sld xmlns:a="http://schemas.openxmlformats.org/drawingml/2006/main" xmlns:r="http://schemas.openxmlformats.org/officeDocument/2006/relationships" xmlns:p="http://schemas.openxmlformats.org/presentationml/2006/main">
-  <p:cSld>
-    <p:spTree>
-      <p:nvGrpSpPr>
-        <p:cNvPr id="1" name=""/>
-        <p:cNvGrpSpPr/>
-        <p:nvPr/>
-      </p:nvGrpSpPr>
-      <p:grpSpPr>
-        <a:xfrm>
-          <a:off x="0" y="0"/>
-          <a:ext cx="0" cy="0"/>
-          <a:chOff x="0" y="0"/>
-          <a:chExt cx="0" cy="0"/>
-        </a:xfrm>
-      </p:grpSpPr>
-      <p:sp>
-        <p:nvSpPr>
-          <p:cNvPr id="2" name="Заголовок 1">
-            <a:extLst>
-              <a:ext uri="{FF2B5EF4-FFF2-40B4-BE49-F238E27FC236}">
-                <a16:creationId xmlns:a16="http://schemas.microsoft.com/office/drawing/2014/main" id="{7DFA4413-24DE-4ED2-B703-609DAF7FCBE2}"/>
-              </a:ext>
-            </a:extLst>
-          </p:cNvPr>
-          <p:cNvSpPr>
-            <a:spLocks noGrp="1"/>
-          </p:cNvSpPr>
-          <p:nvPr>
-            <p:ph type="title"/>
-          </p:nvPr>
-        </p:nvSpPr>
-        <p:spPr/>
-        <p:txBody>
-          <a:bodyPr/>
-          <a:lstStyle/>
-          <a:p>
-            <a:r>
-              <a:rPr lang="ru-RU" dirty="0"/>
-              <a:t>Агрегация</a:t>
-            </a:r>
-          </a:p>
-        </p:txBody>
-      </p:sp>
-      <p:sp>
-        <p:nvSpPr>
-          <p:cNvPr id="3" name="Текст 2">
-            <a:extLst>
-              <a:ext uri="{FF2B5EF4-FFF2-40B4-BE49-F238E27FC236}">
-                <a16:creationId xmlns:a16="http://schemas.microsoft.com/office/drawing/2014/main" id="{8C8A4E74-53CF-43B7-8A16-81BF6EC55242}"/>
-              </a:ext>
-            </a:extLst>
-          </p:cNvPr>
-          <p:cNvSpPr>
-            <a:spLocks noGrp="1"/>
-          </p:cNvSpPr>
-          <p:nvPr>
-            <p:ph type="body" idx="1"/>
-          </p:nvPr>
-        </p:nvSpPr>
-        <p:spPr/>
-        <p:txBody>
-          <a:bodyPr/>
-          <a:lstStyle/>
-          <a:p>
-            <a:endParaRPr lang="ru-RU"/>
-          </a:p>
-        </p:txBody>
-      </p:sp>
-      <p:sp>
-        <p:nvSpPr>
-          <p:cNvPr id="4" name="Slide Number Placeholder 3">
-            <a:extLst>
-              <a:ext uri="{FF2B5EF4-FFF2-40B4-BE49-F238E27FC236}">
-                <a16:creationId xmlns:a16="http://schemas.microsoft.com/office/drawing/2014/main" id="{2038A3C8-B3A6-44DF-A6C7-839FA1F8CE84}"/>
-              </a:ext>
-            </a:extLst>
-          </p:cNvPr>
-          <p:cNvSpPr>
-            <a:spLocks noGrp="1"/>
-          </p:cNvSpPr>
-          <p:nvPr>
-            <p:ph type="sldNum" sz="quarter" idx="12"/>
-          </p:nvPr>
-        </p:nvSpPr>
-        <p:spPr/>
-        <p:txBody>
-          <a:bodyPr/>
-          <a:lstStyle/>
-          <a:p>
-            <a:fld id="{B28E8911-E3D6-4AD9-AA24-3D7604D2F44D}" type="slidenum">
-              <a:rPr lang="ru-RU" smtClean="0"/>
-              <a:t>7</a:t>
-            </a:fld>
-            <a:endParaRPr lang="ru-RU"/>
-          </a:p>
-        </p:txBody>
-      </p:sp>
-    </p:spTree>
-    <p:extLst>
-      <p:ext uri="{BB962C8B-B14F-4D97-AF65-F5344CB8AC3E}">
-        <p14:creationId xmlns:p14="http://schemas.microsoft.com/office/powerpoint/2010/main" val="688670217"/>
-      </p:ext>
-    </p:extLst>
-  </p:cSld>
-  <p:clrMapOvr>
-    <a:masterClrMapping/>
-  </p:clrMapOvr>
-</p:sld>
-</file>
-
-<file path=ppt/slides/slide8.xml><?xml version="1.0" encoding="utf-8"?>
-<p:sld xmlns:a="http://schemas.openxmlformats.org/drawingml/2006/main" xmlns:r="http://schemas.openxmlformats.org/officeDocument/2006/relationships" xmlns:p="http://schemas.openxmlformats.org/presentationml/2006/main">
-  <p:cSld>
-    <p:spTree>
-      <p:nvGrpSpPr>
-        <p:cNvPr id="1" name=""/>
-        <p:cNvGrpSpPr/>
-        <p:nvPr/>
-      </p:nvGrpSpPr>
-      <p:grpSpPr>
-        <a:xfrm>
-          <a:off x="0" y="0"/>
-          <a:ext cx="0" cy="0"/>
-          <a:chOff x="0" y="0"/>
-          <a:chExt cx="0" cy="0"/>
-        </a:xfrm>
-      </p:grpSpPr>
-      <p:sp>
-        <p:nvSpPr>
-          <p:cNvPr id="4" name="Заголовок 3">
-            <a:extLst>
-              <a:ext uri="{FF2B5EF4-FFF2-40B4-BE49-F238E27FC236}">
-                <a16:creationId xmlns:a16="http://schemas.microsoft.com/office/drawing/2014/main" id="{65C44A9F-0763-4613-B91E-356B14A03DB4}"/>
-              </a:ext>
-            </a:extLst>
-          </p:cNvPr>
-          <p:cNvSpPr>
-            <a:spLocks noGrp="1"/>
-          </p:cNvSpPr>
-          <p:nvPr>
-            <p:ph type="title"/>
-          </p:nvPr>
-        </p:nvSpPr>
-        <p:spPr/>
-        <p:txBody>
-          <a:bodyPr/>
-          <a:lstStyle/>
-          <a:p>
-            <a:r>
-              <a:rPr lang="ru-RU" dirty="0"/>
-              <a:t>Особенности</a:t>
-            </a:r>
-          </a:p>
-        </p:txBody>
-      </p:sp>
-      <p:sp>
-        <p:nvSpPr>
-          <p:cNvPr id="5" name="Объект 4">
-            <a:extLst>
-              <a:ext uri="{FF2B5EF4-FFF2-40B4-BE49-F238E27FC236}">
-                <a16:creationId xmlns:a16="http://schemas.microsoft.com/office/drawing/2014/main" id="{7367FF40-2062-4098-8E11-68A66F3FAE9D}"/>
-              </a:ext>
-            </a:extLst>
-          </p:cNvPr>
-          <p:cNvSpPr>
-            <a:spLocks noGrp="1"/>
-          </p:cNvSpPr>
-          <p:nvPr>
-            <p:ph idx="1"/>
-          </p:nvPr>
-        </p:nvSpPr>
-        <p:spPr/>
-        <p:txBody>
-          <a:bodyPr>
-            <a:normAutofit lnSpcReduction="10000"/>
-          </a:bodyPr>
-          <a:lstStyle/>
-          <a:p>
-            <a:r>
-              <a:rPr lang="ru-RU" dirty="0"/>
-              <a:t>Часть является частью Целого</a:t>
-            </a:r>
-          </a:p>
-          <a:p>
-            <a:r>
-              <a:rPr lang="ru-RU" dirty="0"/>
-              <a:t>Часть в один и тот же момент может принадлежать нескольким составным объектам</a:t>
-            </a:r>
-          </a:p>
-          <a:p>
-            <a:r>
-              <a:rPr lang="ru-RU" dirty="0"/>
-              <a:t>Целое не управляет своими частями</a:t>
-            </a:r>
-          </a:p>
-          <a:p>
-            <a:pPr lvl="1"/>
-            <a:r>
-              <a:rPr lang="ru-RU" dirty="0"/>
-              <a:t>При удалении Целого Часть продолжает существовать</a:t>
-            </a:r>
-          </a:p>
-          <a:p>
-            <a:r>
-              <a:rPr lang="ru-RU" dirty="0"/>
-              <a:t>Часть не знает о существовании Целого</a:t>
-            </a:r>
-          </a:p>
-          <a:p>
-            <a:r>
-              <a:rPr lang="ru-RU" dirty="0"/>
-              <a:t>Транзитивность</a:t>
-            </a:r>
-          </a:p>
-          <a:p>
-            <a:pPr lvl="1"/>
-            <a:r>
-              <a:rPr lang="ru-RU" dirty="0"/>
-              <a:t>Ни один из объектов не является прямой или косвенной частью себя</a:t>
-            </a:r>
-          </a:p>
-          <a:p>
-            <a:r>
-              <a:rPr lang="ru-RU" dirty="0"/>
-              <a:t>Класс-агрегат хранит ссылки или указатели на объекты, созданные за пределами класса</a:t>
-            </a:r>
-          </a:p>
-        </p:txBody>
-      </p:sp>
-      <p:sp>
-        <p:nvSpPr>
-          <p:cNvPr id="2" name="Slide Number Placeholder 1">
-            <a:extLst>
-              <a:ext uri="{FF2B5EF4-FFF2-40B4-BE49-F238E27FC236}">
-                <a16:creationId xmlns:a16="http://schemas.microsoft.com/office/drawing/2014/main" id="{F23AD985-59EA-428F-939C-82CCAAF25F7E}"/>
-              </a:ext>
-            </a:extLst>
-          </p:cNvPr>
-          <p:cNvSpPr>
-            <a:spLocks noGrp="1"/>
-          </p:cNvSpPr>
-          <p:nvPr>
-            <p:ph type="sldNum" sz="quarter" idx="12"/>
-          </p:nvPr>
-        </p:nvSpPr>
-        <p:spPr/>
-        <p:txBody>
-          <a:bodyPr/>
-          <a:lstStyle/>
-          <a:p>
-            <a:fld id="{B28E8911-E3D6-4AD9-AA24-3D7604D2F44D}" type="slidenum">
-              <a:rPr lang="ru-RU" smtClean="0"/>
-              <a:t>8</a:t>
-            </a:fld>
-            <a:endParaRPr lang="ru-RU"/>
-          </a:p>
-        </p:txBody>
-      </p:sp>
-    </p:spTree>
-    <p:extLst>
-      <p:ext uri="{BB962C8B-B14F-4D97-AF65-F5344CB8AC3E}">
-        <p14:creationId xmlns:p14="http://schemas.microsoft.com/office/powerpoint/2010/main" val="2248682480"/>
+        <p14:creationId xmlns:p14="http://schemas.microsoft.com/office/powerpoint/2010/main" val="318098086"/>
       </p:ext>
     </p:extLst>
   </p:cSld>
@@ -8951,7 +10540,7 @@
                                           </p:stCondLst>
                                         </p:cTn>
                                         <p:tgtEl>
-                                          <p:spTgt spid="5">
+                                          <p:spTgt spid="3">
                                             <p:txEl>
                                               <p:pRg st="0" end="0"/>
                                             </p:txEl>
@@ -8969,7 +10558,7 @@
                                       <p:cBhvr>
                                         <p:cTn id="7" dur="500"/>
                                         <p:tgtEl>
-                                          <p:spTgt spid="5">
+                                          <p:spTgt spid="3">
                                             <p:txEl>
                                               <p:pRg st="0" end="0"/>
                                             </p:txEl>
@@ -9012,7 +10601,7 @@
                                           </p:stCondLst>
                                         </p:cTn>
                                         <p:tgtEl>
-                                          <p:spTgt spid="5">
+                                          <p:spTgt spid="3">
                                             <p:txEl>
                                               <p:pRg st="1" end="1"/>
                                             </p:txEl>
@@ -9030,7 +10619,7 @@
                                       <p:cBhvr>
                                         <p:cTn id="12" dur="500"/>
                                         <p:tgtEl>
-                                          <p:spTgt spid="5">
+                                          <p:spTgt spid="3">
                                             <p:txEl>
                                               <p:pRg st="1" end="1"/>
                                             </p:txEl>
@@ -9073,7 +10662,7 @@
                                           </p:stCondLst>
                                         </p:cTn>
                                         <p:tgtEl>
-                                          <p:spTgt spid="5">
+                                          <p:spTgt spid="3">
                                             <p:txEl>
                                               <p:pRg st="2" end="2"/>
                                             </p:txEl>
@@ -9091,7 +10680,7 @@
                                       <p:cBhvr>
                                         <p:cTn id="17" dur="500"/>
                                         <p:tgtEl>
-                                          <p:spTgt spid="5">
+                                          <p:spTgt spid="3">
                                             <p:txEl>
                                               <p:pRg st="2" end="2"/>
                                             </p:txEl>
@@ -9116,7 +10705,7 @@
                                           </p:stCondLst>
                                         </p:cTn>
                                         <p:tgtEl>
-                                          <p:spTgt spid="5">
+                                          <p:spTgt spid="3">
                                             <p:txEl>
                                               <p:pRg st="3" end="3"/>
                                             </p:txEl>
@@ -9134,7 +10723,7 @@
                                       <p:cBhvr>
                                         <p:cTn id="20" dur="500"/>
                                         <p:tgtEl>
-                                          <p:spTgt spid="5">
+                                          <p:spTgt spid="3">
                                             <p:txEl>
                                               <p:pRg st="3" end="3"/>
                                             </p:txEl>
@@ -9177,7 +10766,7 @@
                                           </p:stCondLst>
                                         </p:cTn>
                                         <p:tgtEl>
-                                          <p:spTgt spid="5">
+                                          <p:spTgt spid="3">
                                             <p:txEl>
                                               <p:pRg st="4" end="4"/>
                                             </p:txEl>
@@ -9195,7 +10784,7 @@
                                       <p:cBhvr>
                                         <p:cTn id="25" dur="500"/>
                                         <p:tgtEl>
-                                          <p:spTgt spid="5">
+                                          <p:spTgt spid="3">
                                             <p:txEl>
                                               <p:pRg st="4" end="4"/>
                                             </p:txEl>
@@ -9238,7 +10827,7 @@
                                           </p:stCondLst>
                                         </p:cTn>
                                         <p:tgtEl>
-                                          <p:spTgt spid="5">
+                                          <p:spTgt spid="3">
                                             <p:txEl>
                                               <p:pRg st="5" end="5"/>
                                             </p:txEl>
@@ -9256,113 +10845,9 @@
                                       <p:cBhvr>
                                         <p:cTn id="30" dur="500"/>
                                         <p:tgtEl>
-                                          <p:spTgt spid="5">
+                                          <p:spTgt spid="3">
                                             <p:txEl>
                                               <p:pRg st="5" end="5"/>
-                                            </p:txEl>
-                                          </p:spTgt>
-                                        </p:tgtEl>
-                                      </p:cBhvr>
-                                    </p:animEffect>
-                                  </p:childTnLst>
-                                </p:cTn>
-                              </p:par>
-                              <p:par>
-                                <p:cTn id="31" presetID="10" presetClass="entr" presetSubtype="0" fill="hold" grpId="0" nodeType="withEffect">
-                                  <p:stCondLst>
-                                    <p:cond delay="0"/>
-                                  </p:stCondLst>
-                                  <p:childTnLst>
-                                    <p:set>
-                                      <p:cBhvr>
-                                        <p:cTn id="32" dur="1" fill="hold">
-                                          <p:stCondLst>
-                                            <p:cond delay="0"/>
-                                          </p:stCondLst>
-                                        </p:cTn>
-                                        <p:tgtEl>
-                                          <p:spTgt spid="5">
-                                            <p:txEl>
-                                              <p:pRg st="6" end="6"/>
-                                            </p:txEl>
-                                          </p:spTgt>
-                                        </p:tgtEl>
-                                        <p:attrNameLst>
-                                          <p:attrName>style.visibility</p:attrName>
-                                        </p:attrNameLst>
-                                      </p:cBhvr>
-                                      <p:to>
-                                        <p:strVal val="visible"/>
-                                      </p:to>
-                                    </p:set>
-                                    <p:animEffect transition="in" filter="fade">
-                                      <p:cBhvr>
-                                        <p:cTn id="33" dur="500"/>
-                                        <p:tgtEl>
-                                          <p:spTgt spid="5">
-                                            <p:txEl>
-                                              <p:pRg st="6" end="6"/>
-                                            </p:txEl>
-                                          </p:spTgt>
-                                        </p:tgtEl>
-                                      </p:cBhvr>
-                                    </p:animEffect>
-                                  </p:childTnLst>
-                                </p:cTn>
-                              </p:par>
-                            </p:childTnLst>
-                          </p:cTn>
-                        </p:par>
-                      </p:childTnLst>
-                    </p:cTn>
-                  </p:par>
-                  <p:par>
-                    <p:cTn id="34" fill="hold">
-                      <p:stCondLst>
-                        <p:cond delay="indefinite"/>
-                      </p:stCondLst>
-                      <p:childTnLst>
-                        <p:par>
-                          <p:cTn id="35" fill="hold">
-                            <p:stCondLst>
-                              <p:cond delay="0"/>
-                            </p:stCondLst>
-                            <p:childTnLst>
-                              <p:par>
-                                <p:cTn id="36" presetID="10" presetClass="entr" presetSubtype="0" fill="hold" grpId="0" nodeType="clickEffect">
-                                  <p:stCondLst>
-                                    <p:cond delay="0"/>
-                                  </p:stCondLst>
-                                  <p:childTnLst>
-                                    <p:set>
-                                      <p:cBhvr>
-                                        <p:cTn id="37" dur="1" fill="hold">
-                                          <p:stCondLst>
-                                            <p:cond delay="0"/>
-                                          </p:stCondLst>
-                                        </p:cTn>
-                                        <p:tgtEl>
-                                          <p:spTgt spid="5">
-                                            <p:txEl>
-                                              <p:pRg st="7" end="7"/>
-                                            </p:txEl>
-                                          </p:spTgt>
-                                        </p:tgtEl>
-                                        <p:attrNameLst>
-                                          <p:attrName>style.visibility</p:attrName>
-                                        </p:attrNameLst>
-                                      </p:cBhvr>
-                                      <p:to>
-                                        <p:strVal val="visible"/>
-                                      </p:to>
-                                    </p:set>
-                                    <p:animEffect transition="in" filter="fade">
-                                      <p:cBhvr>
-                                        <p:cTn id="38" dur="500"/>
-                                        <p:tgtEl>
-                                          <p:spTgt spid="5">
-                                            <p:txEl>
-                                              <p:pRg st="7" end="7"/>
                                             </p:txEl>
                                           </p:spTgt>
                                         </p:tgtEl>
@@ -9399,13 +10884,13 @@
       </p:par>
     </p:tnLst>
     <p:bldLst>
-      <p:bldP spid="5" grpId="0" build="p"/>
+      <p:bldP spid="3" grpId="0" build="p"/>
     </p:bldLst>
   </p:timing>
 </p:sld>
 </file>
 
-<file path=ppt/slides/slide9.xml><?xml version="1.0" encoding="utf-8"?>
+<file path=ppt/slides/slide5.xml><?xml version="1.0" encoding="utf-8"?>
 <p:sld xmlns:a="http://schemas.openxmlformats.org/drawingml/2006/main" xmlns:r="http://schemas.openxmlformats.org/officeDocument/2006/relationships" xmlns:p="http://schemas.openxmlformats.org/presentationml/2006/main">
   <p:cSld>
     <p:spTree>
@@ -9427,7 +10912,7 @@
           <p:cNvPr id="2" name="Заголовок 1">
             <a:extLst>
               <a:ext uri="{FF2B5EF4-FFF2-40B4-BE49-F238E27FC236}">
-                <a16:creationId xmlns:a16="http://schemas.microsoft.com/office/drawing/2014/main" id="{571B2240-2ABE-401D-B821-9E8CE853AB04}"/>
+                <a16:creationId xmlns:a16="http://schemas.microsoft.com/office/drawing/2014/main" id="{3F7EDF0C-5F6E-4497-A839-4FCA94CDB171}"/>
               </a:ext>
             </a:extLst>
           </p:cNvPr>
@@ -9445,17 +10930,1721 @@
           <a:p>
             <a:r>
               <a:rPr lang="ru-RU" dirty="0"/>
-              <a:t>Обозначение агрегации</a:t>
+              <a:t>Примеры</a:t>
+            </a:r>
+          </a:p>
+        </p:txBody>
+      </p:sp>
+      <p:sp>
+        <p:nvSpPr>
+          <p:cNvPr id="3" name="Объект 2">
+            <a:extLst>
+              <a:ext uri="{FF2B5EF4-FFF2-40B4-BE49-F238E27FC236}">
+                <a16:creationId xmlns:a16="http://schemas.microsoft.com/office/drawing/2014/main" id="{4F76F067-A745-4012-8CF4-6EB40B0AB0D1}"/>
+              </a:ext>
+            </a:extLst>
+          </p:cNvPr>
+          <p:cNvSpPr>
+            <a:spLocks noGrp="1"/>
+          </p:cNvSpPr>
+          <p:nvPr>
+            <p:ph idx="1"/>
+          </p:nvPr>
+        </p:nvSpPr>
+        <p:spPr>
+          <a:xfrm>
+            <a:off x="838200" y="1825625"/>
+            <a:ext cx="6553944" cy="4351338"/>
+          </a:xfrm>
+        </p:spPr>
+        <p:txBody>
+          <a:bodyPr>
+            <a:normAutofit fontScale="92500"/>
+          </a:bodyPr>
+          <a:lstStyle/>
+          <a:p>
+            <a:r>
+              <a:rPr lang="ru-RU" dirty="0"/>
+              <a:t>Точка на плоскости</a:t>
+            </a:r>
+          </a:p>
+          <a:p>
+            <a:pPr lvl="1"/>
+            <a:r>
+              <a:rPr lang="ru-RU" dirty="0"/>
+              <a:t>Пара чисел, задающих координаты точки</a:t>
+            </a:r>
+          </a:p>
+          <a:p>
+            <a:r>
+              <a:rPr lang="ru-RU" dirty="0"/>
+              <a:t>Окружность</a:t>
+            </a:r>
+          </a:p>
+          <a:p>
+            <a:pPr lvl="1"/>
+            <a:r>
+              <a:rPr lang="ru-RU" dirty="0"/>
+              <a:t>Точка (центр) и число (радиус)</a:t>
+            </a:r>
+          </a:p>
+          <a:p>
+            <a:r>
+              <a:rPr lang="ru-RU" dirty="0"/>
+              <a:t>Класс комплексных чисел</a:t>
+            </a:r>
+          </a:p>
+          <a:p>
+            <a:pPr lvl="1"/>
+            <a:r>
+              <a:rPr lang="ru-RU" dirty="0"/>
+              <a:t>Действительная и мнимая часть</a:t>
+            </a:r>
+            <a:endParaRPr lang="en-US" dirty="0"/>
+          </a:p>
+          <a:p>
+            <a:r>
+              <a:rPr lang="ru-RU" dirty="0"/>
+              <a:t>Класс рациональных чисел</a:t>
+            </a:r>
+          </a:p>
+          <a:p>
+            <a:pPr lvl="1"/>
+            <a:r>
+              <a:rPr lang="ru-RU" dirty="0"/>
+              <a:t>Пара целых чисел - числитель и знаменатель</a:t>
+            </a:r>
+          </a:p>
+          <a:p>
+            <a:r>
+              <a:rPr lang="ru-RU" dirty="0"/>
+              <a:t>Многоугольник</a:t>
+            </a:r>
+          </a:p>
+          <a:p>
+            <a:pPr lvl="1"/>
+            <a:r>
+              <a:rPr lang="ru-RU" dirty="0"/>
+              <a:t>Координаты вершин</a:t>
+            </a:r>
+          </a:p>
+        </p:txBody>
+      </p:sp>
+      <p:sp>
+        <p:nvSpPr>
+          <p:cNvPr id="7" name="TextBox 6">
+            <a:extLst>
+              <a:ext uri="{FF2B5EF4-FFF2-40B4-BE49-F238E27FC236}">
+                <a16:creationId xmlns:a16="http://schemas.microsoft.com/office/drawing/2014/main" id="{0104880E-E7E2-4F8C-80D3-DB6BEC83767B}"/>
+              </a:ext>
+            </a:extLst>
+          </p:cNvPr>
+          <p:cNvSpPr txBox="1"/>
+          <p:nvPr/>
+        </p:nvSpPr>
+        <p:spPr>
+          <a:xfrm>
+            <a:off x="7536160" y="548680"/>
+            <a:ext cx="4557119" cy="6186309"/>
+          </a:xfrm>
+          <a:prstGeom prst="rect">
+            <a:avLst/>
+          </a:prstGeom>
+          <a:noFill/>
+        </p:spPr>
+        <p:txBody>
+          <a:bodyPr wrap="square">
+            <a:spAutoFit/>
+          </a:bodyPr>
+          <a:lstStyle/>
+          <a:p>
+            <a:r>
+              <a:rPr lang="en-US" b="0" dirty="0">
+                <a:solidFill>
+                  <a:srgbClr val="0000FF"/>
+                </a:solidFill>
+                <a:effectLst/>
+                <a:latin typeface="Consolas" panose="020B0609020204030204" pitchFamily="49" charset="0"/>
+              </a:rPr>
+              <a:t>struct</a:t>
+            </a:r>
+            <a:r>
+              <a:rPr lang="en-US" b="0" dirty="0">
+                <a:solidFill>
+                  <a:srgbClr val="000000"/>
+                </a:solidFill>
+                <a:effectLst/>
+                <a:latin typeface="Consolas" panose="020B0609020204030204" pitchFamily="49" charset="0"/>
+              </a:rPr>
+              <a:t> Point {</a:t>
+            </a:r>
+          </a:p>
+          <a:p>
+            <a:r>
+              <a:rPr lang="en-US" b="0" dirty="0">
+                <a:solidFill>
+                  <a:srgbClr val="000000"/>
+                </a:solidFill>
+                <a:effectLst/>
+                <a:latin typeface="Consolas" panose="020B0609020204030204" pitchFamily="49" charset="0"/>
+              </a:rPr>
+              <a:t>    </a:t>
+            </a:r>
+            <a:r>
+              <a:rPr lang="en-US" b="0" dirty="0">
+                <a:solidFill>
+                  <a:srgbClr val="0000FF"/>
+                </a:solidFill>
+                <a:effectLst/>
+                <a:latin typeface="Consolas" panose="020B0609020204030204" pitchFamily="49" charset="0"/>
+              </a:rPr>
+              <a:t>double</a:t>
+            </a:r>
+            <a:r>
+              <a:rPr lang="en-US" b="0" dirty="0">
+                <a:solidFill>
+                  <a:srgbClr val="000000"/>
+                </a:solidFill>
+                <a:effectLst/>
+                <a:latin typeface="Consolas" panose="020B0609020204030204" pitchFamily="49" charset="0"/>
+              </a:rPr>
+              <a:t> x, y;</a:t>
+            </a:r>
+          </a:p>
+          <a:p>
+            <a:r>
+              <a:rPr lang="en-US" b="0" dirty="0">
+                <a:solidFill>
+                  <a:srgbClr val="000000"/>
+                </a:solidFill>
+                <a:effectLst/>
+                <a:latin typeface="Consolas" panose="020B0609020204030204" pitchFamily="49" charset="0"/>
+              </a:rPr>
+              <a:t>};</a:t>
+            </a:r>
+          </a:p>
+          <a:p>
+            <a:br>
+              <a:rPr lang="en-US" b="0" dirty="0">
+                <a:solidFill>
+                  <a:srgbClr val="000000"/>
+                </a:solidFill>
+                <a:effectLst/>
+                <a:latin typeface="Consolas" panose="020B0609020204030204" pitchFamily="49" charset="0"/>
+              </a:rPr>
+            </a:br>
+            <a:r>
+              <a:rPr lang="en-US" b="0" dirty="0">
+                <a:solidFill>
+                  <a:srgbClr val="0000FF"/>
+                </a:solidFill>
+                <a:effectLst/>
+                <a:latin typeface="Consolas" panose="020B0609020204030204" pitchFamily="49" charset="0"/>
+              </a:rPr>
+              <a:t>class</a:t>
+            </a:r>
+            <a:r>
+              <a:rPr lang="en-US" b="0" dirty="0">
+                <a:solidFill>
+                  <a:srgbClr val="000000"/>
+                </a:solidFill>
+                <a:effectLst/>
+                <a:latin typeface="Consolas" panose="020B0609020204030204" pitchFamily="49" charset="0"/>
+              </a:rPr>
+              <a:t> Circle {</a:t>
+            </a:r>
+          </a:p>
+          <a:p>
+            <a:r>
+              <a:rPr lang="en-US" b="0" dirty="0">
+                <a:solidFill>
+                  <a:srgbClr val="000000"/>
+                </a:solidFill>
+                <a:effectLst/>
+                <a:latin typeface="Consolas" panose="020B0609020204030204" pitchFamily="49" charset="0"/>
+              </a:rPr>
+              <a:t>    Point </a:t>
+            </a:r>
+            <a:r>
+              <a:rPr lang="en-US" b="0" dirty="0" err="1">
+                <a:solidFill>
+                  <a:srgbClr val="000000"/>
+                </a:solidFill>
+                <a:effectLst/>
+                <a:latin typeface="Consolas" panose="020B0609020204030204" pitchFamily="49" charset="0"/>
+              </a:rPr>
+              <a:t>m_center</a:t>
+            </a:r>
+            <a:r>
+              <a:rPr lang="en-US" b="0" dirty="0">
+                <a:solidFill>
+                  <a:srgbClr val="000000"/>
+                </a:solidFill>
+                <a:effectLst/>
+                <a:latin typeface="Consolas" panose="020B0609020204030204" pitchFamily="49" charset="0"/>
+              </a:rPr>
+              <a:t>;</a:t>
+            </a:r>
+          </a:p>
+          <a:p>
+            <a:r>
+              <a:rPr lang="en-US" b="0" dirty="0">
+                <a:solidFill>
+                  <a:srgbClr val="000000"/>
+                </a:solidFill>
+                <a:effectLst/>
+                <a:latin typeface="Consolas" panose="020B0609020204030204" pitchFamily="49" charset="0"/>
+              </a:rPr>
+              <a:t>    </a:t>
+            </a:r>
+            <a:r>
+              <a:rPr lang="en-US" b="0" dirty="0">
+                <a:solidFill>
+                  <a:srgbClr val="0000FF"/>
+                </a:solidFill>
+                <a:effectLst/>
+                <a:latin typeface="Consolas" panose="020B0609020204030204" pitchFamily="49" charset="0"/>
+              </a:rPr>
+              <a:t>double</a:t>
+            </a:r>
+            <a:r>
+              <a:rPr lang="en-US" b="0" dirty="0">
+                <a:solidFill>
+                  <a:srgbClr val="000000"/>
+                </a:solidFill>
+                <a:effectLst/>
+                <a:latin typeface="Consolas" panose="020B0609020204030204" pitchFamily="49" charset="0"/>
+              </a:rPr>
+              <a:t> </a:t>
+            </a:r>
+            <a:r>
+              <a:rPr lang="en-US" b="0" dirty="0" err="1">
+                <a:solidFill>
+                  <a:srgbClr val="000000"/>
+                </a:solidFill>
+                <a:effectLst/>
+                <a:latin typeface="Consolas" panose="020B0609020204030204" pitchFamily="49" charset="0"/>
+              </a:rPr>
+              <a:t>m_radius</a:t>
+            </a:r>
+            <a:r>
+              <a:rPr lang="en-US" b="0" dirty="0">
+                <a:solidFill>
+                  <a:srgbClr val="000000"/>
+                </a:solidFill>
+                <a:effectLst/>
+                <a:latin typeface="Consolas" panose="020B0609020204030204" pitchFamily="49" charset="0"/>
+              </a:rPr>
+              <a:t>;</a:t>
+            </a:r>
+          </a:p>
+          <a:p>
+            <a:r>
+              <a:rPr lang="en-US" b="0" dirty="0">
+                <a:solidFill>
+                  <a:srgbClr val="000000"/>
+                </a:solidFill>
+                <a:effectLst/>
+                <a:latin typeface="Consolas" panose="020B0609020204030204" pitchFamily="49" charset="0"/>
+              </a:rPr>
+              <a:t>};</a:t>
+            </a:r>
+          </a:p>
+          <a:p>
+            <a:br>
+              <a:rPr lang="en-US" b="0" dirty="0">
+                <a:solidFill>
+                  <a:srgbClr val="000000"/>
+                </a:solidFill>
+                <a:effectLst/>
+                <a:latin typeface="Consolas" panose="020B0609020204030204" pitchFamily="49" charset="0"/>
+              </a:rPr>
+            </a:br>
+            <a:r>
+              <a:rPr lang="en-US" b="0" dirty="0">
+                <a:solidFill>
+                  <a:srgbClr val="0000FF"/>
+                </a:solidFill>
+                <a:effectLst/>
+                <a:latin typeface="Consolas" panose="020B0609020204030204" pitchFamily="49" charset="0"/>
+              </a:rPr>
+              <a:t>struct</a:t>
+            </a:r>
+            <a:r>
+              <a:rPr lang="en-US" b="0" dirty="0">
+                <a:solidFill>
+                  <a:srgbClr val="000000"/>
+                </a:solidFill>
+                <a:effectLst/>
+                <a:latin typeface="Consolas" panose="020B0609020204030204" pitchFamily="49" charset="0"/>
+              </a:rPr>
+              <a:t> Complex {</a:t>
+            </a:r>
+          </a:p>
+          <a:p>
+            <a:r>
+              <a:rPr lang="en-US" b="0" dirty="0">
+                <a:solidFill>
+                  <a:srgbClr val="000000"/>
+                </a:solidFill>
+                <a:effectLst/>
+                <a:latin typeface="Consolas" panose="020B0609020204030204" pitchFamily="49" charset="0"/>
+              </a:rPr>
+              <a:t>    </a:t>
+            </a:r>
+            <a:r>
+              <a:rPr lang="en-US" b="0" dirty="0">
+                <a:solidFill>
+                  <a:srgbClr val="0000FF"/>
+                </a:solidFill>
+                <a:effectLst/>
+                <a:latin typeface="Consolas" panose="020B0609020204030204" pitchFamily="49" charset="0"/>
+              </a:rPr>
+              <a:t>double</a:t>
+            </a:r>
+            <a:r>
+              <a:rPr lang="en-US" b="0" dirty="0">
+                <a:solidFill>
+                  <a:srgbClr val="000000"/>
+                </a:solidFill>
+                <a:effectLst/>
+                <a:latin typeface="Consolas" panose="020B0609020204030204" pitchFamily="49" charset="0"/>
+              </a:rPr>
+              <a:t> real;</a:t>
+            </a:r>
+          </a:p>
+          <a:p>
+            <a:r>
+              <a:rPr lang="en-US" b="0" dirty="0">
+                <a:solidFill>
+                  <a:srgbClr val="000000"/>
+                </a:solidFill>
+                <a:effectLst/>
+                <a:latin typeface="Consolas" panose="020B0609020204030204" pitchFamily="49" charset="0"/>
+              </a:rPr>
+              <a:t>    </a:t>
+            </a:r>
+            <a:r>
+              <a:rPr lang="en-US" b="0" dirty="0">
+                <a:solidFill>
+                  <a:srgbClr val="0000FF"/>
+                </a:solidFill>
+                <a:effectLst/>
+                <a:latin typeface="Consolas" panose="020B0609020204030204" pitchFamily="49" charset="0"/>
+              </a:rPr>
+              <a:t>double</a:t>
+            </a:r>
+            <a:r>
+              <a:rPr lang="en-US" b="0" dirty="0">
+                <a:solidFill>
+                  <a:srgbClr val="000000"/>
+                </a:solidFill>
+                <a:effectLst/>
+                <a:latin typeface="Consolas" panose="020B0609020204030204" pitchFamily="49" charset="0"/>
+              </a:rPr>
+              <a:t> </a:t>
+            </a:r>
+            <a:r>
+              <a:rPr lang="en-US" b="0" dirty="0" err="1">
+                <a:solidFill>
+                  <a:srgbClr val="000000"/>
+                </a:solidFill>
+                <a:effectLst/>
+                <a:latin typeface="Consolas" panose="020B0609020204030204" pitchFamily="49" charset="0"/>
+              </a:rPr>
+              <a:t>im</a:t>
+            </a:r>
+            <a:r>
+              <a:rPr lang="en-US" b="0" dirty="0">
+                <a:solidFill>
+                  <a:srgbClr val="000000"/>
+                </a:solidFill>
+                <a:effectLst/>
+                <a:latin typeface="Consolas" panose="020B0609020204030204" pitchFamily="49" charset="0"/>
+              </a:rPr>
+              <a:t>;</a:t>
+            </a:r>
+          </a:p>
+          <a:p>
+            <a:r>
+              <a:rPr lang="en-US" b="0" dirty="0">
+                <a:solidFill>
+                  <a:srgbClr val="000000"/>
+                </a:solidFill>
+                <a:effectLst/>
+                <a:latin typeface="Consolas" panose="020B0609020204030204" pitchFamily="49" charset="0"/>
+              </a:rPr>
+              <a:t>};</a:t>
+            </a:r>
+          </a:p>
+          <a:p>
+            <a:br>
+              <a:rPr lang="en-US" b="0" dirty="0">
+                <a:solidFill>
+                  <a:srgbClr val="000000"/>
+                </a:solidFill>
+                <a:effectLst/>
+                <a:latin typeface="Consolas" panose="020B0609020204030204" pitchFamily="49" charset="0"/>
+              </a:rPr>
+            </a:br>
+            <a:r>
+              <a:rPr lang="en-US" b="0" dirty="0">
+                <a:solidFill>
+                  <a:srgbClr val="0000FF"/>
+                </a:solidFill>
+                <a:effectLst/>
+                <a:latin typeface="Consolas" panose="020B0609020204030204" pitchFamily="49" charset="0"/>
+              </a:rPr>
+              <a:t>class</a:t>
+            </a:r>
+            <a:r>
+              <a:rPr lang="en-US" b="0" dirty="0">
+                <a:solidFill>
+                  <a:srgbClr val="000000"/>
+                </a:solidFill>
+                <a:effectLst/>
+                <a:latin typeface="Consolas" panose="020B0609020204030204" pitchFamily="49" charset="0"/>
+              </a:rPr>
+              <a:t> Rational {</a:t>
+            </a:r>
+          </a:p>
+          <a:p>
+            <a:r>
+              <a:rPr lang="en-US" b="0" dirty="0">
+                <a:solidFill>
+                  <a:srgbClr val="000000"/>
+                </a:solidFill>
+                <a:effectLst/>
+                <a:latin typeface="Consolas" panose="020B0609020204030204" pitchFamily="49" charset="0"/>
+              </a:rPr>
+              <a:t>    </a:t>
+            </a:r>
+            <a:r>
+              <a:rPr lang="en-US" b="0" dirty="0">
+                <a:solidFill>
+                  <a:srgbClr val="0000FF"/>
+                </a:solidFill>
+                <a:effectLst/>
+                <a:latin typeface="Consolas" panose="020B0609020204030204" pitchFamily="49" charset="0"/>
+              </a:rPr>
+              <a:t>int</a:t>
+            </a:r>
+            <a:r>
+              <a:rPr lang="en-US" b="0" dirty="0">
+                <a:solidFill>
+                  <a:srgbClr val="000000"/>
+                </a:solidFill>
+                <a:effectLst/>
+                <a:latin typeface="Consolas" panose="020B0609020204030204" pitchFamily="49" charset="0"/>
+              </a:rPr>
+              <a:t> </a:t>
+            </a:r>
+            <a:r>
+              <a:rPr lang="en-US" b="0" dirty="0" err="1">
+                <a:solidFill>
+                  <a:srgbClr val="000000"/>
+                </a:solidFill>
+                <a:effectLst/>
+                <a:latin typeface="Consolas" panose="020B0609020204030204" pitchFamily="49" charset="0"/>
+              </a:rPr>
+              <a:t>m_numerator</a:t>
+            </a:r>
+            <a:r>
+              <a:rPr lang="en-US" b="0" dirty="0">
+                <a:solidFill>
+                  <a:srgbClr val="000000"/>
+                </a:solidFill>
+                <a:effectLst/>
+                <a:latin typeface="Consolas" panose="020B0609020204030204" pitchFamily="49" charset="0"/>
+              </a:rPr>
+              <a:t>;</a:t>
+            </a:r>
+          </a:p>
+          <a:p>
+            <a:r>
+              <a:rPr lang="en-US" b="0" dirty="0">
+                <a:solidFill>
+                  <a:srgbClr val="000000"/>
+                </a:solidFill>
+                <a:effectLst/>
+                <a:latin typeface="Consolas" panose="020B0609020204030204" pitchFamily="49" charset="0"/>
+              </a:rPr>
+              <a:t>    </a:t>
+            </a:r>
+            <a:r>
+              <a:rPr lang="en-US" b="0" dirty="0">
+                <a:solidFill>
+                  <a:srgbClr val="0000FF"/>
+                </a:solidFill>
+                <a:effectLst/>
+                <a:latin typeface="Consolas" panose="020B0609020204030204" pitchFamily="49" charset="0"/>
+              </a:rPr>
+              <a:t>int</a:t>
+            </a:r>
+            <a:r>
+              <a:rPr lang="en-US" b="0" dirty="0">
+                <a:solidFill>
+                  <a:srgbClr val="000000"/>
+                </a:solidFill>
+                <a:effectLst/>
+                <a:latin typeface="Consolas" panose="020B0609020204030204" pitchFamily="49" charset="0"/>
+              </a:rPr>
+              <a:t> </a:t>
+            </a:r>
+            <a:r>
+              <a:rPr lang="en-US" b="0" dirty="0" err="1">
+                <a:solidFill>
+                  <a:srgbClr val="000000"/>
+                </a:solidFill>
+                <a:effectLst/>
+                <a:latin typeface="Consolas" panose="020B0609020204030204" pitchFamily="49" charset="0"/>
+              </a:rPr>
+              <a:t>m_denominator</a:t>
+            </a:r>
+            <a:r>
+              <a:rPr lang="en-US" b="0" dirty="0">
+                <a:solidFill>
+                  <a:srgbClr val="000000"/>
+                </a:solidFill>
+                <a:effectLst/>
+                <a:latin typeface="Consolas" panose="020B0609020204030204" pitchFamily="49" charset="0"/>
+              </a:rPr>
+              <a:t>;</a:t>
+            </a:r>
+          </a:p>
+          <a:p>
+            <a:r>
+              <a:rPr lang="en-US" b="0" dirty="0">
+                <a:solidFill>
+                  <a:srgbClr val="000000"/>
+                </a:solidFill>
+                <a:effectLst/>
+                <a:latin typeface="Consolas" panose="020B0609020204030204" pitchFamily="49" charset="0"/>
+              </a:rPr>
+              <a:t>};</a:t>
+            </a:r>
+          </a:p>
+          <a:p>
+            <a:br>
+              <a:rPr lang="en-US" b="0" dirty="0">
+                <a:solidFill>
+                  <a:srgbClr val="000000"/>
+                </a:solidFill>
+                <a:effectLst/>
+                <a:latin typeface="Consolas" panose="020B0609020204030204" pitchFamily="49" charset="0"/>
+              </a:rPr>
+            </a:br>
+            <a:r>
+              <a:rPr lang="en-US" b="0" dirty="0">
+                <a:solidFill>
+                  <a:srgbClr val="0000FF"/>
+                </a:solidFill>
+                <a:effectLst/>
+                <a:latin typeface="Consolas" panose="020B0609020204030204" pitchFamily="49" charset="0"/>
+              </a:rPr>
+              <a:t>class</a:t>
+            </a:r>
+            <a:r>
+              <a:rPr lang="en-US" b="0" dirty="0">
+                <a:solidFill>
+                  <a:srgbClr val="000000"/>
+                </a:solidFill>
+                <a:effectLst/>
+                <a:latin typeface="Consolas" panose="020B0609020204030204" pitchFamily="49" charset="0"/>
+              </a:rPr>
+              <a:t> Polygon {</a:t>
+            </a:r>
+          </a:p>
+          <a:p>
+            <a:r>
+              <a:rPr lang="en-US" b="0" dirty="0">
+                <a:solidFill>
+                  <a:srgbClr val="000000"/>
+                </a:solidFill>
+                <a:effectLst/>
+                <a:latin typeface="Consolas" panose="020B0609020204030204" pitchFamily="49" charset="0"/>
+              </a:rPr>
+              <a:t>    std::vector&lt;Point&gt; </a:t>
+            </a:r>
+            <a:r>
+              <a:rPr lang="en-US" b="0" dirty="0" err="1">
+                <a:solidFill>
+                  <a:srgbClr val="000000"/>
+                </a:solidFill>
+                <a:effectLst/>
+                <a:latin typeface="Consolas" panose="020B0609020204030204" pitchFamily="49" charset="0"/>
+              </a:rPr>
+              <a:t>m_vertices</a:t>
+            </a:r>
+            <a:r>
+              <a:rPr lang="en-US" b="0" dirty="0">
+                <a:solidFill>
+                  <a:srgbClr val="000000"/>
+                </a:solidFill>
+                <a:effectLst/>
+                <a:latin typeface="Consolas" panose="020B0609020204030204" pitchFamily="49" charset="0"/>
+              </a:rPr>
+              <a:t>;</a:t>
+            </a:r>
+          </a:p>
+          <a:p>
+            <a:r>
+              <a:rPr lang="en-US" b="0" dirty="0">
+                <a:solidFill>
+                  <a:srgbClr val="000000"/>
+                </a:solidFill>
+                <a:effectLst/>
+                <a:latin typeface="Consolas" panose="020B0609020204030204" pitchFamily="49" charset="0"/>
+              </a:rPr>
+              <a:t>};</a:t>
+            </a:r>
+          </a:p>
+        </p:txBody>
+      </p:sp>
+    </p:spTree>
+    <p:extLst>
+      <p:ext uri="{BB962C8B-B14F-4D97-AF65-F5344CB8AC3E}">
+        <p14:creationId xmlns:p14="http://schemas.microsoft.com/office/powerpoint/2010/main" val="3886857560"/>
+      </p:ext>
+    </p:extLst>
+  </p:cSld>
+  <p:clrMapOvr>
+    <a:masterClrMapping/>
+  </p:clrMapOvr>
+</p:sld>
+</file>
+
+<file path=ppt/slides/slide6.xml><?xml version="1.0" encoding="utf-8"?>
+<p:sld xmlns:a="http://schemas.openxmlformats.org/drawingml/2006/main" xmlns:r="http://schemas.openxmlformats.org/officeDocument/2006/relationships" xmlns:p="http://schemas.openxmlformats.org/presentationml/2006/main">
+  <p:cSld>
+    <p:spTree>
+      <p:nvGrpSpPr>
+        <p:cNvPr id="1" name=""/>
+        <p:cNvGrpSpPr/>
+        <p:nvPr/>
+      </p:nvGrpSpPr>
+      <p:grpSpPr>
+        <a:xfrm>
+          <a:off x="0" y="0"/>
+          <a:ext cx="0" cy="0"/>
+          <a:chOff x="0" y="0"/>
+          <a:chExt cx="0" cy="0"/>
+        </a:xfrm>
+      </p:grpSpPr>
+      <p:sp>
+        <p:nvSpPr>
+          <p:cNvPr id="4" name="Заголовок 3">
+            <a:extLst>
+              <a:ext uri="{FF2B5EF4-FFF2-40B4-BE49-F238E27FC236}">
+                <a16:creationId xmlns:a16="http://schemas.microsoft.com/office/drawing/2014/main" id="{F94B3B5A-2F67-4AD6-8D6A-85F8682DBAD4}"/>
+              </a:ext>
+            </a:extLst>
+          </p:cNvPr>
+          <p:cNvSpPr>
+            <a:spLocks noGrp="1"/>
+          </p:cNvSpPr>
+          <p:nvPr>
+            <p:ph type="title"/>
+          </p:nvPr>
+        </p:nvSpPr>
+        <p:spPr/>
+        <p:txBody>
+          <a:bodyPr/>
+          <a:lstStyle/>
+          <a:p>
+            <a:r>
+              <a:rPr lang="ru-RU" dirty="0"/>
+              <a:t>Пример</a:t>
+            </a:r>
+          </a:p>
+        </p:txBody>
+      </p:sp>
+      <p:sp>
+        <p:nvSpPr>
+          <p:cNvPr id="6" name="TextBox 5">
+            <a:extLst>
+              <a:ext uri="{FF2B5EF4-FFF2-40B4-BE49-F238E27FC236}">
+                <a16:creationId xmlns:a16="http://schemas.microsoft.com/office/drawing/2014/main" id="{2CD436B7-0125-4F27-AD64-3E0F0CC7E1D0}"/>
+              </a:ext>
+            </a:extLst>
+          </p:cNvPr>
+          <p:cNvSpPr txBox="1"/>
+          <p:nvPr/>
+        </p:nvSpPr>
+        <p:spPr>
+          <a:xfrm>
+            <a:off x="1970717" y="1888952"/>
+            <a:ext cx="8414054" cy="4924425"/>
+          </a:xfrm>
+          <a:prstGeom prst="rect">
+            <a:avLst/>
+          </a:prstGeom>
+          <a:noFill/>
+        </p:spPr>
+        <p:txBody>
+          <a:bodyPr wrap="square">
+            <a:spAutoFit/>
+          </a:bodyPr>
+          <a:lstStyle/>
+          <a:p>
+            <a:pPr>
+              <a:spcAft>
+                <a:spcPts val="0"/>
+              </a:spcAft>
+            </a:pPr>
+            <a:r>
+              <a:rPr lang="ru-RU" sz="1600" dirty="0">
+                <a:solidFill>
+                  <a:srgbClr val="008000"/>
+                </a:solidFill>
+                <a:latin typeface="Consolas" panose="020B0609020204030204" pitchFamily="49" charset="0"/>
+                <a:ea typeface="Calibri" panose="020F0502020204030204" pitchFamily="34" charset="0"/>
+                <a:cs typeface="Consolas" panose="020B0609020204030204" pitchFamily="49" charset="0"/>
+              </a:rPr>
+              <a:t>// Книга - пример композиции экземпляров </a:t>
+            </a:r>
+            <a:r>
+              <a:rPr lang="ru-RU" sz="1600" dirty="0" err="1">
+                <a:solidFill>
+                  <a:srgbClr val="008000"/>
+                </a:solidFill>
+                <a:latin typeface="Consolas" panose="020B0609020204030204" pitchFamily="49" charset="0"/>
+                <a:ea typeface="Calibri" panose="020F0502020204030204" pitchFamily="34" charset="0"/>
+                <a:cs typeface="Consolas" panose="020B0609020204030204" pitchFamily="49" charset="0"/>
+              </a:rPr>
+              <a:t>string</a:t>
+            </a:r>
+            <a:r>
+              <a:rPr lang="ru-RU" sz="1600" dirty="0">
+                <a:solidFill>
+                  <a:srgbClr val="008000"/>
+                </a:solidFill>
+                <a:latin typeface="Consolas" panose="020B0609020204030204" pitchFamily="49" charset="0"/>
+                <a:ea typeface="Calibri" panose="020F0502020204030204" pitchFamily="34" charset="0"/>
+                <a:cs typeface="Consolas" panose="020B0609020204030204" pitchFamily="49" charset="0"/>
+              </a:rPr>
+              <a:t> и </a:t>
+            </a:r>
+            <a:r>
+              <a:rPr lang="ru-RU" sz="1600" dirty="0" err="1">
+                <a:solidFill>
+                  <a:srgbClr val="008000"/>
+                </a:solidFill>
+                <a:latin typeface="Consolas" panose="020B0609020204030204" pitchFamily="49" charset="0"/>
+                <a:ea typeface="Calibri" panose="020F0502020204030204" pitchFamily="34" charset="0"/>
+                <a:cs typeface="Consolas" panose="020B0609020204030204" pitchFamily="49" charset="0"/>
+              </a:rPr>
+              <a:t>int</a:t>
+            </a:r>
+            <a:r>
+              <a:rPr lang="ru-RU" sz="1600" dirty="0">
+                <a:solidFill>
+                  <a:srgbClr val="008000"/>
+                </a:solidFill>
+                <a:latin typeface="Consolas" panose="020B0609020204030204" pitchFamily="49" charset="0"/>
+                <a:ea typeface="Calibri" panose="020F0502020204030204" pitchFamily="34" charset="0"/>
+                <a:cs typeface="Consolas" panose="020B0609020204030204" pitchFamily="49" charset="0"/>
+              </a:rPr>
+              <a:t>.</a:t>
+            </a:r>
+            <a:endParaRPr lang="ru-RU" sz="1600" dirty="0">
+              <a:latin typeface="Consolas" panose="020B0609020204030204" pitchFamily="49" charset="0"/>
+              <a:ea typeface="Calibri" panose="020F0502020204030204" pitchFamily="34" charset="0"/>
+              <a:cs typeface="Times New Roman" panose="02020603050405020304" pitchFamily="18" charset="0"/>
+            </a:endParaRPr>
+          </a:p>
+          <a:p>
+            <a:pPr>
+              <a:spcAft>
+                <a:spcPts val="0"/>
+              </a:spcAft>
+            </a:pPr>
+            <a:r>
+              <a:rPr lang="en-US" sz="1600" dirty="0">
+                <a:solidFill>
+                  <a:srgbClr val="0000FF"/>
+                </a:solidFill>
+                <a:latin typeface="Consolas" panose="020B0609020204030204" pitchFamily="49" charset="0"/>
+                <a:ea typeface="Calibri" panose="020F0502020204030204" pitchFamily="34" charset="0"/>
+                <a:cs typeface="Consolas" panose="020B0609020204030204" pitchFamily="49" charset="0"/>
+              </a:rPr>
+              <a:t>class</a:t>
+            </a:r>
+            <a:r>
+              <a:rPr lang="en-US" sz="1600" dirty="0">
+                <a:solidFill>
+                  <a:srgbClr val="000000"/>
+                </a:solidFill>
+                <a:latin typeface="Consolas" panose="020B0609020204030204" pitchFamily="49" charset="0"/>
+                <a:ea typeface="Calibri" panose="020F0502020204030204" pitchFamily="34" charset="0"/>
+                <a:cs typeface="Consolas" panose="020B0609020204030204" pitchFamily="49" charset="0"/>
+              </a:rPr>
+              <a:t> </a:t>
+            </a:r>
+            <a:r>
+              <a:rPr lang="en-US" sz="1600" dirty="0">
+                <a:solidFill>
+                  <a:srgbClr val="2B91AF"/>
+                </a:solidFill>
+                <a:latin typeface="Consolas" panose="020B0609020204030204" pitchFamily="49" charset="0"/>
+                <a:ea typeface="Calibri" panose="020F0502020204030204" pitchFamily="34" charset="0"/>
+                <a:cs typeface="Consolas" panose="020B0609020204030204" pitchFamily="49" charset="0"/>
+              </a:rPr>
+              <a:t>Book</a:t>
+            </a:r>
+            <a:endParaRPr lang="ru-RU" sz="1600" dirty="0">
+              <a:latin typeface="Consolas" panose="020B0609020204030204" pitchFamily="49" charset="0"/>
+              <a:ea typeface="Calibri" panose="020F0502020204030204" pitchFamily="34" charset="0"/>
+              <a:cs typeface="Times New Roman" panose="02020603050405020304" pitchFamily="18" charset="0"/>
+            </a:endParaRPr>
+          </a:p>
+          <a:p>
+            <a:pPr>
+              <a:spcAft>
+                <a:spcPts val="0"/>
+              </a:spcAft>
+            </a:pPr>
+            <a:r>
+              <a:rPr lang="en-US" sz="1600" dirty="0">
+                <a:solidFill>
+                  <a:srgbClr val="000000"/>
+                </a:solidFill>
+                <a:latin typeface="Consolas" panose="020B0609020204030204" pitchFamily="49" charset="0"/>
+                <a:ea typeface="Calibri" panose="020F0502020204030204" pitchFamily="34" charset="0"/>
+                <a:cs typeface="Consolas" panose="020B0609020204030204" pitchFamily="49" charset="0"/>
+              </a:rPr>
+              <a:t>{</a:t>
+            </a:r>
+            <a:endParaRPr lang="ru-RU" sz="1600" dirty="0">
+              <a:latin typeface="Consolas" panose="020B0609020204030204" pitchFamily="49" charset="0"/>
+              <a:ea typeface="Calibri" panose="020F0502020204030204" pitchFamily="34" charset="0"/>
+              <a:cs typeface="Times New Roman" panose="02020603050405020304" pitchFamily="18" charset="0"/>
+            </a:endParaRPr>
+          </a:p>
+          <a:p>
+            <a:pPr>
+              <a:spcAft>
+                <a:spcPts val="0"/>
+              </a:spcAft>
+            </a:pPr>
+            <a:r>
+              <a:rPr lang="en-US" sz="1600" dirty="0">
+                <a:solidFill>
+                  <a:srgbClr val="000000"/>
+                </a:solidFill>
+                <a:latin typeface="Consolas" panose="020B0609020204030204" pitchFamily="49" charset="0"/>
+                <a:ea typeface="Calibri" panose="020F0502020204030204" pitchFamily="34" charset="0"/>
+                <a:cs typeface="Consolas" panose="020B0609020204030204" pitchFamily="49" charset="0"/>
+              </a:rPr>
+              <a:t>  ... </a:t>
+            </a:r>
+            <a:endParaRPr lang="ru-RU" sz="1600" dirty="0">
+              <a:latin typeface="Consolas" panose="020B0609020204030204" pitchFamily="49" charset="0"/>
+              <a:ea typeface="Calibri" panose="020F0502020204030204" pitchFamily="34" charset="0"/>
+              <a:cs typeface="Times New Roman" panose="02020603050405020304" pitchFamily="18" charset="0"/>
+            </a:endParaRPr>
+          </a:p>
+          <a:p>
+            <a:pPr>
+              <a:spcAft>
+                <a:spcPts val="0"/>
+              </a:spcAft>
+            </a:pPr>
+            <a:r>
+              <a:rPr lang="en-US" sz="1600" dirty="0">
+                <a:solidFill>
+                  <a:srgbClr val="0000FF"/>
+                </a:solidFill>
+                <a:latin typeface="Consolas" panose="020B0609020204030204" pitchFamily="49" charset="0"/>
+                <a:ea typeface="Calibri" panose="020F0502020204030204" pitchFamily="34" charset="0"/>
+                <a:cs typeface="Consolas" panose="020B0609020204030204" pitchFamily="49" charset="0"/>
+              </a:rPr>
+              <a:t>private</a:t>
+            </a:r>
+            <a:r>
+              <a:rPr lang="en-US" sz="1600" dirty="0">
+                <a:solidFill>
+                  <a:srgbClr val="000000"/>
+                </a:solidFill>
+                <a:latin typeface="Consolas" panose="020B0609020204030204" pitchFamily="49" charset="0"/>
+                <a:ea typeface="Calibri" panose="020F0502020204030204" pitchFamily="34" charset="0"/>
+                <a:cs typeface="Consolas" panose="020B0609020204030204" pitchFamily="49" charset="0"/>
+              </a:rPr>
+              <a:t>: </a:t>
+            </a:r>
+            <a:endParaRPr lang="ru-RU" sz="1600" dirty="0">
+              <a:solidFill>
+                <a:srgbClr val="000000"/>
+              </a:solidFill>
+              <a:latin typeface="Consolas" panose="020B0609020204030204" pitchFamily="49" charset="0"/>
+              <a:ea typeface="Calibri" panose="020F0502020204030204" pitchFamily="34" charset="0"/>
+              <a:cs typeface="Consolas" panose="020B0609020204030204" pitchFamily="49" charset="0"/>
+            </a:endParaRPr>
+          </a:p>
+          <a:p>
+            <a:pPr>
+              <a:spcAft>
+                <a:spcPts val="0"/>
+              </a:spcAft>
+            </a:pPr>
+            <a:r>
+              <a:rPr lang="ru-RU" sz="1600" dirty="0">
+                <a:solidFill>
+                  <a:srgbClr val="000000"/>
+                </a:solidFill>
+                <a:latin typeface="Consolas" panose="020B0609020204030204" pitchFamily="49" charset="0"/>
+                <a:ea typeface="Calibri" panose="020F0502020204030204" pitchFamily="34" charset="0"/>
+                <a:cs typeface="Consolas" panose="020B0609020204030204" pitchFamily="49" charset="0"/>
+              </a:rPr>
+              <a:t>  </a:t>
+            </a:r>
+            <a:r>
+              <a:rPr lang="en-US" sz="1600" dirty="0">
+                <a:solidFill>
+                  <a:srgbClr val="000000"/>
+                </a:solidFill>
+                <a:latin typeface="Consolas" panose="020B0609020204030204" pitchFamily="49" charset="0"/>
+                <a:ea typeface="Calibri" panose="020F0502020204030204" pitchFamily="34" charset="0"/>
+                <a:cs typeface="Consolas" panose="020B0609020204030204" pitchFamily="49" charset="0"/>
+              </a:rPr>
+              <a:t>string </a:t>
+            </a:r>
+            <a:r>
+              <a:rPr lang="en-US" sz="1600" dirty="0" err="1">
+                <a:solidFill>
+                  <a:srgbClr val="000000"/>
+                </a:solidFill>
+                <a:latin typeface="Consolas" panose="020B0609020204030204" pitchFamily="49" charset="0"/>
+                <a:ea typeface="Calibri" panose="020F0502020204030204" pitchFamily="34" charset="0"/>
+                <a:cs typeface="Consolas" panose="020B0609020204030204" pitchFamily="49" charset="0"/>
+              </a:rPr>
+              <a:t>m_title</a:t>
+            </a:r>
+            <a:r>
+              <a:rPr lang="en-US" sz="1600" dirty="0">
+                <a:solidFill>
+                  <a:srgbClr val="000000"/>
+                </a:solidFill>
+                <a:latin typeface="Consolas" panose="020B0609020204030204" pitchFamily="49" charset="0"/>
+                <a:ea typeface="Calibri" panose="020F0502020204030204" pitchFamily="34" charset="0"/>
+                <a:cs typeface="Consolas" panose="020B0609020204030204" pitchFamily="49" charset="0"/>
+              </a:rPr>
+              <a:t>;</a:t>
+            </a:r>
+            <a:endParaRPr lang="ru-RU" sz="1600" dirty="0">
+              <a:latin typeface="Consolas" panose="020B0609020204030204" pitchFamily="49" charset="0"/>
+              <a:ea typeface="Calibri" panose="020F0502020204030204" pitchFamily="34" charset="0"/>
+              <a:cs typeface="Times New Roman" panose="02020603050405020304" pitchFamily="18" charset="0"/>
+            </a:endParaRPr>
+          </a:p>
+          <a:p>
+            <a:pPr>
+              <a:spcAft>
+                <a:spcPts val="0"/>
+              </a:spcAft>
+            </a:pPr>
+            <a:r>
+              <a:rPr lang="ru-RU" sz="1600" dirty="0">
+                <a:solidFill>
+                  <a:srgbClr val="000000"/>
+                </a:solidFill>
+                <a:latin typeface="Consolas" panose="020B0609020204030204" pitchFamily="49" charset="0"/>
+                <a:ea typeface="Calibri" panose="020F0502020204030204" pitchFamily="34" charset="0"/>
+                <a:cs typeface="Consolas" panose="020B0609020204030204" pitchFamily="49" charset="0"/>
+              </a:rPr>
+              <a:t>  </a:t>
+            </a:r>
+            <a:r>
+              <a:rPr lang="ru-RU" sz="1600" dirty="0" err="1">
+                <a:solidFill>
+                  <a:srgbClr val="000000"/>
+                </a:solidFill>
+                <a:latin typeface="Consolas" panose="020B0609020204030204" pitchFamily="49" charset="0"/>
+                <a:ea typeface="Calibri" panose="020F0502020204030204" pitchFamily="34" charset="0"/>
+                <a:cs typeface="Consolas" panose="020B0609020204030204" pitchFamily="49" charset="0"/>
+              </a:rPr>
+              <a:t>string</a:t>
+            </a:r>
+            <a:r>
+              <a:rPr lang="ru-RU" sz="1600" dirty="0">
+                <a:solidFill>
+                  <a:srgbClr val="000000"/>
+                </a:solidFill>
+                <a:latin typeface="Consolas" panose="020B0609020204030204" pitchFamily="49" charset="0"/>
+                <a:ea typeface="Calibri" panose="020F0502020204030204" pitchFamily="34" charset="0"/>
+                <a:cs typeface="Consolas" panose="020B0609020204030204" pitchFamily="49" charset="0"/>
+              </a:rPr>
+              <a:t> </a:t>
+            </a:r>
+            <a:r>
+              <a:rPr lang="en-US" sz="1600" dirty="0">
+                <a:solidFill>
+                  <a:srgbClr val="000000"/>
+                </a:solidFill>
+                <a:latin typeface="Consolas" panose="020B0609020204030204" pitchFamily="49" charset="0"/>
+                <a:ea typeface="Calibri" panose="020F0502020204030204" pitchFamily="34" charset="0"/>
+                <a:cs typeface="Consolas" panose="020B0609020204030204" pitchFamily="49" charset="0"/>
+              </a:rPr>
+              <a:t>m_</a:t>
+            </a:r>
+            <a:r>
+              <a:rPr lang="ru-RU" sz="1600" dirty="0" err="1">
+                <a:solidFill>
+                  <a:srgbClr val="000000"/>
+                </a:solidFill>
+                <a:latin typeface="Consolas" panose="020B0609020204030204" pitchFamily="49" charset="0"/>
+                <a:ea typeface="Calibri" panose="020F0502020204030204" pitchFamily="34" charset="0"/>
+                <a:cs typeface="Consolas" panose="020B0609020204030204" pitchFamily="49" charset="0"/>
+              </a:rPr>
+              <a:t>author</a:t>
+            </a:r>
+            <a:r>
+              <a:rPr lang="ru-RU" sz="1600" dirty="0">
+                <a:solidFill>
+                  <a:srgbClr val="000000"/>
+                </a:solidFill>
+                <a:latin typeface="Consolas" panose="020B0609020204030204" pitchFamily="49" charset="0"/>
+                <a:ea typeface="Calibri" panose="020F0502020204030204" pitchFamily="34" charset="0"/>
+                <a:cs typeface="Consolas" panose="020B0609020204030204" pitchFamily="49" charset="0"/>
+              </a:rPr>
+              <a:t>;</a:t>
+            </a:r>
+            <a:endParaRPr lang="ru-RU" sz="1600" dirty="0">
+              <a:latin typeface="Consolas" panose="020B0609020204030204" pitchFamily="49" charset="0"/>
+              <a:ea typeface="Calibri" panose="020F0502020204030204" pitchFamily="34" charset="0"/>
+              <a:cs typeface="Times New Roman" panose="02020603050405020304" pitchFamily="18" charset="0"/>
+            </a:endParaRPr>
+          </a:p>
+          <a:p>
+            <a:pPr>
+              <a:spcAft>
+                <a:spcPts val="0"/>
+              </a:spcAft>
+            </a:pPr>
+            <a:r>
+              <a:rPr lang="ru-RU" sz="1600" dirty="0">
+                <a:solidFill>
+                  <a:srgbClr val="000000"/>
+                </a:solidFill>
+                <a:latin typeface="Consolas" panose="020B0609020204030204" pitchFamily="49" charset="0"/>
+                <a:ea typeface="Calibri" panose="020F0502020204030204" pitchFamily="34" charset="0"/>
+                <a:cs typeface="Consolas" panose="020B0609020204030204" pitchFamily="49" charset="0"/>
+              </a:rPr>
+              <a:t>  </a:t>
+            </a:r>
+            <a:r>
+              <a:rPr lang="ru-RU" sz="1600" dirty="0" err="1">
+                <a:solidFill>
+                  <a:srgbClr val="000000"/>
+                </a:solidFill>
+                <a:latin typeface="Consolas" panose="020B0609020204030204" pitchFamily="49" charset="0"/>
+                <a:ea typeface="Calibri" panose="020F0502020204030204" pitchFamily="34" charset="0"/>
+                <a:cs typeface="Consolas" panose="020B0609020204030204" pitchFamily="49" charset="0"/>
+              </a:rPr>
+              <a:t>string</a:t>
+            </a:r>
+            <a:r>
+              <a:rPr lang="ru-RU" sz="1600" dirty="0">
+                <a:solidFill>
+                  <a:srgbClr val="000000"/>
+                </a:solidFill>
+                <a:latin typeface="Consolas" panose="020B0609020204030204" pitchFamily="49" charset="0"/>
+                <a:ea typeface="Calibri" panose="020F0502020204030204" pitchFamily="34" charset="0"/>
+                <a:cs typeface="Consolas" panose="020B0609020204030204" pitchFamily="49" charset="0"/>
+              </a:rPr>
+              <a:t> </a:t>
+            </a:r>
+            <a:r>
+              <a:rPr lang="en-US" sz="1600" dirty="0">
+                <a:solidFill>
+                  <a:srgbClr val="000000"/>
+                </a:solidFill>
+                <a:latin typeface="Consolas" panose="020B0609020204030204" pitchFamily="49" charset="0"/>
+                <a:ea typeface="Calibri" panose="020F0502020204030204" pitchFamily="34" charset="0"/>
+                <a:cs typeface="Consolas" panose="020B0609020204030204" pitchFamily="49" charset="0"/>
+              </a:rPr>
+              <a:t>m_</a:t>
+            </a:r>
+            <a:r>
+              <a:rPr lang="ru-RU" sz="1600" dirty="0" err="1">
+                <a:solidFill>
+                  <a:srgbClr val="000000"/>
+                </a:solidFill>
+                <a:latin typeface="Consolas" panose="020B0609020204030204" pitchFamily="49" charset="0"/>
+                <a:ea typeface="Calibri" panose="020F0502020204030204" pitchFamily="34" charset="0"/>
+                <a:cs typeface="Consolas" panose="020B0609020204030204" pitchFamily="49" charset="0"/>
+              </a:rPr>
+              <a:t>isbn</a:t>
+            </a:r>
+            <a:r>
+              <a:rPr lang="ru-RU" sz="1600" dirty="0">
+                <a:solidFill>
+                  <a:srgbClr val="000000"/>
+                </a:solidFill>
+                <a:latin typeface="Consolas" panose="020B0609020204030204" pitchFamily="49" charset="0"/>
+                <a:ea typeface="Calibri" panose="020F0502020204030204" pitchFamily="34" charset="0"/>
+                <a:cs typeface="Consolas" panose="020B0609020204030204" pitchFamily="49" charset="0"/>
+              </a:rPr>
+              <a:t>; </a:t>
+            </a:r>
+            <a:r>
+              <a:rPr lang="ru-RU" sz="1600" dirty="0">
+                <a:solidFill>
+                  <a:srgbClr val="008000"/>
+                </a:solidFill>
+                <a:latin typeface="Consolas" panose="020B0609020204030204" pitchFamily="49" charset="0"/>
+                <a:ea typeface="Calibri" panose="020F0502020204030204" pitchFamily="34" charset="0"/>
+                <a:cs typeface="Consolas" panose="020B0609020204030204" pitchFamily="49" charset="0"/>
+              </a:rPr>
+              <a:t>// ISBN - уникальный номер книжного издания</a:t>
+            </a:r>
+            <a:endParaRPr lang="ru-RU" sz="1600" dirty="0">
+              <a:latin typeface="Consolas" panose="020B0609020204030204" pitchFamily="49" charset="0"/>
+              <a:ea typeface="Calibri" panose="020F0502020204030204" pitchFamily="34" charset="0"/>
+              <a:cs typeface="Times New Roman" panose="02020603050405020304" pitchFamily="18" charset="0"/>
+            </a:endParaRPr>
+          </a:p>
+          <a:p>
+            <a:pPr>
+              <a:spcAft>
+                <a:spcPts val="0"/>
+              </a:spcAft>
+            </a:pPr>
+            <a:r>
+              <a:rPr lang="ru-RU" sz="1600" dirty="0">
+                <a:solidFill>
+                  <a:srgbClr val="000000"/>
+                </a:solidFill>
+                <a:latin typeface="Consolas" panose="020B0609020204030204" pitchFamily="49" charset="0"/>
+                <a:ea typeface="Calibri" panose="020F0502020204030204" pitchFamily="34" charset="0"/>
+                <a:cs typeface="Consolas" panose="020B0609020204030204" pitchFamily="49" charset="0"/>
+              </a:rPr>
+              <a:t>  </a:t>
+            </a:r>
+            <a:r>
+              <a:rPr lang="en-US" sz="1600" dirty="0">
+                <a:solidFill>
+                  <a:srgbClr val="0000FF"/>
+                </a:solidFill>
+                <a:latin typeface="Consolas" panose="020B0609020204030204" pitchFamily="49" charset="0"/>
+                <a:ea typeface="Calibri" panose="020F0502020204030204" pitchFamily="34" charset="0"/>
+                <a:cs typeface="Consolas" panose="020B0609020204030204" pitchFamily="49" charset="0"/>
+              </a:rPr>
+              <a:t>int</a:t>
+            </a:r>
+            <a:r>
+              <a:rPr lang="en-US" sz="1600" dirty="0">
+                <a:solidFill>
+                  <a:srgbClr val="000000"/>
+                </a:solidFill>
+                <a:latin typeface="Consolas" panose="020B0609020204030204" pitchFamily="49" charset="0"/>
+                <a:ea typeface="Calibri" panose="020F0502020204030204" pitchFamily="34" charset="0"/>
+                <a:cs typeface="Consolas" panose="020B0609020204030204" pitchFamily="49" charset="0"/>
+              </a:rPr>
+              <a:t> </a:t>
+            </a:r>
+            <a:r>
+              <a:rPr lang="en-US" sz="1600" dirty="0" err="1">
+                <a:solidFill>
+                  <a:srgbClr val="000000"/>
+                </a:solidFill>
+                <a:latin typeface="Consolas" panose="020B0609020204030204" pitchFamily="49" charset="0"/>
+                <a:ea typeface="Calibri" panose="020F0502020204030204" pitchFamily="34" charset="0"/>
+                <a:cs typeface="Consolas" panose="020B0609020204030204" pitchFamily="49" charset="0"/>
+              </a:rPr>
+              <a:t>m_publicationYear</a:t>
+            </a:r>
+            <a:r>
+              <a:rPr lang="en-US" sz="1600" dirty="0">
+                <a:solidFill>
+                  <a:srgbClr val="000000"/>
+                </a:solidFill>
+                <a:latin typeface="Consolas" panose="020B0609020204030204" pitchFamily="49" charset="0"/>
+                <a:ea typeface="Calibri" panose="020F0502020204030204" pitchFamily="34" charset="0"/>
+                <a:cs typeface="Consolas" panose="020B0609020204030204" pitchFamily="49" charset="0"/>
+              </a:rPr>
+              <a:t>; </a:t>
+            </a:r>
+            <a:r>
+              <a:rPr lang="en-US" sz="1600" dirty="0">
+                <a:solidFill>
+                  <a:srgbClr val="008000"/>
+                </a:solidFill>
+                <a:latin typeface="Consolas" panose="020B0609020204030204" pitchFamily="49" charset="0"/>
+                <a:ea typeface="Calibri" panose="020F0502020204030204" pitchFamily="34" charset="0"/>
+                <a:cs typeface="Consolas" panose="020B0609020204030204" pitchFamily="49" charset="0"/>
+              </a:rPr>
+              <a:t>// </a:t>
+            </a:r>
+            <a:r>
+              <a:rPr lang="ru-RU" sz="1600" dirty="0">
+                <a:solidFill>
+                  <a:srgbClr val="008000"/>
+                </a:solidFill>
+                <a:latin typeface="Consolas" panose="020B0609020204030204" pitchFamily="49" charset="0"/>
+                <a:ea typeface="Calibri" panose="020F0502020204030204" pitchFamily="34" charset="0"/>
+                <a:cs typeface="Consolas" panose="020B0609020204030204" pitchFamily="49" charset="0"/>
+              </a:rPr>
+              <a:t>Год публикации</a:t>
+            </a:r>
+            <a:endParaRPr lang="ru-RU" sz="1600" dirty="0">
+              <a:latin typeface="Consolas" panose="020B0609020204030204" pitchFamily="49" charset="0"/>
+              <a:ea typeface="Calibri" panose="020F0502020204030204" pitchFamily="34" charset="0"/>
+              <a:cs typeface="Times New Roman" panose="02020603050405020304" pitchFamily="18" charset="0"/>
+            </a:endParaRPr>
+          </a:p>
+          <a:p>
+            <a:pPr>
+              <a:spcAft>
+                <a:spcPts val="0"/>
+              </a:spcAft>
+            </a:pPr>
+            <a:r>
+              <a:rPr lang="en-US" sz="1600" dirty="0">
+                <a:solidFill>
+                  <a:srgbClr val="000000"/>
+                </a:solidFill>
+                <a:latin typeface="Consolas" panose="020B0609020204030204" pitchFamily="49" charset="0"/>
+                <a:ea typeface="Calibri" panose="020F0502020204030204" pitchFamily="34" charset="0"/>
+                <a:cs typeface="Consolas" panose="020B0609020204030204" pitchFamily="49" charset="0"/>
+              </a:rPr>
+              <a:t>};</a:t>
+            </a:r>
+            <a:endParaRPr lang="ru-RU" sz="1600" dirty="0">
+              <a:latin typeface="Consolas" panose="020B0609020204030204" pitchFamily="49" charset="0"/>
+              <a:ea typeface="Calibri" panose="020F0502020204030204" pitchFamily="34" charset="0"/>
+              <a:cs typeface="Times New Roman" panose="02020603050405020304" pitchFamily="18" charset="0"/>
+            </a:endParaRPr>
+          </a:p>
+          <a:p>
+            <a:pPr>
+              <a:spcAft>
+                <a:spcPts val="0"/>
+              </a:spcAft>
+            </a:pPr>
+            <a:r>
+              <a:rPr lang="en-US" sz="1600" dirty="0">
+                <a:solidFill>
+                  <a:srgbClr val="000000"/>
+                </a:solidFill>
+                <a:latin typeface="Consolas" panose="020B0609020204030204" pitchFamily="49" charset="0"/>
+                <a:ea typeface="Calibri" panose="020F0502020204030204" pitchFamily="34" charset="0"/>
+                <a:cs typeface="Consolas" panose="020B0609020204030204" pitchFamily="49" charset="0"/>
+              </a:rPr>
+              <a:t> </a:t>
+            </a:r>
+            <a:endParaRPr lang="ru-RU" sz="1600" dirty="0">
+              <a:latin typeface="Consolas" panose="020B0609020204030204" pitchFamily="49" charset="0"/>
+              <a:ea typeface="Calibri" panose="020F0502020204030204" pitchFamily="34" charset="0"/>
+              <a:cs typeface="Times New Roman" panose="02020603050405020304" pitchFamily="18" charset="0"/>
+            </a:endParaRPr>
+          </a:p>
+          <a:p>
+            <a:pPr>
+              <a:spcAft>
+                <a:spcPts val="0"/>
+              </a:spcAft>
+            </a:pPr>
+            <a:r>
+              <a:rPr lang="ru-RU" sz="1600" dirty="0">
+                <a:solidFill>
+                  <a:srgbClr val="008000"/>
+                </a:solidFill>
+                <a:latin typeface="Consolas" panose="020B0609020204030204" pitchFamily="49" charset="0"/>
+                <a:ea typeface="Calibri" panose="020F0502020204030204" pitchFamily="34" charset="0"/>
+                <a:cs typeface="Consolas" panose="020B0609020204030204" pitchFamily="49" charset="0"/>
+              </a:rPr>
+              <a:t>// Человек - ещё один пример композиции экземпляров </a:t>
+            </a:r>
+            <a:r>
+              <a:rPr lang="ru-RU" sz="1600" dirty="0" err="1">
+                <a:solidFill>
+                  <a:srgbClr val="008000"/>
+                </a:solidFill>
+                <a:latin typeface="Consolas" panose="020B0609020204030204" pitchFamily="49" charset="0"/>
+                <a:ea typeface="Calibri" panose="020F0502020204030204" pitchFamily="34" charset="0"/>
+                <a:cs typeface="Consolas" panose="020B0609020204030204" pitchFamily="49" charset="0"/>
+              </a:rPr>
+              <a:t>string</a:t>
+            </a:r>
+            <a:r>
+              <a:rPr lang="ru-RU" sz="1600" dirty="0">
+                <a:solidFill>
+                  <a:srgbClr val="008000"/>
+                </a:solidFill>
+                <a:latin typeface="Consolas" panose="020B0609020204030204" pitchFamily="49" charset="0"/>
+                <a:ea typeface="Calibri" panose="020F0502020204030204" pitchFamily="34" charset="0"/>
+                <a:cs typeface="Consolas" panose="020B0609020204030204" pitchFamily="49" charset="0"/>
+              </a:rPr>
+              <a:t> и </a:t>
+            </a:r>
+            <a:r>
+              <a:rPr lang="ru-RU" sz="1600" dirty="0" err="1">
+                <a:solidFill>
+                  <a:srgbClr val="008000"/>
+                </a:solidFill>
+                <a:latin typeface="Consolas" panose="020B0609020204030204" pitchFamily="49" charset="0"/>
+                <a:ea typeface="Calibri" panose="020F0502020204030204" pitchFamily="34" charset="0"/>
+                <a:cs typeface="Consolas" panose="020B0609020204030204" pitchFamily="49" charset="0"/>
+              </a:rPr>
+              <a:t>int</a:t>
+            </a:r>
+            <a:endParaRPr lang="ru-RU" sz="1600" dirty="0">
+              <a:latin typeface="Consolas" panose="020B0609020204030204" pitchFamily="49" charset="0"/>
+              <a:ea typeface="Calibri" panose="020F0502020204030204" pitchFamily="34" charset="0"/>
+              <a:cs typeface="Times New Roman" panose="02020603050405020304" pitchFamily="18" charset="0"/>
+            </a:endParaRPr>
+          </a:p>
+          <a:p>
+            <a:pPr>
+              <a:spcAft>
+                <a:spcPts val="0"/>
+              </a:spcAft>
+            </a:pPr>
+            <a:r>
+              <a:rPr lang="en-US" sz="1600" dirty="0">
+                <a:solidFill>
+                  <a:srgbClr val="0000FF"/>
+                </a:solidFill>
+                <a:latin typeface="Consolas" panose="020B0609020204030204" pitchFamily="49" charset="0"/>
+                <a:ea typeface="Calibri" panose="020F0502020204030204" pitchFamily="34" charset="0"/>
+                <a:cs typeface="Consolas" panose="020B0609020204030204" pitchFamily="49" charset="0"/>
+              </a:rPr>
+              <a:t>class</a:t>
+            </a:r>
+            <a:r>
+              <a:rPr lang="en-US" sz="1600" dirty="0">
+                <a:solidFill>
+                  <a:srgbClr val="000000"/>
+                </a:solidFill>
+                <a:latin typeface="Consolas" panose="020B0609020204030204" pitchFamily="49" charset="0"/>
+                <a:ea typeface="Calibri" panose="020F0502020204030204" pitchFamily="34" charset="0"/>
+                <a:cs typeface="Consolas" panose="020B0609020204030204" pitchFamily="49" charset="0"/>
+              </a:rPr>
+              <a:t> </a:t>
+            </a:r>
+            <a:r>
+              <a:rPr lang="en-US" sz="1600" dirty="0">
+                <a:solidFill>
+                  <a:srgbClr val="2B91AF"/>
+                </a:solidFill>
+                <a:latin typeface="Consolas" panose="020B0609020204030204" pitchFamily="49" charset="0"/>
+                <a:ea typeface="Calibri" panose="020F0502020204030204" pitchFamily="34" charset="0"/>
+                <a:cs typeface="Consolas" panose="020B0609020204030204" pitchFamily="49" charset="0"/>
+              </a:rPr>
+              <a:t>Person</a:t>
+            </a:r>
+            <a:endParaRPr lang="ru-RU" sz="1600" dirty="0">
+              <a:latin typeface="Consolas" panose="020B0609020204030204" pitchFamily="49" charset="0"/>
+              <a:ea typeface="Calibri" panose="020F0502020204030204" pitchFamily="34" charset="0"/>
+              <a:cs typeface="Times New Roman" panose="02020603050405020304" pitchFamily="18" charset="0"/>
+            </a:endParaRPr>
+          </a:p>
+          <a:p>
+            <a:pPr>
+              <a:spcAft>
+                <a:spcPts val="0"/>
+              </a:spcAft>
+            </a:pPr>
+            <a:r>
+              <a:rPr lang="en-US" sz="1600" dirty="0">
+                <a:solidFill>
+                  <a:srgbClr val="000000"/>
+                </a:solidFill>
+                <a:latin typeface="Consolas" panose="020B0609020204030204" pitchFamily="49" charset="0"/>
+                <a:ea typeface="Calibri" panose="020F0502020204030204" pitchFamily="34" charset="0"/>
+                <a:cs typeface="Consolas" panose="020B0609020204030204" pitchFamily="49" charset="0"/>
+              </a:rPr>
+              <a:t>{</a:t>
+            </a:r>
+            <a:endParaRPr lang="ru-RU" sz="1600" dirty="0">
+              <a:latin typeface="Consolas" panose="020B0609020204030204" pitchFamily="49" charset="0"/>
+              <a:ea typeface="Calibri" panose="020F0502020204030204" pitchFamily="34" charset="0"/>
+              <a:cs typeface="Times New Roman" panose="02020603050405020304" pitchFamily="18" charset="0"/>
+            </a:endParaRPr>
+          </a:p>
+          <a:p>
+            <a:pPr>
+              <a:spcAft>
+                <a:spcPts val="0"/>
+              </a:spcAft>
+            </a:pPr>
+            <a:r>
+              <a:rPr lang="en-US" sz="1600" dirty="0">
+                <a:solidFill>
+                  <a:srgbClr val="0000FF"/>
+                </a:solidFill>
+                <a:latin typeface="Consolas" panose="020B0609020204030204" pitchFamily="49" charset="0"/>
+                <a:ea typeface="Calibri" panose="020F0502020204030204" pitchFamily="34" charset="0"/>
+                <a:cs typeface="Consolas" panose="020B0609020204030204" pitchFamily="49" charset="0"/>
+              </a:rPr>
+              <a:t>private</a:t>
+            </a:r>
+            <a:r>
+              <a:rPr lang="en-US" sz="1600" dirty="0">
+                <a:solidFill>
+                  <a:srgbClr val="000000"/>
+                </a:solidFill>
+                <a:latin typeface="Consolas" panose="020B0609020204030204" pitchFamily="49" charset="0"/>
+                <a:ea typeface="Calibri" panose="020F0502020204030204" pitchFamily="34" charset="0"/>
+                <a:cs typeface="Consolas" panose="020B0609020204030204" pitchFamily="49" charset="0"/>
+              </a:rPr>
+              <a:t>:</a:t>
+            </a:r>
+            <a:endParaRPr lang="ru-RU" sz="1600" dirty="0">
+              <a:latin typeface="Consolas" panose="020B0609020204030204" pitchFamily="49" charset="0"/>
+              <a:ea typeface="Calibri" panose="020F0502020204030204" pitchFamily="34" charset="0"/>
+              <a:cs typeface="Times New Roman" panose="02020603050405020304" pitchFamily="18" charset="0"/>
+            </a:endParaRPr>
+          </a:p>
+          <a:p>
+            <a:pPr>
+              <a:spcAft>
+                <a:spcPts val="0"/>
+              </a:spcAft>
+            </a:pPr>
+            <a:r>
+              <a:rPr lang="en-US" sz="1600" dirty="0">
+                <a:solidFill>
+                  <a:srgbClr val="000000"/>
+                </a:solidFill>
+                <a:latin typeface="Consolas" panose="020B0609020204030204" pitchFamily="49" charset="0"/>
+                <a:ea typeface="Calibri" panose="020F0502020204030204" pitchFamily="34" charset="0"/>
+                <a:cs typeface="Consolas" panose="020B0609020204030204" pitchFamily="49" charset="0"/>
+              </a:rPr>
+              <a:t>  string </a:t>
+            </a:r>
+            <a:r>
+              <a:rPr lang="en-US" sz="1600" dirty="0" err="1">
+                <a:solidFill>
+                  <a:srgbClr val="000000"/>
+                </a:solidFill>
+                <a:latin typeface="Consolas" panose="020B0609020204030204" pitchFamily="49" charset="0"/>
+                <a:ea typeface="Calibri" panose="020F0502020204030204" pitchFamily="34" charset="0"/>
+                <a:cs typeface="Consolas" panose="020B0609020204030204" pitchFamily="49" charset="0"/>
+              </a:rPr>
+              <a:t>m_name</a:t>
+            </a:r>
+            <a:r>
+              <a:rPr lang="en-US" sz="1600" dirty="0">
+                <a:solidFill>
+                  <a:srgbClr val="000000"/>
+                </a:solidFill>
+                <a:latin typeface="Consolas" panose="020B0609020204030204" pitchFamily="49" charset="0"/>
+                <a:ea typeface="Calibri" panose="020F0502020204030204" pitchFamily="34" charset="0"/>
+                <a:cs typeface="Consolas" panose="020B0609020204030204" pitchFamily="49" charset="0"/>
+              </a:rPr>
+              <a:t>;</a:t>
+            </a:r>
+            <a:endParaRPr lang="ru-RU" sz="1600" dirty="0">
+              <a:latin typeface="Consolas" panose="020B0609020204030204" pitchFamily="49" charset="0"/>
+              <a:ea typeface="Calibri" panose="020F0502020204030204" pitchFamily="34" charset="0"/>
+              <a:cs typeface="Times New Roman" panose="02020603050405020304" pitchFamily="18" charset="0"/>
+            </a:endParaRPr>
+          </a:p>
+          <a:p>
+            <a:pPr>
+              <a:spcAft>
+                <a:spcPts val="0"/>
+              </a:spcAft>
+            </a:pPr>
+            <a:r>
+              <a:rPr lang="en-US" sz="1600" dirty="0">
+                <a:solidFill>
+                  <a:srgbClr val="000000"/>
+                </a:solidFill>
+                <a:latin typeface="Consolas" panose="020B0609020204030204" pitchFamily="49" charset="0"/>
+                <a:ea typeface="Calibri" panose="020F0502020204030204" pitchFamily="34" charset="0"/>
+                <a:cs typeface="Consolas" panose="020B0609020204030204" pitchFamily="49" charset="0"/>
+              </a:rPr>
+              <a:t>  string </a:t>
+            </a:r>
+            <a:r>
+              <a:rPr lang="en-US" sz="1600" dirty="0" err="1">
+                <a:solidFill>
+                  <a:srgbClr val="000000"/>
+                </a:solidFill>
+                <a:latin typeface="Consolas" panose="020B0609020204030204" pitchFamily="49" charset="0"/>
+                <a:ea typeface="Calibri" panose="020F0502020204030204" pitchFamily="34" charset="0"/>
+                <a:cs typeface="Consolas" panose="020B0609020204030204" pitchFamily="49" charset="0"/>
+              </a:rPr>
+              <a:t>m_address</a:t>
+            </a:r>
+            <a:r>
+              <a:rPr lang="en-US" sz="1600" dirty="0">
+                <a:solidFill>
+                  <a:srgbClr val="000000"/>
+                </a:solidFill>
+                <a:latin typeface="Consolas" panose="020B0609020204030204" pitchFamily="49" charset="0"/>
+                <a:ea typeface="Calibri" panose="020F0502020204030204" pitchFamily="34" charset="0"/>
+                <a:cs typeface="Consolas" panose="020B0609020204030204" pitchFamily="49" charset="0"/>
+              </a:rPr>
+              <a:t>;</a:t>
+            </a:r>
+            <a:endParaRPr lang="ru-RU" sz="1600" dirty="0">
+              <a:latin typeface="Consolas" panose="020B0609020204030204" pitchFamily="49" charset="0"/>
+              <a:ea typeface="Calibri" panose="020F0502020204030204" pitchFamily="34" charset="0"/>
+              <a:cs typeface="Times New Roman" panose="02020603050405020304" pitchFamily="18" charset="0"/>
+            </a:endParaRPr>
+          </a:p>
+          <a:p>
+            <a:pPr>
+              <a:spcAft>
+                <a:spcPts val="0"/>
+              </a:spcAft>
+            </a:pPr>
+            <a:r>
+              <a:rPr lang="en-US" sz="1600" dirty="0">
+                <a:solidFill>
+                  <a:srgbClr val="000000"/>
+                </a:solidFill>
+                <a:latin typeface="Consolas" panose="020B0609020204030204" pitchFamily="49" charset="0"/>
+                <a:ea typeface="Calibri" panose="020F0502020204030204" pitchFamily="34" charset="0"/>
+                <a:cs typeface="Consolas" panose="020B0609020204030204" pitchFamily="49" charset="0"/>
+              </a:rPr>
+              <a:t>  </a:t>
+            </a:r>
+            <a:r>
+              <a:rPr lang="en-US" sz="1600" dirty="0">
+                <a:solidFill>
+                  <a:srgbClr val="0000FF"/>
+                </a:solidFill>
+                <a:latin typeface="Consolas" panose="020B0609020204030204" pitchFamily="49" charset="0"/>
+                <a:ea typeface="Calibri" panose="020F0502020204030204" pitchFamily="34" charset="0"/>
+                <a:cs typeface="Consolas" panose="020B0609020204030204" pitchFamily="49" charset="0"/>
+              </a:rPr>
+              <a:t>int</a:t>
+            </a:r>
+            <a:r>
+              <a:rPr lang="en-US" sz="1600" dirty="0">
+                <a:solidFill>
+                  <a:srgbClr val="000000"/>
+                </a:solidFill>
+                <a:latin typeface="Consolas" panose="020B0609020204030204" pitchFamily="49" charset="0"/>
+                <a:ea typeface="Calibri" panose="020F0502020204030204" pitchFamily="34" charset="0"/>
+                <a:cs typeface="Consolas" panose="020B0609020204030204" pitchFamily="49" charset="0"/>
+              </a:rPr>
+              <a:t> </a:t>
+            </a:r>
+            <a:r>
+              <a:rPr lang="en-US" sz="1600" dirty="0" err="1">
+                <a:solidFill>
+                  <a:srgbClr val="000000"/>
+                </a:solidFill>
+                <a:latin typeface="Consolas" panose="020B0609020204030204" pitchFamily="49" charset="0"/>
+                <a:ea typeface="Calibri" panose="020F0502020204030204" pitchFamily="34" charset="0"/>
+                <a:cs typeface="Consolas" panose="020B0609020204030204" pitchFamily="49" charset="0"/>
+              </a:rPr>
+              <a:t>m_birthYear</a:t>
+            </a:r>
+            <a:r>
+              <a:rPr lang="en-US" sz="1600" dirty="0">
+                <a:solidFill>
+                  <a:srgbClr val="000000"/>
+                </a:solidFill>
+                <a:latin typeface="Consolas" panose="020B0609020204030204" pitchFamily="49" charset="0"/>
+                <a:ea typeface="Calibri" panose="020F0502020204030204" pitchFamily="34" charset="0"/>
+                <a:cs typeface="Consolas" panose="020B0609020204030204" pitchFamily="49" charset="0"/>
+              </a:rPr>
+              <a:t>;</a:t>
+            </a:r>
+            <a:endParaRPr lang="ru-RU" sz="1600" dirty="0">
+              <a:latin typeface="Consolas" panose="020B0609020204030204" pitchFamily="49" charset="0"/>
+              <a:ea typeface="Calibri" panose="020F0502020204030204" pitchFamily="34" charset="0"/>
+              <a:cs typeface="Times New Roman" panose="02020603050405020304" pitchFamily="18" charset="0"/>
+            </a:endParaRPr>
+          </a:p>
+          <a:p>
+            <a:pPr>
+              <a:spcAft>
+                <a:spcPts val="0"/>
+              </a:spcAft>
+            </a:pPr>
+            <a:r>
+              <a:rPr lang="ru-RU" sz="1600" dirty="0">
+                <a:solidFill>
+                  <a:srgbClr val="000000"/>
+                </a:solidFill>
+                <a:latin typeface="Consolas" panose="020B0609020204030204" pitchFamily="49" charset="0"/>
+                <a:ea typeface="Calibri" panose="020F0502020204030204" pitchFamily="34" charset="0"/>
+                <a:cs typeface="Consolas" panose="020B0609020204030204" pitchFamily="49" charset="0"/>
+              </a:rPr>
+              <a:t>};</a:t>
+            </a:r>
+            <a:endParaRPr lang="ru-RU" sz="1600" dirty="0">
+              <a:latin typeface="Consolas" panose="020B0609020204030204" pitchFamily="49" charset="0"/>
+              <a:ea typeface="Calibri" panose="020F0502020204030204" pitchFamily="34" charset="0"/>
+              <a:cs typeface="Times New Roman" panose="02020603050405020304" pitchFamily="18" charset="0"/>
+            </a:endParaRPr>
+          </a:p>
+        </p:txBody>
+      </p:sp>
+    </p:spTree>
+    <p:extLst>
+      <p:ext uri="{BB962C8B-B14F-4D97-AF65-F5344CB8AC3E}">
+        <p14:creationId xmlns:p14="http://schemas.microsoft.com/office/powerpoint/2010/main" val="178838665"/>
+      </p:ext>
+    </p:extLst>
+  </p:cSld>
+  <p:clrMapOvr>
+    <a:masterClrMapping/>
+  </p:clrMapOvr>
+</p:sld>
+</file>
+
+<file path=ppt/slides/slide7.xml><?xml version="1.0" encoding="utf-8"?>
+<p:sld xmlns:a="http://schemas.openxmlformats.org/drawingml/2006/main" xmlns:r="http://schemas.openxmlformats.org/officeDocument/2006/relationships" xmlns:p="http://schemas.openxmlformats.org/presentationml/2006/main">
+  <p:cSld>
+    <p:spTree>
+      <p:nvGrpSpPr>
+        <p:cNvPr id="1" name=""/>
+        <p:cNvGrpSpPr/>
+        <p:nvPr/>
+      </p:nvGrpSpPr>
+      <p:grpSpPr>
+        <a:xfrm>
+          <a:off x="0" y="0"/>
+          <a:ext cx="0" cy="0"/>
+          <a:chOff x="0" y="0"/>
+          <a:chExt cx="0" cy="0"/>
+        </a:xfrm>
+      </p:grpSpPr>
+      <p:sp>
+        <p:nvSpPr>
+          <p:cNvPr id="2" name="Заголовок 1">
+            <a:extLst>
+              <a:ext uri="{FF2B5EF4-FFF2-40B4-BE49-F238E27FC236}">
+                <a16:creationId xmlns:a16="http://schemas.microsoft.com/office/drawing/2014/main" id="{BD165B14-FC91-47B1-B3C2-C2A9861DA8AE}"/>
+              </a:ext>
+            </a:extLst>
+          </p:cNvPr>
+          <p:cNvSpPr>
+            <a:spLocks noGrp="1"/>
+          </p:cNvSpPr>
+          <p:nvPr>
+            <p:ph type="title"/>
+          </p:nvPr>
+        </p:nvSpPr>
+        <p:spPr/>
+        <p:txBody>
+          <a:bodyPr>
+            <a:normAutofit/>
+          </a:bodyPr>
+          <a:lstStyle/>
+          <a:p>
+            <a:r>
+              <a:rPr lang="ru-RU" dirty="0"/>
+              <a:t>Обозначение композиции на диаграммах классов</a:t>
             </a:r>
           </a:p>
         </p:txBody>
       </p:sp>
       <p:pic>
         <p:nvPicPr>
-          <p:cNvPr id="4" name="Рисунок 3">
+          <p:cNvPr id="4" name="Рисунок 3" descr="Изображение выглядит как текст&#10;&#10;Автоматически созданное описание">
             <a:extLst>
               <a:ext uri="{FF2B5EF4-FFF2-40B4-BE49-F238E27FC236}">
-                <a16:creationId xmlns:a16="http://schemas.microsoft.com/office/drawing/2014/main" id="{133DA48F-20FE-48AD-A2C8-354136F86C8E}"/>
+                <a16:creationId xmlns:a16="http://schemas.microsoft.com/office/drawing/2014/main" id="{B22C2DE6-3098-45BB-BF6F-A5F58DCB115E}"/>
               </a:ext>
             </a:extLst>
           </p:cNvPr>
@@ -9478,20 +12667,161 @@
         </p:blipFill>
         <p:spPr>
           <a:xfrm>
-            <a:off x="1547378" y="1847089"/>
-            <a:ext cx="9144000" cy="2751015"/>
+            <a:off x="2400300" y="2279550"/>
+            <a:ext cx="7080076" cy="4370863"/>
           </a:xfrm>
           <a:prstGeom prst="rect">
             <a:avLst/>
           </a:prstGeom>
         </p:spPr>
       </p:pic>
+    </p:spTree>
+    <p:extLst>
+      <p:ext uri="{BB962C8B-B14F-4D97-AF65-F5344CB8AC3E}">
+        <p14:creationId xmlns:p14="http://schemas.microsoft.com/office/powerpoint/2010/main" val="3791597325"/>
+      </p:ext>
+    </p:extLst>
+  </p:cSld>
+  <p:clrMapOvr>
+    <a:masterClrMapping/>
+  </p:clrMapOvr>
+</p:sld>
+</file>
+
+<file path=ppt/slides/slide8.xml><?xml version="1.0" encoding="utf-8"?>
+<p:sld xmlns:a="http://schemas.openxmlformats.org/drawingml/2006/main" xmlns:r="http://schemas.openxmlformats.org/officeDocument/2006/relationships" xmlns:p="http://schemas.openxmlformats.org/presentationml/2006/main">
+  <p:cSld>
+    <p:spTree>
+      <p:nvGrpSpPr>
+        <p:cNvPr id="1" name=""/>
+        <p:cNvGrpSpPr/>
+        <p:nvPr/>
+      </p:nvGrpSpPr>
+      <p:grpSpPr>
+        <a:xfrm>
+          <a:off x="0" y="0"/>
+          <a:ext cx="0" cy="0"/>
+          <a:chOff x="0" y="0"/>
+          <a:chExt cx="0" cy="0"/>
+        </a:xfrm>
+      </p:grpSpPr>
+      <p:sp>
+        <p:nvSpPr>
+          <p:cNvPr id="2" name="Заголовок 1">
+            <a:extLst>
+              <a:ext uri="{FF2B5EF4-FFF2-40B4-BE49-F238E27FC236}">
+                <a16:creationId xmlns:a16="http://schemas.microsoft.com/office/drawing/2014/main" id="{7DFA4413-24DE-4ED2-B703-609DAF7FCBE2}"/>
+              </a:ext>
+            </a:extLst>
+          </p:cNvPr>
+          <p:cNvSpPr>
+            <a:spLocks noGrp="1"/>
+          </p:cNvSpPr>
+          <p:nvPr>
+            <p:ph type="title"/>
+          </p:nvPr>
+        </p:nvSpPr>
+        <p:spPr/>
+        <p:txBody>
+          <a:bodyPr/>
+          <a:lstStyle/>
+          <a:p>
+            <a:r>
+              <a:rPr lang="ru-RU" dirty="0"/>
+              <a:t>Агрегация</a:t>
+            </a:r>
+          </a:p>
+        </p:txBody>
+      </p:sp>
+      <p:sp>
+        <p:nvSpPr>
+          <p:cNvPr id="3" name="Текст 2">
+            <a:extLst>
+              <a:ext uri="{FF2B5EF4-FFF2-40B4-BE49-F238E27FC236}">
+                <a16:creationId xmlns:a16="http://schemas.microsoft.com/office/drawing/2014/main" id="{8C8A4E74-53CF-43B7-8A16-81BF6EC55242}"/>
+              </a:ext>
+            </a:extLst>
+          </p:cNvPr>
+          <p:cNvSpPr>
+            <a:spLocks noGrp="1"/>
+          </p:cNvSpPr>
+          <p:nvPr>
+            <p:ph type="body" idx="1"/>
+          </p:nvPr>
+        </p:nvSpPr>
+        <p:spPr/>
+        <p:txBody>
+          <a:bodyPr/>
+          <a:lstStyle/>
+          <a:p>
+            <a:endParaRPr lang="ru-RU"/>
+          </a:p>
+        </p:txBody>
+      </p:sp>
+    </p:spTree>
+    <p:extLst>
+      <p:ext uri="{BB962C8B-B14F-4D97-AF65-F5344CB8AC3E}">
+        <p14:creationId xmlns:p14="http://schemas.microsoft.com/office/powerpoint/2010/main" val="3778601015"/>
+      </p:ext>
+    </p:extLst>
+  </p:cSld>
+  <p:clrMapOvr>
+    <a:masterClrMapping/>
+  </p:clrMapOvr>
+</p:sld>
+</file>
+
+<file path=ppt/slides/slide9.xml><?xml version="1.0" encoding="utf-8"?>
+<p:sld xmlns:a="http://schemas.openxmlformats.org/drawingml/2006/main" xmlns:r="http://schemas.openxmlformats.org/officeDocument/2006/relationships" xmlns:p="http://schemas.openxmlformats.org/presentationml/2006/main">
+  <p:cSld>
+    <p:spTree>
+      <p:nvGrpSpPr>
+        <p:cNvPr id="1" name=""/>
+        <p:cNvGrpSpPr/>
+        <p:nvPr/>
+      </p:nvGrpSpPr>
+      <p:grpSpPr>
+        <a:xfrm>
+          <a:off x="0" y="0"/>
+          <a:ext cx="0" cy="0"/>
+          <a:chOff x="0" y="0"/>
+          <a:chExt cx="0" cy="0"/>
+        </a:xfrm>
+      </p:grpSpPr>
+      <p:sp>
+        <p:nvSpPr>
+          <p:cNvPr id="2" name="Заголовок 1">
+            <a:extLst>
+              <a:ext uri="{FF2B5EF4-FFF2-40B4-BE49-F238E27FC236}">
+                <a16:creationId xmlns:a16="http://schemas.microsoft.com/office/drawing/2014/main" id="{D73E1AC1-1020-4294-A077-007A71C780F3}"/>
+              </a:ext>
+            </a:extLst>
+          </p:cNvPr>
+          <p:cNvSpPr>
+            <a:spLocks noGrp="1"/>
+          </p:cNvSpPr>
+          <p:nvPr>
+            <p:ph type="title"/>
+          </p:nvPr>
+        </p:nvSpPr>
+        <p:spPr/>
+        <p:txBody>
+          <a:bodyPr/>
+          <a:lstStyle/>
+          <a:p>
+            <a:r>
+              <a:rPr lang="ru-RU" dirty="0"/>
+              <a:t>Агрегация и делегирование</a:t>
+            </a:r>
+          </a:p>
+        </p:txBody>
+      </p:sp>
       <p:pic>
         <p:nvPicPr>
-          <p:cNvPr id="6" name="Рисунок 5">
+          <p:cNvPr id="5" name="Рисунок 4">
             <a:extLst>
               <a:ext uri="{FF2B5EF4-FFF2-40B4-BE49-F238E27FC236}">
-                <a16:creationId xmlns:a16="http://schemas.microsoft.com/office/drawing/2014/main" id="{6BC35424-F12C-4952-89D5-2E6F32B83171}"/>
+                <a16:creationId xmlns:a16="http://schemas.microsoft.com/office/drawing/2014/main" id="{CA871CF4-AACF-395E-5682-5A4F4F5F35D0}"/>
               </a:ext>
             </a:extLst>
           </p:cNvPr>
@@ -9501,7 +12831,7 @@
           <p:nvPr/>
         </p:nvPicPr>
         <p:blipFill>
-          <a:blip r:embed="rId4">
+          <a:blip r:embed="rId3">
             <a:extLst>
               <a:ext uri="{28A0092B-C50C-407E-A947-70E740481C1C}">
                 <a14:useLocalDpi xmlns:a14="http://schemas.microsoft.com/office/drawing/2010/main" val="0"/>
@@ -9514,189 +12844,24 @@
         </p:blipFill>
         <p:spPr>
           <a:xfrm>
-            <a:off x="2695575" y="5010911"/>
-            <a:ext cx="6877050" cy="1657350"/>
+            <a:off x="2938264" y="2492896"/>
+            <a:ext cx="6470104" cy="3702850"/>
           </a:xfrm>
           <a:prstGeom prst="rect">
             <a:avLst/>
           </a:prstGeom>
         </p:spPr>
       </p:pic>
-      <p:sp>
-        <p:nvSpPr>
-          <p:cNvPr id="3" name="Slide Number Placeholder 2">
-            <a:extLst>
-              <a:ext uri="{FF2B5EF4-FFF2-40B4-BE49-F238E27FC236}">
-                <a16:creationId xmlns:a16="http://schemas.microsoft.com/office/drawing/2014/main" id="{069287F6-5B73-4E4D-9764-906592AC4B7B}"/>
-              </a:ext>
-            </a:extLst>
-          </p:cNvPr>
-          <p:cNvSpPr>
-            <a:spLocks noGrp="1"/>
-          </p:cNvSpPr>
-          <p:nvPr>
-            <p:ph type="sldNum" sz="quarter" idx="12"/>
-          </p:nvPr>
-        </p:nvSpPr>
-        <p:spPr/>
-        <p:txBody>
-          <a:bodyPr/>
-          <a:lstStyle/>
-          <a:p>
-            <a:fld id="{B28E8911-E3D6-4AD9-AA24-3D7604D2F44D}" type="slidenum">
-              <a:rPr lang="ru-RU" smtClean="0"/>
-              <a:t>9</a:t>
-            </a:fld>
-            <a:endParaRPr lang="ru-RU"/>
-          </a:p>
-        </p:txBody>
-      </p:sp>
     </p:spTree>
     <p:extLst>
       <p:ext uri="{BB962C8B-B14F-4D97-AF65-F5344CB8AC3E}">
-        <p14:creationId xmlns:p14="http://schemas.microsoft.com/office/powerpoint/2010/main" val="2185778642"/>
+        <p14:creationId xmlns:p14="http://schemas.microsoft.com/office/powerpoint/2010/main" val="3997726164"/>
       </p:ext>
     </p:extLst>
   </p:cSld>
   <p:clrMapOvr>
     <a:masterClrMapping/>
   </p:clrMapOvr>
-  <p:timing>
-    <p:tnLst>
-      <p:par>
-        <p:cTn id="1" dur="indefinite" restart="never" nodeType="tmRoot">
-          <p:childTnLst>
-            <p:seq concurrent="1" nextAc="seek">
-              <p:cTn id="2" dur="indefinite" nodeType="mainSeq">
-                <p:childTnLst>
-                  <p:par>
-                    <p:cTn id="3" fill="hold">
-                      <p:stCondLst>
-                        <p:cond delay="indefinite"/>
-                      </p:stCondLst>
-                      <p:childTnLst>
-                        <p:par>
-                          <p:cTn id="4" fill="hold">
-                            <p:stCondLst>
-                              <p:cond delay="0"/>
-                            </p:stCondLst>
-                            <p:childTnLst>
-                              <p:par>
-                                <p:cTn id="5" presetID="10" presetClass="entr" presetSubtype="0" fill="hold" nodeType="clickEffect">
-                                  <p:stCondLst>
-                                    <p:cond delay="0"/>
-                                  </p:stCondLst>
-                                  <p:childTnLst>
-                                    <p:set>
-                                      <p:cBhvr>
-                                        <p:cTn id="6" dur="1" fill="hold">
-                                          <p:stCondLst>
-                                            <p:cond delay="0"/>
-                                          </p:stCondLst>
-                                        </p:cTn>
-                                        <p:tgtEl>
-                                          <p:spTgt spid="4"/>
-                                        </p:tgtEl>
-                                        <p:attrNameLst>
-                                          <p:attrName>style.visibility</p:attrName>
-                                        </p:attrNameLst>
-                                      </p:cBhvr>
-                                      <p:to>
-                                        <p:strVal val="visible"/>
-                                      </p:to>
-                                    </p:set>
-                                    <p:animEffect transition="in" filter="fade">
-                                      <p:cBhvr>
-                                        <p:cTn id="7" dur="500"/>
-                                        <p:tgtEl>
-                                          <p:spTgt spid="4"/>
-                                        </p:tgtEl>
-                                      </p:cBhvr>
-                                    </p:animEffect>
-                                  </p:childTnLst>
-                                </p:cTn>
-                              </p:par>
-                            </p:childTnLst>
-                          </p:cTn>
-                        </p:par>
-                      </p:childTnLst>
-                    </p:cTn>
-                  </p:par>
-                  <p:par>
-                    <p:cTn id="8" fill="hold">
-                      <p:stCondLst>
-                        <p:cond delay="indefinite"/>
-                      </p:stCondLst>
-                      <p:childTnLst>
-                        <p:par>
-                          <p:cTn id="9" fill="hold">
-                            <p:stCondLst>
-                              <p:cond delay="0"/>
-                            </p:stCondLst>
-                            <p:childTnLst>
-                              <p:par>
-                                <p:cTn id="10" presetID="10" presetClass="entr" presetSubtype="0" fill="hold" nodeType="clickEffect">
-                                  <p:stCondLst>
-                                    <p:cond delay="0"/>
-                                  </p:stCondLst>
-                                  <p:childTnLst>
-                                    <p:set>
-                                      <p:cBhvr>
-                                        <p:cTn id="11" dur="1" fill="hold">
-                                          <p:stCondLst>
-                                            <p:cond delay="0"/>
-                                          </p:stCondLst>
-                                        </p:cTn>
-                                        <p:tgtEl>
-                                          <p:spTgt spid="6"/>
-                                        </p:tgtEl>
-                                        <p:attrNameLst>
-                                          <p:attrName>style.visibility</p:attrName>
-                                        </p:attrNameLst>
-                                      </p:cBhvr>
-                                      <p:to>
-                                        <p:strVal val="visible"/>
-                                      </p:to>
-                                    </p:set>
-                                    <p:animEffect transition="in" filter="fade">
-                                      <p:cBhvr>
-                                        <p:cTn id="12" dur="500"/>
-                                        <p:tgtEl>
-                                          <p:spTgt spid="6"/>
-                                        </p:tgtEl>
-                                      </p:cBhvr>
-                                    </p:animEffect>
-                                  </p:childTnLst>
-                                </p:cTn>
-                              </p:par>
-                            </p:childTnLst>
-                          </p:cTn>
-                        </p:par>
-                      </p:childTnLst>
-                    </p:cTn>
-                  </p:par>
-                </p:childTnLst>
-              </p:cTn>
-              <p:prevCondLst>
-                <p:cond evt="onPrev" delay="0">
-                  <p:tgtEl>
-                    <p:sldTgt/>
-                  </p:tgtEl>
-                </p:cond>
-              </p:prevCondLst>
-              <p:nextCondLst>
-                <p:cond evt="onNext" delay="0">
-                  <p:tgtEl>
-                    <p:sldTgt/>
-                  </p:tgtEl>
-                </p:cond>
-              </p:nextCondLst>
-            </p:seq>
-          </p:childTnLst>
-        </p:cTn>
-      </p:par>
-    </p:tnLst>
-  </p:timing>
 </p:sld>
 </file>
 

--- a/lectures/00.relations/Отношения между классами.pptx
+++ b/lectures/00.relations/Отношения между классами.pptx
@@ -5,31 +5,32 @@
     <p:sldMasterId id="2147483648" r:id="rId1"/>
   </p:sldMasterIdLst>
   <p:notesMasterIdLst>
-    <p:notesMasterId r:id="rId24"/>
+    <p:notesMasterId r:id="rId25"/>
   </p:notesMasterIdLst>
   <p:sldIdLst>
     <p:sldId id="426" r:id="rId2"/>
-    <p:sldId id="403" r:id="rId3"/>
-    <p:sldId id="404" r:id="rId4"/>
-    <p:sldId id="354" r:id="rId5"/>
-    <p:sldId id="405" r:id="rId6"/>
-    <p:sldId id="357" r:id="rId7"/>
-    <p:sldId id="406" r:id="rId8"/>
-    <p:sldId id="408" r:id="rId9"/>
-    <p:sldId id="411" r:id="rId10"/>
-    <p:sldId id="379" r:id="rId11"/>
-    <p:sldId id="412" r:id="rId12"/>
-    <p:sldId id="366" r:id="rId13"/>
-    <p:sldId id="414" r:id="rId14"/>
-    <p:sldId id="369" r:id="rId15"/>
-    <p:sldId id="370" r:id="rId16"/>
-    <p:sldId id="419" r:id="rId17"/>
-    <p:sldId id="420" r:id="rId18"/>
-    <p:sldId id="421" r:id="rId19"/>
-    <p:sldId id="422" r:id="rId20"/>
-    <p:sldId id="423" r:id="rId21"/>
-    <p:sldId id="424" r:id="rId22"/>
-    <p:sldId id="425" r:id="rId23"/>
+    <p:sldId id="427" r:id="rId3"/>
+    <p:sldId id="403" r:id="rId4"/>
+    <p:sldId id="404" r:id="rId5"/>
+    <p:sldId id="354" r:id="rId6"/>
+    <p:sldId id="405" r:id="rId7"/>
+    <p:sldId id="357" r:id="rId8"/>
+    <p:sldId id="406" r:id="rId9"/>
+    <p:sldId id="408" r:id="rId10"/>
+    <p:sldId id="411" r:id="rId11"/>
+    <p:sldId id="379" r:id="rId12"/>
+    <p:sldId id="412" r:id="rId13"/>
+    <p:sldId id="366" r:id="rId14"/>
+    <p:sldId id="414" r:id="rId15"/>
+    <p:sldId id="369" r:id="rId16"/>
+    <p:sldId id="370" r:id="rId17"/>
+    <p:sldId id="419" r:id="rId18"/>
+    <p:sldId id="420" r:id="rId19"/>
+    <p:sldId id="421" r:id="rId20"/>
+    <p:sldId id="422" r:id="rId21"/>
+    <p:sldId id="423" r:id="rId22"/>
+    <p:sldId id="424" r:id="rId23"/>
+    <p:sldId id="425" r:id="rId24"/>
   </p:sldIdLst>
   <p:sldSz cx="12192000" cy="6858000"/>
   <p:notesSz cx="6858000" cy="9144000"/>
@@ -134,6 +135,7 @@
         <p14:section name="Default Section" id="{C0DE4342-374D-4506-BDDE-7A69154730CF}">
           <p14:sldIdLst>
             <p14:sldId id="426"/>
+            <p14:sldId id="427"/>
             <p14:sldId id="403"/>
             <p14:sldId id="404"/>
             <p14:sldId id="354"/>
@@ -248,7 +250,7 @@
           <a:p>
             <a:fld id="{759A8C27-CF52-4E7F-AAE7-4D864EAACE7B}" type="datetimeFigureOut">
               <a:rPr lang="ru-RU" smtClean="0"/>
-              <a:t>06.09.2024</a:t>
+              <a:t>19.01.2025</a:t>
             </a:fld>
             <a:endParaRPr lang="ru-RU"/>
           </a:p>
@@ -660,7 +662,7 @@
             <a:fld id="{7AD27560-579B-482E-BED7-036450DE1808}" type="slidenum">
               <a:rPr lang="ru-RU" smtClean="0"/>
               <a:pPr/>
-              <a:t>2</a:t>
+              <a:t>3</a:t>
             </a:fld>
             <a:endParaRPr lang="ru-RU"/>
           </a:p>
@@ -792,7 +794,7 @@
             <a:fld id="{7AD27560-579B-482E-BED7-036450DE1808}" type="slidenum">
               <a:rPr lang="ru-RU" smtClean="0"/>
               <a:pPr/>
-              <a:t>12</a:t>
+              <a:t>13</a:t>
             </a:fld>
             <a:endParaRPr lang="ru-RU"/>
           </a:p>
@@ -971,7 +973,7 @@
             <a:fld id="{7AD27560-579B-482E-BED7-036450DE1808}" type="slidenum">
               <a:rPr lang="ru-RU" smtClean="0"/>
               <a:pPr/>
-              <a:t>13</a:t>
+              <a:t>14</a:t>
             </a:fld>
             <a:endParaRPr lang="ru-RU"/>
           </a:p>
@@ -1162,7 +1164,7 @@
             <a:fld id="{7AD27560-579B-482E-BED7-036450DE1808}" type="slidenum">
               <a:rPr lang="ru-RU" smtClean="0"/>
               <a:pPr/>
-              <a:t>14</a:t>
+              <a:t>15</a:t>
             </a:fld>
             <a:endParaRPr lang="ru-RU"/>
           </a:p>
@@ -1316,7 +1318,7 @@
             <a:fld id="{7AD27560-579B-482E-BED7-036450DE1808}" type="slidenum">
               <a:rPr lang="ru-RU" smtClean="0"/>
               <a:pPr/>
-              <a:t>15</a:t>
+              <a:t>16</a:t>
             </a:fld>
             <a:endParaRPr lang="ru-RU"/>
           </a:p>
@@ -1404,7 +1406,7 @@
             <a:fld id="{7AD27560-579B-482E-BED7-036450DE1808}" type="slidenum">
               <a:rPr lang="ru-RU" smtClean="0"/>
               <a:pPr/>
-              <a:t>17</a:t>
+              <a:t>18</a:t>
             </a:fld>
             <a:endParaRPr lang="ru-RU"/>
           </a:p>
@@ -1528,7 +1530,7 @@
             <a:fld id="{7AD27560-579B-482E-BED7-036450DE1808}" type="slidenum">
               <a:rPr lang="ru-RU" smtClean="0"/>
               <a:pPr/>
-              <a:t>18</a:t>
+              <a:t>19</a:t>
             </a:fld>
             <a:endParaRPr lang="ru-RU"/>
           </a:p>
@@ -1630,7 +1632,7 @@
             <a:fld id="{7AD27560-579B-482E-BED7-036450DE1808}" type="slidenum">
               <a:rPr lang="ru-RU" smtClean="0"/>
               <a:pPr/>
-              <a:t>20</a:t>
+              <a:t>21</a:t>
             </a:fld>
             <a:endParaRPr lang="ru-RU"/>
           </a:p>
@@ -1743,7 +1745,7 @@
             <a:fld id="{7AD27560-579B-482E-BED7-036450DE1808}" type="slidenum">
               <a:rPr lang="ru-RU" smtClean="0"/>
               <a:pPr/>
-              <a:t>3</a:t>
+              <a:t>4</a:t>
             </a:fld>
             <a:endParaRPr lang="ru-RU"/>
           </a:p>
@@ -1885,7 +1887,7 @@
             <a:fld id="{7AD27560-579B-482E-BED7-036450DE1808}" type="slidenum">
               <a:rPr lang="ru-RU" smtClean="0"/>
               <a:pPr/>
-              <a:t>4</a:t>
+              <a:t>5</a:t>
             </a:fld>
             <a:endParaRPr lang="ru-RU"/>
           </a:p>
@@ -2011,7 +2013,7 @@
             <a:fld id="{7AD27560-579B-482E-BED7-036450DE1808}" type="slidenum">
               <a:rPr lang="ru-RU" smtClean="0"/>
               <a:pPr/>
-              <a:t>5</a:t>
+              <a:t>6</a:t>
             </a:fld>
             <a:endParaRPr lang="ru-RU"/>
           </a:p>
@@ -2104,7 +2106,7 @@
             <a:fld id="{7AD27560-579B-482E-BED7-036450DE1808}" type="slidenum">
               <a:rPr lang="ru-RU" smtClean="0"/>
               <a:pPr/>
-              <a:t>6</a:t>
+              <a:t>7</a:t>
             </a:fld>
             <a:endParaRPr lang="ru-RU"/>
           </a:p>
@@ -2227,7 +2229,7 @@
             <a:fld id="{7AD27560-579B-482E-BED7-036450DE1808}" type="slidenum">
               <a:rPr lang="ru-RU" smtClean="0"/>
               <a:pPr/>
-              <a:t>7</a:t>
+              <a:t>8</a:t>
             </a:fld>
             <a:endParaRPr lang="ru-RU"/>
           </a:p>
@@ -2327,7 +2329,7 @@
             <a:fld id="{7AD27560-579B-482E-BED7-036450DE1808}" type="slidenum">
               <a:rPr lang="ru-RU" smtClean="0"/>
               <a:pPr/>
-              <a:t>8</a:t>
+              <a:t>9</a:t>
             </a:fld>
             <a:endParaRPr lang="ru-RU"/>
           </a:p>
@@ -2440,7 +2442,7 @@
             <a:fld id="{7AD27560-579B-482E-BED7-036450DE1808}" type="slidenum">
               <a:rPr lang="ru-RU" smtClean="0"/>
               <a:pPr/>
-              <a:t>9</a:t>
+              <a:t>10</a:t>
             </a:fld>
             <a:endParaRPr lang="ru-RU"/>
           </a:p>
@@ -2542,7 +2544,7 @@
             <a:fld id="{7AD27560-579B-482E-BED7-036450DE1808}" type="slidenum">
               <a:rPr lang="ru-RU" smtClean="0"/>
               <a:pPr/>
-              <a:t>11</a:t>
+              <a:t>12</a:t>
             </a:fld>
             <a:endParaRPr lang="ru-RU"/>
           </a:p>
@@ -2710,7 +2712,7 @@
           <a:p>
             <a:fld id="{F9142338-19C0-4D5B-87F4-D84E00F7CA9F}" type="datetime1">
               <a:rPr lang="ru-RU" smtClean="0"/>
-              <a:t>06.09.2024</a:t>
+              <a:t>19.01.2025</a:t>
             </a:fld>
             <a:endParaRPr lang="ru-RU"/>
           </a:p>
@@ -2910,7 +2912,7 @@
           <a:p>
             <a:fld id="{63435379-0901-4231-AD59-C11B54E6DE39}" type="datetime1">
               <a:rPr lang="ru-RU" smtClean="0"/>
-              <a:t>06.09.2024</a:t>
+              <a:t>19.01.2025</a:t>
             </a:fld>
             <a:endParaRPr lang="ru-RU"/>
           </a:p>
@@ -3120,7 +3122,7 @@
           <a:p>
             <a:fld id="{D09D2BD2-2B61-4104-B801-D48DD70A0351}" type="datetime1">
               <a:rPr lang="ru-RU" smtClean="0"/>
-              <a:t>06.09.2024</a:t>
+              <a:t>19.01.2025</a:t>
             </a:fld>
             <a:endParaRPr lang="ru-RU"/>
           </a:p>
@@ -3320,7 +3322,7 @@
           <a:p>
             <a:fld id="{31046E7A-C0A0-4585-9511-0CC32E1FD9E5}" type="datetime1">
               <a:rPr lang="ru-RU" smtClean="0"/>
-              <a:t>06.09.2024</a:t>
+              <a:t>19.01.2025</a:t>
             </a:fld>
             <a:endParaRPr lang="ru-RU"/>
           </a:p>
@@ -3596,7 +3598,7 @@
           <a:p>
             <a:fld id="{432FA3D6-0ACE-4A6A-A614-8F082567C748}" type="datetime1">
               <a:rPr lang="ru-RU" smtClean="0"/>
-              <a:t>06.09.2024</a:t>
+              <a:t>19.01.2025</a:t>
             </a:fld>
             <a:endParaRPr lang="ru-RU"/>
           </a:p>
@@ -3864,7 +3866,7 @@
           <a:p>
             <a:fld id="{7E27D5AA-C59A-488C-BD40-52249BD73BF2}" type="datetime1">
               <a:rPr lang="ru-RU" smtClean="0"/>
-              <a:t>06.09.2024</a:t>
+              <a:t>19.01.2025</a:t>
             </a:fld>
             <a:endParaRPr lang="ru-RU"/>
           </a:p>
@@ -4279,7 +4281,7 @@
           <a:p>
             <a:fld id="{7C34CB10-256C-4862-8195-7B259579A1DE}" type="datetime1">
               <a:rPr lang="ru-RU" smtClean="0"/>
-              <a:t>06.09.2024</a:t>
+              <a:t>19.01.2025</a:t>
             </a:fld>
             <a:endParaRPr lang="ru-RU"/>
           </a:p>
@@ -4421,7 +4423,7 @@
           <a:p>
             <a:fld id="{FCBE238F-8367-4111-8E77-9E3737855EA3}" type="datetime1">
               <a:rPr lang="ru-RU" smtClean="0"/>
-              <a:t>06.09.2024</a:t>
+              <a:t>19.01.2025</a:t>
             </a:fld>
             <a:endParaRPr lang="ru-RU"/>
           </a:p>
@@ -4534,7 +4536,7 @@
           <a:p>
             <a:fld id="{27777840-E45D-4DAA-BE43-94276BE639C0}" type="datetime1">
               <a:rPr lang="ru-RU" smtClean="0"/>
-              <a:t>06.09.2024</a:t>
+              <a:t>19.01.2025</a:t>
             </a:fld>
             <a:endParaRPr lang="ru-RU"/>
           </a:p>
@@ -4847,7 +4849,7 @@
           <a:p>
             <a:fld id="{01E081C3-C275-49D1-AD29-5B152B9D32A6}" type="datetime1">
               <a:rPr lang="ru-RU" smtClean="0"/>
-              <a:t>06.09.2024</a:t>
+              <a:t>19.01.2025</a:t>
             </a:fld>
             <a:endParaRPr lang="ru-RU"/>
           </a:p>
@@ -5136,7 +5138,7 @@
           <a:p>
             <a:fld id="{453BEC0E-0129-4BAE-BDC5-B0A9F963C45C}" type="datetime1">
               <a:rPr lang="ru-RU" smtClean="0"/>
-              <a:t>06.09.2024</a:t>
+              <a:t>19.01.2025</a:t>
             </a:fld>
             <a:endParaRPr lang="ru-RU"/>
           </a:p>
@@ -5379,7 +5381,7 @@
           <a:p>
             <a:fld id="{0B0E3125-C00F-4E0E-AE42-19C93EAE59FD}" type="datetime1">
               <a:rPr lang="ru-RU" smtClean="0"/>
-              <a:t>06.09.2024</a:t>
+              <a:t>19.01.2025</a:t>
             </a:fld>
             <a:endParaRPr lang="ru-RU"/>
           </a:p>
@@ -5928,6 +5930,100 @@
           <p:cNvPr id="2" name="Заголовок 1">
             <a:extLst>
               <a:ext uri="{FF2B5EF4-FFF2-40B4-BE49-F238E27FC236}">
+                <a16:creationId xmlns:a16="http://schemas.microsoft.com/office/drawing/2014/main" id="{D73E1AC1-1020-4294-A077-007A71C780F3}"/>
+              </a:ext>
+            </a:extLst>
+          </p:cNvPr>
+          <p:cNvSpPr>
+            <a:spLocks noGrp="1"/>
+          </p:cNvSpPr>
+          <p:nvPr>
+            <p:ph type="title"/>
+          </p:nvPr>
+        </p:nvSpPr>
+        <p:spPr/>
+        <p:txBody>
+          <a:bodyPr/>
+          <a:lstStyle/>
+          <a:p>
+            <a:r>
+              <a:rPr lang="ru-RU" dirty="0"/>
+              <a:t>Агрегация и делегирование</a:t>
+            </a:r>
+          </a:p>
+        </p:txBody>
+      </p:sp>
+      <p:pic>
+        <p:nvPicPr>
+          <p:cNvPr id="5" name="Рисунок 4">
+            <a:extLst>
+              <a:ext uri="{FF2B5EF4-FFF2-40B4-BE49-F238E27FC236}">
+                <a16:creationId xmlns:a16="http://schemas.microsoft.com/office/drawing/2014/main" id="{CA871CF4-AACF-395E-5682-5A4F4F5F35D0}"/>
+              </a:ext>
+            </a:extLst>
+          </p:cNvPr>
+          <p:cNvPicPr>
+            <a:picLocks noChangeAspect="1"/>
+          </p:cNvPicPr>
+          <p:nvPr/>
+        </p:nvPicPr>
+        <p:blipFill>
+          <a:blip r:embed="rId3">
+            <a:extLst>
+              <a:ext uri="{28A0092B-C50C-407E-A947-70E740481C1C}">
+                <a14:useLocalDpi xmlns:a14="http://schemas.microsoft.com/office/drawing/2010/main" val="0"/>
+              </a:ext>
+            </a:extLst>
+          </a:blip>
+          <a:stretch>
+            <a:fillRect/>
+          </a:stretch>
+        </p:blipFill>
+        <p:spPr>
+          <a:xfrm>
+            <a:off x="2938264" y="2492896"/>
+            <a:ext cx="6470104" cy="3702850"/>
+          </a:xfrm>
+          <a:prstGeom prst="rect">
+            <a:avLst/>
+          </a:prstGeom>
+        </p:spPr>
+      </p:pic>
+    </p:spTree>
+    <p:extLst>
+      <p:ext uri="{BB962C8B-B14F-4D97-AF65-F5344CB8AC3E}">
+        <p14:creationId xmlns:p14="http://schemas.microsoft.com/office/powerpoint/2010/main" val="3997726164"/>
+      </p:ext>
+    </p:extLst>
+  </p:cSld>
+  <p:clrMapOvr>
+    <a:masterClrMapping/>
+  </p:clrMapOvr>
+</p:sld>
+</file>
+
+<file path=ppt/slides/slide11.xml><?xml version="1.0" encoding="utf-8"?>
+<p:sld xmlns:a="http://schemas.openxmlformats.org/drawingml/2006/main" xmlns:r="http://schemas.openxmlformats.org/officeDocument/2006/relationships" xmlns:p="http://schemas.openxmlformats.org/presentationml/2006/main">
+  <p:cSld>
+    <p:spTree>
+      <p:nvGrpSpPr>
+        <p:cNvPr id="1" name=""/>
+        <p:cNvGrpSpPr/>
+        <p:nvPr/>
+      </p:nvGrpSpPr>
+      <p:grpSpPr>
+        <a:xfrm>
+          <a:off x="0" y="0"/>
+          <a:ext cx="0" cy="0"/>
+          <a:chOff x="0" y="0"/>
+          <a:chExt cx="0" cy="0"/>
+        </a:xfrm>
+      </p:grpSpPr>
+      <p:sp>
+        <p:nvSpPr>
+          <p:cNvPr id="2" name="Заголовок 1">
+            <a:extLst>
+              <a:ext uri="{FF2B5EF4-FFF2-40B4-BE49-F238E27FC236}">
                 <a16:creationId xmlns:a16="http://schemas.microsoft.com/office/drawing/2014/main" id="{2132D142-1727-46E9-802D-5C11B0B03F3A}"/>
               </a:ext>
             </a:extLst>
@@ -6011,7 +6107,7 @@
 </p:sld>
 </file>
 
-<file path=ppt/slides/slide11.xml><?xml version="1.0" encoding="utf-8"?>
+<file path=ppt/slides/slide12.xml><?xml version="1.0" encoding="utf-8"?>
 <p:sld xmlns:a="http://schemas.openxmlformats.org/drawingml/2006/main" xmlns:r="http://schemas.openxmlformats.org/officeDocument/2006/relationships" xmlns:p="http://schemas.openxmlformats.org/presentationml/2006/main">
   <p:cSld>
     <p:spTree>
@@ -6099,7 +6195,7 @@
 </p:sld>
 </file>
 
-<file path=ppt/slides/slide12.xml><?xml version="1.0" encoding="utf-8"?>
+<file path=ppt/slides/slide13.xml><?xml version="1.0" encoding="utf-8"?>
 <p:sld xmlns:a="http://schemas.openxmlformats.org/drawingml/2006/main" xmlns:r="http://schemas.openxmlformats.org/officeDocument/2006/relationships" xmlns:p="http://schemas.openxmlformats.org/presentationml/2006/main">
   <p:cSld>
     <p:spTree>
@@ -6630,7 +6726,7 @@
 </p:sld>
 </file>
 
-<file path=ppt/slides/slide13.xml><?xml version="1.0" encoding="utf-8"?>
+<file path=ppt/slides/slide14.xml><?xml version="1.0" encoding="utf-8"?>
 <p:sld xmlns:a="http://schemas.openxmlformats.org/drawingml/2006/main" xmlns:r="http://schemas.openxmlformats.org/officeDocument/2006/relationships" xmlns:p="http://schemas.openxmlformats.org/presentationml/2006/main">
   <p:cSld>
     <p:spTree>
@@ -8855,7 +8951,7 @@
 </p:sld>
 </file>
 
-<file path=ppt/slides/slide14.xml><?xml version="1.0" encoding="utf-8"?>
+<file path=ppt/slides/slide15.xml><?xml version="1.0" encoding="utf-8"?>
 <p:sld xmlns:a="http://schemas.openxmlformats.org/drawingml/2006/main" xmlns:r="http://schemas.openxmlformats.org/officeDocument/2006/relationships" xmlns:p="http://schemas.openxmlformats.org/presentationml/2006/main">
   <p:cSld>
     <p:spTree>
@@ -9134,7 +9230,7 @@
 </p:sld>
 </file>
 
-<file path=ppt/slides/slide15.xml><?xml version="1.0" encoding="utf-8"?>
+<file path=ppt/slides/slide16.xml><?xml version="1.0" encoding="utf-8"?>
 <p:sld xmlns:a="http://schemas.openxmlformats.org/drawingml/2006/main" xmlns:r="http://schemas.openxmlformats.org/officeDocument/2006/relationships" xmlns:p="http://schemas.openxmlformats.org/presentationml/2006/main">
   <p:cSld>
     <p:spTree>
@@ -9239,118 +9335,6 @@
 </p:sld>
 </file>
 
-<file path=ppt/slides/slide16.xml><?xml version="1.0" encoding="utf-8"?>
-<p:sld xmlns:a="http://schemas.openxmlformats.org/drawingml/2006/main" xmlns:r="http://schemas.openxmlformats.org/officeDocument/2006/relationships" xmlns:p="http://schemas.openxmlformats.org/presentationml/2006/main">
-  <p:cSld>
-    <p:spTree>
-      <p:nvGrpSpPr>
-        <p:cNvPr id="1" name=""/>
-        <p:cNvGrpSpPr/>
-        <p:nvPr/>
-      </p:nvGrpSpPr>
-      <p:grpSpPr>
-        <a:xfrm>
-          <a:off x="0" y="0"/>
-          <a:ext cx="0" cy="0"/>
-          <a:chOff x="0" y="0"/>
-          <a:chExt cx="0" cy="0"/>
-        </a:xfrm>
-      </p:grpSpPr>
-      <p:sp>
-        <p:nvSpPr>
-          <p:cNvPr id="3" name="Title 2">
-            <a:extLst>
-              <a:ext uri="{FF2B5EF4-FFF2-40B4-BE49-F238E27FC236}">
-                <a16:creationId xmlns:a16="http://schemas.microsoft.com/office/drawing/2014/main" id="{8EBF5C1F-8EB7-440F-83AA-83349F6B13E2}"/>
-              </a:ext>
-            </a:extLst>
-          </p:cNvPr>
-          <p:cNvSpPr>
-            <a:spLocks noGrp="1"/>
-          </p:cNvSpPr>
-          <p:nvPr>
-            <p:ph type="title"/>
-          </p:nvPr>
-        </p:nvSpPr>
-        <p:spPr/>
-        <p:txBody>
-          <a:bodyPr/>
-          <a:lstStyle/>
-          <a:p>
-            <a:r>
-              <a:rPr lang="ru-RU" dirty="0"/>
-              <a:t>Наследование</a:t>
-            </a:r>
-          </a:p>
-        </p:txBody>
-      </p:sp>
-      <p:sp>
-        <p:nvSpPr>
-          <p:cNvPr id="4" name="Text Placeholder 3">
-            <a:extLst>
-              <a:ext uri="{FF2B5EF4-FFF2-40B4-BE49-F238E27FC236}">
-                <a16:creationId xmlns:a16="http://schemas.microsoft.com/office/drawing/2014/main" id="{CA3C3619-47C0-4CBE-ABA2-016231C4599B}"/>
-              </a:ext>
-            </a:extLst>
-          </p:cNvPr>
-          <p:cNvSpPr>
-            <a:spLocks noGrp="1"/>
-          </p:cNvSpPr>
-          <p:nvPr>
-            <p:ph type="body" idx="1"/>
-          </p:nvPr>
-        </p:nvSpPr>
-        <p:spPr/>
-        <p:txBody>
-          <a:bodyPr/>
-          <a:lstStyle/>
-          <a:p>
-            <a:endParaRPr lang="ru-RU"/>
-          </a:p>
-        </p:txBody>
-      </p:sp>
-      <p:sp>
-        <p:nvSpPr>
-          <p:cNvPr id="5" name="Slide Number Placeholder 4">
-            <a:extLst>
-              <a:ext uri="{FF2B5EF4-FFF2-40B4-BE49-F238E27FC236}">
-                <a16:creationId xmlns:a16="http://schemas.microsoft.com/office/drawing/2014/main" id="{60CBB147-5EA7-452D-8899-B16743B909FE}"/>
-              </a:ext>
-            </a:extLst>
-          </p:cNvPr>
-          <p:cNvSpPr>
-            <a:spLocks noGrp="1"/>
-          </p:cNvSpPr>
-          <p:nvPr>
-            <p:ph type="sldNum" sz="quarter" idx="12"/>
-          </p:nvPr>
-        </p:nvSpPr>
-        <p:spPr/>
-        <p:txBody>
-          <a:bodyPr/>
-          <a:lstStyle/>
-          <a:p>
-            <a:fld id="{B28E8911-E3D6-4AD9-AA24-3D7604D2F44D}" type="slidenum">
-              <a:rPr lang="ru-RU" smtClean="0"/>
-              <a:t>16</a:t>
-            </a:fld>
-            <a:endParaRPr lang="ru-RU"/>
-          </a:p>
-        </p:txBody>
-      </p:sp>
-    </p:spTree>
-    <p:extLst>
-      <p:ext uri="{BB962C8B-B14F-4D97-AF65-F5344CB8AC3E}">
-        <p14:creationId xmlns:p14="http://schemas.microsoft.com/office/powerpoint/2010/main" val="647450312"/>
-      </p:ext>
-    </p:extLst>
-  </p:cSld>
-  <p:clrMapOvr>
-    <a:masterClrMapping/>
-  </p:clrMapOvr>
-</p:sld>
-</file>
-
 <file path=ppt/slides/slide17.xml><?xml version="1.0" encoding="utf-8"?>
 <p:sld xmlns:a="http://schemas.openxmlformats.org/drawingml/2006/main" xmlns:r="http://schemas.openxmlformats.org/officeDocument/2006/relationships" xmlns:p="http://schemas.openxmlformats.org/presentationml/2006/main">
   <p:cSld>
@@ -9370,6 +9354,118 @@
       </p:grpSpPr>
       <p:sp>
         <p:nvSpPr>
+          <p:cNvPr id="3" name="Title 2">
+            <a:extLst>
+              <a:ext uri="{FF2B5EF4-FFF2-40B4-BE49-F238E27FC236}">
+                <a16:creationId xmlns:a16="http://schemas.microsoft.com/office/drawing/2014/main" id="{8EBF5C1F-8EB7-440F-83AA-83349F6B13E2}"/>
+              </a:ext>
+            </a:extLst>
+          </p:cNvPr>
+          <p:cNvSpPr>
+            <a:spLocks noGrp="1"/>
+          </p:cNvSpPr>
+          <p:nvPr>
+            <p:ph type="title"/>
+          </p:nvPr>
+        </p:nvSpPr>
+        <p:spPr/>
+        <p:txBody>
+          <a:bodyPr/>
+          <a:lstStyle/>
+          <a:p>
+            <a:r>
+              <a:rPr lang="ru-RU" dirty="0"/>
+              <a:t>Наследование</a:t>
+            </a:r>
+          </a:p>
+        </p:txBody>
+      </p:sp>
+      <p:sp>
+        <p:nvSpPr>
+          <p:cNvPr id="4" name="Text Placeholder 3">
+            <a:extLst>
+              <a:ext uri="{FF2B5EF4-FFF2-40B4-BE49-F238E27FC236}">
+                <a16:creationId xmlns:a16="http://schemas.microsoft.com/office/drawing/2014/main" id="{CA3C3619-47C0-4CBE-ABA2-016231C4599B}"/>
+              </a:ext>
+            </a:extLst>
+          </p:cNvPr>
+          <p:cNvSpPr>
+            <a:spLocks noGrp="1"/>
+          </p:cNvSpPr>
+          <p:nvPr>
+            <p:ph type="body" idx="1"/>
+          </p:nvPr>
+        </p:nvSpPr>
+        <p:spPr/>
+        <p:txBody>
+          <a:bodyPr/>
+          <a:lstStyle/>
+          <a:p>
+            <a:endParaRPr lang="ru-RU"/>
+          </a:p>
+        </p:txBody>
+      </p:sp>
+      <p:sp>
+        <p:nvSpPr>
+          <p:cNvPr id="5" name="Slide Number Placeholder 4">
+            <a:extLst>
+              <a:ext uri="{FF2B5EF4-FFF2-40B4-BE49-F238E27FC236}">
+                <a16:creationId xmlns:a16="http://schemas.microsoft.com/office/drawing/2014/main" id="{60CBB147-5EA7-452D-8899-B16743B909FE}"/>
+              </a:ext>
+            </a:extLst>
+          </p:cNvPr>
+          <p:cNvSpPr>
+            <a:spLocks noGrp="1"/>
+          </p:cNvSpPr>
+          <p:nvPr>
+            <p:ph type="sldNum" sz="quarter" idx="12"/>
+          </p:nvPr>
+        </p:nvSpPr>
+        <p:spPr/>
+        <p:txBody>
+          <a:bodyPr/>
+          <a:lstStyle/>
+          <a:p>
+            <a:fld id="{B28E8911-E3D6-4AD9-AA24-3D7604D2F44D}" type="slidenum">
+              <a:rPr lang="ru-RU" smtClean="0"/>
+              <a:t>17</a:t>
+            </a:fld>
+            <a:endParaRPr lang="ru-RU"/>
+          </a:p>
+        </p:txBody>
+      </p:sp>
+    </p:spTree>
+    <p:extLst>
+      <p:ext uri="{BB962C8B-B14F-4D97-AF65-F5344CB8AC3E}">
+        <p14:creationId xmlns:p14="http://schemas.microsoft.com/office/powerpoint/2010/main" val="647450312"/>
+      </p:ext>
+    </p:extLst>
+  </p:cSld>
+  <p:clrMapOvr>
+    <a:masterClrMapping/>
+  </p:clrMapOvr>
+</p:sld>
+</file>
+
+<file path=ppt/slides/slide18.xml><?xml version="1.0" encoding="utf-8"?>
+<p:sld xmlns:a="http://schemas.openxmlformats.org/drawingml/2006/main" xmlns:r="http://schemas.openxmlformats.org/officeDocument/2006/relationships" xmlns:p="http://schemas.openxmlformats.org/presentationml/2006/main">
+  <p:cSld>
+    <p:spTree>
+      <p:nvGrpSpPr>
+        <p:cNvPr id="1" name=""/>
+        <p:cNvGrpSpPr/>
+        <p:nvPr/>
+      </p:nvGrpSpPr>
+      <p:grpSpPr>
+        <a:xfrm>
+          <a:off x="0" y="0"/>
+          <a:ext cx="0" cy="0"/>
+          <a:chOff x="0" y="0"/>
+          <a:chExt cx="0" cy="0"/>
+        </a:xfrm>
+      </p:grpSpPr>
+      <p:sp>
+        <p:nvSpPr>
           <p:cNvPr id="2" name="Заголовок 1">
             <a:extLst>
               <a:ext uri="{FF2B5EF4-FFF2-40B4-BE49-F238E27FC236}">
@@ -9459,7 +9555,7 @@
           <a:p>
             <a:fld id="{B28E8911-E3D6-4AD9-AA24-3D7604D2F44D}" type="slidenum">
               <a:rPr lang="ru-RU" smtClean="0"/>
-              <a:t>17</a:t>
+              <a:t>18</a:t>
             </a:fld>
             <a:endParaRPr lang="ru-RU"/>
           </a:p>
@@ -9478,7 +9574,7 @@
 </p:sld>
 </file>
 
-<file path=ppt/slides/slide18.xml><?xml version="1.0" encoding="utf-8"?>
+<file path=ppt/slides/slide19.xml><?xml version="1.0" encoding="utf-8"?>
 <p:sld xmlns:a="http://schemas.openxmlformats.org/drawingml/2006/main" xmlns:r="http://schemas.openxmlformats.org/officeDocument/2006/relationships" xmlns:p="http://schemas.openxmlformats.org/presentationml/2006/main">
   <p:cSld>
     <p:spTree>
@@ -9584,7 +9680,7 @@
           <a:p>
             <a:fld id="{B28E8911-E3D6-4AD9-AA24-3D7604D2F44D}" type="slidenum">
               <a:rPr lang="ru-RU" smtClean="0"/>
-              <a:t>18</a:t>
+              <a:t>19</a:t>
             </a:fld>
             <a:endParaRPr lang="ru-RU"/>
           </a:p>
@@ -9603,7 +9699,176 @@
 </p:sld>
 </file>
 
-<file path=ppt/slides/slide19.xml><?xml version="1.0" encoding="utf-8"?>
+<file path=ppt/slides/slide2.xml><?xml version="1.0" encoding="utf-8"?>
+<p:sld xmlns:a="http://schemas.openxmlformats.org/drawingml/2006/main" xmlns:r="http://schemas.openxmlformats.org/officeDocument/2006/relationships" xmlns:p="http://schemas.openxmlformats.org/presentationml/2006/main" show="0">
+  <p:cSld>
+    <p:spTree>
+      <p:nvGrpSpPr>
+        <p:cNvPr id="1" name="">
+          <a:extLst>
+            <a:ext uri="{FF2B5EF4-FFF2-40B4-BE49-F238E27FC236}">
+              <a16:creationId xmlns:a16="http://schemas.microsoft.com/office/drawing/2014/main" id="{4E366DF7-0BF3-8083-6FBA-588750A44E03}"/>
+            </a:ext>
+          </a:extLst>
+        </p:cNvPr>
+        <p:cNvGrpSpPr/>
+        <p:nvPr/>
+      </p:nvGrpSpPr>
+      <p:grpSpPr>
+        <a:xfrm>
+          <a:off x="0" y="0"/>
+          <a:ext cx="0" cy="0"/>
+          <a:chOff x="0" y="0"/>
+          <a:chExt cx="0" cy="0"/>
+        </a:xfrm>
+      </p:grpSpPr>
+      <p:pic>
+        <p:nvPicPr>
+          <p:cNvPr id="5" name="Picture 4">
+            <a:extLst>
+              <a:ext uri="{FF2B5EF4-FFF2-40B4-BE49-F238E27FC236}">
+                <a16:creationId xmlns:a16="http://schemas.microsoft.com/office/drawing/2014/main" id="{6F4B2185-D39F-82C2-B491-0CEBF9BF3446}"/>
+              </a:ext>
+            </a:extLst>
+          </p:cNvPr>
+          <p:cNvPicPr>
+            <a:picLocks noChangeAspect="1"/>
+          </p:cNvPicPr>
+          <p:nvPr/>
+        </p:nvPicPr>
+        <p:blipFill>
+          <a:blip r:embed="rId2"/>
+          <a:stretch>
+            <a:fillRect/>
+          </a:stretch>
+        </p:blipFill>
+        <p:spPr>
+          <a:xfrm>
+            <a:off x="0" y="0"/>
+            <a:ext cx="12191999" cy="6858000"/>
+          </a:xfrm>
+          <a:prstGeom prst="rect">
+            <a:avLst/>
+          </a:prstGeom>
+        </p:spPr>
+      </p:pic>
+      <p:sp>
+        <p:nvSpPr>
+          <p:cNvPr id="2" name="Заголовок 1">
+            <a:extLst>
+              <a:ext uri="{FF2B5EF4-FFF2-40B4-BE49-F238E27FC236}">
+                <a16:creationId xmlns:a16="http://schemas.microsoft.com/office/drawing/2014/main" id="{7A0B5C75-B458-6C30-A3A7-98D267C3D294}"/>
+              </a:ext>
+            </a:extLst>
+          </p:cNvPr>
+          <p:cNvSpPr>
+            <a:spLocks noGrp="1"/>
+          </p:cNvSpPr>
+          <p:nvPr>
+            <p:ph type="ctrTitle"/>
+          </p:nvPr>
+        </p:nvSpPr>
+        <p:spPr>
+          <a:xfrm>
+            <a:off x="1524000" y="1122362"/>
+            <a:ext cx="9144000" cy="4652796"/>
+          </a:xfrm>
+        </p:spPr>
+        <p:txBody>
+          <a:bodyPr>
+            <a:noAutofit/>
+          </a:bodyPr>
+          <a:lstStyle/>
+          <a:p>
+            <a:r>
+              <a:rPr lang="ru-RU" sz="8800" dirty="0">
+                <a:solidFill>
+                  <a:schemeClr val="bg1"/>
+                </a:solidFill>
+                <a:effectLst>
+                  <a:outerShdw blurRad="38100" dist="38100" dir="2700000" algn="tl">
+                    <a:srgbClr val="000000">
+                      <a:alpha val="43137"/>
+                    </a:srgbClr>
+                  </a:outerShdw>
+                </a:effectLst>
+                <a:latin typeface="Impact" panose="020B0806030902050204" pitchFamily="34" charset="0"/>
+              </a:rPr>
+              <a:t>Объектно-ориентированное проектирование</a:t>
+            </a:r>
+            <a:br>
+              <a:rPr lang="ru-RU" sz="8800" dirty="0">
+                <a:solidFill>
+                  <a:schemeClr val="bg1"/>
+                </a:solidFill>
+                <a:effectLst>
+                  <a:outerShdw blurRad="38100" dist="38100" dir="2700000" algn="tl">
+                    <a:srgbClr val="000000">
+                      <a:alpha val="43137"/>
+                    </a:srgbClr>
+                  </a:outerShdw>
+                </a:effectLst>
+                <a:latin typeface="Impact" panose="020B0806030902050204" pitchFamily="34" charset="0"/>
+              </a:rPr>
+            </a:br>
+            <a:r>
+              <a:rPr lang="ru-RU" sz="8800" dirty="0">
+                <a:solidFill>
+                  <a:schemeClr val="bg1"/>
+                </a:solidFill>
+                <a:effectLst>
+                  <a:outerShdw blurRad="38100" dist="38100" dir="2700000" algn="tl">
+                    <a:srgbClr val="000000">
+                      <a:alpha val="43137"/>
+                    </a:srgbClr>
+                  </a:outerShdw>
+                </a:effectLst>
+                <a:latin typeface="Impact" panose="020B0806030902050204" pitchFamily="34" charset="0"/>
+              </a:rPr>
+              <a:t>2024</a:t>
+            </a:r>
+          </a:p>
+        </p:txBody>
+      </p:sp>
+      <p:sp>
+        <p:nvSpPr>
+          <p:cNvPr id="7" name="Subtitle 6">
+            <a:extLst>
+              <a:ext uri="{FF2B5EF4-FFF2-40B4-BE49-F238E27FC236}">
+                <a16:creationId xmlns:a16="http://schemas.microsoft.com/office/drawing/2014/main" id="{3D97BDAD-C790-AB94-C16B-ED29C67CBF9E}"/>
+              </a:ext>
+            </a:extLst>
+          </p:cNvPr>
+          <p:cNvSpPr>
+            <a:spLocks noGrp="1"/>
+          </p:cNvSpPr>
+          <p:nvPr>
+            <p:ph type="subTitle" idx="1"/>
+          </p:nvPr>
+        </p:nvSpPr>
+        <p:spPr/>
+        <p:txBody>
+          <a:bodyPr/>
+          <a:lstStyle/>
+          <a:p>
+            <a:endParaRPr lang="en-US" dirty="0"/>
+          </a:p>
+        </p:txBody>
+      </p:sp>
+    </p:spTree>
+    <p:extLst>
+      <p:ext uri="{BB962C8B-B14F-4D97-AF65-F5344CB8AC3E}">
+        <p14:creationId xmlns:p14="http://schemas.microsoft.com/office/powerpoint/2010/main" val="1501740091"/>
+      </p:ext>
+    </p:extLst>
+  </p:cSld>
+  <p:clrMapOvr>
+    <a:masterClrMapping/>
+  </p:clrMapOvr>
+</p:sld>
+</file>
+
+<file path=ppt/slides/slide20.xml><?xml version="1.0" encoding="utf-8"?>
 <p:sld xmlns:a="http://schemas.openxmlformats.org/drawingml/2006/main" xmlns:r="http://schemas.openxmlformats.org/officeDocument/2006/relationships" xmlns:p="http://schemas.openxmlformats.org/presentationml/2006/main">
   <p:cSld>
     <p:spTree>
@@ -9696,7 +9961,7 @@
           <a:p>
             <a:fld id="{B28E8911-E3D6-4AD9-AA24-3D7604D2F44D}" type="slidenum">
               <a:rPr lang="ru-RU" smtClean="0"/>
-              <a:t>19</a:t>
+              <a:t>20</a:t>
             </a:fld>
             <a:endParaRPr lang="ru-RU"/>
           </a:p>
@@ -9715,7 +9980,365 @@
 </p:sld>
 </file>
 
-<file path=ppt/slides/slide2.xml><?xml version="1.0" encoding="utf-8"?>
+<file path=ppt/slides/slide21.xml><?xml version="1.0" encoding="utf-8"?>
+<p:sld xmlns:a="http://schemas.openxmlformats.org/drawingml/2006/main" xmlns:r="http://schemas.openxmlformats.org/officeDocument/2006/relationships" xmlns:p="http://schemas.openxmlformats.org/presentationml/2006/main">
+  <p:cSld>
+    <p:spTree>
+      <p:nvGrpSpPr>
+        <p:cNvPr id="1" name=""/>
+        <p:cNvGrpSpPr/>
+        <p:nvPr/>
+      </p:nvGrpSpPr>
+      <p:grpSpPr>
+        <a:xfrm>
+          <a:off x="0" y="0"/>
+          <a:ext cx="0" cy="0"/>
+          <a:chOff x="0" y="0"/>
+          <a:chExt cx="0" cy="0"/>
+        </a:xfrm>
+      </p:grpSpPr>
+      <p:pic>
+        <p:nvPicPr>
+          <p:cNvPr id="5" name="Рисунок 4">
+            <a:extLst>
+              <a:ext uri="{FF2B5EF4-FFF2-40B4-BE49-F238E27FC236}">
+                <a16:creationId xmlns:a16="http://schemas.microsoft.com/office/drawing/2014/main" id="{452DA270-CB7E-8B00-5A03-197D05BB2847}"/>
+              </a:ext>
+            </a:extLst>
+          </p:cNvPr>
+          <p:cNvPicPr>
+            <a:picLocks noChangeAspect="1"/>
+          </p:cNvPicPr>
+          <p:nvPr/>
+        </p:nvPicPr>
+        <p:blipFill>
+          <a:blip r:embed="rId3">
+            <a:extLst>
+              <a:ext uri="{28A0092B-C50C-407E-A947-70E740481C1C}">
+                <a14:useLocalDpi xmlns:a14="http://schemas.microsoft.com/office/drawing/2010/main" val="0"/>
+              </a:ext>
+            </a:extLst>
+          </a:blip>
+          <a:stretch>
+            <a:fillRect/>
+          </a:stretch>
+        </p:blipFill>
+        <p:spPr>
+          <a:xfrm>
+            <a:off x="1919536" y="3500439"/>
+            <a:ext cx="8172400" cy="1922055"/>
+          </a:xfrm>
+          <a:prstGeom prst="rect">
+            <a:avLst/>
+          </a:prstGeom>
+        </p:spPr>
+      </p:pic>
+      <p:sp>
+        <p:nvSpPr>
+          <p:cNvPr id="4" name="Title 3">
+            <a:extLst>
+              <a:ext uri="{FF2B5EF4-FFF2-40B4-BE49-F238E27FC236}">
+                <a16:creationId xmlns:a16="http://schemas.microsoft.com/office/drawing/2014/main" id="{F9EC0F0A-A4A6-472E-AB37-B92F93F1056C}"/>
+              </a:ext>
+            </a:extLst>
+          </p:cNvPr>
+          <p:cNvSpPr>
+            <a:spLocks noGrp="1"/>
+          </p:cNvSpPr>
+          <p:nvPr>
+            <p:ph type="title"/>
+          </p:nvPr>
+        </p:nvSpPr>
+        <p:spPr/>
+        <p:txBody>
+          <a:bodyPr/>
+          <a:lstStyle/>
+          <a:p>
+            <a:r>
+              <a:rPr lang="ru-RU" dirty="0"/>
+              <a:t>Обозначение интерфейса</a:t>
+            </a:r>
+          </a:p>
+        </p:txBody>
+      </p:sp>
+      <p:sp>
+        <p:nvSpPr>
+          <p:cNvPr id="6" name="Slide Number Placeholder 5">
+            <a:extLst>
+              <a:ext uri="{FF2B5EF4-FFF2-40B4-BE49-F238E27FC236}">
+                <a16:creationId xmlns:a16="http://schemas.microsoft.com/office/drawing/2014/main" id="{5D7B596E-DA3A-4FA1-9260-CE5589845767}"/>
+              </a:ext>
+            </a:extLst>
+          </p:cNvPr>
+          <p:cNvSpPr>
+            <a:spLocks noGrp="1"/>
+          </p:cNvSpPr>
+          <p:nvPr>
+            <p:ph type="sldNum" sz="quarter" idx="12"/>
+          </p:nvPr>
+        </p:nvSpPr>
+        <p:spPr/>
+        <p:txBody>
+          <a:bodyPr/>
+          <a:lstStyle/>
+          <a:p>
+            <a:fld id="{B28E8911-E3D6-4AD9-AA24-3D7604D2F44D}" type="slidenum">
+              <a:rPr lang="ru-RU" smtClean="0"/>
+              <a:t>21</a:t>
+            </a:fld>
+            <a:endParaRPr lang="ru-RU"/>
+          </a:p>
+        </p:txBody>
+      </p:sp>
+    </p:spTree>
+    <p:extLst>
+      <p:ext uri="{BB962C8B-B14F-4D97-AF65-F5344CB8AC3E}">
+        <p14:creationId xmlns:p14="http://schemas.microsoft.com/office/powerpoint/2010/main" val="640609002"/>
+      </p:ext>
+    </p:extLst>
+  </p:cSld>
+  <p:clrMapOvr>
+    <a:masterClrMapping/>
+  </p:clrMapOvr>
+</p:sld>
+</file>
+
+<file path=ppt/slides/slide22.xml><?xml version="1.0" encoding="utf-8"?>
+<p:sld xmlns:a="http://schemas.openxmlformats.org/drawingml/2006/main" xmlns:r="http://schemas.openxmlformats.org/officeDocument/2006/relationships" xmlns:p="http://schemas.openxmlformats.org/presentationml/2006/main">
+  <p:cSld>
+    <p:spTree>
+      <p:nvGrpSpPr>
+        <p:cNvPr id="1" name=""/>
+        <p:cNvGrpSpPr/>
+        <p:nvPr/>
+      </p:nvGrpSpPr>
+      <p:grpSpPr>
+        <a:xfrm>
+          <a:off x="0" y="0"/>
+          <a:ext cx="0" cy="0"/>
+          <a:chOff x="0" y="0"/>
+          <a:chExt cx="0" cy="0"/>
+        </a:xfrm>
+      </p:grpSpPr>
+      <p:sp>
+        <p:nvSpPr>
+          <p:cNvPr id="3" name="Title 2">
+            <a:extLst>
+              <a:ext uri="{FF2B5EF4-FFF2-40B4-BE49-F238E27FC236}">
+                <a16:creationId xmlns:a16="http://schemas.microsoft.com/office/drawing/2014/main" id="{AD20A85F-E557-4665-A30A-B0D4CCF0920F}"/>
+              </a:ext>
+            </a:extLst>
+          </p:cNvPr>
+          <p:cNvSpPr>
+            <a:spLocks noGrp="1"/>
+          </p:cNvSpPr>
+          <p:nvPr>
+            <p:ph type="title"/>
+          </p:nvPr>
+        </p:nvSpPr>
+        <p:spPr/>
+        <p:txBody>
+          <a:bodyPr/>
+          <a:lstStyle/>
+          <a:p>
+            <a:r>
+              <a:rPr lang="ru-RU" dirty="0"/>
+              <a:t>Реализация интерфейса</a:t>
+            </a:r>
+          </a:p>
+        </p:txBody>
+      </p:sp>
+      <p:sp>
+        <p:nvSpPr>
+          <p:cNvPr id="4" name="Text Placeholder 3">
+            <a:extLst>
+              <a:ext uri="{FF2B5EF4-FFF2-40B4-BE49-F238E27FC236}">
+                <a16:creationId xmlns:a16="http://schemas.microsoft.com/office/drawing/2014/main" id="{A14DD752-76D8-4068-A767-76069DC8340B}"/>
+              </a:ext>
+            </a:extLst>
+          </p:cNvPr>
+          <p:cNvSpPr>
+            <a:spLocks noGrp="1"/>
+          </p:cNvSpPr>
+          <p:nvPr>
+            <p:ph type="body" idx="1"/>
+          </p:nvPr>
+        </p:nvSpPr>
+        <p:spPr/>
+        <p:txBody>
+          <a:bodyPr/>
+          <a:lstStyle/>
+          <a:p>
+            <a:endParaRPr lang="ru-RU"/>
+          </a:p>
+        </p:txBody>
+      </p:sp>
+      <p:sp>
+        <p:nvSpPr>
+          <p:cNvPr id="2" name="Slide Number Placeholder 1">
+            <a:extLst>
+              <a:ext uri="{FF2B5EF4-FFF2-40B4-BE49-F238E27FC236}">
+                <a16:creationId xmlns:a16="http://schemas.microsoft.com/office/drawing/2014/main" id="{F467DA6F-952A-418D-A83A-62E966CBBEA3}"/>
+              </a:ext>
+            </a:extLst>
+          </p:cNvPr>
+          <p:cNvSpPr>
+            <a:spLocks noGrp="1"/>
+          </p:cNvSpPr>
+          <p:nvPr>
+            <p:ph type="sldNum" sz="quarter" idx="12"/>
+          </p:nvPr>
+        </p:nvSpPr>
+        <p:spPr/>
+        <p:txBody>
+          <a:bodyPr/>
+          <a:lstStyle/>
+          <a:p>
+            <a:fld id="{B28E8911-E3D6-4AD9-AA24-3D7604D2F44D}" type="slidenum">
+              <a:rPr lang="ru-RU" smtClean="0"/>
+              <a:t>22</a:t>
+            </a:fld>
+            <a:endParaRPr lang="ru-RU"/>
+          </a:p>
+        </p:txBody>
+      </p:sp>
+    </p:spTree>
+    <p:extLst>
+      <p:ext uri="{BB962C8B-B14F-4D97-AF65-F5344CB8AC3E}">
+        <p14:creationId xmlns:p14="http://schemas.microsoft.com/office/powerpoint/2010/main" val="2367856906"/>
+      </p:ext>
+    </p:extLst>
+  </p:cSld>
+  <p:clrMapOvr>
+    <a:masterClrMapping/>
+  </p:clrMapOvr>
+</p:sld>
+</file>
+
+<file path=ppt/slides/slide23.xml><?xml version="1.0" encoding="utf-8"?>
+<p:sld xmlns:a="http://schemas.openxmlformats.org/drawingml/2006/main" xmlns:r="http://schemas.openxmlformats.org/officeDocument/2006/relationships" xmlns:p="http://schemas.openxmlformats.org/presentationml/2006/main">
+  <p:cSld>
+    <p:spTree>
+      <p:nvGrpSpPr>
+        <p:cNvPr id="1" name=""/>
+        <p:cNvGrpSpPr/>
+        <p:nvPr/>
+      </p:nvGrpSpPr>
+      <p:grpSpPr>
+        <a:xfrm>
+          <a:off x="0" y="0"/>
+          <a:ext cx="0" cy="0"/>
+          <a:chOff x="0" y="0"/>
+          <a:chExt cx="0" cy="0"/>
+        </a:xfrm>
+      </p:grpSpPr>
+      <p:sp>
+        <p:nvSpPr>
+          <p:cNvPr id="2" name="Title 1">
+            <a:extLst>
+              <a:ext uri="{FF2B5EF4-FFF2-40B4-BE49-F238E27FC236}">
+                <a16:creationId xmlns:a16="http://schemas.microsoft.com/office/drawing/2014/main" id="{CBF18DEB-8DC1-40F2-8D25-8A130A9D752D}"/>
+              </a:ext>
+            </a:extLst>
+          </p:cNvPr>
+          <p:cNvSpPr>
+            <a:spLocks noGrp="1"/>
+          </p:cNvSpPr>
+          <p:nvPr>
+            <p:ph type="title"/>
+          </p:nvPr>
+        </p:nvSpPr>
+        <p:spPr/>
+        <p:txBody>
+          <a:bodyPr/>
+          <a:lstStyle/>
+          <a:p>
+            <a:r>
+              <a:rPr lang="ru-RU" dirty="0"/>
+              <a:t>Обозначение на диаграмме</a:t>
+            </a:r>
+          </a:p>
+        </p:txBody>
+      </p:sp>
+      <p:pic>
+        <p:nvPicPr>
+          <p:cNvPr id="5" name="Объект 4">
+            <a:extLst>
+              <a:ext uri="{FF2B5EF4-FFF2-40B4-BE49-F238E27FC236}">
+                <a16:creationId xmlns:a16="http://schemas.microsoft.com/office/drawing/2014/main" id="{29A911D7-AE2A-44B4-89C9-8741FF9005E8}"/>
+              </a:ext>
+            </a:extLst>
+          </p:cNvPr>
+          <p:cNvPicPr>
+            <a:picLocks noChangeAspect="1"/>
+          </p:cNvPicPr>
+          <p:nvPr/>
+        </p:nvPicPr>
+        <p:blipFill>
+          <a:blip r:embed="rId2">
+            <a:extLst>
+              <a:ext uri="{28A0092B-C50C-407E-A947-70E740481C1C}">
+                <a14:useLocalDpi xmlns:a14="http://schemas.microsoft.com/office/drawing/2010/main" val="0"/>
+              </a:ext>
+            </a:extLst>
+          </a:blip>
+          <a:stretch>
+            <a:fillRect/>
+          </a:stretch>
+        </p:blipFill>
+        <p:spPr>
+          <a:xfrm>
+            <a:off x="4984716" y="1690687"/>
+            <a:ext cx="3379028" cy="4943393"/>
+          </a:xfrm>
+          <a:prstGeom prst="rect">
+            <a:avLst/>
+          </a:prstGeom>
+        </p:spPr>
+      </p:pic>
+      <p:sp>
+        <p:nvSpPr>
+          <p:cNvPr id="6" name="Slide Number Placeholder 5">
+            <a:extLst>
+              <a:ext uri="{FF2B5EF4-FFF2-40B4-BE49-F238E27FC236}">
+                <a16:creationId xmlns:a16="http://schemas.microsoft.com/office/drawing/2014/main" id="{B320C541-292C-44F4-8485-CDBDEAE9DAC5}"/>
+              </a:ext>
+            </a:extLst>
+          </p:cNvPr>
+          <p:cNvSpPr>
+            <a:spLocks noGrp="1"/>
+          </p:cNvSpPr>
+          <p:nvPr>
+            <p:ph type="sldNum" sz="quarter" idx="12"/>
+          </p:nvPr>
+        </p:nvSpPr>
+        <p:spPr/>
+        <p:txBody>
+          <a:bodyPr/>
+          <a:lstStyle/>
+          <a:p>
+            <a:fld id="{B28E8911-E3D6-4AD9-AA24-3D7604D2F44D}" type="slidenum">
+              <a:rPr lang="ru-RU" smtClean="0"/>
+              <a:t>23</a:t>
+            </a:fld>
+            <a:endParaRPr lang="ru-RU"/>
+          </a:p>
+        </p:txBody>
+      </p:sp>
+    </p:spTree>
+    <p:extLst>
+      <p:ext uri="{BB962C8B-B14F-4D97-AF65-F5344CB8AC3E}">
+        <p14:creationId xmlns:p14="http://schemas.microsoft.com/office/powerpoint/2010/main" val="241955883"/>
+      </p:ext>
+    </p:extLst>
+  </p:cSld>
+  <p:clrMapOvr>
+    <a:masterClrMapping/>
+  </p:clrMapOvr>
+</p:sld>
+</file>
+
+<file path=ppt/slides/slide3.xml><?xml version="1.0" encoding="utf-8"?>
 <p:sld xmlns:a="http://schemas.openxmlformats.org/drawingml/2006/main" xmlns:r="http://schemas.openxmlformats.org/officeDocument/2006/relationships" xmlns:p="http://schemas.openxmlformats.org/presentationml/2006/main">
   <p:cSld>
     <p:spTree>
@@ -9935,7 +10558,7 @@
 </p:sld>
 </file>
 
-<file path=ppt/slides/slide20.xml><?xml version="1.0" encoding="utf-8"?>
+<file path=ppt/slides/slide4.xml><?xml version="1.0" encoding="utf-8"?>
 <p:sld xmlns:a="http://schemas.openxmlformats.org/drawingml/2006/main" xmlns:r="http://schemas.openxmlformats.org/officeDocument/2006/relationships" xmlns:p="http://schemas.openxmlformats.org/presentationml/2006/main">
   <p:cSld>
     <p:spTree>
@@ -9952,364 +10575,6 @@
           <a:chExt cx="0" cy="0"/>
         </a:xfrm>
       </p:grpSpPr>
-      <p:pic>
-        <p:nvPicPr>
-          <p:cNvPr id="5" name="Рисунок 4">
-            <a:extLst>
-              <a:ext uri="{FF2B5EF4-FFF2-40B4-BE49-F238E27FC236}">
-                <a16:creationId xmlns:a16="http://schemas.microsoft.com/office/drawing/2014/main" id="{452DA270-CB7E-8B00-5A03-197D05BB2847}"/>
-              </a:ext>
-            </a:extLst>
-          </p:cNvPr>
-          <p:cNvPicPr>
-            <a:picLocks noChangeAspect="1"/>
-          </p:cNvPicPr>
-          <p:nvPr/>
-        </p:nvPicPr>
-        <p:blipFill>
-          <a:blip r:embed="rId3">
-            <a:extLst>
-              <a:ext uri="{28A0092B-C50C-407E-A947-70E740481C1C}">
-                <a14:useLocalDpi xmlns:a14="http://schemas.microsoft.com/office/drawing/2010/main" val="0"/>
-              </a:ext>
-            </a:extLst>
-          </a:blip>
-          <a:stretch>
-            <a:fillRect/>
-          </a:stretch>
-        </p:blipFill>
-        <p:spPr>
-          <a:xfrm>
-            <a:off x="1919536" y="3500439"/>
-            <a:ext cx="8172400" cy="1922055"/>
-          </a:xfrm>
-          <a:prstGeom prst="rect">
-            <a:avLst/>
-          </a:prstGeom>
-        </p:spPr>
-      </p:pic>
-      <p:sp>
-        <p:nvSpPr>
-          <p:cNvPr id="4" name="Title 3">
-            <a:extLst>
-              <a:ext uri="{FF2B5EF4-FFF2-40B4-BE49-F238E27FC236}">
-                <a16:creationId xmlns:a16="http://schemas.microsoft.com/office/drawing/2014/main" id="{F9EC0F0A-A4A6-472E-AB37-B92F93F1056C}"/>
-              </a:ext>
-            </a:extLst>
-          </p:cNvPr>
-          <p:cNvSpPr>
-            <a:spLocks noGrp="1"/>
-          </p:cNvSpPr>
-          <p:nvPr>
-            <p:ph type="title"/>
-          </p:nvPr>
-        </p:nvSpPr>
-        <p:spPr/>
-        <p:txBody>
-          <a:bodyPr/>
-          <a:lstStyle/>
-          <a:p>
-            <a:r>
-              <a:rPr lang="ru-RU" dirty="0"/>
-              <a:t>Обозначение интерфейса</a:t>
-            </a:r>
-          </a:p>
-        </p:txBody>
-      </p:sp>
-      <p:sp>
-        <p:nvSpPr>
-          <p:cNvPr id="6" name="Slide Number Placeholder 5">
-            <a:extLst>
-              <a:ext uri="{FF2B5EF4-FFF2-40B4-BE49-F238E27FC236}">
-                <a16:creationId xmlns:a16="http://schemas.microsoft.com/office/drawing/2014/main" id="{5D7B596E-DA3A-4FA1-9260-CE5589845767}"/>
-              </a:ext>
-            </a:extLst>
-          </p:cNvPr>
-          <p:cNvSpPr>
-            <a:spLocks noGrp="1"/>
-          </p:cNvSpPr>
-          <p:nvPr>
-            <p:ph type="sldNum" sz="quarter" idx="12"/>
-          </p:nvPr>
-        </p:nvSpPr>
-        <p:spPr/>
-        <p:txBody>
-          <a:bodyPr/>
-          <a:lstStyle/>
-          <a:p>
-            <a:fld id="{B28E8911-E3D6-4AD9-AA24-3D7604D2F44D}" type="slidenum">
-              <a:rPr lang="ru-RU" smtClean="0"/>
-              <a:t>20</a:t>
-            </a:fld>
-            <a:endParaRPr lang="ru-RU"/>
-          </a:p>
-        </p:txBody>
-      </p:sp>
-    </p:spTree>
-    <p:extLst>
-      <p:ext uri="{BB962C8B-B14F-4D97-AF65-F5344CB8AC3E}">
-        <p14:creationId xmlns:p14="http://schemas.microsoft.com/office/powerpoint/2010/main" val="640609002"/>
-      </p:ext>
-    </p:extLst>
-  </p:cSld>
-  <p:clrMapOvr>
-    <a:masterClrMapping/>
-  </p:clrMapOvr>
-</p:sld>
-</file>
-
-<file path=ppt/slides/slide21.xml><?xml version="1.0" encoding="utf-8"?>
-<p:sld xmlns:a="http://schemas.openxmlformats.org/drawingml/2006/main" xmlns:r="http://schemas.openxmlformats.org/officeDocument/2006/relationships" xmlns:p="http://schemas.openxmlformats.org/presentationml/2006/main">
-  <p:cSld>
-    <p:spTree>
-      <p:nvGrpSpPr>
-        <p:cNvPr id="1" name=""/>
-        <p:cNvGrpSpPr/>
-        <p:nvPr/>
-      </p:nvGrpSpPr>
-      <p:grpSpPr>
-        <a:xfrm>
-          <a:off x="0" y="0"/>
-          <a:ext cx="0" cy="0"/>
-          <a:chOff x="0" y="0"/>
-          <a:chExt cx="0" cy="0"/>
-        </a:xfrm>
-      </p:grpSpPr>
-      <p:sp>
-        <p:nvSpPr>
-          <p:cNvPr id="3" name="Title 2">
-            <a:extLst>
-              <a:ext uri="{FF2B5EF4-FFF2-40B4-BE49-F238E27FC236}">
-                <a16:creationId xmlns:a16="http://schemas.microsoft.com/office/drawing/2014/main" id="{AD20A85F-E557-4665-A30A-B0D4CCF0920F}"/>
-              </a:ext>
-            </a:extLst>
-          </p:cNvPr>
-          <p:cNvSpPr>
-            <a:spLocks noGrp="1"/>
-          </p:cNvSpPr>
-          <p:nvPr>
-            <p:ph type="title"/>
-          </p:nvPr>
-        </p:nvSpPr>
-        <p:spPr/>
-        <p:txBody>
-          <a:bodyPr/>
-          <a:lstStyle/>
-          <a:p>
-            <a:r>
-              <a:rPr lang="ru-RU" dirty="0"/>
-              <a:t>Реализация интерфейса</a:t>
-            </a:r>
-          </a:p>
-        </p:txBody>
-      </p:sp>
-      <p:sp>
-        <p:nvSpPr>
-          <p:cNvPr id="4" name="Text Placeholder 3">
-            <a:extLst>
-              <a:ext uri="{FF2B5EF4-FFF2-40B4-BE49-F238E27FC236}">
-                <a16:creationId xmlns:a16="http://schemas.microsoft.com/office/drawing/2014/main" id="{A14DD752-76D8-4068-A767-76069DC8340B}"/>
-              </a:ext>
-            </a:extLst>
-          </p:cNvPr>
-          <p:cNvSpPr>
-            <a:spLocks noGrp="1"/>
-          </p:cNvSpPr>
-          <p:nvPr>
-            <p:ph type="body" idx="1"/>
-          </p:nvPr>
-        </p:nvSpPr>
-        <p:spPr/>
-        <p:txBody>
-          <a:bodyPr/>
-          <a:lstStyle/>
-          <a:p>
-            <a:endParaRPr lang="ru-RU"/>
-          </a:p>
-        </p:txBody>
-      </p:sp>
-      <p:sp>
-        <p:nvSpPr>
-          <p:cNvPr id="2" name="Slide Number Placeholder 1">
-            <a:extLst>
-              <a:ext uri="{FF2B5EF4-FFF2-40B4-BE49-F238E27FC236}">
-                <a16:creationId xmlns:a16="http://schemas.microsoft.com/office/drawing/2014/main" id="{F467DA6F-952A-418D-A83A-62E966CBBEA3}"/>
-              </a:ext>
-            </a:extLst>
-          </p:cNvPr>
-          <p:cNvSpPr>
-            <a:spLocks noGrp="1"/>
-          </p:cNvSpPr>
-          <p:nvPr>
-            <p:ph type="sldNum" sz="quarter" idx="12"/>
-          </p:nvPr>
-        </p:nvSpPr>
-        <p:spPr/>
-        <p:txBody>
-          <a:bodyPr/>
-          <a:lstStyle/>
-          <a:p>
-            <a:fld id="{B28E8911-E3D6-4AD9-AA24-3D7604D2F44D}" type="slidenum">
-              <a:rPr lang="ru-RU" smtClean="0"/>
-              <a:t>21</a:t>
-            </a:fld>
-            <a:endParaRPr lang="ru-RU"/>
-          </a:p>
-        </p:txBody>
-      </p:sp>
-    </p:spTree>
-    <p:extLst>
-      <p:ext uri="{BB962C8B-B14F-4D97-AF65-F5344CB8AC3E}">
-        <p14:creationId xmlns:p14="http://schemas.microsoft.com/office/powerpoint/2010/main" val="2367856906"/>
-      </p:ext>
-    </p:extLst>
-  </p:cSld>
-  <p:clrMapOvr>
-    <a:masterClrMapping/>
-  </p:clrMapOvr>
-</p:sld>
-</file>
-
-<file path=ppt/slides/slide22.xml><?xml version="1.0" encoding="utf-8"?>
-<p:sld xmlns:a="http://schemas.openxmlformats.org/drawingml/2006/main" xmlns:r="http://schemas.openxmlformats.org/officeDocument/2006/relationships" xmlns:p="http://schemas.openxmlformats.org/presentationml/2006/main">
-  <p:cSld>
-    <p:spTree>
-      <p:nvGrpSpPr>
-        <p:cNvPr id="1" name=""/>
-        <p:cNvGrpSpPr/>
-        <p:nvPr/>
-      </p:nvGrpSpPr>
-      <p:grpSpPr>
-        <a:xfrm>
-          <a:off x="0" y="0"/>
-          <a:ext cx="0" cy="0"/>
-          <a:chOff x="0" y="0"/>
-          <a:chExt cx="0" cy="0"/>
-        </a:xfrm>
-      </p:grpSpPr>
-      <p:sp>
-        <p:nvSpPr>
-          <p:cNvPr id="2" name="Title 1">
-            <a:extLst>
-              <a:ext uri="{FF2B5EF4-FFF2-40B4-BE49-F238E27FC236}">
-                <a16:creationId xmlns:a16="http://schemas.microsoft.com/office/drawing/2014/main" id="{CBF18DEB-8DC1-40F2-8D25-8A130A9D752D}"/>
-              </a:ext>
-            </a:extLst>
-          </p:cNvPr>
-          <p:cNvSpPr>
-            <a:spLocks noGrp="1"/>
-          </p:cNvSpPr>
-          <p:nvPr>
-            <p:ph type="title"/>
-          </p:nvPr>
-        </p:nvSpPr>
-        <p:spPr/>
-        <p:txBody>
-          <a:bodyPr/>
-          <a:lstStyle/>
-          <a:p>
-            <a:r>
-              <a:rPr lang="ru-RU" dirty="0"/>
-              <a:t>Обозначение на диаграмме</a:t>
-            </a:r>
-          </a:p>
-        </p:txBody>
-      </p:sp>
-      <p:pic>
-        <p:nvPicPr>
-          <p:cNvPr id="5" name="Объект 4">
-            <a:extLst>
-              <a:ext uri="{FF2B5EF4-FFF2-40B4-BE49-F238E27FC236}">
-                <a16:creationId xmlns:a16="http://schemas.microsoft.com/office/drawing/2014/main" id="{29A911D7-AE2A-44B4-89C9-8741FF9005E8}"/>
-              </a:ext>
-            </a:extLst>
-          </p:cNvPr>
-          <p:cNvPicPr>
-            <a:picLocks noChangeAspect="1"/>
-          </p:cNvPicPr>
-          <p:nvPr/>
-        </p:nvPicPr>
-        <p:blipFill>
-          <a:blip r:embed="rId2">
-            <a:extLst>
-              <a:ext uri="{28A0092B-C50C-407E-A947-70E740481C1C}">
-                <a14:useLocalDpi xmlns:a14="http://schemas.microsoft.com/office/drawing/2010/main" val="0"/>
-              </a:ext>
-            </a:extLst>
-          </a:blip>
-          <a:stretch>
-            <a:fillRect/>
-          </a:stretch>
-        </p:blipFill>
-        <p:spPr>
-          <a:xfrm>
-            <a:off x="4984716" y="1690687"/>
-            <a:ext cx="3379028" cy="4943393"/>
-          </a:xfrm>
-          <a:prstGeom prst="rect">
-            <a:avLst/>
-          </a:prstGeom>
-        </p:spPr>
-      </p:pic>
-      <p:sp>
-        <p:nvSpPr>
-          <p:cNvPr id="6" name="Slide Number Placeholder 5">
-            <a:extLst>
-              <a:ext uri="{FF2B5EF4-FFF2-40B4-BE49-F238E27FC236}">
-                <a16:creationId xmlns:a16="http://schemas.microsoft.com/office/drawing/2014/main" id="{B320C541-292C-44F4-8485-CDBDEAE9DAC5}"/>
-              </a:ext>
-            </a:extLst>
-          </p:cNvPr>
-          <p:cNvSpPr>
-            <a:spLocks noGrp="1"/>
-          </p:cNvSpPr>
-          <p:nvPr>
-            <p:ph type="sldNum" sz="quarter" idx="12"/>
-          </p:nvPr>
-        </p:nvSpPr>
-        <p:spPr/>
-        <p:txBody>
-          <a:bodyPr/>
-          <a:lstStyle/>
-          <a:p>
-            <a:fld id="{B28E8911-E3D6-4AD9-AA24-3D7604D2F44D}" type="slidenum">
-              <a:rPr lang="ru-RU" smtClean="0"/>
-              <a:t>22</a:t>
-            </a:fld>
-            <a:endParaRPr lang="ru-RU"/>
-          </a:p>
-        </p:txBody>
-      </p:sp>
-    </p:spTree>
-    <p:extLst>
-      <p:ext uri="{BB962C8B-B14F-4D97-AF65-F5344CB8AC3E}">
-        <p14:creationId xmlns:p14="http://schemas.microsoft.com/office/powerpoint/2010/main" val="241955883"/>
-      </p:ext>
-    </p:extLst>
-  </p:cSld>
-  <p:clrMapOvr>
-    <a:masterClrMapping/>
-  </p:clrMapOvr>
-</p:sld>
-</file>
-
-<file path=ppt/slides/slide3.xml><?xml version="1.0" encoding="utf-8"?>
-<p:sld xmlns:a="http://schemas.openxmlformats.org/drawingml/2006/main" xmlns:r="http://schemas.openxmlformats.org/officeDocument/2006/relationships" xmlns:p="http://schemas.openxmlformats.org/presentationml/2006/main">
-  <p:cSld>
-    <p:spTree>
-      <p:nvGrpSpPr>
-        <p:cNvPr id="1" name=""/>
-        <p:cNvGrpSpPr/>
-        <p:nvPr/>
-      </p:nvGrpSpPr>
-      <p:grpSpPr>
-        <a:xfrm>
-          <a:off x="0" y="0"/>
-          <a:ext cx="0" cy="0"/>
-          <a:chOff x="0" y="0"/>
-          <a:chExt cx="0" cy="0"/>
-        </a:xfrm>
-      </p:grpSpPr>
       <p:sp>
         <p:nvSpPr>
           <p:cNvPr id="2" name="Заголовок 1">
@@ -10376,7 +10641,7 @@
 </p:sld>
 </file>
 
-<file path=ppt/slides/slide4.xml><?xml version="1.0" encoding="utf-8"?>
+<file path=ppt/slides/slide5.xml><?xml version="1.0" encoding="utf-8"?>
 <p:sld xmlns:a="http://schemas.openxmlformats.org/drawingml/2006/main" xmlns:r="http://schemas.openxmlformats.org/officeDocument/2006/relationships" xmlns:p="http://schemas.openxmlformats.org/presentationml/2006/main">
   <p:cSld>
     <p:spTree>
@@ -10890,730 +11155,6 @@
 </p:sld>
 </file>
 
-<file path=ppt/slides/slide5.xml><?xml version="1.0" encoding="utf-8"?>
-<p:sld xmlns:a="http://schemas.openxmlformats.org/drawingml/2006/main" xmlns:r="http://schemas.openxmlformats.org/officeDocument/2006/relationships" xmlns:p="http://schemas.openxmlformats.org/presentationml/2006/main">
-  <p:cSld>
-    <p:spTree>
-      <p:nvGrpSpPr>
-        <p:cNvPr id="1" name=""/>
-        <p:cNvGrpSpPr/>
-        <p:nvPr/>
-      </p:nvGrpSpPr>
-      <p:grpSpPr>
-        <a:xfrm>
-          <a:off x="0" y="0"/>
-          <a:ext cx="0" cy="0"/>
-          <a:chOff x="0" y="0"/>
-          <a:chExt cx="0" cy="0"/>
-        </a:xfrm>
-      </p:grpSpPr>
-      <p:sp>
-        <p:nvSpPr>
-          <p:cNvPr id="2" name="Заголовок 1">
-            <a:extLst>
-              <a:ext uri="{FF2B5EF4-FFF2-40B4-BE49-F238E27FC236}">
-                <a16:creationId xmlns:a16="http://schemas.microsoft.com/office/drawing/2014/main" id="{3F7EDF0C-5F6E-4497-A839-4FCA94CDB171}"/>
-              </a:ext>
-            </a:extLst>
-          </p:cNvPr>
-          <p:cNvSpPr>
-            <a:spLocks noGrp="1"/>
-          </p:cNvSpPr>
-          <p:nvPr>
-            <p:ph type="title"/>
-          </p:nvPr>
-        </p:nvSpPr>
-        <p:spPr/>
-        <p:txBody>
-          <a:bodyPr/>
-          <a:lstStyle/>
-          <a:p>
-            <a:r>
-              <a:rPr lang="ru-RU" dirty="0"/>
-              <a:t>Примеры</a:t>
-            </a:r>
-          </a:p>
-        </p:txBody>
-      </p:sp>
-      <p:sp>
-        <p:nvSpPr>
-          <p:cNvPr id="3" name="Объект 2">
-            <a:extLst>
-              <a:ext uri="{FF2B5EF4-FFF2-40B4-BE49-F238E27FC236}">
-                <a16:creationId xmlns:a16="http://schemas.microsoft.com/office/drawing/2014/main" id="{4F76F067-A745-4012-8CF4-6EB40B0AB0D1}"/>
-              </a:ext>
-            </a:extLst>
-          </p:cNvPr>
-          <p:cNvSpPr>
-            <a:spLocks noGrp="1"/>
-          </p:cNvSpPr>
-          <p:nvPr>
-            <p:ph idx="1"/>
-          </p:nvPr>
-        </p:nvSpPr>
-        <p:spPr>
-          <a:xfrm>
-            <a:off x="838200" y="1825625"/>
-            <a:ext cx="6553944" cy="4351338"/>
-          </a:xfrm>
-        </p:spPr>
-        <p:txBody>
-          <a:bodyPr>
-            <a:normAutofit fontScale="92500"/>
-          </a:bodyPr>
-          <a:lstStyle/>
-          <a:p>
-            <a:r>
-              <a:rPr lang="ru-RU" dirty="0"/>
-              <a:t>Точка на плоскости</a:t>
-            </a:r>
-          </a:p>
-          <a:p>
-            <a:pPr lvl="1"/>
-            <a:r>
-              <a:rPr lang="ru-RU" dirty="0"/>
-              <a:t>Пара чисел, задающих координаты точки</a:t>
-            </a:r>
-          </a:p>
-          <a:p>
-            <a:r>
-              <a:rPr lang="ru-RU" dirty="0"/>
-              <a:t>Окружность</a:t>
-            </a:r>
-          </a:p>
-          <a:p>
-            <a:pPr lvl="1"/>
-            <a:r>
-              <a:rPr lang="ru-RU" dirty="0"/>
-              <a:t>Точка (центр) и число (радиус)</a:t>
-            </a:r>
-          </a:p>
-          <a:p>
-            <a:r>
-              <a:rPr lang="ru-RU" dirty="0"/>
-              <a:t>Класс комплексных чисел</a:t>
-            </a:r>
-          </a:p>
-          <a:p>
-            <a:pPr lvl="1"/>
-            <a:r>
-              <a:rPr lang="ru-RU" dirty="0"/>
-              <a:t>Действительная и мнимая часть</a:t>
-            </a:r>
-            <a:endParaRPr lang="en-US" dirty="0"/>
-          </a:p>
-          <a:p>
-            <a:r>
-              <a:rPr lang="ru-RU" dirty="0"/>
-              <a:t>Класс рациональных чисел</a:t>
-            </a:r>
-          </a:p>
-          <a:p>
-            <a:pPr lvl="1"/>
-            <a:r>
-              <a:rPr lang="ru-RU" dirty="0"/>
-              <a:t>Пара целых чисел - числитель и знаменатель</a:t>
-            </a:r>
-          </a:p>
-          <a:p>
-            <a:r>
-              <a:rPr lang="ru-RU" dirty="0"/>
-              <a:t>Многоугольник</a:t>
-            </a:r>
-          </a:p>
-          <a:p>
-            <a:pPr lvl="1"/>
-            <a:r>
-              <a:rPr lang="ru-RU" dirty="0"/>
-              <a:t>Координаты вершин</a:t>
-            </a:r>
-          </a:p>
-        </p:txBody>
-      </p:sp>
-      <p:sp>
-        <p:nvSpPr>
-          <p:cNvPr id="7" name="TextBox 6">
-            <a:extLst>
-              <a:ext uri="{FF2B5EF4-FFF2-40B4-BE49-F238E27FC236}">
-                <a16:creationId xmlns:a16="http://schemas.microsoft.com/office/drawing/2014/main" id="{0104880E-E7E2-4F8C-80D3-DB6BEC83767B}"/>
-              </a:ext>
-            </a:extLst>
-          </p:cNvPr>
-          <p:cNvSpPr txBox="1"/>
-          <p:nvPr/>
-        </p:nvSpPr>
-        <p:spPr>
-          <a:xfrm>
-            <a:off x="7536160" y="548680"/>
-            <a:ext cx="4557119" cy="6186309"/>
-          </a:xfrm>
-          <a:prstGeom prst="rect">
-            <a:avLst/>
-          </a:prstGeom>
-          <a:noFill/>
-        </p:spPr>
-        <p:txBody>
-          <a:bodyPr wrap="square">
-            <a:spAutoFit/>
-          </a:bodyPr>
-          <a:lstStyle/>
-          <a:p>
-            <a:r>
-              <a:rPr lang="en-US" b="0" dirty="0">
-                <a:solidFill>
-                  <a:srgbClr val="0000FF"/>
-                </a:solidFill>
-                <a:effectLst/>
-                <a:latin typeface="Consolas" panose="020B0609020204030204" pitchFamily="49" charset="0"/>
-              </a:rPr>
-              <a:t>struct</a:t>
-            </a:r>
-            <a:r>
-              <a:rPr lang="en-US" b="0" dirty="0">
-                <a:solidFill>
-                  <a:srgbClr val="000000"/>
-                </a:solidFill>
-                <a:effectLst/>
-                <a:latin typeface="Consolas" panose="020B0609020204030204" pitchFamily="49" charset="0"/>
-              </a:rPr>
-              <a:t> Point {</a:t>
-            </a:r>
-          </a:p>
-          <a:p>
-            <a:r>
-              <a:rPr lang="en-US" b="0" dirty="0">
-                <a:solidFill>
-                  <a:srgbClr val="000000"/>
-                </a:solidFill>
-                <a:effectLst/>
-                <a:latin typeface="Consolas" panose="020B0609020204030204" pitchFamily="49" charset="0"/>
-              </a:rPr>
-              <a:t>    </a:t>
-            </a:r>
-            <a:r>
-              <a:rPr lang="en-US" b="0" dirty="0">
-                <a:solidFill>
-                  <a:srgbClr val="0000FF"/>
-                </a:solidFill>
-                <a:effectLst/>
-                <a:latin typeface="Consolas" panose="020B0609020204030204" pitchFamily="49" charset="0"/>
-              </a:rPr>
-              <a:t>double</a:t>
-            </a:r>
-            <a:r>
-              <a:rPr lang="en-US" b="0" dirty="0">
-                <a:solidFill>
-                  <a:srgbClr val="000000"/>
-                </a:solidFill>
-                <a:effectLst/>
-                <a:latin typeface="Consolas" panose="020B0609020204030204" pitchFamily="49" charset="0"/>
-              </a:rPr>
-              <a:t> x, y;</a:t>
-            </a:r>
-          </a:p>
-          <a:p>
-            <a:r>
-              <a:rPr lang="en-US" b="0" dirty="0">
-                <a:solidFill>
-                  <a:srgbClr val="000000"/>
-                </a:solidFill>
-                <a:effectLst/>
-                <a:latin typeface="Consolas" panose="020B0609020204030204" pitchFamily="49" charset="0"/>
-              </a:rPr>
-              <a:t>};</a:t>
-            </a:r>
-          </a:p>
-          <a:p>
-            <a:br>
-              <a:rPr lang="en-US" b="0" dirty="0">
-                <a:solidFill>
-                  <a:srgbClr val="000000"/>
-                </a:solidFill>
-                <a:effectLst/>
-                <a:latin typeface="Consolas" panose="020B0609020204030204" pitchFamily="49" charset="0"/>
-              </a:rPr>
-            </a:br>
-            <a:r>
-              <a:rPr lang="en-US" b="0" dirty="0">
-                <a:solidFill>
-                  <a:srgbClr val="0000FF"/>
-                </a:solidFill>
-                <a:effectLst/>
-                <a:latin typeface="Consolas" panose="020B0609020204030204" pitchFamily="49" charset="0"/>
-              </a:rPr>
-              <a:t>class</a:t>
-            </a:r>
-            <a:r>
-              <a:rPr lang="en-US" b="0" dirty="0">
-                <a:solidFill>
-                  <a:srgbClr val="000000"/>
-                </a:solidFill>
-                <a:effectLst/>
-                <a:latin typeface="Consolas" panose="020B0609020204030204" pitchFamily="49" charset="0"/>
-              </a:rPr>
-              <a:t> Circle {</a:t>
-            </a:r>
-          </a:p>
-          <a:p>
-            <a:r>
-              <a:rPr lang="en-US" b="0" dirty="0">
-                <a:solidFill>
-                  <a:srgbClr val="000000"/>
-                </a:solidFill>
-                <a:effectLst/>
-                <a:latin typeface="Consolas" panose="020B0609020204030204" pitchFamily="49" charset="0"/>
-              </a:rPr>
-              <a:t>    Point </a:t>
-            </a:r>
-            <a:r>
-              <a:rPr lang="en-US" b="0" dirty="0" err="1">
-                <a:solidFill>
-                  <a:srgbClr val="000000"/>
-                </a:solidFill>
-                <a:effectLst/>
-                <a:latin typeface="Consolas" panose="020B0609020204030204" pitchFamily="49" charset="0"/>
-              </a:rPr>
-              <a:t>m_center</a:t>
-            </a:r>
-            <a:r>
-              <a:rPr lang="en-US" b="0" dirty="0">
-                <a:solidFill>
-                  <a:srgbClr val="000000"/>
-                </a:solidFill>
-                <a:effectLst/>
-                <a:latin typeface="Consolas" panose="020B0609020204030204" pitchFamily="49" charset="0"/>
-              </a:rPr>
-              <a:t>;</a:t>
-            </a:r>
-          </a:p>
-          <a:p>
-            <a:r>
-              <a:rPr lang="en-US" b="0" dirty="0">
-                <a:solidFill>
-                  <a:srgbClr val="000000"/>
-                </a:solidFill>
-                <a:effectLst/>
-                <a:latin typeface="Consolas" panose="020B0609020204030204" pitchFamily="49" charset="0"/>
-              </a:rPr>
-              <a:t>    </a:t>
-            </a:r>
-            <a:r>
-              <a:rPr lang="en-US" b="0" dirty="0">
-                <a:solidFill>
-                  <a:srgbClr val="0000FF"/>
-                </a:solidFill>
-                <a:effectLst/>
-                <a:latin typeface="Consolas" panose="020B0609020204030204" pitchFamily="49" charset="0"/>
-              </a:rPr>
-              <a:t>double</a:t>
-            </a:r>
-            <a:r>
-              <a:rPr lang="en-US" b="0" dirty="0">
-                <a:solidFill>
-                  <a:srgbClr val="000000"/>
-                </a:solidFill>
-                <a:effectLst/>
-                <a:latin typeface="Consolas" panose="020B0609020204030204" pitchFamily="49" charset="0"/>
-              </a:rPr>
-              <a:t> </a:t>
-            </a:r>
-            <a:r>
-              <a:rPr lang="en-US" b="0" dirty="0" err="1">
-                <a:solidFill>
-                  <a:srgbClr val="000000"/>
-                </a:solidFill>
-                <a:effectLst/>
-                <a:latin typeface="Consolas" panose="020B0609020204030204" pitchFamily="49" charset="0"/>
-              </a:rPr>
-              <a:t>m_radius</a:t>
-            </a:r>
-            <a:r>
-              <a:rPr lang="en-US" b="0" dirty="0">
-                <a:solidFill>
-                  <a:srgbClr val="000000"/>
-                </a:solidFill>
-                <a:effectLst/>
-                <a:latin typeface="Consolas" panose="020B0609020204030204" pitchFamily="49" charset="0"/>
-              </a:rPr>
-              <a:t>;</a:t>
-            </a:r>
-          </a:p>
-          <a:p>
-            <a:r>
-              <a:rPr lang="en-US" b="0" dirty="0">
-                <a:solidFill>
-                  <a:srgbClr val="000000"/>
-                </a:solidFill>
-                <a:effectLst/>
-                <a:latin typeface="Consolas" panose="020B0609020204030204" pitchFamily="49" charset="0"/>
-              </a:rPr>
-              <a:t>};</a:t>
-            </a:r>
-          </a:p>
-          <a:p>
-            <a:br>
-              <a:rPr lang="en-US" b="0" dirty="0">
-                <a:solidFill>
-                  <a:srgbClr val="000000"/>
-                </a:solidFill>
-                <a:effectLst/>
-                <a:latin typeface="Consolas" panose="020B0609020204030204" pitchFamily="49" charset="0"/>
-              </a:rPr>
-            </a:br>
-            <a:r>
-              <a:rPr lang="en-US" b="0" dirty="0">
-                <a:solidFill>
-                  <a:srgbClr val="0000FF"/>
-                </a:solidFill>
-                <a:effectLst/>
-                <a:latin typeface="Consolas" panose="020B0609020204030204" pitchFamily="49" charset="0"/>
-              </a:rPr>
-              <a:t>struct</a:t>
-            </a:r>
-            <a:r>
-              <a:rPr lang="en-US" b="0" dirty="0">
-                <a:solidFill>
-                  <a:srgbClr val="000000"/>
-                </a:solidFill>
-                <a:effectLst/>
-                <a:latin typeface="Consolas" panose="020B0609020204030204" pitchFamily="49" charset="0"/>
-              </a:rPr>
-              <a:t> Complex {</a:t>
-            </a:r>
-          </a:p>
-          <a:p>
-            <a:r>
-              <a:rPr lang="en-US" b="0" dirty="0">
-                <a:solidFill>
-                  <a:srgbClr val="000000"/>
-                </a:solidFill>
-                <a:effectLst/>
-                <a:latin typeface="Consolas" panose="020B0609020204030204" pitchFamily="49" charset="0"/>
-              </a:rPr>
-              <a:t>    </a:t>
-            </a:r>
-            <a:r>
-              <a:rPr lang="en-US" b="0" dirty="0">
-                <a:solidFill>
-                  <a:srgbClr val="0000FF"/>
-                </a:solidFill>
-                <a:effectLst/>
-                <a:latin typeface="Consolas" panose="020B0609020204030204" pitchFamily="49" charset="0"/>
-              </a:rPr>
-              <a:t>double</a:t>
-            </a:r>
-            <a:r>
-              <a:rPr lang="en-US" b="0" dirty="0">
-                <a:solidFill>
-                  <a:srgbClr val="000000"/>
-                </a:solidFill>
-                <a:effectLst/>
-                <a:latin typeface="Consolas" panose="020B0609020204030204" pitchFamily="49" charset="0"/>
-              </a:rPr>
-              <a:t> real;</a:t>
-            </a:r>
-          </a:p>
-          <a:p>
-            <a:r>
-              <a:rPr lang="en-US" b="0" dirty="0">
-                <a:solidFill>
-                  <a:srgbClr val="000000"/>
-                </a:solidFill>
-                <a:effectLst/>
-                <a:latin typeface="Consolas" panose="020B0609020204030204" pitchFamily="49" charset="0"/>
-              </a:rPr>
-              <a:t>    </a:t>
-            </a:r>
-            <a:r>
-              <a:rPr lang="en-US" b="0" dirty="0">
-                <a:solidFill>
-                  <a:srgbClr val="0000FF"/>
-                </a:solidFill>
-                <a:effectLst/>
-                <a:latin typeface="Consolas" panose="020B0609020204030204" pitchFamily="49" charset="0"/>
-              </a:rPr>
-              <a:t>double</a:t>
-            </a:r>
-            <a:r>
-              <a:rPr lang="en-US" b="0" dirty="0">
-                <a:solidFill>
-                  <a:srgbClr val="000000"/>
-                </a:solidFill>
-                <a:effectLst/>
-                <a:latin typeface="Consolas" panose="020B0609020204030204" pitchFamily="49" charset="0"/>
-              </a:rPr>
-              <a:t> </a:t>
-            </a:r>
-            <a:r>
-              <a:rPr lang="en-US" b="0" dirty="0" err="1">
-                <a:solidFill>
-                  <a:srgbClr val="000000"/>
-                </a:solidFill>
-                <a:effectLst/>
-                <a:latin typeface="Consolas" panose="020B0609020204030204" pitchFamily="49" charset="0"/>
-              </a:rPr>
-              <a:t>im</a:t>
-            </a:r>
-            <a:r>
-              <a:rPr lang="en-US" b="0" dirty="0">
-                <a:solidFill>
-                  <a:srgbClr val="000000"/>
-                </a:solidFill>
-                <a:effectLst/>
-                <a:latin typeface="Consolas" panose="020B0609020204030204" pitchFamily="49" charset="0"/>
-              </a:rPr>
-              <a:t>;</a:t>
-            </a:r>
-          </a:p>
-          <a:p>
-            <a:r>
-              <a:rPr lang="en-US" b="0" dirty="0">
-                <a:solidFill>
-                  <a:srgbClr val="000000"/>
-                </a:solidFill>
-                <a:effectLst/>
-                <a:latin typeface="Consolas" panose="020B0609020204030204" pitchFamily="49" charset="0"/>
-              </a:rPr>
-              <a:t>};</a:t>
-            </a:r>
-          </a:p>
-          <a:p>
-            <a:br>
-              <a:rPr lang="en-US" b="0" dirty="0">
-                <a:solidFill>
-                  <a:srgbClr val="000000"/>
-                </a:solidFill>
-                <a:effectLst/>
-                <a:latin typeface="Consolas" panose="020B0609020204030204" pitchFamily="49" charset="0"/>
-              </a:rPr>
-            </a:br>
-            <a:r>
-              <a:rPr lang="en-US" b="0" dirty="0">
-                <a:solidFill>
-                  <a:srgbClr val="0000FF"/>
-                </a:solidFill>
-                <a:effectLst/>
-                <a:latin typeface="Consolas" panose="020B0609020204030204" pitchFamily="49" charset="0"/>
-              </a:rPr>
-              <a:t>class</a:t>
-            </a:r>
-            <a:r>
-              <a:rPr lang="en-US" b="0" dirty="0">
-                <a:solidFill>
-                  <a:srgbClr val="000000"/>
-                </a:solidFill>
-                <a:effectLst/>
-                <a:latin typeface="Consolas" panose="020B0609020204030204" pitchFamily="49" charset="0"/>
-              </a:rPr>
-              <a:t> Rational {</a:t>
-            </a:r>
-          </a:p>
-          <a:p>
-            <a:r>
-              <a:rPr lang="en-US" b="0" dirty="0">
-                <a:solidFill>
-                  <a:srgbClr val="000000"/>
-                </a:solidFill>
-                <a:effectLst/>
-                <a:latin typeface="Consolas" panose="020B0609020204030204" pitchFamily="49" charset="0"/>
-              </a:rPr>
-              <a:t>    </a:t>
-            </a:r>
-            <a:r>
-              <a:rPr lang="en-US" b="0" dirty="0">
-                <a:solidFill>
-                  <a:srgbClr val="0000FF"/>
-                </a:solidFill>
-                <a:effectLst/>
-                <a:latin typeface="Consolas" panose="020B0609020204030204" pitchFamily="49" charset="0"/>
-              </a:rPr>
-              <a:t>int</a:t>
-            </a:r>
-            <a:r>
-              <a:rPr lang="en-US" b="0" dirty="0">
-                <a:solidFill>
-                  <a:srgbClr val="000000"/>
-                </a:solidFill>
-                <a:effectLst/>
-                <a:latin typeface="Consolas" panose="020B0609020204030204" pitchFamily="49" charset="0"/>
-              </a:rPr>
-              <a:t> </a:t>
-            </a:r>
-            <a:r>
-              <a:rPr lang="en-US" b="0" dirty="0" err="1">
-                <a:solidFill>
-                  <a:srgbClr val="000000"/>
-                </a:solidFill>
-                <a:effectLst/>
-                <a:latin typeface="Consolas" panose="020B0609020204030204" pitchFamily="49" charset="0"/>
-              </a:rPr>
-              <a:t>m_numerator</a:t>
-            </a:r>
-            <a:r>
-              <a:rPr lang="en-US" b="0" dirty="0">
-                <a:solidFill>
-                  <a:srgbClr val="000000"/>
-                </a:solidFill>
-                <a:effectLst/>
-                <a:latin typeface="Consolas" panose="020B0609020204030204" pitchFamily="49" charset="0"/>
-              </a:rPr>
-              <a:t>;</a:t>
-            </a:r>
-          </a:p>
-          <a:p>
-            <a:r>
-              <a:rPr lang="en-US" b="0" dirty="0">
-                <a:solidFill>
-                  <a:srgbClr val="000000"/>
-                </a:solidFill>
-                <a:effectLst/>
-                <a:latin typeface="Consolas" panose="020B0609020204030204" pitchFamily="49" charset="0"/>
-              </a:rPr>
-              <a:t>    </a:t>
-            </a:r>
-            <a:r>
-              <a:rPr lang="en-US" b="0" dirty="0">
-                <a:solidFill>
-                  <a:srgbClr val="0000FF"/>
-                </a:solidFill>
-                <a:effectLst/>
-                <a:latin typeface="Consolas" panose="020B0609020204030204" pitchFamily="49" charset="0"/>
-              </a:rPr>
-              <a:t>int</a:t>
-            </a:r>
-            <a:r>
-              <a:rPr lang="en-US" b="0" dirty="0">
-                <a:solidFill>
-                  <a:srgbClr val="000000"/>
-                </a:solidFill>
-                <a:effectLst/>
-                <a:latin typeface="Consolas" panose="020B0609020204030204" pitchFamily="49" charset="0"/>
-              </a:rPr>
-              <a:t> </a:t>
-            </a:r>
-            <a:r>
-              <a:rPr lang="en-US" b="0" dirty="0" err="1">
-                <a:solidFill>
-                  <a:srgbClr val="000000"/>
-                </a:solidFill>
-                <a:effectLst/>
-                <a:latin typeface="Consolas" panose="020B0609020204030204" pitchFamily="49" charset="0"/>
-              </a:rPr>
-              <a:t>m_denominator</a:t>
-            </a:r>
-            <a:r>
-              <a:rPr lang="en-US" b="0" dirty="0">
-                <a:solidFill>
-                  <a:srgbClr val="000000"/>
-                </a:solidFill>
-                <a:effectLst/>
-                <a:latin typeface="Consolas" panose="020B0609020204030204" pitchFamily="49" charset="0"/>
-              </a:rPr>
-              <a:t>;</a:t>
-            </a:r>
-          </a:p>
-          <a:p>
-            <a:r>
-              <a:rPr lang="en-US" b="0" dirty="0">
-                <a:solidFill>
-                  <a:srgbClr val="000000"/>
-                </a:solidFill>
-                <a:effectLst/>
-                <a:latin typeface="Consolas" panose="020B0609020204030204" pitchFamily="49" charset="0"/>
-              </a:rPr>
-              <a:t>};</a:t>
-            </a:r>
-          </a:p>
-          <a:p>
-            <a:br>
-              <a:rPr lang="en-US" b="0" dirty="0">
-                <a:solidFill>
-                  <a:srgbClr val="000000"/>
-                </a:solidFill>
-                <a:effectLst/>
-                <a:latin typeface="Consolas" panose="020B0609020204030204" pitchFamily="49" charset="0"/>
-              </a:rPr>
-            </a:br>
-            <a:r>
-              <a:rPr lang="en-US" b="0" dirty="0">
-                <a:solidFill>
-                  <a:srgbClr val="0000FF"/>
-                </a:solidFill>
-                <a:effectLst/>
-                <a:latin typeface="Consolas" panose="020B0609020204030204" pitchFamily="49" charset="0"/>
-              </a:rPr>
-              <a:t>class</a:t>
-            </a:r>
-            <a:r>
-              <a:rPr lang="en-US" b="0" dirty="0">
-                <a:solidFill>
-                  <a:srgbClr val="000000"/>
-                </a:solidFill>
-                <a:effectLst/>
-                <a:latin typeface="Consolas" panose="020B0609020204030204" pitchFamily="49" charset="0"/>
-              </a:rPr>
-              <a:t> Polygon {</a:t>
-            </a:r>
-          </a:p>
-          <a:p>
-            <a:r>
-              <a:rPr lang="en-US" b="0" dirty="0">
-                <a:solidFill>
-                  <a:srgbClr val="000000"/>
-                </a:solidFill>
-                <a:effectLst/>
-                <a:latin typeface="Consolas" panose="020B0609020204030204" pitchFamily="49" charset="0"/>
-              </a:rPr>
-              <a:t>    std::vector&lt;Point&gt; </a:t>
-            </a:r>
-            <a:r>
-              <a:rPr lang="en-US" b="0" dirty="0" err="1">
-                <a:solidFill>
-                  <a:srgbClr val="000000"/>
-                </a:solidFill>
-                <a:effectLst/>
-                <a:latin typeface="Consolas" panose="020B0609020204030204" pitchFamily="49" charset="0"/>
-              </a:rPr>
-              <a:t>m_vertices</a:t>
-            </a:r>
-            <a:r>
-              <a:rPr lang="en-US" b="0" dirty="0">
-                <a:solidFill>
-                  <a:srgbClr val="000000"/>
-                </a:solidFill>
-                <a:effectLst/>
-                <a:latin typeface="Consolas" panose="020B0609020204030204" pitchFamily="49" charset="0"/>
-              </a:rPr>
-              <a:t>;</a:t>
-            </a:r>
-          </a:p>
-          <a:p>
-            <a:r>
-              <a:rPr lang="en-US" b="0" dirty="0">
-                <a:solidFill>
-                  <a:srgbClr val="000000"/>
-                </a:solidFill>
-                <a:effectLst/>
-                <a:latin typeface="Consolas" panose="020B0609020204030204" pitchFamily="49" charset="0"/>
-              </a:rPr>
-              <a:t>};</a:t>
-            </a:r>
-          </a:p>
-        </p:txBody>
-      </p:sp>
-    </p:spTree>
-    <p:extLst>
-      <p:ext uri="{BB962C8B-B14F-4D97-AF65-F5344CB8AC3E}">
-        <p14:creationId xmlns:p14="http://schemas.microsoft.com/office/powerpoint/2010/main" val="3886857560"/>
-      </p:ext>
-    </p:extLst>
-  </p:cSld>
-  <p:clrMapOvr>
-    <a:masterClrMapping/>
-  </p:clrMapOvr>
-</p:sld>
-</file>
-
 <file path=ppt/slides/slide6.xml><?xml version="1.0" encoding="utf-8"?>
 <p:sld xmlns:a="http://schemas.openxmlformats.org/drawingml/2006/main" xmlns:r="http://schemas.openxmlformats.org/officeDocument/2006/relationships" xmlns:p="http://schemas.openxmlformats.org/presentationml/2006/main">
   <p:cSld>
@@ -11633,6 +11174,730 @@
       </p:grpSpPr>
       <p:sp>
         <p:nvSpPr>
+          <p:cNvPr id="2" name="Заголовок 1">
+            <a:extLst>
+              <a:ext uri="{FF2B5EF4-FFF2-40B4-BE49-F238E27FC236}">
+                <a16:creationId xmlns:a16="http://schemas.microsoft.com/office/drawing/2014/main" id="{3F7EDF0C-5F6E-4497-A839-4FCA94CDB171}"/>
+              </a:ext>
+            </a:extLst>
+          </p:cNvPr>
+          <p:cNvSpPr>
+            <a:spLocks noGrp="1"/>
+          </p:cNvSpPr>
+          <p:nvPr>
+            <p:ph type="title"/>
+          </p:nvPr>
+        </p:nvSpPr>
+        <p:spPr/>
+        <p:txBody>
+          <a:bodyPr/>
+          <a:lstStyle/>
+          <a:p>
+            <a:r>
+              <a:rPr lang="ru-RU" dirty="0"/>
+              <a:t>Примеры</a:t>
+            </a:r>
+          </a:p>
+        </p:txBody>
+      </p:sp>
+      <p:sp>
+        <p:nvSpPr>
+          <p:cNvPr id="3" name="Объект 2">
+            <a:extLst>
+              <a:ext uri="{FF2B5EF4-FFF2-40B4-BE49-F238E27FC236}">
+                <a16:creationId xmlns:a16="http://schemas.microsoft.com/office/drawing/2014/main" id="{4F76F067-A745-4012-8CF4-6EB40B0AB0D1}"/>
+              </a:ext>
+            </a:extLst>
+          </p:cNvPr>
+          <p:cNvSpPr>
+            <a:spLocks noGrp="1"/>
+          </p:cNvSpPr>
+          <p:nvPr>
+            <p:ph idx="1"/>
+          </p:nvPr>
+        </p:nvSpPr>
+        <p:spPr>
+          <a:xfrm>
+            <a:off x="838200" y="1825625"/>
+            <a:ext cx="6553944" cy="4351338"/>
+          </a:xfrm>
+        </p:spPr>
+        <p:txBody>
+          <a:bodyPr>
+            <a:normAutofit fontScale="92500"/>
+          </a:bodyPr>
+          <a:lstStyle/>
+          <a:p>
+            <a:r>
+              <a:rPr lang="ru-RU" dirty="0"/>
+              <a:t>Точка на плоскости</a:t>
+            </a:r>
+          </a:p>
+          <a:p>
+            <a:pPr lvl="1"/>
+            <a:r>
+              <a:rPr lang="ru-RU" dirty="0"/>
+              <a:t>Пара чисел, задающих координаты точки</a:t>
+            </a:r>
+          </a:p>
+          <a:p>
+            <a:r>
+              <a:rPr lang="ru-RU" dirty="0"/>
+              <a:t>Окружность</a:t>
+            </a:r>
+          </a:p>
+          <a:p>
+            <a:pPr lvl="1"/>
+            <a:r>
+              <a:rPr lang="ru-RU" dirty="0"/>
+              <a:t>Точка (центр) и число (радиус)</a:t>
+            </a:r>
+          </a:p>
+          <a:p>
+            <a:r>
+              <a:rPr lang="ru-RU" dirty="0"/>
+              <a:t>Класс комплексных чисел</a:t>
+            </a:r>
+          </a:p>
+          <a:p>
+            <a:pPr lvl="1"/>
+            <a:r>
+              <a:rPr lang="ru-RU" dirty="0"/>
+              <a:t>Действительная и мнимая часть</a:t>
+            </a:r>
+            <a:endParaRPr lang="en-US" dirty="0"/>
+          </a:p>
+          <a:p>
+            <a:r>
+              <a:rPr lang="ru-RU" dirty="0"/>
+              <a:t>Класс рациональных чисел</a:t>
+            </a:r>
+          </a:p>
+          <a:p>
+            <a:pPr lvl="1"/>
+            <a:r>
+              <a:rPr lang="ru-RU" dirty="0"/>
+              <a:t>Пара целых чисел - числитель и знаменатель</a:t>
+            </a:r>
+          </a:p>
+          <a:p>
+            <a:r>
+              <a:rPr lang="ru-RU" dirty="0"/>
+              <a:t>Многоугольник</a:t>
+            </a:r>
+          </a:p>
+          <a:p>
+            <a:pPr lvl="1"/>
+            <a:r>
+              <a:rPr lang="ru-RU" dirty="0"/>
+              <a:t>Координаты вершин</a:t>
+            </a:r>
+          </a:p>
+        </p:txBody>
+      </p:sp>
+      <p:sp>
+        <p:nvSpPr>
+          <p:cNvPr id="7" name="TextBox 6">
+            <a:extLst>
+              <a:ext uri="{FF2B5EF4-FFF2-40B4-BE49-F238E27FC236}">
+                <a16:creationId xmlns:a16="http://schemas.microsoft.com/office/drawing/2014/main" id="{0104880E-E7E2-4F8C-80D3-DB6BEC83767B}"/>
+              </a:ext>
+            </a:extLst>
+          </p:cNvPr>
+          <p:cNvSpPr txBox="1"/>
+          <p:nvPr/>
+        </p:nvSpPr>
+        <p:spPr>
+          <a:xfrm>
+            <a:off x="7536160" y="548680"/>
+            <a:ext cx="4557119" cy="6186309"/>
+          </a:xfrm>
+          <a:prstGeom prst="rect">
+            <a:avLst/>
+          </a:prstGeom>
+          <a:noFill/>
+        </p:spPr>
+        <p:txBody>
+          <a:bodyPr wrap="square">
+            <a:spAutoFit/>
+          </a:bodyPr>
+          <a:lstStyle/>
+          <a:p>
+            <a:r>
+              <a:rPr lang="en-US" b="0" dirty="0">
+                <a:solidFill>
+                  <a:srgbClr val="0000FF"/>
+                </a:solidFill>
+                <a:effectLst/>
+                <a:latin typeface="Consolas" panose="020B0609020204030204" pitchFamily="49" charset="0"/>
+              </a:rPr>
+              <a:t>struct</a:t>
+            </a:r>
+            <a:r>
+              <a:rPr lang="en-US" b="0" dirty="0">
+                <a:solidFill>
+                  <a:srgbClr val="000000"/>
+                </a:solidFill>
+                <a:effectLst/>
+                <a:latin typeface="Consolas" panose="020B0609020204030204" pitchFamily="49" charset="0"/>
+              </a:rPr>
+              <a:t> Point {</a:t>
+            </a:r>
+          </a:p>
+          <a:p>
+            <a:r>
+              <a:rPr lang="en-US" b="0" dirty="0">
+                <a:solidFill>
+                  <a:srgbClr val="000000"/>
+                </a:solidFill>
+                <a:effectLst/>
+                <a:latin typeface="Consolas" panose="020B0609020204030204" pitchFamily="49" charset="0"/>
+              </a:rPr>
+              <a:t>    </a:t>
+            </a:r>
+            <a:r>
+              <a:rPr lang="en-US" b="0" dirty="0">
+                <a:solidFill>
+                  <a:srgbClr val="0000FF"/>
+                </a:solidFill>
+                <a:effectLst/>
+                <a:latin typeface="Consolas" panose="020B0609020204030204" pitchFamily="49" charset="0"/>
+              </a:rPr>
+              <a:t>double</a:t>
+            </a:r>
+            <a:r>
+              <a:rPr lang="en-US" b="0" dirty="0">
+                <a:solidFill>
+                  <a:srgbClr val="000000"/>
+                </a:solidFill>
+                <a:effectLst/>
+                <a:latin typeface="Consolas" panose="020B0609020204030204" pitchFamily="49" charset="0"/>
+              </a:rPr>
+              <a:t> x, y;</a:t>
+            </a:r>
+          </a:p>
+          <a:p>
+            <a:r>
+              <a:rPr lang="en-US" b="0" dirty="0">
+                <a:solidFill>
+                  <a:srgbClr val="000000"/>
+                </a:solidFill>
+                <a:effectLst/>
+                <a:latin typeface="Consolas" panose="020B0609020204030204" pitchFamily="49" charset="0"/>
+              </a:rPr>
+              <a:t>};</a:t>
+            </a:r>
+          </a:p>
+          <a:p>
+            <a:br>
+              <a:rPr lang="en-US" b="0" dirty="0">
+                <a:solidFill>
+                  <a:srgbClr val="000000"/>
+                </a:solidFill>
+                <a:effectLst/>
+                <a:latin typeface="Consolas" panose="020B0609020204030204" pitchFamily="49" charset="0"/>
+              </a:rPr>
+            </a:br>
+            <a:r>
+              <a:rPr lang="en-US" b="0" dirty="0">
+                <a:solidFill>
+                  <a:srgbClr val="0000FF"/>
+                </a:solidFill>
+                <a:effectLst/>
+                <a:latin typeface="Consolas" panose="020B0609020204030204" pitchFamily="49" charset="0"/>
+              </a:rPr>
+              <a:t>class</a:t>
+            </a:r>
+            <a:r>
+              <a:rPr lang="en-US" b="0" dirty="0">
+                <a:solidFill>
+                  <a:srgbClr val="000000"/>
+                </a:solidFill>
+                <a:effectLst/>
+                <a:latin typeface="Consolas" panose="020B0609020204030204" pitchFamily="49" charset="0"/>
+              </a:rPr>
+              <a:t> Circle {</a:t>
+            </a:r>
+          </a:p>
+          <a:p>
+            <a:r>
+              <a:rPr lang="en-US" b="0" dirty="0">
+                <a:solidFill>
+                  <a:srgbClr val="000000"/>
+                </a:solidFill>
+                <a:effectLst/>
+                <a:latin typeface="Consolas" panose="020B0609020204030204" pitchFamily="49" charset="0"/>
+              </a:rPr>
+              <a:t>    Point </a:t>
+            </a:r>
+            <a:r>
+              <a:rPr lang="en-US" b="0" dirty="0" err="1">
+                <a:solidFill>
+                  <a:srgbClr val="000000"/>
+                </a:solidFill>
+                <a:effectLst/>
+                <a:latin typeface="Consolas" panose="020B0609020204030204" pitchFamily="49" charset="0"/>
+              </a:rPr>
+              <a:t>m_center</a:t>
+            </a:r>
+            <a:r>
+              <a:rPr lang="en-US" b="0" dirty="0">
+                <a:solidFill>
+                  <a:srgbClr val="000000"/>
+                </a:solidFill>
+                <a:effectLst/>
+                <a:latin typeface="Consolas" panose="020B0609020204030204" pitchFamily="49" charset="0"/>
+              </a:rPr>
+              <a:t>;</a:t>
+            </a:r>
+          </a:p>
+          <a:p>
+            <a:r>
+              <a:rPr lang="en-US" b="0" dirty="0">
+                <a:solidFill>
+                  <a:srgbClr val="000000"/>
+                </a:solidFill>
+                <a:effectLst/>
+                <a:latin typeface="Consolas" panose="020B0609020204030204" pitchFamily="49" charset="0"/>
+              </a:rPr>
+              <a:t>    </a:t>
+            </a:r>
+            <a:r>
+              <a:rPr lang="en-US" b="0" dirty="0">
+                <a:solidFill>
+                  <a:srgbClr val="0000FF"/>
+                </a:solidFill>
+                <a:effectLst/>
+                <a:latin typeface="Consolas" panose="020B0609020204030204" pitchFamily="49" charset="0"/>
+              </a:rPr>
+              <a:t>double</a:t>
+            </a:r>
+            <a:r>
+              <a:rPr lang="en-US" b="0" dirty="0">
+                <a:solidFill>
+                  <a:srgbClr val="000000"/>
+                </a:solidFill>
+                <a:effectLst/>
+                <a:latin typeface="Consolas" panose="020B0609020204030204" pitchFamily="49" charset="0"/>
+              </a:rPr>
+              <a:t> </a:t>
+            </a:r>
+            <a:r>
+              <a:rPr lang="en-US" b="0" dirty="0" err="1">
+                <a:solidFill>
+                  <a:srgbClr val="000000"/>
+                </a:solidFill>
+                <a:effectLst/>
+                <a:latin typeface="Consolas" panose="020B0609020204030204" pitchFamily="49" charset="0"/>
+              </a:rPr>
+              <a:t>m_radius</a:t>
+            </a:r>
+            <a:r>
+              <a:rPr lang="en-US" b="0" dirty="0">
+                <a:solidFill>
+                  <a:srgbClr val="000000"/>
+                </a:solidFill>
+                <a:effectLst/>
+                <a:latin typeface="Consolas" panose="020B0609020204030204" pitchFamily="49" charset="0"/>
+              </a:rPr>
+              <a:t>;</a:t>
+            </a:r>
+          </a:p>
+          <a:p>
+            <a:r>
+              <a:rPr lang="en-US" b="0" dirty="0">
+                <a:solidFill>
+                  <a:srgbClr val="000000"/>
+                </a:solidFill>
+                <a:effectLst/>
+                <a:latin typeface="Consolas" panose="020B0609020204030204" pitchFamily="49" charset="0"/>
+              </a:rPr>
+              <a:t>};</a:t>
+            </a:r>
+          </a:p>
+          <a:p>
+            <a:br>
+              <a:rPr lang="en-US" b="0" dirty="0">
+                <a:solidFill>
+                  <a:srgbClr val="000000"/>
+                </a:solidFill>
+                <a:effectLst/>
+                <a:latin typeface="Consolas" panose="020B0609020204030204" pitchFamily="49" charset="0"/>
+              </a:rPr>
+            </a:br>
+            <a:r>
+              <a:rPr lang="en-US" b="0" dirty="0">
+                <a:solidFill>
+                  <a:srgbClr val="0000FF"/>
+                </a:solidFill>
+                <a:effectLst/>
+                <a:latin typeface="Consolas" panose="020B0609020204030204" pitchFamily="49" charset="0"/>
+              </a:rPr>
+              <a:t>struct</a:t>
+            </a:r>
+            <a:r>
+              <a:rPr lang="en-US" b="0" dirty="0">
+                <a:solidFill>
+                  <a:srgbClr val="000000"/>
+                </a:solidFill>
+                <a:effectLst/>
+                <a:latin typeface="Consolas" panose="020B0609020204030204" pitchFamily="49" charset="0"/>
+              </a:rPr>
+              <a:t> Complex {</a:t>
+            </a:r>
+          </a:p>
+          <a:p>
+            <a:r>
+              <a:rPr lang="en-US" b="0" dirty="0">
+                <a:solidFill>
+                  <a:srgbClr val="000000"/>
+                </a:solidFill>
+                <a:effectLst/>
+                <a:latin typeface="Consolas" panose="020B0609020204030204" pitchFamily="49" charset="0"/>
+              </a:rPr>
+              <a:t>    </a:t>
+            </a:r>
+            <a:r>
+              <a:rPr lang="en-US" b="0" dirty="0">
+                <a:solidFill>
+                  <a:srgbClr val="0000FF"/>
+                </a:solidFill>
+                <a:effectLst/>
+                <a:latin typeface="Consolas" panose="020B0609020204030204" pitchFamily="49" charset="0"/>
+              </a:rPr>
+              <a:t>double</a:t>
+            </a:r>
+            <a:r>
+              <a:rPr lang="en-US" b="0" dirty="0">
+                <a:solidFill>
+                  <a:srgbClr val="000000"/>
+                </a:solidFill>
+                <a:effectLst/>
+                <a:latin typeface="Consolas" panose="020B0609020204030204" pitchFamily="49" charset="0"/>
+              </a:rPr>
+              <a:t> real;</a:t>
+            </a:r>
+          </a:p>
+          <a:p>
+            <a:r>
+              <a:rPr lang="en-US" b="0" dirty="0">
+                <a:solidFill>
+                  <a:srgbClr val="000000"/>
+                </a:solidFill>
+                <a:effectLst/>
+                <a:latin typeface="Consolas" panose="020B0609020204030204" pitchFamily="49" charset="0"/>
+              </a:rPr>
+              <a:t>    </a:t>
+            </a:r>
+            <a:r>
+              <a:rPr lang="en-US" b="0" dirty="0">
+                <a:solidFill>
+                  <a:srgbClr val="0000FF"/>
+                </a:solidFill>
+                <a:effectLst/>
+                <a:latin typeface="Consolas" panose="020B0609020204030204" pitchFamily="49" charset="0"/>
+              </a:rPr>
+              <a:t>double</a:t>
+            </a:r>
+            <a:r>
+              <a:rPr lang="en-US" b="0" dirty="0">
+                <a:solidFill>
+                  <a:srgbClr val="000000"/>
+                </a:solidFill>
+                <a:effectLst/>
+                <a:latin typeface="Consolas" panose="020B0609020204030204" pitchFamily="49" charset="0"/>
+              </a:rPr>
+              <a:t> </a:t>
+            </a:r>
+            <a:r>
+              <a:rPr lang="en-US" b="0" dirty="0" err="1">
+                <a:solidFill>
+                  <a:srgbClr val="000000"/>
+                </a:solidFill>
+                <a:effectLst/>
+                <a:latin typeface="Consolas" panose="020B0609020204030204" pitchFamily="49" charset="0"/>
+              </a:rPr>
+              <a:t>im</a:t>
+            </a:r>
+            <a:r>
+              <a:rPr lang="en-US" b="0" dirty="0">
+                <a:solidFill>
+                  <a:srgbClr val="000000"/>
+                </a:solidFill>
+                <a:effectLst/>
+                <a:latin typeface="Consolas" panose="020B0609020204030204" pitchFamily="49" charset="0"/>
+              </a:rPr>
+              <a:t>;</a:t>
+            </a:r>
+          </a:p>
+          <a:p>
+            <a:r>
+              <a:rPr lang="en-US" b="0" dirty="0">
+                <a:solidFill>
+                  <a:srgbClr val="000000"/>
+                </a:solidFill>
+                <a:effectLst/>
+                <a:latin typeface="Consolas" panose="020B0609020204030204" pitchFamily="49" charset="0"/>
+              </a:rPr>
+              <a:t>};</a:t>
+            </a:r>
+          </a:p>
+          <a:p>
+            <a:br>
+              <a:rPr lang="en-US" b="0" dirty="0">
+                <a:solidFill>
+                  <a:srgbClr val="000000"/>
+                </a:solidFill>
+                <a:effectLst/>
+                <a:latin typeface="Consolas" panose="020B0609020204030204" pitchFamily="49" charset="0"/>
+              </a:rPr>
+            </a:br>
+            <a:r>
+              <a:rPr lang="en-US" b="0" dirty="0">
+                <a:solidFill>
+                  <a:srgbClr val="0000FF"/>
+                </a:solidFill>
+                <a:effectLst/>
+                <a:latin typeface="Consolas" panose="020B0609020204030204" pitchFamily="49" charset="0"/>
+              </a:rPr>
+              <a:t>class</a:t>
+            </a:r>
+            <a:r>
+              <a:rPr lang="en-US" b="0" dirty="0">
+                <a:solidFill>
+                  <a:srgbClr val="000000"/>
+                </a:solidFill>
+                <a:effectLst/>
+                <a:latin typeface="Consolas" panose="020B0609020204030204" pitchFamily="49" charset="0"/>
+              </a:rPr>
+              <a:t> Rational {</a:t>
+            </a:r>
+          </a:p>
+          <a:p>
+            <a:r>
+              <a:rPr lang="en-US" b="0" dirty="0">
+                <a:solidFill>
+                  <a:srgbClr val="000000"/>
+                </a:solidFill>
+                <a:effectLst/>
+                <a:latin typeface="Consolas" panose="020B0609020204030204" pitchFamily="49" charset="0"/>
+              </a:rPr>
+              <a:t>    </a:t>
+            </a:r>
+            <a:r>
+              <a:rPr lang="en-US" b="0" dirty="0">
+                <a:solidFill>
+                  <a:srgbClr val="0000FF"/>
+                </a:solidFill>
+                <a:effectLst/>
+                <a:latin typeface="Consolas" panose="020B0609020204030204" pitchFamily="49" charset="0"/>
+              </a:rPr>
+              <a:t>int</a:t>
+            </a:r>
+            <a:r>
+              <a:rPr lang="en-US" b="0" dirty="0">
+                <a:solidFill>
+                  <a:srgbClr val="000000"/>
+                </a:solidFill>
+                <a:effectLst/>
+                <a:latin typeface="Consolas" panose="020B0609020204030204" pitchFamily="49" charset="0"/>
+              </a:rPr>
+              <a:t> </a:t>
+            </a:r>
+            <a:r>
+              <a:rPr lang="en-US" b="0" dirty="0" err="1">
+                <a:solidFill>
+                  <a:srgbClr val="000000"/>
+                </a:solidFill>
+                <a:effectLst/>
+                <a:latin typeface="Consolas" panose="020B0609020204030204" pitchFamily="49" charset="0"/>
+              </a:rPr>
+              <a:t>m_numerator</a:t>
+            </a:r>
+            <a:r>
+              <a:rPr lang="en-US" b="0" dirty="0">
+                <a:solidFill>
+                  <a:srgbClr val="000000"/>
+                </a:solidFill>
+                <a:effectLst/>
+                <a:latin typeface="Consolas" panose="020B0609020204030204" pitchFamily="49" charset="0"/>
+              </a:rPr>
+              <a:t>;</a:t>
+            </a:r>
+          </a:p>
+          <a:p>
+            <a:r>
+              <a:rPr lang="en-US" b="0" dirty="0">
+                <a:solidFill>
+                  <a:srgbClr val="000000"/>
+                </a:solidFill>
+                <a:effectLst/>
+                <a:latin typeface="Consolas" panose="020B0609020204030204" pitchFamily="49" charset="0"/>
+              </a:rPr>
+              <a:t>    </a:t>
+            </a:r>
+            <a:r>
+              <a:rPr lang="en-US" b="0" dirty="0">
+                <a:solidFill>
+                  <a:srgbClr val="0000FF"/>
+                </a:solidFill>
+                <a:effectLst/>
+                <a:latin typeface="Consolas" panose="020B0609020204030204" pitchFamily="49" charset="0"/>
+              </a:rPr>
+              <a:t>int</a:t>
+            </a:r>
+            <a:r>
+              <a:rPr lang="en-US" b="0" dirty="0">
+                <a:solidFill>
+                  <a:srgbClr val="000000"/>
+                </a:solidFill>
+                <a:effectLst/>
+                <a:latin typeface="Consolas" panose="020B0609020204030204" pitchFamily="49" charset="0"/>
+              </a:rPr>
+              <a:t> </a:t>
+            </a:r>
+            <a:r>
+              <a:rPr lang="en-US" b="0" dirty="0" err="1">
+                <a:solidFill>
+                  <a:srgbClr val="000000"/>
+                </a:solidFill>
+                <a:effectLst/>
+                <a:latin typeface="Consolas" panose="020B0609020204030204" pitchFamily="49" charset="0"/>
+              </a:rPr>
+              <a:t>m_denominator</a:t>
+            </a:r>
+            <a:r>
+              <a:rPr lang="en-US" b="0" dirty="0">
+                <a:solidFill>
+                  <a:srgbClr val="000000"/>
+                </a:solidFill>
+                <a:effectLst/>
+                <a:latin typeface="Consolas" panose="020B0609020204030204" pitchFamily="49" charset="0"/>
+              </a:rPr>
+              <a:t>;</a:t>
+            </a:r>
+          </a:p>
+          <a:p>
+            <a:r>
+              <a:rPr lang="en-US" b="0" dirty="0">
+                <a:solidFill>
+                  <a:srgbClr val="000000"/>
+                </a:solidFill>
+                <a:effectLst/>
+                <a:latin typeface="Consolas" panose="020B0609020204030204" pitchFamily="49" charset="0"/>
+              </a:rPr>
+              <a:t>};</a:t>
+            </a:r>
+          </a:p>
+          <a:p>
+            <a:br>
+              <a:rPr lang="en-US" b="0" dirty="0">
+                <a:solidFill>
+                  <a:srgbClr val="000000"/>
+                </a:solidFill>
+                <a:effectLst/>
+                <a:latin typeface="Consolas" panose="020B0609020204030204" pitchFamily="49" charset="0"/>
+              </a:rPr>
+            </a:br>
+            <a:r>
+              <a:rPr lang="en-US" b="0" dirty="0">
+                <a:solidFill>
+                  <a:srgbClr val="0000FF"/>
+                </a:solidFill>
+                <a:effectLst/>
+                <a:latin typeface="Consolas" panose="020B0609020204030204" pitchFamily="49" charset="0"/>
+              </a:rPr>
+              <a:t>class</a:t>
+            </a:r>
+            <a:r>
+              <a:rPr lang="en-US" b="0" dirty="0">
+                <a:solidFill>
+                  <a:srgbClr val="000000"/>
+                </a:solidFill>
+                <a:effectLst/>
+                <a:latin typeface="Consolas" panose="020B0609020204030204" pitchFamily="49" charset="0"/>
+              </a:rPr>
+              <a:t> Polygon {</a:t>
+            </a:r>
+          </a:p>
+          <a:p>
+            <a:r>
+              <a:rPr lang="en-US" b="0" dirty="0">
+                <a:solidFill>
+                  <a:srgbClr val="000000"/>
+                </a:solidFill>
+                <a:effectLst/>
+                <a:latin typeface="Consolas" panose="020B0609020204030204" pitchFamily="49" charset="0"/>
+              </a:rPr>
+              <a:t>    std::vector&lt;Point&gt; </a:t>
+            </a:r>
+            <a:r>
+              <a:rPr lang="en-US" b="0" dirty="0" err="1">
+                <a:solidFill>
+                  <a:srgbClr val="000000"/>
+                </a:solidFill>
+                <a:effectLst/>
+                <a:latin typeface="Consolas" panose="020B0609020204030204" pitchFamily="49" charset="0"/>
+              </a:rPr>
+              <a:t>m_vertices</a:t>
+            </a:r>
+            <a:r>
+              <a:rPr lang="en-US" b="0" dirty="0">
+                <a:solidFill>
+                  <a:srgbClr val="000000"/>
+                </a:solidFill>
+                <a:effectLst/>
+                <a:latin typeface="Consolas" panose="020B0609020204030204" pitchFamily="49" charset="0"/>
+              </a:rPr>
+              <a:t>;</a:t>
+            </a:r>
+          </a:p>
+          <a:p>
+            <a:r>
+              <a:rPr lang="en-US" b="0" dirty="0">
+                <a:solidFill>
+                  <a:srgbClr val="000000"/>
+                </a:solidFill>
+                <a:effectLst/>
+                <a:latin typeface="Consolas" panose="020B0609020204030204" pitchFamily="49" charset="0"/>
+              </a:rPr>
+              <a:t>};</a:t>
+            </a:r>
+          </a:p>
+        </p:txBody>
+      </p:sp>
+    </p:spTree>
+    <p:extLst>
+      <p:ext uri="{BB962C8B-B14F-4D97-AF65-F5344CB8AC3E}">
+        <p14:creationId xmlns:p14="http://schemas.microsoft.com/office/powerpoint/2010/main" val="3886857560"/>
+      </p:ext>
+    </p:extLst>
+  </p:cSld>
+  <p:clrMapOvr>
+    <a:masterClrMapping/>
+  </p:clrMapOvr>
+</p:sld>
+</file>
+
+<file path=ppt/slides/slide7.xml><?xml version="1.0" encoding="utf-8"?>
+<p:sld xmlns:a="http://schemas.openxmlformats.org/drawingml/2006/main" xmlns:r="http://schemas.openxmlformats.org/officeDocument/2006/relationships" xmlns:p="http://schemas.openxmlformats.org/presentationml/2006/main">
+  <p:cSld>
+    <p:spTree>
+      <p:nvGrpSpPr>
+        <p:cNvPr id="1" name=""/>
+        <p:cNvGrpSpPr/>
+        <p:nvPr/>
+      </p:nvGrpSpPr>
+      <p:grpSpPr>
+        <a:xfrm>
+          <a:off x="0" y="0"/>
+          <a:ext cx="0" cy="0"/>
+          <a:chOff x="0" y="0"/>
+          <a:chExt cx="0" cy="0"/>
+        </a:xfrm>
+      </p:grpSpPr>
+      <p:sp>
+        <p:nvSpPr>
           <p:cNvPr id="4" name="Заголовок 3">
             <a:extLst>
               <a:ext uri="{FF2B5EF4-FFF2-40B4-BE49-F238E27FC236}">
@@ -12592,7 +12857,7 @@
 </p:sld>
 </file>
 
-<file path=ppt/slides/slide7.xml><?xml version="1.0" encoding="utf-8"?>
+<file path=ppt/slides/slide8.xml><?xml version="1.0" encoding="utf-8"?>
 <p:sld xmlns:a="http://schemas.openxmlformats.org/drawingml/2006/main" xmlns:r="http://schemas.openxmlformats.org/officeDocument/2006/relationships" xmlns:p="http://schemas.openxmlformats.org/presentationml/2006/main">
   <p:cSld>
     <p:spTree>
@@ -12688,89 +12953,6 @@
 </p:sld>
 </file>
 
-<file path=ppt/slides/slide8.xml><?xml version="1.0" encoding="utf-8"?>
-<p:sld xmlns:a="http://schemas.openxmlformats.org/drawingml/2006/main" xmlns:r="http://schemas.openxmlformats.org/officeDocument/2006/relationships" xmlns:p="http://schemas.openxmlformats.org/presentationml/2006/main">
-  <p:cSld>
-    <p:spTree>
-      <p:nvGrpSpPr>
-        <p:cNvPr id="1" name=""/>
-        <p:cNvGrpSpPr/>
-        <p:nvPr/>
-      </p:nvGrpSpPr>
-      <p:grpSpPr>
-        <a:xfrm>
-          <a:off x="0" y="0"/>
-          <a:ext cx="0" cy="0"/>
-          <a:chOff x="0" y="0"/>
-          <a:chExt cx="0" cy="0"/>
-        </a:xfrm>
-      </p:grpSpPr>
-      <p:sp>
-        <p:nvSpPr>
-          <p:cNvPr id="2" name="Заголовок 1">
-            <a:extLst>
-              <a:ext uri="{FF2B5EF4-FFF2-40B4-BE49-F238E27FC236}">
-                <a16:creationId xmlns:a16="http://schemas.microsoft.com/office/drawing/2014/main" id="{7DFA4413-24DE-4ED2-B703-609DAF7FCBE2}"/>
-              </a:ext>
-            </a:extLst>
-          </p:cNvPr>
-          <p:cNvSpPr>
-            <a:spLocks noGrp="1"/>
-          </p:cNvSpPr>
-          <p:nvPr>
-            <p:ph type="title"/>
-          </p:nvPr>
-        </p:nvSpPr>
-        <p:spPr/>
-        <p:txBody>
-          <a:bodyPr/>
-          <a:lstStyle/>
-          <a:p>
-            <a:r>
-              <a:rPr lang="ru-RU" dirty="0"/>
-              <a:t>Агрегация</a:t>
-            </a:r>
-          </a:p>
-        </p:txBody>
-      </p:sp>
-      <p:sp>
-        <p:nvSpPr>
-          <p:cNvPr id="3" name="Текст 2">
-            <a:extLst>
-              <a:ext uri="{FF2B5EF4-FFF2-40B4-BE49-F238E27FC236}">
-                <a16:creationId xmlns:a16="http://schemas.microsoft.com/office/drawing/2014/main" id="{8C8A4E74-53CF-43B7-8A16-81BF6EC55242}"/>
-              </a:ext>
-            </a:extLst>
-          </p:cNvPr>
-          <p:cNvSpPr>
-            <a:spLocks noGrp="1"/>
-          </p:cNvSpPr>
-          <p:nvPr>
-            <p:ph type="body" idx="1"/>
-          </p:nvPr>
-        </p:nvSpPr>
-        <p:spPr/>
-        <p:txBody>
-          <a:bodyPr/>
-          <a:lstStyle/>
-          <a:p>
-            <a:endParaRPr lang="ru-RU"/>
-          </a:p>
-        </p:txBody>
-      </p:sp>
-    </p:spTree>
-    <p:extLst>
-      <p:ext uri="{BB962C8B-B14F-4D97-AF65-F5344CB8AC3E}">
-        <p14:creationId xmlns:p14="http://schemas.microsoft.com/office/powerpoint/2010/main" val="3778601015"/>
-      </p:ext>
-    </p:extLst>
-  </p:cSld>
-  <p:clrMapOvr>
-    <a:masterClrMapping/>
-  </p:clrMapOvr>
-</p:sld>
-</file>
-
 <file path=ppt/slides/slide9.xml><?xml version="1.0" encoding="utf-8"?>
 <p:sld xmlns:a="http://schemas.openxmlformats.org/drawingml/2006/main" xmlns:r="http://schemas.openxmlformats.org/officeDocument/2006/relationships" xmlns:p="http://schemas.openxmlformats.org/presentationml/2006/main">
   <p:cSld>
@@ -12793,7 +12975,7 @@
           <p:cNvPr id="2" name="Заголовок 1">
             <a:extLst>
               <a:ext uri="{FF2B5EF4-FFF2-40B4-BE49-F238E27FC236}">
-                <a16:creationId xmlns:a16="http://schemas.microsoft.com/office/drawing/2014/main" id="{D73E1AC1-1020-4294-A077-007A71C780F3}"/>
+                <a16:creationId xmlns:a16="http://schemas.microsoft.com/office/drawing/2014/main" id="{7DFA4413-24DE-4ED2-B703-609DAF7FCBE2}"/>
               </a:ext>
             </a:extLst>
           </p:cNvPr>
@@ -12811,51 +12993,40 @@
           <a:p>
             <a:r>
               <a:rPr lang="ru-RU" dirty="0"/>
-              <a:t>Агрегация и делегирование</a:t>
-            </a:r>
-          </a:p>
-        </p:txBody>
-      </p:sp>
-      <p:pic>
-        <p:nvPicPr>
-          <p:cNvPr id="5" name="Рисунок 4">
+              <a:t>Агрегация</a:t>
+            </a:r>
+          </a:p>
+        </p:txBody>
+      </p:sp>
+      <p:sp>
+        <p:nvSpPr>
+          <p:cNvPr id="3" name="Текст 2">
             <a:extLst>
               <a:ext uri="{FF2B5EF4-FFF2-40B4-BE49-F238E27FC236}">
-                <a16:creationId xmlns:a16="http://schemas.microsoft.com/office/drawing/2014/main" id="{CA871CF4-AACF-395E-5682-5A4F4F5F35D0}"/>
+                <a16:creationId xmlns:a16="http://schemas.microsoft.com/office/drawing/2014/main" id="{8C8A4E74-53CF-43B7-8A16-81BF6EC55242}"/>
               </a:ext>
             </a:extLst>
           </p:cNvPr>
-          <p:cNvPicPr>
-            <a:picLocks noChangeAspect="1"/>
-          </p:cNvPicPr>
-          <p:nvPr/>
-        </p:nvPicPr>
-        <p:blipFill>
-          <a:blip r:embed="rId3">
-            <a:extLst>
-              <a:ext uri="{28A0092B-C50C-407E-A947-70E740481C1C}">
-                <a14:useLocalDpi xmlns:a14="http://schemas.microsoft.com/office/drawing/2010/main" val="0"/>
-              </a:ext>
-            </a:extLst>
-          </a:blip>
-          <a:stretch>
-            <a:fillRect/>
-          </a:stretch>
-        </p:blipFill>
-        <p:spPr>
-          <a:xfrm>
-            <a:off x="2938264" y="2492896"/>
-            <a:ext cx="6470104" cy="3702850"/>
-          </a:xfrm>
-          <a:prstGeom prst="rect">
-            <a:avLst/>
-          </a:prstGeom>
-        </p:spPr>
-      </p:pic>
+          <p:cNvSpPr>
+            <a:spLocks noGrp="1"/>
+          </p:cNvSpPr>
+          <p:nvPr>
+            <p:ph type="body" idx="1"/>
+          </p:nvPr>
+        </p:nvSpPr>
+        <p:spPr/>
+        <p:txBody>
+          <a:bodyPr/>
+          <a:lstStyle/>
+          <a:p>
+            <a:endParaRPr lang="ru-RU"/>
+          </a:p>
+        </p:txBody>
+      </p:sp>
     </p:spTree>
     <p:extLst>
       <p:ext uri="{BB962C8B-B14F-4D97-AF65-F5344CB8AC3E}">
-        <p14:creationId xmlns:p14="http://schemas.microsoft.com/office/powerpoint/2010/main" val="3997726164"/>
+        <p14:creationId xmlns:p14="http://schemas.microsoft.com/office/powerpoint/2010/main" val="3778601015"/>
       </p:ext>
     </p:extLst>
   </p:cSld>
